--- a/WDSR - ćwiczenie 4.pptx
+++ b/WDSR - ćwiczenie 4.pptx
@@ -5,10 +5,10 @@
     <p:sldMasterId id="2147483669" r:id="rId5"/>
   </p:sldMasterIdLst>
   <p:notesMasterIdLst>
-    <p:notesMasterId r:id="rId32"/>
+    <p:notesMasterId r:id="rId33"/>
   </p:notesMasterIdLst>
   <p:handoutMasterIdLst>
-    <p:handoutMasterId r:id="rId33"/>
+    <p:handoutMasterId r:id="rId34"/>
   </p:handoutMasterIdLst>
   <p:sldIdLst>
     <p:sldId id="286" r:id="rId6"/>
@@ -18,25 +18,26 @@
     <p:sldId id="446" r:id="rId10"/>
     <p:sldId id="445" r:id="rId11"/>
     <p:sldId id="447" r:id="rId12"/>
-    <p:sldId id="448" r:id="rId13"/>
-    <p:sldId id="449" r:id="rId14"/>
-    <p:sldId id="402" r:id="rId15"/>
-    <p:sldId id="417" r:id="rId16"/>
-    <p:sldId id="390" r:id="rId17"/>
-    <p:sldId id="450" r:id="rId18"/>
-    <p:sldId id="451" r:id="rId19"/>
-    <p:sldId id="452" r:id="rId20"/>
-    <p:sldId id="453" r:id="rId21"/>
-    <p:sldId id="454" r:id="rId22"/>
-    <p:sldId id="456" r:id="rId23"/>
-    <p:sldId id="455" r:id="rId24"/>
-    <p:sldId id="457" r:id="rId25"/>
-    <p:sldId id="464" r:id="rId26"/>
-    <p:sldId id="458" r:id="rId27"/>
-    <p:sldId id="461" r:id="rId28"/>
-    <p:sldId id="462" r:id="rId29"/>
-    <p:sldId id="463" r:id="rId30"/>
-    <p:sldId id="324" r:id="rId31"/>
+    <p:sldId id="465" r:id="rId13"/>
+    <p:sldId id="448" r:id="rId14"/>
+    <p:sldId id="449" r:id="rId15"/>
+    <p:sldId id="402" r:id="rId16"/>
+    <p:sldId id="417" r:id="rId17"/>
+    <p:sldId id="390" r:id="rId18"/>
+    <p:sldId id="450" r:id="rId19"/>
+    <p:sldId id="451" r:id="rId20"/>
+    <p:sldId id="452" r:id="rId21"/>
+    <p:sldId id="453" r:id="rId22"/>
+    <p:sldId id="454" r:id="rId23"/>
+    <p:sldId id="456" r:id="rId24"/>
+    <p:sldId id="455" r:id="rId25"/>
+    <p:sldId id="457" r:id="rId26"/>
+    <p:sldId id="464" r:id="rId27"/>
+    <p:sldId id="458" r:id="rId28"/>
+    <p:sldId id="461" r:id="rId29"/>
+    <p:sldId id="462" r:id="rId30"/>
+    <p:sldId id="463" r:id="rId31"/>
+    <p:sldId id="324" r:id="rId32"/>
   </p:sldIdLst>
   <p:sldSz cx="9144000" cy="5143500" type="screen16x9"/>
   <p:notesSz cx="6858000" cy="9144000"/>
@@ -137,7 +138,7 @@
   </p:defaultTextStyle>
   <p:extLst>
     <p:ext uri="{EFAFB233-063F-42B5-8137-9DF3F51BA10A}">
-      <p15:sldGuideLst xmlns="" xmlns:p15="http://schemas.microsoft.com/office/powerpoint/2012/main">
+      <p15:sldGuideLst xmlns:p15="http://schemas.microsoft.com/office/powerpoint/2012/main" xmlns="">
         <p15:guide id="1" orient="horz" pos="1620">
           <p15:clr>
             <a:srgbClr val="A4A3A4"/>
@@ -171,7 +172,7 @@
       </p15:sldGuideLst>
     </p:ext>
     <p:ext uri="{2D200454-40CA-4A62-9FC3-DE9A4176ACB9}">
-      <p15:notesGuideLst xmlns="" xmlns:p15="http://schemas.microsoft.com/office/powerpoint/2012/main"/>
+      <p15:notesGuideLst xmlns:p15="http://schemas.microsoft.com/office/powerpoint/2012/main" xmlns=""/>
     </p:ext>
   </p:extLst>
 </p:presentation>
@@ -266,7 +267,7 @@
             <a:fld id="{C4843D26-F355-3844-A4EF-19D4FD875597}" type="datetimeFigureOut">
               <a:rPr lang="de-DE" smtClean="0"/>
               <a:pPr/>
-              <a:t>26.04.2016</a:t>
+              <a:t>09.04.2017</a:t>
             </a:fld>
             <a:endParaRPr lang="de-DE" dirty="0"/>
           </a:p>
@@ -342,7 +343,7 @@
     </p:spTree>
     <p:extLst>
       <p:ext uri="{BB962C8B-B14F-4D97-AF65-F5344CB8AC3E}">
-        <p14:creationId xmlns:p14="http://schemas.microsoft.com/office/powerpoint/2010/main" val="1863735379"/>
+        <p14:creationId xmlns:p14="http://schemas.microsoft.com/office/powerpoint/2010/main" xmlns="" val="1863735379"/>
       </p:ext>
     </p:extLst>
   </p:cSld>
@@ -434,7 +435,7 @@
             <a:fld id="{8E2CFE12-C1FB-D740-8B6C-AFB72D5D4002}" type="datetimeFigureOut">
               <a:rPr lang="de-DE" smtClean="0"/>
               <a:pPr/>
-              <a:t>26.04.2016</a:t>
+              <a:t>09.04.2017</a:t>
             </a:fld>
             <a:endParaRPr lang="de-DE" dirty="0"/>
           </a:p>
@@ -603,7 +604,7 @@
     </p:spTree>
     <p:extLst>
       <p:ext uri="{BB962C8B-B14F-4D97-AF65-F5344CB8AC3E}">
-        <p14:creationId xmlns:p14="http://schemas.microsoft.com/office/powerpoint/2010/main" val="1832403913"/>
+        <p14:creationId xmlns:p14="http://schemas.microsoft.com/office/powerpoint/2010/main" xmlns="" val="1832403913"/>
       </p:ext>
     </p:extLst>
   </p:cSld>
@@ -781,7 +782,7 @@
     </p:spTree>
     <p:extLst>
       <p:ext uri="{BB962C8B-B14F-4D97-AF65-F5344CB8AC3E}">
-        <p14:creationId xmlns:p14="http://schemas.microsoft.com/office/powerpoint/2010/main" val="1775613547"/>
+        <p14:creationId xmlns:p14="http://schemas.microsoft.com/office/powerpoint/2010/main" xmlns="" val="1775613547"/>
       </p:ext>
     </p:extLst>
   </p:cSld>
@@ -868,7 +869,7 @@
     </p:spTree>
     <p:extLst>
       <p:ext uri="{BB962C8B-B14F-4D97-AF65-F5344CB8AC3E}">
-        <p14:creationId xmlns:p14="http://schemas.microsoft.com/office/powerpoint/2010/main" val="1883132698"/>
+        <p14:creationId xmlns:p14="http://schemas.microsoft.com/office/powerpoint/2010/main" xmlns="" val="1883132698"/>
       </p:ext>
     </p:extLst>
   </p:cSld>
@@ -955,7 +956,7 @@
     </p:spTree>
     <p:extLst>
       <p:ext uri="{BB962C8B-B14F-4D97-AF65-F5344CB8AC3E}">
-        <p14:creationId xmlns:p14="http://schemas.microsoft.com/office/powerpoint/2010/main" val="1883132698"/>
+        <p14:creationId xmlns:p14="http://schemas.microsoft.com/office/powerpoint/2010/main" xmlns="" val="1883132698"/>
       </p:ext>
     </p:extLst>
   </p:cSld>
@@ -1042,7 +1043,7 @@
     </p:spTree>
     <p:extLst>
       <p:ext uri="{BB962C8B-B14F-4D97-AF65-F5344CB8AC3E}">
-        <p14:creationId xmlns:p14="http://schemas.microsoft.com/office/powerpoint/2010/main" val="1093544291"/>
+        <p14:creationId xmlns:p14="http://schemas.microsoft.com/office/powerpoint/2010/main" xmlns="" val="1883132698"/>
       </p:ext>
     </p:extLst>
   </p:cSld>
@@ -1129,7 +1130,7 @@
     </p:spTree>
     <p:extLst>
       <p:ext uri="{BB962C8B-B14F-4D97-AF65-F5344CB8AC3E}">
-        <p14:creationId xmlns:p14="http://schemas.microsoft.com/office/powerpoint/2010/main" val="1883132698"/>
+        <p14:creationId xmlns:p14="http://schemas.microsoft.com/office/powerpoint/2010/main" xmlns="" val="1093544291"/>
       </p:ext>
     </p:extLst>
   </p:cSld>
@@ -1216,7 +1217,7 @@
     </p:spTree>
     <p:extLst>
       <p:ext uri="{BB962C8B-B14F-4D97-AF65-F5344CB8AC3E}">
-        <p14:creationId xmlns:p14="http://schemas.microsoft.com/office/powerpoint/2010/main" val="1883132698"/>
+        <p14:creationId xmlns:p14="http://schemas.microsoft.com/office/powerpoint/2010/main" xmlns="" val="1883132698"/>
       </p:ext>
     </p:extLst>
   </p:cSld>
@@ -1303,7 +1304,7 @@
     </p:spTree>
     <p:extLst>
       <p:ext uri="{BB962C8B-B14F-4D97-AF65-F5344CB8AC3E}">
-        <p14:creationId xmlns:p14="http://schemas.microsoft.com/office/powerpoint/2010/main" val="1883132698"/>
+        <p14:creationId xmlns:p14="http://schemas.microsoft.com/office/powerpoint/2010/main" xmlns="" val="1883132698"/>
       </p:ext>
     </p:extLst>
   </p:cSld>
@@ -1390,7 +1391,7 @@
     </p:spTree>
     <p:extLst>
       <p:ext uri="{BB962C8B-B14F-4D97-AF65-F5344CB8AC3E}">
-        <p14:creationId xmlns:p14="http://schemas.microsoft.com/office/powerpoint/2010/main" val="1883132698"/>
+        <p14:creationId xmlns:p14="http://schemas.microsoft.com/office/powerpoint/2010/main" xmlns="" val="1883132698"/>
       </p:ext>
     </p:extLst>
   </p:cSld>
@@ -1477,7 +1478,7 @@
     </p:spTree>
     <p:extLst>
       <p:ext uri="{BB962C8B-B14F-4D97-AF65-F5344CB8AC3E}">
-        <p14:creationId xmlns:p14="http://schemas.microsoft.com/office/powerpoint/2010/main" val="1883132698"/>
+        <p14:creationId xmlns:p14="http://schemas.microsoft.com/office/powerpoint/2010/main" xmlns="" val="1883132698"/>
       </p:ext>
     </p:extLst>
   </p:cSld>
@@ -1564,7 +1565,7 @@
     </p:spTree>
     <p:extLst>
       <p:ext uri="{BB962C8B-B14F-4D97-AF65-F5344CB8AC3E}">
-        <p14:creationId xmlns:p14="http://schemas.microsoft.com/office/powerpoint/2010/main" val="1883132698"/>
+        <p14:creationId xmlns:p14="http://schemas.microsoft.com/office/powerpoint/2010/main" xmlns="" val="1883132698"/>
       </p:ext>
     </p:extLst>
   </p:cSld>
@@ -1651,7 +1652,7 @@
     </p:spTree>
     <p:extLst>
       <p:ext uri="{BB962C8B-B14F-4D97-AF65-F5344CB8AC3E}">
-        <p14:creationId xmlns:p14="http://schemas.microsoft.com/office/powerpoint/2010/main" val="1883132698"/>
+        <p14:creationId xmlns:p14="http://schemas.microsoft.com/office/powerpoint/2010/main" xmlns="" val="1883132698"/>
       </p:ext>
     </p:extLst>
   </p:cSld>
@@ -1738,7 +1739,7 @@
     </p:spTree>
     <p:extLst>
       <p:ext uri="{BB962C8B-B14F-4D97-AF65-F5344CB8AC3E}">
-        <p14:creationId xmlns:p14="http://schemas.microsoft.com/office/powerpoint/2010/main" val="1441376820"/>
+        <p14:creationId xmlns:p14="http://schemas.microsoft.com/office/powerpoint/2010/main" xmlns="" val="1441376820"/>
       </p:ext>
     </p:extLst>
   </p:cSld>
@@ -1825,7 +1826,7 @@
     </p:spTree>
     <p:extLst>
       <p:ext uri="{BB962C8B-B14F-4D97-AF65-F5344CB8AC3E}">
-        <p14:creationId xmlns:p14="http://schemas.microsoft.com/office/powerpoint/2010/main" val="1883132698"/>
+        <p14:creationId xmlns:p14="http://schemas.microsoft.com/office/powerpoint/2010/main" xmlns="" val="1883132698"/>
       </p:ext>
     </p:extLst>
   </p:cSld>
@@ -1912,7 +1913,7 @@
     </p:spTree>
     <p:extLst>
       <p:ext uri="{BB962C8B-B14F-4D97-AF65-F5344CB8AC3E}">
-        <p14:creationId xmlns:p14="http://schemas.microsoft.com/office/powerpoint/2010/main" val="1883132698"/>
+        <p14:creationId xmlns:p14="http://schemas.microsoft.com/office/powerpoint/2010/main" xmlns="" val="1883132698"/>
       </p:ext>
     </p:extLst>
   </p:cSld>
@@ -1999,7 +2000,7 @@
     </p:spTree>
     <p:extLst>
       <p:ext uri="{BB962C8B-B14F-4D97-AF65-F5344CB8AC3E}">
-        <p14:creationId xmlns:p14="http://schemas.microsoft.com/office/powerpoint/2010/main" val="1883132698"/>
+        <p14:creationId xmlns:p14="http://schemas.microsoft.com/office/powerpoint/2010/main" xmlns="" val="1883132698"/>
       </p:ext>
     </p:extLst>
   </p:cSld>
@@ -2086,7 +2087,7 @@
     </p:spTree>
     <p:extLst>
       <p:ext uri="{BB962C8B-B14F-4D97-AF65-F5344CB8AC3E}">
-        <p14:creationId xmlns:p14="http://schemas.microsoft.com/office/powerpoint/2010/main" val="1883132698"/>
+        <p14:creationId xmlns:p14="http://schemas.microsoft.com/office/powerpoint/2010/main" xmlns="" val="1883132698"/>
       </p:ext>
     </p:extLst>
   </p:cSld>
@@ -2173,7 +2174,94 @@
     </p:spTree>
     <p:extLst>
       <p:ext uri="{BB962C8B-B14F-4D97-AF65-F5344CB8AC3E}">
-        <p14:creationId xmlns:p14="http://schemas.microsoft.com/office/powerpoint/2010/main" val="1883132698"/>
+        <p14:creationId xmlns:p14="http://schemas.microsoft.com/office/powerpoint/2010/main" xmlns="" val="1883132698"/>
+      </p:ext>
+    </p:extLst>
+  </p:cSld>
+  <p:clrMapOvr>
+    <a:masterClrMapping/>
+  </p:clrMapOvr>
+</p:notes>
+</file>
+
+<file path=ppt/notesSlides/notesSlide25.xml><?xml version="1.0" encoding="utf-8"?>
+<p:notes xmlns:a="http://schemas.openxmlformats.org/drawingml/2006/main" xmlns:r="http://schemas.openxmlformats.org/officeDocument/2006/relationships" xmlns:p="http://schemas.openxmlformats.org/presentationml/2006/main">
+  <p:cSld>
+    <p:spTree>
+      <p:nvGrpSpPr>
+        <p:cNvPr id="1" name=""/>
+        <p:cNvGrpSpPr/>
+        <p:nvPr/>
+      </p:nvGrpSpPr>
+      <p:grpSpPr>
+        <a:xfrm>
+          <a:off x="0" y="0"/>
+          <a:ext cx="0" cy="0"/>
+          <a:chOff x="0" y="0"/>
+          <a:chExt cx="0" cy="0"/>
+        </a:xfrm>
+      </p:grpSpPr>
+      <p:sp>
+        <p:nvSpPr>
+          <p:cNvPr id="2" name="Folienbildplatzhalter 1"/>
+          <p:cNvSpPr>
+            <a:spLocks noGrp="1" noRot="1" noChangeAspect="1"/>
+          </p:cNvSpPr>
+          <p:nvPr>
+            <p:ph type="sldImg"/>
+          </p:nvPr>
+        </p:nvSpPr>
+        <p:spPr/>
+      </p:sp>
+      <p:sp>
+        <p:nvSpPr>
+          <p:cNvPr id="3" name="Notizenplatzhalter 2"/>
+          <p:cNvSpPr>
+            <a:spLocks noGrp="1"/>
+          </p:cNvSpPr>
+          <p:nvPr>
+            <p:ph type="body" idx="1"/>
+          </p:nvPr>
+        </p:nvSpPr>
+        <p:spPr/>
+        <p:txBody>
+          <a:bodyPr>
+            <a:normAutofit/>
+          </a:bodyPr>
+          <a:lstStyle/>
+          <a:p>
+            <a:endParaRPr lang="de-DE" dirty="0"/>
+          </a:p>
+        </p:txBody>
+      </p:sp>
+      <p:sp>
+        <p:nvSpPr>
+          <p:cNvPr id="4" name="Foliennummernplatzhalter 3"/>
+          <p:cNvSpPr>
+            <a:spLocks noGrp="1"/>
+          </p:cNvSpPr>
+          <p:nvPr>
+            <p:ph type="sldNum" sz="quarter" idx="10"/>
+          </p:nvPr>
+        </p:nvSpPr>
+        <p:spPr/>
+        <p:txBody>
+          <a:bodyPr/>
+          <a:lstStyle/>
+          <a:p>
+            <a:fld id="{150BA478-331B-4C41-B0D5-A69E59A4437F}" type="slidenum">
+              <a:rPr lang="de-DE" smtClean="0"/>
+              <a:pPr/>
+              <a:t>26</a:t>
+            </a:fld>
+            <a:endParaRPr lang="de-DE" dirty="0"/>
+          </a:p>
+        </p:txBody>
+      </p:sp>
+    </p:spTree>
+    <p:extLst>
+      <p:ext uri="{BB962C8B-B14F-4D97-AF65-F5344CB8AC3E}">
+        <p14:creationId xmlns:p14="http://schemas.microsoft.com/office/powerpoint/2010/main" xmlns="" val="1883132698"/>
       </p:ext>
     </p:extLst>
   </p:cSld>
@@ -2260,7 +2348,7 @@
     </p:spTree>
     <p:extLst>
       <p:ext uri="{BB962C8B-B14F-4D97-AF65-F5344CB8AC3E}">
-        <p14:creationId xmlns:p14="http://schemas.microsoft.com/office/powerpoint/2010/main" val="1775613547"/>
+        <p14:creationId xmlns:p14="http://schemas.microsoft.com/office/powerpoint/2010/main" xmlns="" val="1775613547"/>
       </p:ext>
     </p:extLst>
   </p:cSld>
@@ -2347,7 +2435,7 @@
     </p:spTree>
     <p:extLst>
       <p:ext uri="{BB962C8B-B14F-4D97-AF65-F5344CB8AC3E}">
-        <p14:creationId xmlns:p14="http://schemas.microsoft.com/office/powerpoint/2010/main" val="2301285577"/>
+        <p14:creationId xmlns:p14="http://schemas.microsoft.com/office/powerpoint/2010/main" xmlns="" val="2301285577"/>
       </p:ext>
     </p:extLst>
   </p:cSld>
@@ -2434,7 +2522,7 @@
     </p:spTree>
     <p:extLst>
       <p:ext uri="{BB962C8B-B14F-4D97-AF65-F5344CB8AC3E}">
-        <p14:creationId xmlns:p14="http://schemas.microsoft.com/office/powerpoint/2010/main" val="3496517690"/>
+        <p14:creationId xmlns:p14="http://schemas.microsoft.com/office/powerpoint/2010/main" xmlns="" val="3496517690"/>
       </p:ext>
     </p:extLst>
   </p:cSld>
@@ -2521,7 +2609,7 @@
     </p:spTree>
     <p:extLst>
       <p:ext uri="{BB962C8B-B14F-4D97-AF65-F5344CB8AC3E}">
-        <p14:creationId xmlns:p14="http://schemas.microsoft.com/office/powerpoint/2010/main" val="669364011"/>
+        <p14:creationId xmlns:p14="http://schemas.microsoft.com/office/powerpoint/2010/main" xmlns="" val="669364011"/>
       </p:ext>
     </p:extLst>
   </p:cSld>
@@ -2608,7 +2696,7 @@
     </p:spTree>
     <p:extLst>
       <p:ext uri="{BB962C8B-B14F-4D97-AF65-F5344CB8AC3E}">
-        <p14:creationId xmlns:p14="http://schemas.microsoft.com/office/powerpoint/2010/main" val="182119063"/>
+        <p14:creationId xmlns:p14="http://schemas.microsoft.com/office/powerpoint/2010/main" xmlns="" val="669364011"/>
       </p:ext>
     </p:extLst>
   </p:cSld>
@@ -2695,7 +2783,7 @@
     </p:spTree>
     <p:extLst>
       <p:ext uri="{BB962C8B-B14F-4D97-AF65-F5344CB8AC3E}">
-        <p14:creationId xmlns:p14="http://schemas.microsoft.com/office/powerpoint/2010/main" val="411415049"/>
+        <p14:creationId xmlns:p14="http://schemas.microsoft.com/office/powerpoint/2010/main" xmlns="" val="182119063"/>
       </p:ext>
     </p:extLst>
   </p:cSld>
@@ -2782,7 +2870,7 @@
     </p:spTree>
     <p:extLst>
       <p:ext uri="{BB962C8B-B14F-4D97-AF65-F5344CB8AC3E}">
-        <p14:creationId xmlns:p14="http://schemas.microsoft.com/office/powerpoint/2010/main" val="1883132698"/>
+        <p14:creationId xmlns:p14="http://schemas.microsoft.com/office/powerpoint/2010/main" xmlns="" val="411415049"/>
       </p:ext>
     </p:extLst>
   </p:cSld>
@@ -2821,7 +2909,7 @@
           <a:blip r:embed="rId2">
             <a:extLst>
               <a:ext uri="{28A0092B-C50C-407E-A947-70E740481C1C}">
-                <a14:useLocalDpi xmlns:a14="http://schemas.microsoft.com/office/drawing/2010/main" val="0"/>
+                <a14:useLocalDpi xmlns:a14="http://schemas.microsoft.com/office/drawing/2010/main" xmlns="" val="0"/>
               </a:ext>
             </a:extLst>
           </a:blip>
@@ -3135,7 +3223,7 @@
           <a:blip r:embed="rId3">
             <a:extLst>
               <a:ext uri="{28A0092B-C50C-407E-A947-70E740481C1C}">
-                <a14:useLocalDpi xmlns:a14="http://schemas.microsoft.com/office/drawing/2010/main" val="0"/>
+                <a14:useLocalDpi xmlns:a14="http://schemas.microsoft.com/office/drawing/2010/main" xmlns="" val="0"/>
               </a:ext>
             </a:extLst>
           </a:blip>
@@ -3155,7 +3243,7 @@
           <a:noFill/>
           <a:extLst>
             <a:ext uri="{909E8E84-426E-40DD-AFC4-6F175D3DCCD1}">
-              <a14:hiddenFill xmlns:a14="http://schemas.microsoft.com/office/drawing/2010/main">
+              <a14:hiddenFill xmlns:a14="http://schemas.microsoft.com/office/drawing/2010/main" xmlns="">
                 <a:solidFill>
                   <a:srgbClr val="FFFFFF"/>
                 </a:solidFill>
@@ -3167,7 +3255,7 @@
     </p:spTree>
     <p:extLst>
       <p:ext uri="{BB962C8B-B14F-4D97-AF65-F5344CB8AC3E}">
-        <p14:creationId xmlns:p14="http://schemas.microsoft.com/office/powerpoint/2010/main" val="2032434000"/>
+        <p14:creationId xmlns:p14="http://schemas.microsoft.com/office/powerpoint/2010/main" xmlns="" val="2032434000"/>
       </p:ext>
     </p:extLst>
   </p:cSld>
@@ -3213,7 +3301,7 @@
           <a:blip r:embed="rId2">
             <a:extLst>
               <a:ext uri="{28A0092B-C50C-407E-A947-70E740481C1C}">
-                <a14:useLocalDpi xmlns:a14="http://schemas.microsoft.com/office/drawing/2010/main" val="0"/>
+                <a14:useLocalDpi xmlns:a14="http://schemas.microsoft.com/office/drawing/2010/main" xmlns="" val="0"/>
               </a:ext>
             </a:extLst>
           </a:blip>
@@ -3509,7 +3597,7 @@
           <a:blip r:embed="rId3">
             <a:extLst>
               <a:ext uri="{28A0092B-C50C-407E-A947-70E740481C1C}">
-                <a14:useLocalDpi xmlns:a14="http://schemas.microsoft.com/office/drawing/2010/main" val="0"/>
+                <a14:useLocalDpi xmlns:a14="http://schemas.microsoft.com/office/drawing/2010/main" xmlns="" val="0"/>
               </a:ext>
             </a:extLst>
           </a:blip>
@@ -3529,7 +3617,7 @@
           <a:noFill/>
           <a:extLst>
             <a:ext uri="{909E8E84-426E-40DD-AFC4-6F175D3DCCD1}">
-              <a14:hiddenFill xmlns:a14="http://schemas.microsoft.com/office/drawing/2010/main">
+              <a14:hiddenFill xmlns:a14="http://schemas.microsoft.com/office/drawing/2010/main" xmlns="">
                 <a:solidFill>
                   <a:srgbClr val="FFFFFF"/>
                 </a:solidFill>
@@ -3541,7 +3629,7 @@
     </p:spTree>
     <p:extLst>
       <p:ext uri="{BB962C8B-B14F-4D97-AF65-F5344CB8AC3E}">
-        <p14:creationId xmlns:p14="http://schemas.microsoft.com/office/powerpoint/2010/main" val="707728385"/>
+        <p14:creationId xmlns:p14="http://schemas.microsoft.com/office/powerpoint/2010/main" xmlns="" val="707728385"/>
       </p:ext>
     </p:extLst>
   </p:cSld>
@@ -3557,7 +3645,7 @@
   </p:timing>
   <p:extLst mod="1">
     <p:ext uri="{DCECCB84-F9BA-43D5-87BE-67443E8EF086}">
-      <p15:sldGuideLst xmlns="" xmlns:p15="http://schemas.microsoft.com/office/powerpoint/2012/main">
+      <p15:sldGuideLst xmlns:p15="http://schemas.microsoft.com/office/powerpoint/2012/main" xmlns="">
         <p15:guide id="1" orient="horz" pos="1221">
           <p15:clr>
             <a:srgbClr val="C35EA4"/>
@@ -3598,7 +3686,7 @@
           <a:blip r:embed="rId2">
             <a:extLst>
               <a:ext uri="{28A0092B-C50C-407E-A947-70E740481C1C}">
-                <a14:useLocalDpi xmlns:a14="http://schemas.microsoft.com/office/drawing/2010/main" val="0"/>
+                <a14:useLocalDpi xmlns:a14="http://schemas.microsoft.com/office/drawing/2010/main" xmlns="" val="0"/>
               </a:ext>
             </a:extLst>
           </a:blip>
@@ -3849,7 +3937,7 @@
           <a:blip r:embed="rId3">
             <a:extLst>
               <a:ext uri="{28A0092B-C50C-407E-A947-70E740481C1C}">
-                <a14:useLocalDpi xmlns:a14="http://schemas.microsoft.com/office/drawing/2010/main" val="0"/>
+                <a14:useLocalDpi xmlns:a14="http://schemas.microsoft.com/office/drawing/2010/main" xmlns="" val="0"/>
               </a:ext>
             </a:extLst>
           </a:blip>
@@ -3869,7 +3957,7 @@
           <a:noFill/>
           <a:extLst>
             <a:ext uri="{909E8E84-426E-40DD-AFC4-6F175D3DCCD1}">
-              <a14:hiddenFill xmlns:a14="http://schemas.microsoft.com/office/drawing/2010/main">
+              <a14:hiddenFill xmlns:a14="http://schemas.microsoft.com/office/drawing/2010/main" xmlns="">
                 <a:solidFill>
                   <a:srgbClr val="FFFFFF"/>
                 </a:solidFill>
@@ -3881,7 +3969,7 @@
     </p:spTree>
     <p:extLst>
       <p:ext uri="{BB962C8B-B14F-4D97-AF65-F5344CB8AC3E}">
-        <p14:creationId xmlns:p14="http://schemas.microsoft.com/office/powerpoint/2010/main" val="3130113218"/>
+        <p14:creationId xmlns:p14="http://schemas.microsoft.com/office/powerpoint/2010/main" xmlns="" val="3130113218"/>
       </p:ext>
     </p:extLst>
   </p:cSld>
@@ -3890,7 +3978,7 @@
   </p:clrMapOvr>
   <p:extLst mod="1">
     <p:ext uri="{DCECCB84-F9BA-43D5-87BE-67443E8EF086}">
-      <p15:sldGuideLst xmlns="" xmlns:p15="http://schemas.microsoft.com/office/powerpoint/2012/main">
+      <p15:sldGuideLst xmlns:p15="http://schemas.microsoft.com/office/powerpoint/2012/main" xmlns="">
         <p15:guide id="1" orient="horz" pos="1221">
           <p15:clr>
             <a:srgbClr val="C35EA4"/>
@@ -4044,7 +4132,7 @@
     </p:spTree>
     <p:extLst>
       <p:ext uri="{BB962C8B-B14F-4D97-AF65-F5344CB8AC3E}">
-        <p14:creationId xmlns:p14="http://schemas.microsoft.com/office/powerpoint/2010/main" val="2626482632"/>
+        <p14:creationId xmlns:p14="http://schemas.microsoft.com/office/powerpoint/2010/main" xmlns="" val="2626482632"/>
       </p:ext>
     </p:extLst>
   </p:cSld>
@@ -4265,7 +4353,7 @@
     </p:spTree>
     <p:extLst>
       <p:ext uri="{BB962C8B-B14F-4D97-AF65-F5344CB8AC3E}">
-        <p14:creationId xmlns:p14="http://schemas.microsoft.com/office/powerpoint/2010/main" val="3371847988"/>
+        <p14:creationId xmlns:p14="http://schemas.microsoft.com/office/powerpoint/2010/main" xmlns="" val="3371847988"/>
       </p:ext>
     </p:extLst>
   </p:cSld>
@@ -4481,7 +4569,7 @@
     </p:spTree>
     <p:extLst>
       <p:ext uri="{BB962C8B-B14F-4D97-AF65-F5344CB8AC3E}">
-        <p14:creationId xmlns:p14="http://schemas.microsoft.com/office/powerpoint/2010/main" val="4208395069"/>
+        <p14:creationId xmlns:p14="http://schemas.microsoft.com/office/powerpoint/2010/main" xmlns="" val="4208395069"/>
       </p:ext>
     </p:extLst>
   </p:cSld>
@@ -4577,7 +4665,7 @@
     </p:spTree>
     <p:extLst>
       <p:ext uri="{BB962C8B-B14F-4D97-AF65-F5344CB8AC3E}">
-        <p14:creationId xmlns:p14="http://schemas.microsoft.com/office/powerpoint/2010/main" val="2097094422"/>
+        <p14:creationId xmlns:p14="http://schemas.microsoft.com/office/powerpoint/2010/main" xmlns="" val="2097094422"/>
       </p:ext>
     </p:extLst>
   </p:cSld>
@@ -4611,12 +4699,9 @@
             <a:graphicFrameLocks noChangeAspect="1"/>
           </p:cNvGraphicFramePr>
           <p:nvPr userDrawn="1">
-            <p:custDataLst>
-              <p:tags r:id="rId2"/>
-            </p:custDataLst>
             <p:extLst>
               <p:ext uri="{D42A27DB-BD31-4B8C-83A1-F6EECF244321}">
-                <p14:modId xmlns:p14="http://schemas.microsoft.com/office/powerpoint/2010/main" val="2766779821"/>
+                <p14:modId xmlns:p14="http://schemas.microsoft.com/office/powerpoint/2010/main" xmlns="" val="2766779821"/>
               </p:ext>
             </p:extLst>
           </p:nvPr>
@@ -4627,40 +4712,9 @@
         </p:xfrm>
         <a:graphic>
           <a:graphicData uri="http://schemas.openxmlformats.org/presentationml/2006/ole">
-            <mc:AlternateContent xmlns:mc="http://schemas.openxmlformats.org/markup-compatibility/2006">
-              <mc:Choice xmlns:v="urn:schemas-microsoft-com:vml" Requires="v">
-                <p:oleObj spid="_x0000_s2338" name="think-cell Folie" r:id="rId4" imgW="305" imgH="303" progId="TCLayout.ActiveDocument.1">
-                  <p:embed/>
-                </p:oleObj>
-              </mc:Choice>
-              <mc:Fallback>
-                <p:oleObj name="think-cell Folie" r:id="rId4" imgW="305" imgH="303" progId="TCLayout.ActiveDocument.1">
-                  <p:embed/>
-                  <p:pic>
-                    <p:nvPicPr>
-                      <p:cNvPr id="0" name=""/>
-                      <p:cNvPicPr/>
-                      <p:nvPr/>
-                    </p:nvPicPr>
-                    <p:blipFill>
-                      <a:blip r:embed="rId5"/>
-                      <a:stretch>
-                        <a:fillRect/>
-                      </a:stretch>
-                    </p:blipFill>
-                    <p:spPr>
-                      <a:xfrm>
-                        <a:off x="1588" y="1588"/>
-                        <a:ext cx="1587" cy="1587"/>
-                      </a:xfrm>
-                      <a:prstGeom prst="rect">
-                        <a:avLst/>
-                      </a:prstGeom>
-                    </p:spPr>
-                  </p:pic>
-                </p:oleObj>
-              </mc:Fallback>
-            </mc:AlternateContent>
+            <p:oleObj spid="_x0000_s2338" name="think-cell Folie" r:id="rId3" imgW="360" imgH="360" progId="">
+              <p:embed/>
+            </p:oleObj>
           </a:graphicData>
         </a:graphic>
       </p:graphicFrame>
@@ -4673,10 +4727,10 @@
           <p:nvPr userDrawn="1"/>
         </p:nvPicPr>
         <p:blipFill rotWithShape="1">
-          <a:blip r:embed="rId6">
+          <a:blip r:embed="rId4">
             <a:extLst>
               <a:ext uri="{28A0092B-C50C-407E-A947-70E740481C1C}">
-                <a14:useLocalDpi xmlns:a14="http://schemas.microsoft.com/office/drawing/2010/main" val="0"/>
+                <a14:useLocalDpi xmlns:a14="http://schemas.microsoft.com/office/drawing/2010/main" xmlns="" val="0"/>
               </a:ext>
             </a:extLst>
           </a:blip>
@@ -4702,7 +4756,7 @@
           <p:nvPr userDrawn="1"/>
         </p:nvPicPr>
         <p:blipFill>
-          <a:blip r:embed="rId7"/>
+          <a:blip r:embed="rId5"/>
           <a:stretch>
             <a:fillRect/>
           </a:stretch>
@@ -4928,7 +4982,7 @@
     </p:spTree>
     <p:extLst>
       <p:ext uri="{BB962C8B-B14F-4D97-AF65-F5344CB8AC3E}">
-        <p14:creationId xmlns:p14="http://schemas.microsoft.com/office/powerpoint/2010/main" val="2060546820"/>
+        <p14:creationId xmlns:p14="http://schemas.microsoft.com/office/powerpoint/2010/main" xmlns="" val="2060546820"/>
       </p:ext>
     </p:extLst>
   </p:cSld>
@@ -4969,10 +5023,10 @@
           <p:nvPr/>
         </p:nvPicPr>
         <p:blipFill>
-          <a:blip r:embed="rId12">
+          <a:blip r:embed="rId11">
             <a:extLst>
               <a:ext uri="{28A0092B-C50C-407E-A947-70E740481C1C}">
-                <a14:useLocalDpi xmlns:a14="http://schemas.microsoft.com/office/drawing/2010/main" val="0"/>
+                <a14:useLocalDpi xmlns:a14="http://schemas.microsoft.com/office/drawing/2010/main" xmlns="" val="0"/>
               </a:ext>
             </a:extLst>
           </a:blip>
@@ -4992,7 +5046,7 @@
           <a:noFill/>
           <a:extLst>
             <a:ext uri="{909E8E84-426E-40DD-AFC4-6F175D3DCCD1}">
-              <a14:hiddenFill xmlns:a14="http://schemas.microsoft.com/office/drawing/2010/main">
+              <a14:hiddenFill xmlns:a14="http://schemas.microsoft.com/office/drawing/2010/main" xmlns="">
                 <a:solidFill>
                   <a:srgbClr val="FFFFFF"/>
                 </a:solidFill>
@@ -5008,12 +5062,9 @@
             <a:graphicFrameLocks noChangeAspect="1"/>
           </p:cNvGraphicFramePr>
           <p:nvPr>
-            <p:custDataLst>
-              <p:tags r:id="rId11"/>
-            </p:custDataLst>
             <p:extLst>
               <p:ext uri="{D42A27DB-BD31-4B8C-83A1-F6EECF244321}">
-                <p14:modId xmlns:p14="http://schemas.microsoft.com/office/powerpoint/2010/main" val="2610759032"/>
+                <p14:modId xmlns:p14="http://schemas.microsoft.com/office/powerpoint/2010/main" xmlns="" val="2610759032"/>
               </p:ext>
             </p:extLst>
           </p:nvPr>
@@ -5024,40 +5075,9 @@
         </p:xfrm>
         <a:graphic>
           <a:graphicData uri="http://schemas.openxmlformats.org/presentationml/2006/ole">
-            <mc:AlternateContent xmlns:mc="http://schemas.openxmlformats.org/markup-compatibility/2006">
-              <mc:Choice xmlns:v="urn:schemas-microsoft-com:vml" Requires="v">
-                <p:oleObj spid="_x0000_s1319" name="think-cell Folie" r:id="rId13" imgW="305" imgH="303" progId="TCLayout.ActiveDocument.1">
-                  <p:embed/>
-                </p:oleObj>
-              </mc:Choice>
-              <mc:Fallback>
-                <p:oleObj name="think-cell Folie" r:id="rId13" imgW="305" imgH="303" progId="TCLayout.ActiveDocument.1">
-                  <p:embed/>
-                  <p:pic>
-                    <p:nvPicPr>
-                      <p:cNvPr id="0" name=""/>
-                      <p:cNvPicPr/>
-                      <p:nvPr/>
-                    </p:nvPicPr>
-                    <p:blipFill>
-                      <a:blip r:embed="rId14"/>
-                      <a:stretch>
-                        <a:fillRect/>
-                      </a:stretch>
-                    </p:blipFill>
-                    <p:spPr>
-                      <a:xfrm>
-                        <a:off x="1588" y="1588"/>
-                        <a:ext cx="1587" cy="1587"/>
-                      </a:xfrm>
-                      <a:prstGeom prst="rect">
-                        <a:avLst/>
-                      </a:prstGeom>
-                    </p:spPr>
-                  </p:pic>
-                </p:oleObj>
-              </mc:Fallback>
-            </mc:AlternateContent>
+            <p:oleObj spid="_x0000_s1319" name="think-cell Folie" r:id="rId12" imgW="360" imgH="360" progId="">
+              <p:embed/>
+            </p:oleObj>
           </a:graphicData>
         </a:graphic>
       </p:graphicFrame>
@@ -5915,7 +5935,7 @@
     </p:spTree>
     <p:extLst>
       <p:ext uri="{BB962C8B-B14F-4D97-AF65-F5344CB8AC3E}">
-        <p14:creationId xmlns:p14="http://schemas.microsoft.com/office/powerpoint/2010/main" val="2955847980"/>
+        <p14:creationId xmlns:p14="http://schemas.microsoft.com/office/powerpoint/2010/main" xmlns="" val="2955847980"/>
       </p:ext>
     </p:extLst>
   </p:cSld>
@@ -6234,7 +6254,7 @@
   </p:txStyles>
   <p:extLst mod="1">
     <p:ext uri="{27BBF7A9-308A-43DC-89C8-2F10F3537804}">
-      <p15:sldGuideLst xmlns="" xmlns:p15="http://schemas.microsoft.com/office/powerpoint/2012/main">
+      <p15:sldGuideLst xmlns:p15="http://schemas.microsoft.com/office/powerpoint/2012/main" xmlns="">
         <p15:guide id="1" pos="283">
           <p15:clr>
             <a:srgbClr val="FBAE40"/>
@@ -6337,8 +6357,8 @@
         </p:nvSpPr>
         <p:spPr>
           <a:xfrm>
-            <a:off x="976312" y="4178885"/>
-            <a:ext cx="5232400" cy="507831"/>
+            <a:off x="976312" y="4009608"/>
+            <a:ext cx="5232400" cy="677108"/>
           </a:xfrm>
         </p:spPr>
         <p:txBody>
@@ -6347,7 +6367,17 @@
           <a:p>
             <a:r>
               <a:rPr lang="pl-PL" dirty="0" smtClean="0"/>
-              <a:t>Marek Strejczek</a:t>
+              <a:t>Prowadzący: Mateusz Kołodziejski</a:t>
+            </a:r>
+          </a:p>
+          <a:p>
+            <a:r>
+              <a:rPr lang="pl-PL" dirty="0" smtClean="0"/>
+              <a:t>Materiały: Marek </a:t>
+            </a:r>
+            <a:r>
+              <a:rPr lang="pl-PL" dirty="0" smtClean="0"/>
+              <a:t>Strejczek</a:t>
             </a:r>
             <a:endParaRPr lang="de-DE" dirty="0" smtClean="0"/>
           </a:p>
@@ -6369,7 +6399,7 @@
     </p:spTree>
     <p:extLst>
       <p:ext uri="{BB962C8B-B14F-4D97-AF65-F5344CB8AC3E}">
-        <p14:creationId xmlns:p14="http://schemas.microsoft.com/office/powerpoint/2010/main" val="3230101943"/>
+        <p14:creationId xmlns:p14="http://schemas.microsoft.com/office/powerpoint/2010/main" xmlns="" val="3230101943"/>
       </p:ext>
     </p:extLst>
   </p:cSld>
@@ -6420,7 +6450,7 @@
           <a:p>
             <a:r>
               <a:rPr lang="pl-PL" dirty="0" smtClean="0"/>
-              <a:t>Ćwiczenie 4a: Podstawy JMS</a:t>
+              <a:t>Zasoby</a:t>
             </a:r>
             <a:endParaRPr lang="de-DE" dirty="0"/>
           </a:p>
@@ -6451,79 +6481,97 @@
       </p:sp>
       <p:sp>
         <p:nvSpPr>
-          <p:cNvPr id="3" name="Prostokąt zaokrąglony 2"/>
-          <p:cNvSpPr/>
-          <p:nvPr/>
+          <p:cNvPr id="2" name="Symbol zastępczy zawartości 1"/>
+          <p:cNvSpPr>
+            <a:spLocks noGrp="1"/>
+          </p:cNvSpPr>
+          <p:nvPr>
+            <p:ph idx="1"/>
+          </p:nvPr>
         </p:nvSpPr>
         <p:spPr>
           <a:xfrm>
-            <a:off x="1609595" y="1546963"/>
-            <a:ext cx="5730657" cy="1991639"/>
+            <a:off x="497895" y="1117285"/>
+            <a:ext cx="7948452" cy="3508902"/>
           </a:xfrm>
-          <a:prstGeom prst="roundRect">
-            <a:avLst/>
-          </a:prstGeom>
-          <a:ln/>
         </p:spPr>
-        <p:style>
-          <a:lnRef idx="2">
-            <a:schemeClr val="accent3">
-              <a:shade val="50000"/>
-            </a:schemeClr>
-          </a:lnRef>
-          <a:fillRef idx="1">
-            <a:schemeClr val="accent3"/>
-          </a:fillRef>
-          <a:effectRef idx="0">
-            <a:schemeClr val="accent3"/>
-          </a:effectRef>
-          <a:fontRef idx="minor">
-            <a:schemeClr val="lt1"/>
-          </a:fontRef>
-        </p:style>
-        <p:txBody>
-          <a:bodyPr lIns="108000" tIns="108000" rIns="108000" bIns="108000" rtlCol="0" anchor="ctr"/>
-          <a:lstStyle/>
-          <a:p>
-            <a:pPr algn="ctr"/>
-            <a:r>
-              <a:rPr lang="pl-PL" sz="1600" dirty="0" smtClean="0">
-                <a:solidFill>
-                  <a:schemeClr val="tx1"/>
-                </a:solidFill>
+        <p:txBody>
+          <a:bodyPr>
+            <a:normAutofit/>
+          </a:bodyPr>
+          <a:lstStyle/>
+          <a:p>
+            <a:pPr lvl="1"/>
+            <a:r>
+              <a:rPr lang="pl-PL" dirty="0" smtClean="0"/>
+              <a:t>Warto przeczytać:</a:t>
+            </a:r>
+          </a:p>
+          <a:p>
+            <a:pPr lvl="2"/>
+            <a:r>
+              <a:rPr lang="pl-PL" dirty="0" smtClean="0"/>
+              <a:t>Java EE 7 Tutorial – Java Message Service Concepts </a:t>
+            </a:r>
+          </a:p>
+          <a:p>
+            <a:pPr lvl="3"/>
+            <a:r>
+              <a:rPr lang="pl-PL" dirty="0" smtClean="0">
+                <a:hlinkClick r:id="rId3"/>
               </a:rPr>
-              <a:t>Ćwiczenie 4a</a:t>
-            </a:r>
-          </a:p>
-          <a:p>
-            <a:pPr algn="ctr"/>
-            <a:r>
-              <a:rPr lang="pl-PL" sz="1600" dirty="0" smtClean="0"/>
-              <a:t>Podstawy JMS</a:t>
-            </a:r>
-            <a:endParaRPr lang="pl-PL" sz="1600" dirty="0" smtClean="0">
-              <a:solidFill>
-                <a:schemeClr val="tx1"/>
-              </a:solidFill>
-            </a:endParaRPr>
+              <a:t>https</a:t>
+            </a:r>
+            <a:r>
+              <a:rPr lang="pl-PL" dirty="0">
+                <a:hlinkClick r:id="rId3"/>
+              </a:rPr>
+              <a:t>://</a:t>
+            </a:r>
+            <a:r>
+              <a:rPr lang="pl-PL" dirty="0" smtClean="0">
+                <a:hlinkClick r:id="rId3"/>
+              </a:rPr>
+              <a:t>docs.oracle.com/javaee/7/tutorial/jms-concepts.htm#BNCDQ</a:t>
+            </a:r>
+            <a:endParaRPr lang="pl-PL" dirty="0" smtClean="0"/>
+          </a:p>
+          <a:p>
+            <a:pPr lvl="3"/>
+            <a:r>
+              <a:rPr lang="pl-PL" dirty="0" smtClean="0"/>
+              <a:t>Stąd pochodzi większość diagramów z tej prezentacji.</a:t>
+            </a:r>
+          </a:p>
+          <a:p>
+            <a:pPr lvl="2"/>
+            <a:endParaRPr lang="pl-PL" dirty="0" smtClean="0"/>
+          </a:p>
+          <a:p>
+            <a:pPr lvl="2"/>
+            <a:endParaRPr lang="pl-PL" dirty="0"/>
+          </a:p>
+          <a:p>
+            <a:pPr lvl="1"/>
+            <a:endParaRPr lang="pl-PL" dirty="0" smtClean="0"/>
           </a:p>
         </p:txBody>
       </p:sp>
     </p:spTree>
     <p:extLst>
       <p:ext uri="{BB962C8B-B14F-4D97-AF65-F5344CB8AC3E}">
-        <p14:creationId xmlns:p14="http://schemas.microsoft.com/office/powerpoint/2010/main" val="1022935673"/>
+        <p14:creationId xmlns:p14="http://schemas.microsoft.com/office/powerpoint/2010/main" xmlns="" val="3790304151"/>
       </p:ext>
     </p:extLst>
   </p:cSld>
   <p:clrMapOvr>
     <a:masterClrMapping/>
   </p:clrMapOvr>
-  <mc:AlternateContent xmlns:mc="http://schemas.openxmlformats.org/markup-compatibility/2006" xmlns:p14="http://schemas.microsoft.com/office/powerpoint/2010/main">
-    <mc:Choice Requires="p14">
+  <mc:AlternateContent xmlns:mc="http://schemas.openxmlformats.org/markup-compatibility/2006">
+    <mc:Choice xmlns:p14="http://schemas.microsoft.com/office/powerpoint/2010/main" xmlns="" Requires="p14">
       <p:transition p14:dur="10"/>
     </mc:Choice>
-    <mc:Fallback xmlns="">
+    <mc:Fallback>
       <p:transition/>
     </mc:Fallback>
   </mc:AlternateContent>
@@ -6594,7 +6642,7 @@
           <a:p>
             <a:r>
               <a:rPr lang="pl-PL" dirty="0" smtClean="0"/>
-              <a:t>ĆWICZENIE 4a</a:t>
+              <a:t>ĆWICZENIE 4</a:t>
             </a:r>
             <a:endParaRPr lang="de-DE" dirty="0"/>
           </a:p>
@@ -6602,144 +6650,79 @@
       </p:sp>
       <p:sp>
         <p:nvSpPr>
-          <p:cNvPr id="6" name="Symbol zastępczy zawartości 1"/>
-          <p:cNvSpPr>
-            <a:spLocks noGrp="1"/>
-          </p:cNvSpPr>
-          <p:nvPr>
-            <p:ph idx="1"/>
-          </p:nvPr>
+          <p:cNvPr id="3" name="Prostokąt zaokrąglony 2"/>
+          <p:cNvSpPr/>
+          <p:nvPr/>
         </p:nvSpPr>
         <p:spPr>
           <a:xfrm>
-            <a:off x="443708" y="1119187"/>
-            <a:ext cx="4554178" cy="3362325"/>
+            <a:off x="1609595" y="1546963"/>
+            <a:ext cx="5730657" cy="1991639"/>
           </a:xfrm>
+          <a:prstGeom prst="roundRect">
+            <a:avLst/>
+          </a:prstGeom>
+          <a:ln/>
         </p:spPr>
-        <p:txBody>
-          <a:bodyPr>
-            <a:normAutofit/>
-          </a:bodyPr>
-          <a:lstStyle/>
-          <a:p>
-            <a:r>
-              <a:rPr lang="pl-PL" dirty="0" smtClean="0"/>
-              <a:t>Repozytorium:</a:t>
-            </a:r>
-          </a:p>
-          <a:p>
-            <a:pPr lvl="1"/>
-            <a:r>
-              <a:rPr lang="pl-PL" dirty="0">
-                <a:hlinkClick r:id="rId3"/>
+        <p:style>
+          <a:lnRef idx="2">
+            <a:schemeClr val="accent3">
+              <a:shade val="50000"/>
+            </a:schemeClr>
+          </a:lnRef>
+          <a:fillRef idx="1">
+            <a:schemeClr val="accent3"/>
+          </a:fillRef>
+          <a:effectRef idx="0">
+            <a:schemeClr val="accent3"/>
+          </a:effectRef>
+          <a:fontRef idx="minor">
+            <a:schemeClr val="lt1"/>
+          </a:fontRef>
+        </p:style>
+        <p:txBody>
+          <a:bodyPr lIns="108000" tIns="108000" rIns="108000" bIns="108000" rtlCol="0" anchor="ctr"/>
+          <a:lstStyle/>
+          <a:p>
+            <a:pPr algn="ctr"/>
+            <a:r>
+              <a:rPr lang="pl-PL" sz="1600" dirty="0" smtClean="0">
+                <a:solidFill>
+                  <a:schemeClr val="tx1"/>
+                </a:solidFill>
               </a:rPr>
-              <a:t>https://</a:t>
-            </a:r>
-            <a:r>
-              <a:rPr lang="pl-PL" dirty="0" smtClean="0">
-                <a:hlinkClick r:id="rId3"/>
-              </a:rPr>
-              <a:t>github.com/wdsr/exercise4</a:t>
-            </a:r>
-            <a:endParaRPr lang="pl-PL" dirty="0" smtClean="0"/>
-          </a:p>
-          <a:p>
-            <a:endParaRPr lang="pl-PL" dirty="0" smtClean="0"/>
-          </a:p>
-          <a:p>
-            <a:r>
-              <a:rPr lang="pl-PL" dirty="0" smtClean="0"/>
-              <a:t>Szkielet ćwiczenia znajduje się w branch’u basicjms</a:t>
-            </a:r>
-          </a:p>
-          <a:p>
-            <a:pPr lvl="1"/>
-            <a:r>
-              <a:rPr lang="pl-PL" dirty="0" smtClean="0"/>
-              <a:t>git checkout basicjms</a:t>
-            </a:r>
-          </a:p>
-          <a:p>
-            <a:pPr lvl="1"/>
-            <a:endParaRPr lang="pl-PL" dirty="0"/>
-          </a:p>
-          <a:p>
-            <a:r>
-              <a:rPr lang="pl-PL" dirty="0" smtClean="0"/>
-              <a:t>Zaimportuj projekt do </a:t>
-            </a:r>
-            <a:r>
-              <a:rPr lang="pl-PL" dirty="0" err="1" smtClean="0"/>
-              <a:t>Eclipse</a:t>
-            </a:r>
-            <a:endParaRPr lang="pl-PL" dirty="0" smtClean="0"/>
-          </a:p>
-          <a:p>
-            <a:pPr lvl="1"/>
-            <a:r>
-              <a:rPr lang="pl-PL" dirty="0" smtClean="0"/>
-              <a:t>Import projektu do </a:t>
-            </a:r>
-            <a:r>
-              <a:rPr lang="pl-PL" dirty="0" err="1" smtClean="0"/>
-              <a:t>Eclipse</a:t>
-            </a:r>
-            <a:r>
-              <a:rPr lang="pl-PL" dirty="0" smtClean="0"/>
-              <a:t> był opisany w ćwiczeniu 1b.</a:t>
-            </a:r>
-          </a:p>
-          <a:p>
-            <a:pPr lvl="1"/>
-            <a:r>
-              <a:rPr lang="pl-PL" dirty="0" smtClean="0"/>
-              <a:t>Potrzebna jest wtyczka </a:t>
-            </a:r>
-            <a:r>
-              <a:rPr lang="pl-PL" dirty="0" err="1" smtClean="0"/>
-              <a:t>Gradle</a:t>
-            </a:r>
-            <a:r>
-              <a:rPr lang="pl-PL" dirty="0" smtClean="0"/>
-              <a:t> (</a:t>
-            </a:r>
-            <a:r>
-              <a:rPr lang="pl-PL" dirty="0" err="1" smtClean="0">
-                <a:hlinkClick r:id="rId4"/>
-              </a:rPr>
-              <a:t>Buildship</a:t>
-            </a:r>
-            <a:r>
-              <a:rPr lang="pl-PL" dirty="0" smtClean="0"/>
-              <a:t>).</a:t>
-            </a:r>
-          </a:p>
-          <a:p>
-            <a:endParaRPr lang="pl-PL" dirty="0"/>
-          </a:p>
-          <a:p>
-            <a:endParaRPr lang="pl-PL" dirty="0" smtClean="0"/>
-          </a:p>
-          <a:p>
-            <a:endParaRPr lang="pl-PL" dirty="0" smtClean="0"/>
+              <a:t>Ćwiczenie 4a</a:t>
+            </a:r>
+          </a:p>
+          <a:p>
+            <a:pPr algn="ctr"/>
+            <a:r>
+              <a:rPr lang="pl-PL" sz="1600" dirty="0" smtClean="0"/>
+              <a:t>Podstawy JMS</a:t>
+            </a:r>
+            <a:endParaRPr lang="pl-PL" sz="1600" dirty="0" smtClean="0">
+              <a:solidFill>
+                <a:schemeClr val="tx1"/>
+              </a:solidFill>
+            </a:endParaRPr>
           </a:p>
         </p:txBody>
       </p:sp>
     </p:spTree>
     <p:extLst>
       <p:ext uri="{BB962C8B-B14F-4D97-AF65-F5344CB8AC3E}">
-        <p14:creationId xmlns:p14="http://schemas.microsoft.com/office/powerpoint/2010/main" val="565121571"/>
+        <p14:creationId xmlns:p14="http://schemas.microsoft.com/office/powerpoint/2010/main" xmlns="" val="1022935673"/>
       </p:ext>
     </p:extLst>
   </p:cSld>
   <p:clrMapOvr>
     <a:masterClrMapping/>
   </p:clrMapOvr>
-  <mc:AlternateContent xmlns:mc="http://schemas.openxmlformats.org/markup-compatibility/2006" xmlns:p14="http://schemas.microsoft.com/office/powerpoint/2010/main">
-    <mc:Choice Requires="p14">
+  <mc:AlternateContent xmlns:mc="http://schemas.openxmlformats.org/markup-compatibility/2006">
+    <mc:Choice xmlns:p14="http://schemas.microsoft.com/office/powerpoint/2010/main" xmlns="" Requires="p14">
       <p:transition p14:dur="10"/>
     </mc:Choice>
-    <mc:Fallback xmlns="">
+    <mc:Fallback>
       <p:transition/>
     </mc:Fallback>
   </mc:AlternateContent>
@@ -6754,6 +6737,214 @@
 </file>
 
 <file path=ppt/slides/slide12.xml><?xml version="1.0" encoding="utf-8"?>
+<p:sld xmlns:a="http://schemas.openxmlformats.org/drawingml/2006/main" xmlns:r="http://schemas.openxmlformats.org/officeDocument/2006/relationships" xmlns:p="http://schemas.openxmlformats.org/presentationml/2006/main">
+  <p:cSld>
+    <p:spTree>
+      <p:nvGrpSpPr>
+        <p:cNvPr id="1" name=""/>
+        <p:cNvGrpSpPr/>
+        <p:nvPr/>
+      </p:nvGrpSpPr>
+      <p:grpSpPr>
+        <a:xfrm>
+          <a:off x="0" y="0"/>
+          <a:ext cx="0" cy="0"/>
+          <a:chOff x="0" y="0"/>
+          <a:chExt cx="0" cy="0"/>
+        </a:xfrm>
+      </p:grpSpPr>
+      <p:sp>
+        <p:nvSpPr>
+          <p:cNvPr id="7" name="Titel 6"/>
+          <p:cNvSpPr>
+            <a:spLocks noGrp="1"/>
+          </p:cNvSpPr>
+          <p:nvPr>
+            <p:ph type="title"/>
+          </p:nvPr>
+        </p:nvSpPr>
+        <p:spPr/>
+        <p:txBody>
+          <a:bodyPr/>
+          <a:lstStyle/>
+          <a:p>
+            <a:r>
+              <a:rPr lang="pl-PL" dirty="0" smtClean="0"/>
+              <a:t>Ćwiczenie 4a: Podstawy JMS</a:t>
+            </a:r>
+            <a:endParaRPr lang="de-DE" dirty="0"/>
+          </a:p>
+        </p:txBody>
+      </p:sp>
+      <p:sp>
+        <p:nvSpPr>
+          <p:cNvPr id="5" name="Inhaltsplatzhalter 4"/>
+          <p:cNvSpPr>
+            <a:spLocks noGrp="1"/>
+          </p:cNvSpPr>
+          <p:nvPr>
+            <p:ph type="body" sz="quarter" idx="13"/>
+          </p:nvPr>
+        </p:nvSpPr>
+        <p:spPr/>
+        <p:txBody>
+          <a:bodyPr/>
+          <a:lstStyle/>
+          <a:p>
+            <a:r>
+              <a:rPr lang="pl-PL" dirty="0" smtClean="0"/>
+              <a:t>ĆWICZENIE 4a</a:t>
+            </a:r>
+            <a:endParaRPr lang="de-DE" dirty="0"/>
+          </a:p>
+        </p:txBody>
+      </p:sp>
+      <p:sp>
+        <p:nvSpPr>
+          <p:cNvPr id="6" name="Symbol zastępczy zawartości 1"/>
+          <p:cNvSpPr>
+            <a:spLocks noGrp="1"/>
+          </p:cNvSpPr>
+          <p:nvPr>
+            <p:ph idx="1"/>
+          </p:nvPr>
+        </p:nvSpPr>
+        <p:spPr>
+          <a:xfrm>
+            <a:off x="443708" y="1119187"/>
+            <a:ext cx="4554178" cy="3362325"/>
+          </a:xfrm>
+        </p:spPr>
+        <p:txBody>
+          <a:bodyPr>
+            <a:normAutofit/>
+          </a:bodyPr>
+          <a:lstStyle/>
+          <a:p>
+            <a:r>
+              <a:rPr lang="pl-PL" dirty="0" smtClean="0"/>
+              <a:t>Repozytorium:</a:t>
+            </a:r>
+          </a:p>
+          <a:p>
+            <a:pPr lvl="1"/>
+            <a:r>
+              <a:rPr lang="pl-PL" dirty="0" smtClean="0"/>
+              <a:t>https://github.com/m-kolodziejski/exercise4</a:t>
+            </a:r>
+            <a:endParaRPr lang="pl-PL" dirty="0" smtClean="0"/>
+          </a:p>
+          <a:p>
+            <a:endParaRPr lang="pl-PL" dirty="0" smtClean="0"/>
+          </a:p>
+          <a:p>
+            <a:r>
+              <a:rPr lang="pl-PL" dirty="0" smtClean="0"/>
+              <a:t>Szkielet ćwiczenia znajduje się w branch’u basicjms</a:t>
+            </a:r>
+          </a:p>
+          <a:p>
+            <a:pPr lvl="1"/>
+            <a:r>
+              <a:rPr lang="pl-PL" dirty="0" smtClean="0"/>
+              <a:t>git checkout basicjms</a:t>
+            </a:r>
+          </a:p>
+          <a:p>
+            <a:pPr lvl="1"/>
+            <a:endParaRPr lang="pl-PL" dirty="0"/>
+          </a:p>
+          <a:p>
+            <a:r>
+              <a:rPr lang="pl-PL" dirty="0" smtClean="0"/>
+              <a:t>Zaimportuj projekt do </a:t>
+            </a:r>
+            <a:r>
+              <a:rPr lang="pl-PL" dirty="0" err="1" smtClean="0"/>
+              <a:t>Eclipse</a:t>
+            </a:r>
+            <a:endParaRPr lang="pl-PL" dirty="0" smtClean="0"/>
+          </a:p>
+          <a:p>
+            <a:pPr lvl="1"/>
+            <a:r>
+              <a:rPr lang="pl-PL" dirty="0" smtClean="0"/>
+              <a:t>Import projektu do </a:t>
+            </a:r>
+            <a:r>
+              <a:rPr lang="pl-PL" dirty="0" err="1" smtClean="0"/>
+              <a:t>Eclipse</a:t>
+            </a:r>
+            <a:r>
+              <a:rPr lang="pl-PL" dirty="0" smtClean="0"/>
+              <a:t> był opisany w ćwiczeniu 1b.</a:t>
+            </a:r>
+          </a:p>
+          <a:p>
+            <a:pPr lvl="1"/>
+            <a:r>
+              <a:rPr lang="pl-PL" dirty="0" smtClean="0"/>
+              <a:t>Potrzebna jest wtyczka </a:t>
+            </a:r>
+            <a:r>
+              <a:rPr lang="pl-PL" dirty="0" err="1" smtClean="0"/>
+              <a:t>Gradle</a:t>
+            </a:r>
+            <a:r>
+              <a:rPr lang="pl-PL" dirty="0" smtClean="0"/>
+              <a:t> (</a:t>
+            </a:r>
+            <a:r>
+              <a:rPr lang="pl-PL" dirty="0" err="1" smtClean="0">
+                <a:hlinkClick r:id="rId3"/>
+              </a:rPr>
+              <a:t>Buildship</a:t>
+            </a:r>
+            <a:r>
+              <a:rPr lang="pl-PL" dirty="0" smtClean="0"/>
+              <a:t>).</a:t>
+            </a:r>
+          </a:p>
+          <a:p>
+            <a:endParaRPr lang="pl-PL" dirty="0"/>
+          </a:p>
+          <a:p>
+            <a:endParaRPr lang="pl-PL" dirty="0" smtClean="0"/>
+          </a:p>
+          <a:p>
+            <a:endParaRPr lang="pl-PL" dirty="0" smtClean="0"/>
+          </a:p>
+        </p:txBody>
+      </p:sp>
+    </p:spTree>
+    <p:extLst>
+      <p:ext uri="{BB962C8B-B14F-4D97-AF65-F5344CB8AC3E}">
+        <p14:creationId xmlns:p14="http://schemas.microsoft.com/office/powerpoint/2010/main" xmlns="" val="565121571"/>
+      </p:ext>
+    </p:extLst>
+  </p:cSld>
+  <p:clrMapOvr>
+    <a:masterClrMapping/>
+  </p:clrMapOvr>
+  <mc:AlternateContent xmlns:mc="http://schemas.openxmlformats.org/markup-compatibility/2006">
+    <mc:Choice xmlns:p14="http://schemas.microsoft.com/office/powerpoint/2010/main" xmlns="" Requires="p14">
+      <p:transition p14:dur="10"/>
+    </mc:Choice>
+    <mc:Fallback>
+      <p:transition/>
+    </mc:Fallback>
+  </mc:AlternateContent>
+  <p:timing>
+    <p:tnLst>
+      <p:par>
+        <p:cTn id="1" dur="indefinite" restart="never" nodeType="tmRoot"/>
+      </p:par>
+    </p:tnLst>
+  </p:timing>
+</p:sld>
+</file>
+
+<file path=ppt/slides/slide13.xml><?xml version="1.0" encoding="utf-8"?>
 <p:sld xmlns:a="http://schemas.openxmlformats.org/drawingml/2006/main" xmlns:r="http://schemas.openxmlformats.org/officeDocument/2006/relationships" xmlns:p="http://schemas.openxmlformats.org/presentationml/2006/main">
   <p:cSld>
     <p:spTree>
@@ -7893,1481 +8084,18 @@
     </p:spTree>
     <p:extLst>
       <p:ext uri="{BB962C8B-B14F-4D97-AF65-F5344CB8AC3E}">
-        <p14:creationId xmlns:p14="http://schemas.microsoft.com/office/powerpoint/2010/main" val="1329190289"/>
+        <p14:creationId xmlns:p14="http://schemas.microsoft.com/office/powerpoint/2010/main" xmlns="" val="1329190289"/>
       </p:ext>
     </p:extLst>
   </p:cSld>
   <p:clrMapOvr>
     <a:masterClrMapping/>
   </p:clrMapOvr>
-  <mc:AlternateContent xmlns:mc="http://schemas.openxmlformats.org/markup-compatibility/2006" xmlns:p14="http://schemas.microsoft.com/office/powerpoint/2010/main">
-    <mc:Choice Requires="p14">
+  <mc:AlternateContent xmlns:mc="http://schemas.openxmlformats.org/markup-compatibility/2006">
+    <mc:Choice xmlns:p14="http://schemas.microsoft.com/office/powerpoint/2010/main" xmlns="" Requires="p14">
       <p:transition p14:dur="10"/>
     </mc:Choice>
-    <mc:Fallback xmlns="">
-      <p:transition/>
-    </mc:Fallback>
-  </mc:AlternateContent>
-  <p:timing>
-    <p:tnLst>
-      <p:par>
-        <p:cTn id="1" dur="indefinite" restart="never" nodeType="tmRoot"/>
-      </p:par>
-    </p:tnLst>
-  </p:timing>
-</p:sld>
-</file>
-
-<file path=ppt/slides/slide13.xml><?xml version="1.0" encoding="utf-8"?>
-<p:sld xmlns:a="http://schemas.openxmlformats.org/drawingml/2006/main" xmlns:r="http://schemas.openxmlformats.org/officeDocument/2006/relationships" xmlns:p="http://schemas.openxmlformats.org/presentationml/2006/main">
-  <p:cSld>
-    <p:spTree>
-      <p:nvGrpSpPr>
-        <p:cNvPr id="1" name=""/>
-        <p:cNvGrpSpPr/>
-        <p:nvPr/>
-      </p:nvGrpSpPr>
-      <p:grpSpPr>
-        <a:xfrm>
-          <a:off x="0" y="0"/>
-          <a:ext cx="0" cy="0"/>
-          <a:chOff x="0" y="0"/>
-          <a:chExt cx="0" cy="0"/>
-        </a:xfrm>
-      </p:grpSpPr>
-      <p:sp>
-        <p:nvSpPr>
-          <p:cNvPr id="17" name="Prostokąt zaokrąglony 9"/>
-          <p:cNvSpPr/>
-          <p:nvPr/>
-        </p:nvSpPr>
-        <p:spPr>
-          <a:xfrm>
-            <a:off x="401471" y="2498203"/>
-            <a:ext cx="3818315" cy="1836729"/>
-          </a:xfrm>
-          <a:prstGeom prst="roundRect">
-            <a:avLst/>
-          </a:prstGeom>
-          <a:solidFill>
-            <a:schemeClr val="bg1"/>
-          </a:solidFill>
-          <a:ln w="12700">
-            <a:solidFill>
-              <a:schemeClr val="accent1"/>
-            </a:solidFill>
-          </a:ln>
-        </p:spPr>
-        <p:style>
-          <a:lnRef idx="2">
-            <a:schemeClr val="accent1">
-              <a:shade val="50000"/>
-            </a:schemeClr>
-          </a:lnRef>
-          <a:fillRef idx="1">
-            <a:schemeClr val="accent1"/>
-          </a:fillRef>
-          <a:effectRef idx="0">
-            <a:schemeClr val="accent1"/>
-          </a:effectRef>
-          <a:fontRef idx="minor">
-            <a:schemeClr val="lt1"/>
-          </a:fontRef>
-        </p:style>
-        <p:txBody>
-          <a:bodyPr lIns="108000" tIns="108000" rIns="108000" bIns="108000" rtlCol="0" anchor="ctr"/>
-          <a:lstStyle/>
-          <a:p>
-            <a:pPr algn="ctr"/>
-            <a:endParaRPr lang="pl-PL" sz="1200" dirty="0" smtClean="0">
-              <a:solidFill>
-                <a:schemeClr val="tx1"/>
-              </a:solidFill>
-            </a:endParaRPr>
-          </a:p>
-        </p:txBody>
-      </p:sp>
-      <p:sp>
-        <p:nvSpPr>
-          <p:cNvPr id="7" name="Titel 6"/>
-          <p:cNvSpPr>
-            <a:spLocks noGrp="1"/>
-          </p:cNvSpPr>
-          <p:nvPr>
-            <p:ph type="title"/>
-          </p:nvPr>
-        </p:nvSpPr>
-        <p:spPr/>
-        <p:txBody>
-          <a:bodyPr/>
-          <a:lstStyle/>
-          <a:p>
-            <a:r>
-              <a:rPr lang="pl-PL" dirty="0" smtClean="0"/>
-              <a:t>Ćwiczenie Podstawy JMS - ReceiveTest</a:t>
-            </a:r>
-            <a:endParaRPr lang="de-DE" dirty="0"/>
-          </a:p>
-        </p:txBody>
-      </p:sp>
-      <p:sp>
-        <p:nvSpPr>
-          <p:cNvPr id="5" name="Inhaltsplatzhalter 4"/>
-          <p:cNvSpPr>
-            <a:spLocks noGrp="1"/>
-          </p:cNvSpPr>
-          <p:nvPr>
-            <p:ph type="body" sz="quarter" idx="13"/>
-          </p:nvPr>
-        </p:nvSpPr>
-        <p:spPr/>
-        <p:txBody>
-          <a:bodyPr/>
-          <a:lstStyle/>
-          <a:p>
-            <a:r>
-              <a:rPr lang="pl-PL" dirty="0" smtClean="0"/>
-              <a:t>ĆWICZENIE 4A</a:t>
-            </a:r>
-            <a:endParaRPr lang="de-DE" dirty="0"/>
-          </a:p>
-        </p:txBody>
-      </p:sp>
-      <p:sp>
-        <p:nvSpPr>
-          <p:cNvPr id="3" name="Prostokąt zaokrąglony 2"/>
-          <p:cNvSpPr/>
-          <p:nvPr/>
-        </p:nvSpPr>
-        <p:spPr>
-          <a:xfrm>
-            <a:off x="2578154" y="3363616"/>
-            <a:ext cx="1336833" cy="848833"/>
-          </a:xfrm>
-          <a:prstGeom prst="roundRect">
-            <a:avLst/>
-          </a:prstGeom>
-          <a:solidFill>
-            <a:schemeClr val="bg1"/>
-          </a:solidFill>
-          <a:ln w="50800">
-            <a:solidFill>
-              <a:schemeClr val="accent1"/>
-            </a:solidFill>
-          </a:ln>
-        </p:spPr>
-        <p:style>
-          <a:lnRef idx="2">
-            <a:schemeClr val="accent1">
-              <a:shade val="50000"/>
-            </a:schemeClr>
-          </a:lnRef>
-          <a:fillRef idx="1">
-            <a:schemeClr val="accent1"/>
-          </a:fillRef>
-          <a:effectRef idx="0">
-            <a:schemeClr val="accent1"/>
-          </a:effectRef>
-          <a:fontRef idx="minor">
-            <a:schemeClr val="lt1"/>
-          </a:fontRef>
-        </p:style>
-        <p:txBody>
-          <a:bodyPr lIns="108000" tIns="108000" rIns="108000" bIns="108000" rtlCol="0" anchor="ctr"/>
-          <a:lstStyle/>
-          <a:p>
-            <a:pPr algn="ctr"/>
-            <a:r>
-              <a:rPr lang="pl-PL" sz="1200" dirty="0" err="1" smtClean="0">
-                <a:solidFill>
-                  <a:schemeClr val="tx1"/>
-                </a:solidFill>
-              </a:rPr>
-              <a:t>ReceiveTest</a:t>
-            </a:r>
-            <a:endParaRPr lang="pl-PL" sz="1200" dirty="0" smtClean="0">
-              <a:solidFill>
-                <a:schemeClr val="tx1"/>
-              </a:solidFill>
-            </a:endParaRPr>
-          </a:p>
-        </p:txBody>
-      </p:sp>
-      <p:sp>
-        <p:nvSpPr>
-          <p:cNvPr id="8" name="Prostokąt zaokrąglony 7"/>
-          <p:cNvSpPr/>
-          <p:nvPr/>
-        </p:nvSpPr>
-        <p:spPr>
-          <a:xfrm>
-            <a:off x="585390" y="3468619"/>
-            <a:ext cx="1259337" cy="638828"/>
-          </a:xfrm>
-          <a:prstGeom prst="roundRect">
-            <a:avLst/>
-          </a:prstGeom>
-          <a:solidFill>
-            <a:schemeClr val="bg1"/>
-          </a:solidFill>
-          <a:ln w="50800">
-            <a:solidFill>
-              <a:schemeClr val="accent1"/>
-            </a:solidFill>
-          </a:ln>
-        </p:spPr>
-        <p:style>
-          <a:lnRef idx="2">
-            <a:schemeClr val="accent1">
-              <a:shade val="50000"/>
-            </a:schemeClr>
-          </a:lnRef>
-          <a:fillRef idx="1">
-            <a:schemeClr val="accent1"/>
-          </a:fillRef>
-          <a:effectRef idx="0">
-            <a:schemeClr val="accent1"/>
-          </a:effectRef>
-          <a:fontRef idx="minor">
-            <a:schemeClr val="lt1"/>
-          </a:fontRef>
-        </p:style>
-        <p:txBody>
-          <a:bodyPr lIns="108000" tIns="108000" rIns="108000" bIns="108000" rtlCol="0" anchor="ctr"/>
-          <a:lstStyle/>
-          <a:p>
-            <a:pPr algn="ctr"/>
-            <a:r>
-              <a:rPr lang="pl-PL" sz="1200" dirty="0" err="1" smtClean="0">
-                <a:solidFill>
-                  <a:schemeClr val="tx1"/>
-                </a:solidFill>
-              </a:rPr>
-              <a:t>JmsReceiver</a:t>
-            </a:r>
-            <a:endParaRPr lang="pl-PL" sz="1200" dirty="0" smtClean="0">
-              <a:solidFill>
-                <a:schemeClr val="tx1"/>
-              </a:solidFill>
-            </a:endParaRPr>
-          </a:p>
-        </p:txBody>
-      </p:sp>
-      <p:sp>
-        <p:nvSpPr>
-          <p:cNvPr id="10" name="Prostokąt zaokrąglony 9"/>
-          <p:cNvSpPr/>
-          <p:nvPr/>
-        </p:nvSpPr>
-        <p:spPr>
-          <a:xfrm>
-            <a:off x="2488905" y="2633799"/>
-            <a:ext cx="1515330" cy="604290"/>
-          </a:xfrm>
-          <a:prstGeom prst="roundRect">
-            <a:avLst/>
-          </a:prstGeom>
-          <a:solidFill>
-            <a:schemeClr val="bg1"/>
-          </a:solidFill>
-          <a:ln w="50800">
-            <a:solidFill>
-              <a:schemeClr val="accent1"/>
-            </a:solidFill>
-          </a:ln>
-        </p:spPr>
-        <p:style>
-          <a:lnRef idx="2">
-            <a:schemeClr val="accent1">
-              <a:shade val="50000"/>
-            </a:schemeClr>
-          </a:lnRef>
-          <a:fillRef idx="1">
-            <a:schemeClr val="accent1"/>
-          </a:fillRef>
-          <a:effectRef idx="0">
-            <a:schemeClr val="accent1"/>
-          </a:effectRef>
-          <a:fontRef idx="minor">
-            <a:schemeClr val="lt1"/>
-          </a:fontRef>
-        </p:style>
-        <p:txBody>
-          <a:bodyPr lIns="108000" tIns="108000" rIns="108000" bIns="108000" rtlCol="0" anchor="ctr"/>
-          <a:lstStyle/>
-          <a:p>
-            <a:pPr algn="ctr"/>
-            <a:r>
-              <a:rPr lang="pl-PL" sz="1200" dirty="0" smtClean="0">
-                <a:solidFill>
-                  <a:schemeClr val="tx1"/>
-                </a:solidFill>
-              </a:rPr>
-              <a:t>Embedded</a:t>
-            </a:r>
-          </a:p>
-          <a:p>
-            <a:pPr algn="ctr"/>
-            <a:r>
-              <a:rPr lang="pl-PL" sz="1200" dirty="0" smtClean="0">
-                <a:solidFill>
-                  <a:schemeClr val="tx1"/>
-                </a:solidFill>
-              </a:rPr>
-              <a:t>ActiveMQ broker</a:t>
-            </a:r>
-          </a:p>
-        </p:txBody>
-      </p:sp>
-      <p:sp>
-        <p:nvSpPr>
-          <p:cNvPr id="30" name="Symbol zastępczy zawartości 1"/>
-          <p:cNvSpPr>
-            <a:spLocks noGrp="1"/>
-          </p:cNvSpPr>
-          <p:nvPr>
-            <p:ph idx="1"/>
-          </p:nvPr>
-        </p:nvSpPr>
-        <p:spPr>
-          <a:xfrm>
-            <a:off x="443708" y="1119188"/>
-            <a:ext cx="2988424" cy="1212582"/>
-          </a:xfrm>
-        </p:spPr>
-        <p:txBody>
-          <a:bodyPr>
-            <a:normAutofit/>
-          </a:bodyPr>
-          <a:lstStyle/>
-          <a:p>
-            <a:r>
-              <a:rPr lang="pl-PL" sz="1050" dirty="0" smtClean="0"/>
-              <a:t>ReceiveTest tworzy instancję klasy </a:t>
-            </a:r>
-            <a:r>
-              <a:rPr lang="pl-PL" sz="1050" dirty="0" err="1" smtClean="0"/>
-              <a:t>JmsReceiver</a:t>
-            </a:r>
-            <a:r>
-              <a:rPr lang="pl-PL" sz="1050" dirty="0" smtClean="0"/>
-              <a:t> i rejestruje na niej </a:t>
-            </a:r>
-            <a:r>
-              <a:rPr lang="pl-PL" sz="1050" dirty="0" err="1" smtClean="0"/>
-              <a:t>callback</a:t>
-            </a:r>
-            <a:r>
-              <a:rPr lang="pl-PL" sz="1050" dirty="0" smtClean="0"/>
-              <a:t>, który ma być wywoływany w reakcji na otrzymanie komunikatu z kolejki.</a:t>
-            </a:r>
-          </a:p>
-          <a:p>
-            <a:pPr lvl="1"/>
-            <a:r>
-              <a:rPr lang="pl-PL" sz="1000" dirty="0" smtClean="0"/>
-              <a:t>Twoje zadanie: dokończenie implementacji klasy </a:t>
-            </a:r>
-            <a:r>
-              <a:rPr lang="pl-PL" sz="1000" dirty="0" err="1" smtClean="0"/>
-              <a:t>JmsReceiver</a:t>
-            </a:r>
-            <a:r>
-              <a:rPr lang="pl-PL" sz="1000" dirty="0" smtClean="0"/>
-              <a:t>.</a:t>
-            </a:r>
-          </a:p>
-          <a:p>
-            <a:endParaRPr lang="pl-PL" dirty="0" smtClean="0"/>
-          </a:p>
-          <a:p>
-            <a:pPr marL="0" indent="0">
-              <a:buNone/>
-            </a:pPr>
-            <a:endParaRPr lang="pl-PL" dirty="0"/>
-          </a:p>
-          <a:p>
-            <a:endParaRPr lang="pl-PL" dirty="0" smtClean="0"/>
-          </a:p>
-          <a:p>
-            <a:endParaRPr lang="pl-PL" dirty="0" smtClean="0"/>
-          </a:p>
-        </p:txBody>
-      </p:sp>
-      <p:cxnSp>
-        <p:nvCxnSpPr>
-          <p:cNvPr id="23" name="Straight Arrow Connector 22"/>
-          <p:cNvCxnSpPr/>
-          <p:nvPr/>
-        </p:nvCxnSpPr>
-        <p:spPr>
-          <a:xfrm flipH="1">
-            <a:off x="1844728" y="2959458"/>
-            <a:ext cx="639138" cy="509161"/>
-          </a:xfrm>
-          <a:prstGeom prst="straightConnector1">
-            <a:avLst/>
-          </a:prstGeom>
-          <a:ln>
-            <a:solidFill>
-              <a:schemeClr val="accent2"/>
-            </a:solidFill>
-            <a:tailEnd type="triangle"/>
-          </a:ln>
-        </p:spPr>
-        <p:style>
-          <a:lnRef idx="1">
-            <a:schemeClr val="accent1"/>
-          </a:lnRef>
-          <a:fillRef idx="0">
-            <a:schemeClr val="accent1"/>
-          </a:fillRef>
-          <a:effectRef idx="0">
-            <a:schemeClr val="accent1"/>
-          </a:effectRef>
-          <a:fontRef idx="minor">
-            <a:schemeClr val="tx1"/>
-          </a:fontRef>
-        </p:style>
-      </p:cxnSp>
-      <p:cxnSp>
-        <p:nvCxnSpPr>
-          <p:cNvPr id="29" name="Straight Arrow Connector 28"/>
-          <p:cNvCxnSpPr/>
-          <p:nvPr/>
-        </p:nvCxnSpPr>
-        <p:spPr>
-          <a:xfrm>
-            <a:off x="1897693" y="3788032"/>
-            <a:ext cx="680461" cy="1"/>
-          </a:xfrm>
-          <a:prstGeom prst="straightConnector1">
-            <a:avLst/>
-          </a:prstGeom>
-          <a:ln>
-            <a:solidFill>
-              <a:schemeClr val="accent2"/>
-            </a:solidFill>
-            <a:tailEnd type="triangle"/>
-          </a:ln>
-        </p:spPr>
-        <p:style>
-          <a:lnRef idx="1">
-            <a:schemeClr val="accent1"/>
-          </a:lnRef>
-          <a:fillRef idx="0">
-            <a:schemeClr val="accent1"/>
-          </a:fillRef>
-          <a:effectRef idx="0">
-            <a:schemeClr val="accent1"/>
-          </a:effectRef>
-          <a:fontRef idx="minor">
-            <a:schemeClr val="tx1"/>
-          </a:fontRef>
-        </p:style>
-      </p:cxnSp>
-      <p:cxnSp>
-        <p:nvCxnSpPr>
-          <p:cNvPr id="33" name="Straight Arrow Connector 32"/>
-          <p:cNvCxnSpPr/>
-          <p:nvPr/>
-        </p:nvCxnSpPr>
-        <p:spPr>
-          <a:xfrm flipH="1" flipV="1">
-            <a:off x="3246570" y="3076507"/>
-            <a:ext cx="11404" cy="392112"/>
-          </a:xfrm>
-          <a:prstGeom prst="straightConnector1">
-            <a:avLst/>
-          </a:prstGeom>
-          <a:ln>
-            <a:solidFill>
-              <a:schemeClr val="accent2"/>
-            </a:solidFill>
-            <a:tailEnd type="triangle"/>
-          </a:ln>
-        </p:spPr>
-        <p:style>
-          <a:lnRef idx="1">
-            <a:schemeClr val="accent1"/>
-          </a:lnRef>
-          <a:fillRef idx="0">
-            <a:schemeClr val="accent1"/>
-          </a:fillRef>
-          <a:effectRef idx="0">
-            <a:schemeClr val="accent1"/>
-          </a:effectRef>
-          <a:fontRef idx="minor">
-            <a:schemeClr val="tx1"/>
-          </a:fontRef>
-        </p:style>
-      </p:cxnSp>
-      <p:sp>
-        <p:nvSpPr>
-          <p:cNvPr id="37" name="Prostokąt zaokrąglony 2"/>
-          <p:cNvSpPr/>
-          <p:nvPr/>
-        </p:nvSpPr>
-        <p:spPr>
-          <a:xfrm>
-            <a:off x="4302690" y="969242"/>
-            <a:ext cx="1115978" cy="263505"/>
-          </a:xfrm>
-          <a:prstGeom prst="roundRect">
-            <a:avLst/>
-          </a:prstGeom>
-          <a:solidFill>
-            <a:schemeClr val="bg1"/>
-          </a:solidFill>
-          <a:ln w="50800">
-            <a:solidFill>
-              <a:schemeClr val="accent1"/>
-            </a:solidFill>
-          </a:ln>
-        </p:spPr>
-        <p:style>
-          <a:lnRef idx="2">
-            <a:schemeClr val="accent1">
-              <a:shade val="50000"/>
-            </a:schemeClr>
-          </a:lnRef>
-          <a:fillRef idx="1">
-            <a:schemeClr val="accent1"/>
-          </a:fillRef>
-          <a:effectRef idx="0">
-            <a:schemeClr val="accent1"/>
-          </a:effectRef>
-          <a:fontRef idx="minor">
-            <a:schemeClr val="lt1"/>
-          </a:fontRef>
-        </p:style>
-        <p:txBody>
-          <a:bodyPr lIns="108000" tIns="108000" rIns="108000" bIns="108000" rtlCol="0" anchor="ctr"/>
-          <a:lstStyle/>
-          <a:p>
-            <a:pPr algn="ctr"/>
-            <a:r>
-              <a:rPr lang="pl-PL" sz="1200" dirty="0" err="1" smtClean="0">
-                <a:solidFill>
-                  <a:schemeClr val="tx1"/>
-                </a:solidFill>
-              </a:rPr>
-              <a:t>ReceiveTest</a:t>
-            </a:r>
-            <a:endParaRPr lang="pl-PL" sz="1200" dirty="0" smtClean="0">
-              <a:solidFill>
-                <a:schemeClr val="tx1"/>
-              </a:solidFill>
-            </a:endParaRPr>
-          </a:p>
-        </p:txBody>
-      </p:sp>
-      <p:sp>
-        <p:nvSpPr>
-          <p:cNvPr id="38" name="Prostokąt zaokrąglony 9"/>
-          <p:cNvSpPr/>
-          <p:nvPr/>
-        </p:nvSpPr>
-        <p:spPr>
-          <a:xfrm>
-            <a:off x="5801772" y="920041"/>
-            <a:ext cx="1515330" cy="398292"/>
-          </a:xfrm>
-          <a:prstGeom prst="roundRect">
-            <a:avLst/>
-          </a:prstGeom>
-          <a:solidFill>
-            <a:schemeClr val="bg1"/>
-          </a:solidFill>
-          <a:ln w="50800">
-            <a:solidFill>
-              <a:schemeClr val="accent1"/>
-            </a:solidFill>
-          </a:ln>
-        </p:spPr>
-        <p:style>
-          <a:lnRef idx="2">
-            <a:schemeClr val="accent1">
-              <a:shade val="50000"/>
-            </a:schemeClr>
-          </a:lnRef>
-          <a:fillRef idx="1">
-            <a:schemeClr val="accent1"/>
-          </a:fillRef>
-          <a:effectRef idx="0">
-            <a:schemeClr val="accent1"/>
-          </a:effectRef>
-          <a:fontRef idx="minor">
-            <a:schemeClr val="lt1"/>
-          </a:fontRef>
-        </p:style>
-        <p:txBody>
-          <a:bodyPr lIns="108000" tIns="108000" rIns="108000" bIns="108000" rtlCol="0" anchor="ctr"/>
-          <a:lstStyle/>
-          <a:p>
-            <a:pPr algn="ctr"/>
-            <a:r>
-              <a:rPr lang="pl-PL" sz="1200" dirty="0" smtClean="0">
-                <a:solidFill>
-                  <a:schemeClr val="tx1"/>
-                </a:solidFill>
-              </a:rPr>
-              <a:t>Embedded</a:t>
-            </a:r>
-          </a:p>
-          <a:p>
-            <a:pPr algn="ctr"/>
-            <a:r>
-              <a:rPr lang="pl-PL" sz="1200" dirty="0" smtClean="0">
-                <a:solidFill>
-                  <a:schemeClr val="tx1"/>
-                </a:solidFill>
-              </a:rPr>
-              <a:t>ActiveMQ broker</a:t>
-            </a:r>
-          </a:p>
-        </p:txBody>
-      </p:sp>
-      <p:sp>
-        <p:nvSpPr>
-          <p:cNvPr id="39" name="Prostokąt zaokrąglony 7"/>
-          <p:cNvSpPr/>
-          <p:nvPr/>
-        </p:nvSpPr>
-        <p:spPr>
-          <a:xfrm>
-            <a:off x="7885134" y="941287"/>
-            <a:ext cx="1150724" cy="319414"/>
-          </a:xfrm>
-          <a:prstGeom prst="roundRect">
-            <a:avLst/>
-          </a:prstGeom>
-          <a:solidFill>
-            <a:schemeClr val="bg1"/>
-          </a:solidFill>
-          <a:ln w="50800">
-            <a:solidFill>
-              <a:schemeClr val="accent1"/>
-            </a:solidFill>
-          </a:ln>
-        </p:spPr>
-        <p:style>
-          <a:lnRef idx="2">
-            <a:schemeClr val="accent1">
-              <a:shade val="50000"/>
-            </a:schemeClr>
-          </a:lnRef>
-          <a:fillRef idx="1">
-            <a:schemeClr val="accent1"/>
-          </a:fillRef>
-          <a:effectRef idx="0">
-            <a:schemeClr val="accent1"/>
-          </a:effectRef>
-          <a:fontRef idx="minor">
-            <a:schemeClr val="lt1"/>
-          </a:fontRef>
-        </p:style>
-        <p:txBody>
-          <a:bodyPr lIns="108000" tIns="108000" rIns="108000" bIns="108000" rtlCol="0" anchor="ctr"/>
-          <a:lstStyle/>
-          <a:p>
-            <a:pPr algn="ctr"/>
-            <a:r>
-              <a:rPr lang="pl-PL" sz="1200" dirty="0" err="1" smtClean="0">
-                <a:solidFill>
-                  <a:schemeClr val="tx1"/>
-                </a:solidFill>
-              </a:rPr>
-              <a:t>JmsReceiver</a:t>
-            </a:r>
-            <a:endParaRPr lang="pl-PL" sz="1200" dirty="0" smtClean="0">
-              <a:solidFill>
-                <a:schemeClr val="tx1"/>
-              </a:solidFill>
-            </a:endParaRPr>
-          </a:p>
-        </p:txBody>
-      </p:sp>
-      <p:cxnSp>
-        <p:nvCxnSpPr>
-          <p:cNvPr id="41" name="Straight Connector 40"/>
-          <p:cNvCxnSpPr/>
-          <p:nvPr/>
-        </p:nvCxnSpPr>
-        <p:spPr>
-          <a:xfrm>
-            <a:off x="4944985" y="1278894"/>
-            <a:ext cx="0" cy="3202618"/>
-          </a:xfrm>
-          <a:prstGeom prst="line">
-            <a:avLst/>
-          </a:prstGeom>
-          <a:ln>
-            <a:solidFill>
-              <a:schemeClr val="accent2"/>
-            </a:solidFill>
-          </a:ln>
-        </p:spPr>
-        <p:style>
-          <a:lnRef idx="1">
-            <a:schemeClr val="accent1"/>
-          </a:lnRef>
-          <a:fillRef idx="0">
-            <a:schemeClr val="accent1"/>
-          </a:fillRef>
-          <a:effectRef idx="0">
-            <a:schemeClr val="accent1"/>
-          </a:effectRef>
-          <a:fontRef idx="minor">
-            <a:schemeClr val="tx1"/>
-          </a:fontRef>
-        </p:style>
-      </p:cxnSp>
-      <p:cxnSp>
-        <p:nvCxnSpPr>
-          <p:cNvPr id="43" name="Straight Connector 42"/>
-          <p:cNvCxnSpPr/>
-          <p:nvPr/>
-        </p:nvCxnSpPr>
-        <p:spPr>
-          <a:xfrm>
-            <a:off x="6576822" y="1334635"/>
-            <a:ext cx="0" cy="3202618"/>
-          </a:xfrm>
-          <a:prstGeom prst="line">
-            <a:avLst/>
-          </a:prstGeom>
-          <a:ln>
-            <a:solidFill>
-              <a:schemeClr val="accent2"/>
-            </a:solidFill>
-          </a:ln>
-        </p:spPr>
-        <p:style>
-          <a:lnRef idx="1">
-            <a:schemeClr val="accent1"/>
-          </a:lnRef>
-          <a:fillRef idx="0">
-            <a:schemeClr val="accent1"/>
-          </a:fillRef>
-          <a:effectRef idx="0">
-            <a:schemeClr val="accent1"/>
-          </a:effectRef>
-          <a:fontRef idx="minor">
-            <a:schemeClr val="tx1"/>
-          </a:fontRef>
-        </p:style>
-      </p:cxnSp>
-      <p:cxnSp>
-        <p:nvCxnSpPr>
-          <p:cNvPr id="44" name="Straight Connector 43"/>
-          <p:cNvCxnSpPr/>
-          <p:nvPr/>
-        </p:nvCxnSpPr>
-        <p:spPr>
-          <a:xfrm>
-            <a:off x="8527562" y="1318333"/>
-            <a:ext cx="0" cy="3202618"/>
-          </a:xfrm>
-          <a:prstGeom prst="line">
-            <a:avLst/>
-          </a:prstGeom>
-          <a:ln>
-            <a:solidFill>
-              <a:schemeClr val="accent2"/>
-            </a:solidFill>
-          </a:ln>
-        </p:spPr>
-        <p:style>
-          <a:lnRef idx="1">
-            <a:schemeClr val="accent1"/>
-          </a:lnRef>
-          <a:fillRef idx="0">
-            <a:schemeClr val="accent1"/>
-          </a:fillRef>
-          <a:effectRef idx="0">
-            <a:schemeClr val="accent1"/>
-          </a:effectRef>
-          <a:fontRef idx="minor">
-            <a:schemeClr val="tx1"/>
-          </a:fontRef>
-        </p:style>
-      </p:cxnSp>
-      <p:cxnSp>
-        <p:nvCxnSpPr>
-          <p:cNvPr id="46" name="Straight Arrow Connector 45"/>
-          <p:cNvCxnSpPr/>
-          <p:nvPr/>
-        </p:nvCxnSpPr>
-        <p:spPr>
-          <a:xfrm flipV="1">
-            <a:off x="4979756" y="1883998"/>
-            <a:ext cx="3549894" cy="33958"/>
-          </a:xfrm>
-          <a:prstGeom prst="straightConnector1">
-            <a:avLst/>
-          </a:prstGeom>
-          <a:ln>
-            <a:solidFill>
-              <a:schemeClr val="accent2"/>
-            </a:solidFill>
-            <a:tailEnd type="triangle"/>
-          </a:ln>
-        </p:spPr>
-        <p:style>
-          <a:lnRef idx="1">
-            <a:schemeClr val="accent1"/>
-          </a:lnRef>
-          <a:fillRef idx="0">
-            <a:schemeClr val="accent1"/>
-          </a:fillRef>
-          <a:effectRef idx="0">
-            <a:schemeClr val="accent1"/>
-          </a:effectRef>
-          <a:fontRef idx="minor">
-            <a:schemeClr val="tx1"/>
-          </a:fontRef>
-        </p:style>
-      </p:cxnSp>
-      <p:cxnSp>
-        <p:nvCxnSpPr>
-          <p:cNvPr id="49" name="Straight Arrow Connector 48"/>
-          <p:cNvCxnSpPr/>
-          <p:nvPr/>
-        </p:nvCxnSpPr>
-        <p:spPr>
-          <a:xfrm>
-            <a:off x="4962370" y="3016735"/>
-            <a:ext cx="1614452" cy="0"/>
-          </a:xfrm>
-          <a:prstGeom prst="straightConnector1">
-            <a:avLst/>
-          </a:prstGeom>
-          <a:ln>
-            <a:solidFill>
-              <a:schemeClr val="accent2"/>
-            </a:solidFill>
-            <a:tailEnd type="triangle"/>
-          </a:ln>
-        </p:spPr>
-        <p:style>
-          <a:lnRef idx="1">
-            <a:schemeClr val="accent1"/>
-          </a:lnRef>
-          <a:fillRef idx="0">
-            <a:schemeClr val="accent1"/>
-          </a:fillRef>
-          <a:effectRef idx="0">
-            <a:schemeClr val="accent1"/>
-          </a:effectRef>
-          <a:fontRef idx="minor">
-            <a:schemeClr val="tx1"/>
-          </a:fontRef>
-        </p:style>
-      </p:cxnSp>
-      <p:cxnSp>
-        <p:nvCxnSpPr>
-          <p:cNvPr id="51" name="Straight Arrow Connector 50"/>
-          <p:cNvCxnSpPr/>
-          <p:nvPr/>
-        </p:nvCxnSpPr>
-        <p:spPr>
-          <a:xfrm flipH="1">
-            <a:off x="6576823" y="2412568"/>
-            <a:ext cx="1950739" cy="0"/>
-          </a:xfrm>
-          <a:prstGeom prst="straightConnector1">
-            <a:avLst/>
-          </a:prstGeom>
-          <a:ln>
-            <a:solidFill>
-              <a:schemeClr val="accent2"/>
-            </a:solidFill>
-            <a:tailEnd type="triangle"/>
-          </a:ln>
-        </p:spPr>
-        <p:style>
-          <a:lnRef idx="1">
-            <a:schemeClr val="accent1"/>
-          </a:lnRef>
-          <a:fillRef idx="0">
-            <a:schemeClr val="accent1"/>
-          </a:fillRef>
-          <a:effectRef idx="0">
-            <a:schemeClr val="accent1"/>
-          </a:effectRef>
-          <a:fontRef idx="minor">
-            <a:schemeClr val="tx1"/>
-          </a:fontRef>
-        </p:style>
-      </p:cxnSp>
-      <p:cxnSp>
-        <p:nvCxnSpPr>
-          <p:cNvPr id="54" name="Straight Arrow Connector 53"/>
-          <p:cNvCxnSpPr/>
-          <p:nvPr/>
-        </p:nvCxnSpPr>
-        <p:spPr>
-          <a:xfrm>
-            <a:off x="6637819" y="3238089"/>
-            <a:ext cx="1874355" cy="24307"/>
-          </a:xfrm>
-          <a:prstGeom prst="straightConnector1">
-            <a:avLst/>
-          </a:prstGeom>
-          <a:ln>
-            <a:solidFill>
-              <a:schemeClr val="accent2"/>
-            </a:solidFill>
-            <a:tailEnd type="triangle"/>
-          </a:ln>
-        </p:spPr>
-        <p:style>
-          <a:lnRef idx="1">
-            <a:schemeClr val="accent1"/>
-          </a:lnRef>
-          <a:fillRef idx="0">
-            <a:schemeClr val="accent1"/>
-          </a:fillRef>
-          <a:effectRef idx="0">
-            <a:schemeClr val="accent1"/>
-          </a:effectRef>
-          <a:fontRef idx="minor">
-            <a:schemeClr val="tx1"/>
-          </a:fontRef>
-        </p:style>
-      </p:cxnSp>
-      <p:sp>
-        <p:nvSpPr>
-          <p:cNvPr id="56" name="TextBox 55"/>
-          <p:cNvSpPr txBox="1"/>
-          <p:nvPr/>
-        </p:nvSpPr>
-        <p:spPr>
-          <a:xfrm>
-            <a:off x="6670097" y="1722414"/>
-            <a:ext cx="969817" cy="161583"/>
-          </a:xfrm>
-          <a:prstGeom prst="rect">
-            <a:avLst/>
-          </a:prstGeom>
-          <a:noFill/>
-        </p:spPr>
-        <p:txBody>
-          <a:bodyPr wrap="none" lIns="0" tIns="0" rIns="0" bIns="0" rtlCol="0">
-            <a:spAutoFit/>
-          </a:bodyPr>
-          <a:lstStyle/>
-          <a:p>
-            <a:r>
-              <a:rPr lang="pl-PL" sz="1050" dirty="0" err="1" smtClean="0"/>
-              <a:t>registerCallback</a:t>
-            </a:r>
-            <a:endParaRPr lang="pl-PL" sz="1050" dirty="0" smtClean="0"/>
-          </a:p>
-        </p:txBody>
-      </p:sp>
-      <p:sp>
-        <p:nvSpPr>
-          <p:cNvPr id="57" name="TextBox 56"/>
-          <p:cNvSpPr txBox="1"/>
-          <p:nvPr/>
-        </p:nvSpPr>
-        <p:spPr>
-          <a:xfrm>
-            <a:off x="5292702" y="2797875"/>
-            <a:ext cx="953787" cy="161583"/>
-          </a:xfrm>
-          <a:prstGeom prst="rect">
-            <a:avLst/>
-          </a:prstGeom>
-          <a:noFill/>
-        </p:spPr>
-        <p:txBody>
-          <a:bodyPr wrap="none" lIns="0" tIns="0" rIns="0" bIns="0" rtlCol="0">
-            <a:spAutoFit/>
-          </a:bodyPr>
-          <a:lstStyle/>
-          <a:p>
-            <a:r>
-              <a:rPr lang="pl-PL" sz="1050" dirty="0" err="1" smtClean="0"/>
-              <a:t>producer.send</a:t>
-            </a:r>
-            <a:r>
-              <a:rPr lang="pl-PL" sz="1050" dirty="0" smtClean="0"/>
-              <a:t>()</a:t>
-            </a:r>
-          </a:p>
-        </p:txBody>
-      </p:sp>
-      <p:sp>
-        <p:nvSpPr>
-          <p:cNvPr id="58" name="TextBox 57"/>
-          <p:cNvSpPr txBox="1"/>
-          <p:nvPr/>
-        </p:nvSpPr>
-        <p:spPr>
-          <a:xfrm>
-            <a:off x="6710238" y="2250978"/>
-            <a:ext cx="1359346" cy="138499"/>
-          </a:xfrm>
-          <a:prstGeom prst="rect">
-            <a:avLst/>
-          </a:prstGeom>
-          <a:noFill/>
-        </p:spPr>
-        <p:txBody>
-          <a:bodyPr wrap="none" lIns="0" tIns="0" rIns="0" bIns="0" rtlCol="0">
-            <a:spAutoFit/>
-          </a:bodyPr>
-          <a:lstStyle/>
-          <a:p>
-            <a:r>
-              <a:rPr lang="pl-PL" sz="900" dirty="0" err="1" smtClean="0">
-                <a:solidFill>
-                  <a:srgbClr val="00B050"/>
-                </a:solidFill>
-              </a:rPr>
-              <a:t>registerListener</a:t>
-            </a:r>
-            <a:r>
-              <a:rPr lang="pl-PL" sz="900" dirty="0" smtClean="0">
-                <a:solidFill>
-                  <a:srgbClr val="00B050"/>
-                </a:solidFill>
-              </a:rPr>
-              <a:t>(</a:t>
-            </a:r>
-            <a:r>
-              <a:rPr lang="pl-PL" sz="900" dirty="0" err="1" smtClean="0">
-                <a:solidFill>
-                  <a:srgbClr val="00B050"/>
-                </a:solidFill>
-              </a:rPr>
-              <a:t>priceAlert</a:t>
-            </a:r>
-            <a:r>
-              <a:rPr lang="pl-PL" sz="900" dirty="0" smtClean="0">
-                <a:solidFill>
-                  <a:srgbClr val="00B050"/>
-                </a:solidFill>
-              </a:rPr>
-              <a:t>)</a:t>
-            </a:r>
-          </a:p>
-        </p:txBody>
-      </p:sp>
-      <p:sp>
-        <p:nvSpPr>
-          <p:cNvPr id="59" name="TextBox 58"/>
-          <p:cNvSpPr txBox="1"/>
-          <p:nvPr/>
-        </p:nvSpPr>
-        <p:spPr>
-          <a:xfrm>
-            <a:off x="6882560" y="3076506"/>
-            <a:ext cx="1261564" cy="161583"/>
-          </a:xfrm>
-          <a:prstGeom prst="rect">
-            <a:avLst/>
-          </a:prstGeom>
-          <a:noFill/>
-        </p:spPr>
-        <p:txBody>
-          <a:bodyPr wrap="none" lIns="0" tIns="0" rIns="0" bIns="0" rtlCol="0">
-            <a:spAutoFit/>
-          </a:bodyPr>
-          <a:lstStyle/>
-          <a:p>
-            <a:r>
-              <a:rPr lang="pl-PL" sz="1050" dirty="0" smtClean="0"/>
-              <a:t>listener.onMessage()</a:t>
-            </a:r>
-          </a:p>
-        </p:txBody>
-      </p:sp>
-      <p:sp>
-        <p:nvSpPr>
-          <p:cNvPr id="60" name="TextBox 59"/>
-          <p:cNvSpPr txBox="1"/>
-          <p:nvPr/>
-        </p:nvSpPr>
-        <p:spPr>
-          <a:xfrm>
-            <a:off x="7795471" y="2010434"/>
-            <a:ext cx="1041952" cy="161583"/>
-          </a:xfrm>
-          <a:prstGeom prst="rect">
-            <a:avLst/>
-          </a:prstGeom>
-          <a:noFill/>
-        </p:spPr>
-        <p:txBody>
-          <a:bodyPr wrap="none" lIns="0" tIns="0" rIns="0" bIns="0" rtlCol="0">
-            <a:spAutoFit/>
-          </a:bodyPr>
-          <a:lstStyle/>
-          <a:p>
-            <a:r>
-              <a:rPr lang="pl-PL" sz="1050" dirty="0" smtClean="0">
-                <a:solidFill>
-                  <a:srgbClr val="00B050"/>
-                </a:solidFill>
-              </a:rPr>
-              <a:t>connect to broker</a:t>
-            </a:r>
-          </a:p>
-        </p:txBody>
-      </p:sp>
-      <p:sp>
-        <p:nvSpPr>
-          <p:cNvPr id="61" name="TextBox 60"/>
-          <p:cNvSpPr txBox="1"/>
-          <p:nvPr/>
-        </p:nvSpPr>
-        <p:spPr>
-          <a:xfrm>
-            <a:off x="7460106" y="4212449"/>
-            <a:ext cx="1575752" cy="161583"/>
-          </a:xfrm>
-          <a:prstGeom prst="rect">
-            <a:avLst/>
-          </a:prstGeom>
-          <a:noFill/>
-        </p:spPr>
-        <p:txBody>
-          <a:bodyPr wrap="none" lIns="0" tIns="0" rIns="0" bIns="0" rtlCol="0">
-            <a:spAutoFit/>
-          </a:bodyPr>
-          <a:lstStyle/>
-          <a:p>
-            <a:r>
-              <a:rPr lang="pl-PL" sz="1050" dirty="0" smtClean="0">
-                <a:solidFill>
-                  <a:srgbClr val="00B050"/>
-                </a:solidFill>
-              </a:rPr>
-              <a:t>close connection to broker</a:t>
-            </a:r>
-          </a:p>
-        </p:txBody>
-      </p:sp>
-      <p:cxnSp>
-        <p:nvCxnSpPr>
-          <p:cNvPr id="62" name="Straight Arrow Connector 61"/>
-          <p:cNvCxnSpPr/>
-          <p:nvPr/>
-        </p:nvCxnSpPr>
-        <p:spPr>
-          <a:xfrm>
-            <a:off x="4944985" y="1650410"/>
-            <a:ext cx="1614452" cy="0"/>
-          </a:xfrm>
-          <a:prstGeom prst="straightConnector1">
-            <a:avLst/>
-          </a:prstGeom>
-          <a:ln>
-            <a:solidFill>
-              <a:schemeClr val="accent2"/>
-            </a:solidFill>
-            <a:tailEnd type="triangle"/>
-          </a:ln>
-        </p:spPr>
-        <p:style>
-          <a:lnRef idx="1">
-            <a:schemeClr val="accent1"/>
-          </a:lnRef>
-          <a:fillRef idx="0">
-            <a:schemeClr val="accent1"/>
-          </a:fillRef>
-          <a:effectRef idx="0">
-            <a:schemeClr val="accent1"/>
-          </a:effectRef>
-          <a:fontRef idx="minor">
-            <a:schemeClr val="tx1"/>
-          </a:fontRef>
-        </p:style>
-      </p:cxnSp>
-      <p:sp>
-        <p:nvSpPr>
-          <p:cNvPr id="63" name="TextBox 62"/>
-          <p:cNvSpPr txBox="1"/>
-          <p:nvPr/>
-        </p:nvSpPr>
-        <p:spPr>
-          <a:xfrm>
-            <a:off x="5154513" y="1470264"/>
-            <a:ext cx="1357744" cy="161583"/>
-          </a:xfrm>
-          <a:prstGeom prst="rect">
-            <a:avLst/>
-          </a:prstGeom>
-          <a:noFill/>
-        </p:spPr>
-        <p:txBody>
-          <a:bodyPr wrap="none" lIns="0" tIns="0" rIns="0" bIns="0" rtlCol="0">
-            <a:spAutoFit/>
-          </a:bodyPr>
-          <a:lstStyle/>
-          <a:p>
-            <a:r>
-              <a:rPr lang="pl-PL" sz="1050" dirty="0" smtClean="0"/>
-              <a:t>start embedded broker</a:t>
-            </a:r>
-          </a:p>
-        </p:txBody>
-      </p:sp>
-      <p:cxnSp>
-        <p:nvCxnSpPr>
-          <p:cNvPr id="34" name="Straight Arrow Connector 50"/>
-          <p:cNvCxnSpPr/>
-          <p:nvPr/>
-        </p:nvCxnSpPr>
-        <p:spPr>
-          <a:xfrm flipH="1">
-            <a:off x="4979757" y="3788033"/>
-            <a:ext cx="3509395" cy="0"/>
-          </a:xfrm>
-          <a:prstGeom prst="straightConnector1">
-            <a:avLst/>
-          </a:prstGeom>
-          <a:ln>
-            <a:solidFill>
-              <a:schemeClr val="accent2"/>
-            </a:solidFill>
-            <a:tailEnd type="triangle"/>
-          </a:ln>
-        </p:spPr>
-        <p:style>
-          <a:lnRef idx="1">
-            <a:schemeClr val="accent1"/>
-          </a:lnRef>
-          <a:fillRef idx="0">
-            <a:schemeClr val="accent1"/>
-          </a:fillRef>
-          <a:effectRef idx="0">
-            <a:schemeClr val="accent1"/>
-          </a:effectRef>
-          <a:fontRef idx="minor">
-            <a:schemeClr val="tx1"/>
-          </a:fontRef>
-        </p:style>
-      </p:cxnSp>
-      <p:sp>
-        <p:nvSpPr>
-          <p:cNvPr id="36" name="TextBox 57"/>
-          <p:cNvSpPr txBox="1"/>
-          <p:nvPr/>
-        </p:nvSpPr>
-        <p:spPr>
-          <a:xfrm>
-            <a:off x="5996835" y="3549604"/>
-            <a:ext cx="1643079" cy="161583"/>
-          </a:xfrm>
-          <a:prstGeom prst="rect">
-            <a:avLst/>
-          </a:prstGeom>
-          <a:noFill/>
-        </p:spPr>
-        <p:txBody>
-          <a:bodyPr wrap="none" lIns="0" tIns="0" rIns="0" bIns="0" rtlCol="0">
-            <a:spAutoFit/>
-          </a:bodyPr>
-          <a:lstStyle/>
-          <a:p>
-            <a:r>
-              <a:rPr lang="pl-PL" sz="1050" dirty="0" err="1" smtClean="0">
-                <a:solidFill>
-                  <a:srgbClr val="00B050"/>
-                </a:solidFill>
-              </a:rPr>
-              <a:t>alertService.process</a:t>
-            </a:r>
-            <a:r>
-              <a:rPr lang="pl-PL" sz="1050" dirty="0" smtClean="0">
-                <a:solidFill>
-                  <a:srgbClr val="00B050"/>
-                </a:solidFill>
-              </a:rPr>
-              <a:t>*Alert()</a:t>
-            </a:r>
-          </a:p>
-        </p:txBody>
-      </p:sp>
-      <p:cxnSp>
-        <p:nvCxnSpPr>
-          <p:cNvPr id="40" name="Straight Arrow Connector 50"/>
-          <p:cNvCxnSpPr/>
-          <p:nvPr/>
-        </p:nvCxnSpPr>
-        <p:spPr>
-          <a:xfrm flipH="1">
-            <a:off x="6602950" y="2740332"/>
-            <a:ext cx="1901694" cy="0"/>
-          </a:xfrm>
-          <a:prstGeom prst="straightConnector1">
-            <a:avLst/>
-          </a:prstGeom>
-          <a:ln>
-            <a:solidFill>
-              <a:schemeClr val="accent2"/>
-            </a:solidFill>
-            <a:tailEnd type="triangle"/>
-          </a:ln>
-        </p:spPr>
-        <p:style>
-          <a:lnRef idx="1">
-            <a:schemeClr val="accent1"/>
-          </a:lnRef>
-          <a:fillRef idx="0">
-            <a:schemeClr val="accent1"/>
-          </a:fillRef>
-          <a:effectRef idx="0">
-            <a:schemeClr val="accent1"/>
-          </a:effectRef>
-          <a:fontRef idx="minor">
-            <a:schemeClr val="tx1"/>
-          </a:fontRef>
-        </p:style>
-      </p:cxnSp>
-      <p:sp>
-        <p:nvSpPr>
-          <p:cNvPr id="42" name="TextBox 57"/>
-          <p:cNvSpPr txBox="1"/>
-          <p:nvPr/>
-        </p:nvSpPr>
-        <p:spPr>
-          <a:xfrm>
-            <a:off x="6754703" y="2555823"/>
-            <a:ext cx="1481175" cy="138499"/>
-          </a:xfrm>
-          <a:prstGeom prst="rect">
-            <a:avLst/>
-          </a:prstGeom>
-          <a:noFill/>
-        </p:spPr>
-        <p:txBody>
-          <a:bodyPr wrap="none" lIns="0" tIns="0" rIns="0" bIns="0" rtlCol="0">
-            <a:spAutoFit/>
-          </a:bodyPr>
-          <a:lstStyle/>
-          <a:p>
-            <a:r>
-              <a:rPr lang="pl-PL" sz="900" dirty="0" err="1" smtClean="0">
-                <a:solidFill>
-                  <a:srgbClr val="00B050"/>
-                </a:solidFill>
-              </a:rPr>
-              <a:t>registerListener</a:t>
-            </a:r>
-            <a:r>
-              <a:rPr lang="pl-PL" sz="900" dirty="0" smtClean="0">
-                <a:solidFill>
-                  <a:srgbClr val="00B050"/>
-                </a:solidFill>
-              </a:rPr>
-              <a:t>(</a:t>
-            </a:r>
-            <a:r>
-              <a:rPr lang="pl-PL" sz="900" dirty="0" err="1" smtClean="0">
-                <a:solidFill>
-                  <a:srgbClr val="00B050"/>
-                </a:solidFill>
-              </a:rPr>
-              <a:t>volumeAlert</a:t>
-            </a:r>
-            <a:r>
-              <a:rPr lang="pl-PL" sz="900" dirty="0" smtClean="0">
-                <a:solidFill>
-                  <a:srgbClr val="00B050"/>
-                </a:solidFill>
-              </a:rPr>
-              <a:t>)</a:t>
-            </a:r>
-          </a:p>
-        </p:txBody>
-      </p:sp>
-      <p:cxnSp>
-        <p:nvCxnSpPr>
-          <p:cNvPr id="47" name="Straight Arrow Connector 48"/>
-          <p:cNvCxnSpPr/>
-          <p:nvPr/>
-        </p:nvCxnSpPr>
-        <p:spPr>
-          <a:xfrm>
-            <a:off x="4944985" y="4027168"/>
-            <a:ext cx="3559659" cy="34035"/>
-          </a:xfrm>
-          <a:prstGeom prst="straightConnector1">
-            <a:avLst/>
-          </a:prstGeom>
-          <a:ln>
-            <a:solidFill>
-              <a:schemeClr val="accent2"/>
-            </a:solidFill>
-            <a:tailEnd type="triangle"/>
-          </a:ln>
-        </p:spPr>
-        <p:style>
-          <a:lnRef idx="1">
-            <a:schemeClr val="accent1"/>
-          </a:lnRef>
-          <a:fillRef idx="0">
-            <a:schemeClr val="accent1"/>
-          </a:fillRef>
-          <a:effectRef idx="0">
-            <a:schemeClr val="accent1"/>
-          </a:effectRef>
-          <a:fontRef idx="minor">
-            <a:schemeClr val="tx1"/>
-          </a:fontRef>
-        </p:style>
-      </p:cxnSp>
-      <p:sp>
-        <p:nvSpPr>
-          <p:cNvPr id="50" name="TextBox 56"/>
-          <p:cNvSpPr txBox="1"/>
-          <p:nvPr/>
-        </p:nvSpPr>
-        <p:spPr>
-          <a:xfrm>
-            <a:off x="6916605" y="3865584"/>
-            <a:ext cx="578685" cy="161583"/>
-          </a:xfrm>
-          <a:prstGeom prst="rect">
-            <a:avLst/>
-          </a:prstGeom>
-          <a:noFill/>
-        </p:spPr>
-        <p:txBody>
-          <a:bodyPr wrap="none" lIns="0" tIns="0" rIns="0" bIns="0" rtlCol="0">
-            <a:spAutoFit/>
-          </a:bodyPr>
-          <a:lstStyle/>
-          <a:p>
-            <a:r>
-              <a:rPr lang="pl-PL" sz="1050" dirty="0" err="1" smtClean="0"/>
-              <a:t>shutdown</a:t>
-            </a:r>
-            <a:endParaRPr lang="pl-PL" sz="1050" dirty="0" smtClean="0"/>
-          </a:p>
-        </p:txBody>
-      </p:sp>
-    </p:spTree>
-    <p:extLst>
-      <p:ext uri="{BB962C8B-B14F-4D97-AF65-F5344CB8AC3E}">
-        <p14:creationId xmlns:p14="http://schemas.microsoft.com/office/powerpoint/2010/main" val="1042850554"/>
-      </p:ext>
-    </p:extLst>
-  </p:cSld>
-  <p:clrMapOvr>
-    <a:masterClrMapping/>
-  </p:clrMapOvr>
-  <mc:AlternateContent xmlns:mc="http://schemas.openxmlformats.org/markup-compatibility/2006" xmlns:p14="http://schemas.microsoft.com/office/powerpoint/2010/main">
-    <mc:Choice Requires="p14">
-      <p:transition p14:dur="10"/>
-    </mc:Choice>
-    <mc:Fallback xmlns="">
+    <mc:Fallback>
       <p:transition/>
     </mc:Fallback>
   </mc:AlternateContent>
@@ -9400,6 +8128,58 @@
       </p:grpSpPr>
       <p:sp>
         <p:nvSpPr>
+          <p:cNvPr id="17" name="Prostokąt zaokrąglony 9"/>
+          <p:cNvSpPr/>
+          <p:nvPr/>
+        </p:nvSpPr>
+        <p:spPr>
+          <a:xfrm>
+            <a:off x="401471" y="2498203"/>
+            <a:ext cx="3818315" cy="1836729"/>
+          </a:xfrm>
+          <a:prstGeom prst="roundRect">
+            <a:avLst/>
+          </a:prstGeom>
+          <a:solidFill>
+            <a:schemeClr val="bg1"/>
+          </a:solidFill>
+          <a:ln w="12700">
+            <a:solidFill>
+              <a:schemeClr val="accent1"/>
+            </a:solidFill>
+          </a:ln>
+        </p:spPr>
+        <p:style>
+          <a:lnRef idx="2">
+            <a:schemeClr val="accent1">
+              <a:shade val="50000"/>
+            </a:schemeClr>
+          </a:lnRef>
+          <a:fillRef idx="1">
+            <a:schemeClr val="accent1"/>
+          </a:fillRef>
+          <a:effectRef idx="0">
+            <a:schemeClr val="accent1"/>
+          </a:effectRef>
+          <a:fontRef idx="minor">
+            <a:schemeClr val="lt1"/>
+          </a:fontRef>
+        </p:style>
+        <p:txBody>
+          <a:bodyPr lIns="108000" tIns="108000" rIns="108000" bIns="108000" rtlCol="0" anchor="ctr"/>
+          <a:lstStyle/>
+          <a:p>
+            <a:pPr algn="ctr"/>
+            <a:endParaRPr lang="pl-PL" sz="1200" dirty="0" smtClean="0">
+              <a:solidFill>
+                <a:schemeClr val="tx1"/>
+              </a:solidFill>
+            </a:endParaRPr>
+          </a:p>
+        </p:txBody>
+      </p:sp>
+      <p:sp>
+        <p:nvSpPr>
           <p:cNvPr id="7" name="Titel 6"/>
           <p:cNvSpPr>
             <a:spLocks noGrp="1"/>
@@ -9415,7 +8195,7 @@
           <a:p>
             <a:r>
               <a:rPr lang="pl-PL" dirty="0" smtClean="0"/>
-              <a:t>Ćwiczenie Podstawy JMS</a:t>
+              <a:t>Ćwiczenie Podstawy JMS - ReceiveTest</a:t>
             </a:r>
             <a:endParaRPr lang="de-DE" dirty="0"/>
           </a:p>
@@ -9438,7 +8218,7 @@
           <a:p>
             <a:r>
               <a:rPr lang="pl-PL" dirty="0" smtClean="0"/>
-              <a:t>ĆWICZENIE 4a</a:t>
+              <a:t>ĆWICZENIE 4A</a:t>
             </a:r>
             <a:endParaRPr lang="de-DE" dirty="0"/>
           </a:p>
@@ -9446,7 +8226,193 @@
       </p:sp>
       <p:sp>
         <p:nvSpPr>
-          <p:cNvPr id="6" name="Symbol zastępczy zawartości 1"/>
+          <p:cNvPr id="3" name="Prostokąt zaokrąglony 2"/>
+          <p:cNvSpPr/>
+          <p:nvPr/>
+        </p:nvSpPr>
+        <p:spPr>
+          <a:xfrm>
+            <a:off x="2578154" y="3363616"/>
+            <a:ext cx="1336833" cy="848833"/>
+          </a:xfrm>
+          <a:prstGeom prst="roundRect">
+            <a:avLst/>
+          </a:prstGeom>
+          <a:solidFill>
+            <a:schemeClr val="bg1"/>
+          </a:solidFill>
+          <a:ln w="50800">
+            <a:solidFill>
+              <a:schemeClr val="accent1"/>
+            </a:solidFill>
+          </a:ln>
+        </p:spPr>
+        <p:style>
+          <a:lnRef idx="2">
+            <a:schemeClr val="accent1">
+              <a:shade val="50000"/>
+            </a:schemeClr>
+          </a:lnRef>
+          <a:fillRef idx="1">
+            <a:schemeClr val="accent1"/>
+          </a:fillRef>
+          <a:effectRef idx="0">
+            <a:schemeClr val="accent1"/>
+          </a:effectRef>
+          <a:fontRef idx="minor">
+            <a:schemeClr val="lt1"/>
+          </a:fontRef>
+        </p:style>
+        <p:txBody>
+          <a:bodyPr lIns="108000" tIns="108000" rIns="108000" bIns="108000" rtlCol="0" anchor="ctr"/>
+          <a:lstStyle/>
+          <a:p>
+            <a:pPr algn="ctr"/>
+            <a:r>
+              <a:rPr lang="pl-PL" sz="1200" dirty="0" err="1" smtClean="0">
+                <a:solidFill>
+                  <a:schemeClr val="tx1"/>
+                </a:solidFill>
+              </a:rPr>
+              <a:t>ReceiveTest</a:t>
+            </a:r>
+            <a:endParaRPr lang="pl-PL" sz="1200" dirty="0" smtClean="0">
+              <a:solidFill>
+                <a:schemeClr val="tx1"/>
+              </a:solidFill>
+            </a:endParaRPr>
+          </a:p>
+        </p:txBody>
+      </p:sp>
+      <p:sp>
+        <p:nvSpPr>
+          <p:cNvPr id="8" name="Prostokąt zaokrąglony 7"/>
+          <p:cNvSpPr/>
+          <p:nvPr/>
+        </p:nvSpPr>
+        <p:spPr>
+          <a:xfrm>
+            <a:off x="585390" y="3468619"/>
+            <a:ext cx="1259337" cy="638828"/>
+          </a:xfrm>
+          <a:prstGeom prst="roundRect">
+            <a:avLst/>
+          </a:prstGeom>
+          <a:solidFill>
+            <a:schemeClr val="bg1"/>
+          </a:solidFill>
+          <a:ln w="50800">
+            <a:solidFill>
+              <a:schemeClr val="accent1"/>
+            </a:solidFill>
+          </a:ln>
+        </p:spPr>
+        <p:style>
+          <a:lnRef idx="2">
+            <a:schemeClr val="accent1">
+              <a:shade val="50000"/>
+            </a:schemeClr>
+          </a:lnRef>
+          <a:fillRef idx="1">
+            <a:schemeClr val="accent1"/>
+          </a:fillRef>
+          <a:effectRef idx="0">
+            <a:schemeClr val="accent1"/>
+          </a:effectRef>
+          <a:fontRef idx="minor">
+            <a:schemeClr val="lt1"/>
+          </a:fontRef>
+        </p:style>
+        <p:txBody>
+          <a:bodyPr lIns="108000" tIns="108000" rIns="108000" bIns="108000" rtlCol="0" anchor="ctr"/>
+          <a:lstStyle/>
+          <a:p>
+            <a:pPr algn="ctr"/>
+            <a:r>
+              <a:rPr lang="pl-PL" sz="1200" dirty="0" err="1" smtClean="0">
+                <a:solidFill>
+                  <a:schemeClr val="tx1"/>
+                </a:solidFill>
+              </a:rPr>
+              <a:t>JmsReceiver</a:t>
+            </a:r>
+            <a:endParaRPr lang="pl-PL" sz="1200" dirty="0" smtClean="0">
+              <a:solidFill>
+                <a:schemeClr val="tx1"/>
+              </a:solidFill>
+            </a:endParaRPr>
+          </a:p>
+        </p:txBody>
+      </p:sp>
+      <p:sp>
+        <p:nvSpPr>
+          <p:cNvPr id="10" name="Prostokąt zaokrąglony 9"/>
+          <p:cNvSpPr/>
+          <p:nvPr/>
+        </p:nvSpPr>
+        <p:spPr>
+          <a:xfrm>
+            <a:off x="2488905" y="2633799"/>
+            <a:ext cx="1515330" cy="604290"/>
+          </a:xfrm>
+          <a:prstGeom prst="roundRect">
+            <a:avLst/>
+          </a:prstGeom>
+          <a:solidFill>
+            <a:schemeClr val="bg1"/>
+          </a:solidFill>
+          <a:ln w="50800">
+            <a:solidFill>
+              <a:schemeClr val="accent1"/>
+            </a:solidFill>
+          </a:ln>
+        </p:spPr>
+        <p:style>
+          <a:lnRef idx="2">
+            <a:schemeClr val="accent1">
+              <a:shade val="50000"/>
+            </a:schemeClr>
+          </a:lnRef>
+          <a:fillRef idx="1">
+            <a:schemeClr val="accent1"/>
+          </a:fillRef>
+          <a:effectRef idx="0">
+            <a:schemeClr val="accent1"/>
+          </a:effectRef>
+          <a:fontRef idx="minor">
+            <a:schemeClr val="lt1"/>
+          </a:fontRef>
+        </p:style>
+        <p:txBody>
+          <a:bodyPr lIns="108000" tIns="108000" rIns="108000" bIns="108000" rtlCol="0" anchor="ctr"/>
+          <a:lstStyle/>
+          <a:p>
+            <a:pPr algn="ctr"/>
+            <a:r>
+              <a:rPr lang="pl-PL" sz="1200" dirty="0" smtClean="0">
+                <a:solidFill>
+                  <a:schemeClr val="tx1"/>
+                </a:solidFill>
+              </a:rPr>
+              <a:t>Embedded</a:t>
+            </a:r>
+          </a:p>
+          <a:p>
+            <a:pPr algn="ctr"/>
+            <a:r>
+              <a:rPr lang="pl-PL" sz="1200" dirty="0" smtClean="0">
+                <a:solidFill>
+                  <a:schemeClr val="tx1"/>
+                </a:solidFill>
+              </a:rPr>
+              <a:t>ActiveMQ broker</a:t>
+            </a:r>
+          </a:p>
+        </p:txBody>
+      </p:sp>
+      <p:sp>
+        <p:nvSpPr>
+          <p:cNvPr id="30" name="Symbol zastępczy zawartości 1"/>
           <p:cNvSpPr>
             <a:spLocks noGrp="1"/>
           </p:cNvSpPr>
@@ -9456,8 +8422,8 @@
         </p:nvSpPr>
         <p:spPr>
           <a:xfrm>
-            <a:off x="443708" y="1119187"/>
-            <a:ext cx="7986308" cy="3362325"/>
+            <a:off x="443708" y="1119188"/>
+            <a:ext cx="2988424" cy="1212582"/>
           </a:xfrm>
         </p:spPr>
         <p:txBody>
@@ -9467,27 +8433,48 @@
           <a:lstStyle/>
           <a:p>
             <a:r>
-              <a:rPr lang="pl-PL" dirty="0" smtClean="0"/>
-              <a:t>Uruchom testy:</a:t>
+              <a:rPr lang="pl-PL" sz="1050" dirty="0" smtClean="0"/>
+              <a:t>ReceiveTest tworzy instancję klasy </a:t>
+            </a:r>
+            <a:r>
+              <a:rPr lang="pl-PL" sz="1050" dirty="0" err="1" smtClean="0"/>
+              <a:t>JmsReceiver</a:t>
+            </a:r>
+            <a:r>
+              <a:rPr lang="pl-PL" sz="1050" dirty="0" smtClean="0"/>
+              <a:t> i rejestruje na niej </a:t>
+            </a:r>
+            <a:r>
+              <a:rPr lang="pl-PL" sz="1050" dirty="0" err="1" smtClean="0"/>
+              <a:t>callback</a:t>
+            </a:r>
+            <a:r>
+              <a:rPr lang="pl-PL" sz="1050" dirty="0" smtClean="0"/>
+              <a:t>, który ma być wywoływany w reakcji na otrzymanie komunikatu z kolejki.</a:t>
             </a:r>
           </a:p>
           <a:p>
             <a:pPr lvl="1"/>
             <a:r>
-              <a:rPr lang="pl-PL" dirty="0" err="1" smtClean="0"/>
-              <a:t>gradlew</a:t>
-            </a:r>
-            <a:r>
-              <a:rPr lang="pl-PL" dirty="0" smtClean="0"/>
-              <a:t> test</a:t>
-            </a:r>
-          </a:p>
-          <a:p>
-            <a:pPr lvl="1"/>
-            <a:r>
-              <a:rPr lang="pl-PL" dirty="0" smtClean="0"/>
-              <a:t>Jak zwykle na początku ćwiczenia - testy zakończyły się błędami.</a:t>
-            </a:r>
+              <a:rPr lang="pl-PL" sz="1000" dirty="0" smtClean="0"/>
+              <a:t>Twoje zadanie: dokończenie implementacji klasy </a:t>
+            </a:r>
+            <a:r>
+              <a:rPr lang="pl-PL" sz="1000" dirty="0" err="1" smtClean="0"/>
+              <a:t>JmsReceiver</a:t>
+            </a:r>
+            <a:r>
+              <a:rPr lang="pl-PL" sz="1000" dirty="0" smtClean="0"/>
+              <a:t>.</a:t>
+            </a:r>
+          </a:p>
+          <a:p>
+            <a:endParaRPr lang="pl-PL" dirty="0" smtClean="0"/>
+          </a:p>
+          <a:p>
+            <a:pPr marL="0" indent="0">
+              <a:buNone/>
+            </a:pPr>
             <a:endParaRPr lang="pl-PL" dirty="0"/>
           </a:p>
           <a:p>
@@ -9498,75 +8485,1080 @@
           </a:p>
         </p:txBody>
       </p:sp>
-      <p:pic>
-        <p:nvPicPr>
-          <p:cNvPr id="3074" name="Picture 2"/>
-          <p:cNvPicPr>
-            <a:picLocks noChangeAspect="1" noChangeArrowheads="1"/>
-          </p:cNvPicPr>
+      <p:cxnSp>
+        <p:nvCxnSpPr>
+          <p:cNvPr id="23" name="Straight Arrow Connector 22"/>
+          <p:cNvCxnSpPr/>
           <p:nvPr/>
-        </p:nvPicPr>
-        <p:blipFill>
-          <a:blip r:embed="rId3">
-            <a:extLst>
-              <a:ext uri="{28A0092B-C50C-407E-A947-70E740481C1C}">
-                <a14:useLocalDpi xmlns:a14="http://schemas.microsoft.com/office/drawing/2010/main" val="0"/>
-              </a:ext>
-            </a:extLst>
-          </a:blip>
-          <a:srcRect/>
-          <a:stretch>
-            <a:fillRect/>
-          </a:stretch>
-        </p:blipFill>
-        <p:spPr bwMode="auto">
+        </p:nvCxnSpPr>
+        <p:spPr>
+          <a:xfrm flipH="1">
+            <a:off x="1844728" y="2959458"/>
+            <a:ext cx="639138" cy="509161"/>
+          </a:xfrm>
+          <a:prstGeom prst="straightConnector1">
+            <a:avLst/>
+          </a:prstGeom>
+          <a:ln>
+            <a:solidFill>
+              <a:schemeClr val="accent2"/>
+            </a:solidFill>
+            <a:tailEnd type="triangle"/>
+          </a:ln>
+        </p:spPr>
+        <p:style>
+          <a:lnRef idx="1">
+            <a:schemeClr val="accent1"/>
+          </a:lnRef>
+          <a:fillRef idx="0">
+            <a:schemeClr val="accent1"/>
+          </a:fillRef>
+          <a:effectRef idx="0">
+            <a:schemeClr val="accent1"/>
+          </a:effectRef>
+          <a:fontRef idx="minor">
+            <a:schemeClr val="tx1"/>
+          </a:fontRef>
+        </p:style>
+      </p:cxnSp>
+      <p:cxnSp>
+        <p:nvCxnSpPr>
+          <p:cNvPr id="29" name="Straight Arrow Connector 28"/>
+          <p:cNvCxnSpPr/>
+          <p:nvPr/>
+        </p:nvCxnSpPr>
+        <p:spPr>
           <a:xfrm>
-            <a:off x="2934550" y="1897693"/>
-            <a:ext cx="3102001" cy="2498943"/>
+            <a:off x="1897693" y="3788032"/>
+            <a:ext cx="680461" cy="1"/>
+          </a:xfrm>
+          <a:prstGeom prst="straightConnector1">
+            <a:avLst/>
+          </a:prstGeom>
+          <a:ln>
+            <a:solidFill>
+              <a:schemeClr val="accent2"/>
+            </a:solidFill>
+            <a:tailEnd type="triangle"/>
+          </a:ln>
+        </p:spPr>
+        <p:style>
+          <a:lnRef idx="1">
+            <a:schemeClr val="accent1"/>
+          </a:lnRef>
+          <a:fillRef idx="0">
+            <a:schemeClr val="accent1"/>
+          </a:fillRef>
+          <a:effectRef idx="0">
+            <a:schemeClr val="accent1"/>
+          </a:effectRef>
+          <a:fontRef idx="minor">
+            <a:schemeClr val="tx1"/>
+          </a:fontRef>
+        </p:style>
+      </p:cxnSp>
+      <p:cxnSp>
+        <p:nvCxnSpPr>
+          <p:cNvPr id="33" name="Straight Arrow Connector 32"/>
+          <p:cNvCxnSpPr/>
+          <p:nvPr/>
+        </p:nvCxnSpPr>
+        <p:spPr>
+          <a:xfrm flipH="1" flipV="1">
+            <a:off x="3246570" y="3076507"/>
+            <a:ext cx="11404" cy="392112"/>
+          </a:xfrm>
+          <a:prstGeom prst="straightConnector1">
+            <a:avLst/>
+          </a:prstGeom>
+          <a:ln>
+            <a:solidFill>
+              <a:schemeClr val="accent2"/>
+            </a:solidFill>
+            <a:tailEnd type="triangle"/>
+          </a:ln>
+        </p:spPr>
+        <p:style>
+          <a:lnRef idx="1">
+            <a:schemeClr val="accent1"/>
+          </a:lnRef>
+          <a:fillRef idx="0">
+            <a:schemeClr val="accent1"/>
+          </a:fillRef>
+          <a:effectRef idx="0">
+            <a:schemeClr val="accent1"/>
+          </a:effectRef>
+          <a:fontRef idx="minor">
+            <a:schemeClr val="tx1"/>
+          </a:fontRef>
+        </p:style>
+      </p:cxnSp>
+      <p:sp>
+        <p:nvSpPr>
+          <p:cNvPr id="37" name="Prostokąt zaokrąglony 2"/>
+          <p:cNvSpPr/>
+          <p:nvPr/>
+        </p:nvSpPr>
+        <p:spPr>
+          <a:xfrm>
+            <a:off x="4302690" y="969242"/>
+            <a:ext cx="1115978" cy="263505"/>
+          </a:xfrm>
+          <a:prstGeom prst="roundRect">
+            <a:avLst/>
+          </a:prstGeom>
+          <a:solidFill>
+            <a:schemeClr val="bg1"/>
+          </a:solidFill>
+          <a:ln w="50800">
+            <a:solidFill>
+              <a:schemeClr val="accent1"/>
+            </a:solidFill>
+          </a:ln>
+        </p:spPr>
+        <p:style>
+          <a:lnRef idx="2">
+            <a:schemeClr val="accent1">
+              <a:shade val="50000"/>
+            </a:schemeClr>
+          </a:lnRef>
+          <a:fillRef idx="1">
+            <a:schemeClr val="accent1"/>
+          </a:fillRef>
+          <a:effectRef idx="0">
+            <a:schemeClr val="accent1"/>
+          </a:effectRef>
+          <a:fontRef idx="minor">
+            <a:schemeClr val="lt1"/>
+          </a:fontRef>
+        </p:style>
+        <p:txBody>
+          <a:bodyPr lIns="108000" tIns="108000" rIns="108000" bIns="108000" rtlCol="0" anchor="ctr"/>
+          <a:lstStyle/>
+          <a:p>
+            <a:pPr algn="ctr"/>
+            <a:r>
+              <a:rPr lang="pl-PL" sz="1200" dirty="0" err="1" smtClean="0">
+                <a:solidFill>
+                  <a:schemeClr val="tx1"/>
+                </a:solidFill>
+              </a:rPr>
+              <a:t>ReceiveTest</a:t>
+            </a:r>
+            <a:endParaRPr lang="pl-PL" sz="1200" dirty="0" smtClean="0">
+              <a:solidFill>
+                <a:schemeClr val="tx1"/>
+              </a:solidFill>
+            </a:endParaRPr>
+          </a:p>
+        </p:txBody>
+      </p:sp>
+      <p:sp>
+        <p:nvSpPr>
+          <p:cNvPr id="38" name="Prostokąt zaokrąglony 9"/>
+          <p:cNvSpPr/>
+          <p:nvPr/>
+        </p:nvSpPr>
+        <p:spPr>
+          <a:xfrm>
+            <a:off x="5801772" y="920041"/>
+            <a:ext cx="1515330" cy="398292"/>
+          </a:xfrm>
+          <a:prstGeom prst="roundRect">
+            <a:avLst/>
+          </a:prstGeom>
+          <a:solidFill>
+            <a:schemeClr val="bg1"/>
+          </a:solidFill>
+          <a:ln w="50800">
+            <a:solidFill>
+              <a:schemeClr val="accent1"/>
+            </a:solidFill>
+          </a:ln>
+        </p:spPr>
+        <p:style>
+          <a:lnRef idx="2">
+            <a:schemeClr val="accent1">
+              <a:shade val="50000"/>
+            </a:schemeClr>
+          </a:lnRef>
+          <a:fillRef idx="1">
+            <a:schemeClr val="accent1"/>
+          </a:fillRef>
+          <a:effectRef idx="0">
+            <a:schemeClr val="accent1"/>
+          </a:effectRef>
+          <a:fontRef idx="minor">
+            <a:schemeClr val="lt1"/>
+          </a:fontRef>
+        </p:style>
+        <p:txBody>
+          <a:bodyPr lIns="108000" tIns="108000" rIns="108000" bIns="108000" rtlCol="0" anchor="ctr"/>
+          <a:lstStyle/>
+          <a:p>
+            <a:pPr algn="ctr"/>
+            <a:r>
+              <a:rPr lang="pl-PL" sz="1200" dirty="0" smtClean="0">
+                <a:solidFill>
+                  <a:schemeClr val="tx1"/>
+                </a:solidFill>
+              </a:rPr>
+              <a:t>Embedded</a:t>
+            </a:r>
+          </a:p>
+          <a:p>
+            <a:pPr algn="ctr"/>
+            <a:r>
+              <a:rPr lang="pl-PL" sz="1200" dirty="0" smtClean="0">
+                <a:solidFill>
+                  <a:schemeClr val="tx1"/>
+                </a:solidFill>
+              </a:rPr>
+              <a:t>ActiveMQ broker</a:t>
+            </a:r>
+          </a:p>
+        </p:txBody>
+      </p:sp>
+      <p:sp>
+        <p:nvSpPr>
+          <p:cNvPr id="39" name="Prostokąt zaokrąglony 7"/>
+          <p:cNvSpPr/>
+          <p:nvPr/>
+        </p:nvSpPr>
+        <p:spPr>
+          <a:xfrm>
+            <a:off x="7885134" y="941287"/>
+            <a:ext cx="1150724" cy="319414"/>
+          </a:xfrm>
+          <a:prstGeom prst="roundRect">
+            <a:avLst/>
+          </a:prstGeom>
+          <a:solidFill>
+            <a:schemeClr val="bg1"/>
+          </a:solidFill>
+          <a:ln w="50800">
+            <a:solidFill>
+              <a:schemeClr val="accent1"/>
+            </a:solidFill>
+          </a:ln>
+        </p:spPr>
+        <p:style>
+          <a:lnRef idx="2">
+            <a:schemeClr val="accent1">
+              <a:shade val="50000"/>
+            </a:schemeClr>
+          </a:lnRef>
+          <a:fillRef idx="1">
+            <a:schemeClr val="accent1"/>
+          </a:fillRef>
+          <a:effectRef idx="0">
+            <a:schemeClr val="accent1"/>
+          </a:effectRef>
+          <a:fontRef idx="minor">
+            <a:schemeClr val="lt1"/>
+          </a:fontRef>
+        </p:style>
+        <p:txBody>
+          <a:bodyPr lIns="108000" tIns="108000" rIns="108000" bIns="108000" rtlCol="0" anchor="ctr"/>
+          <a:lstStyle/>
+          <a:p>
+            <a:pPr algn="ctr"/>
+            <a:r>
+              <a:rPr lang="pl-PL" sz="1200" dirty="0" err="1" smtClean="0">
+                <a:solidFill>
+                  <a:schemeClr val="tx1"/>
+                </a:solidFill>
+              </a:rPr>
+              <a:t>JmsReceiver</a:t>
+            </a:r>
+            <a:endParaRPr lang="pl-PL" sz="1200" dirty="0" smtClean="0">
+              <a:solidFill>
+                <a:schemeClr val="tx1"/>
+              </a:solidFill>
+            </a:endParaRPr>
+          </a:p>
+        </p:txBody>
+      </p:sp>
+      <p:cxnSp>
+        <p:nvCxnSpPr>
+          <p:cNvPr id="41" name="Straight Connector 40"/>
+          <p:cNvCxnSpPr/>
+          <p:nvPr/>
+        </p:nvCxnSpPr>
+        <p:spPr>
+          <a:xfrm>
+            <a:off x="4944985" y="1278894"/>
+            <a:ext cx="0" cy="3202618"/>
+          </a:xfrm>
+          <a:prstGeom prst="line">
+            <a:avLst/>
+          </a:prstGeom>
+          <a:ln>
+            <a:solidFill>
+              <a:schemeClr val="accent2"/>
+            </a:solidFill>
+          </a:ln>
+        </p:spPr>
+        <p:style>
+          <a:lnRef idx="1">
+            <a:schemeClr val="accent1"/>
+          </a:lnRef>
+          <a:fillRef idx="0">
+            <a:schemeClr val="accent1"/>
+          </a:fillRef>
+          <a:effectRef idx="0">
+            <a:schemeClr val="accent1"/>
+          </a:effectRef>
+          <a:fontRef idx="minor">
+            <a:schemeClr val="tx1"/>
+          </a:fontRef>
+        </p:style>
+      </p:cxnSp>
+      <p:cxnSp>
+        <p:nvCxnSpPr>
+          <p:cNvPr id="43" name="Straight Connector 42"/>
+          <p:cNvCxnSpPr/>
+          <p:nvPr/>
+        </p:nvCxnSpPr>
+        <p:spPr>
+          <a:xfrm>
+            <a:off x="6576822" y="1334635"/>
+            <a:ext cx="0" cy="3202618"/>
+          </a:xfrm>
+          <a:prstGeom prst="line">
+            <a:avLst/>
+          </a:prstGeom>
+          <a:ln>
+            <a:solidFill>
+              <a:schemeClr val="accent2"/>
+            </a:solidFill>
+          </a:ln>
+        </p:spPr>
+        <p:style>
+          <a:lnRef idx="1">
+            <a:schemeClr val="accent1"/>
+          </a:lnRef>
+          <a:fillRef idx="0">
+            <a:schemeClr val="accent1"/>
+          </a:fillRef>
+          <a:effectRef idx="0">
+            <a:schemeClr val="accent1"/>
+          </a:effectRef>
+          <a:fontRef idx="minor">
+            <a:schemeClr val="tx1"/>
+          </a:fontRef>
+        </p:style>
+      </p:cxnSp>
+      <p:cxnSp>
+        <p:nvCxnSpPr>
+          <p:cNvPr id="44" name="Straight Connector 43"/>
+          <p:cNvCxnSpPr/>
+          <p:nvPr/>
+        </p:nvCxnSpPr>
+        <p:spPr>
+          <a:xfrm>
+            <a:off x="8527562" y="1318333"/>
+            <a:ext cx="0" cy="3202618"/>
+          </a:xfrm>
+          <a:prstGeom prst="line">
+            <a:avLst/>
+          </a:prstGeom>
+          <a:ln>
+            <a:solidFill>
+              <a:schemeClr val="accent2"/>
+            </a:solidFill>
+          </a:ln>
+        </p:spPr>
+        <p:style>
+          <a:lnRef idx="1">
+            <a:schemeClr val="accent1"/>
+          </a:lnRef>
+          <a:fillRef idx="0">
+            <a:schemeClr val="accent1"/>
+          </a:fillRef>
+          <a:effectRef idx="0">
+            <a:schemeClr val="accent1"/>
+          </a:effectRef>
+          <a:fontRef idx="minor">
+            <a:schemeClr val="tx1"/>
+          </a:fontRef>
+        </p:style>
+      </p:cxnSp>
+      <p:cxnSp>
+        <p:nvCxnSpPr>
+          <p:cNvPr id="46" name="Straight Arrow Connector 45"/>
+          <p:cNvCxnSpPr/>
+          <p:nvPr/>
+        </p:nvCxnSpPr>
+        <p:spPr>
+          <a:xfrm flipV="1">
+            <a:off x="4979756" y="1883998"/>
+            <a:ext cx="3549894" cy="33958"/>
+          </a:xfrm>
+          <a:prstGeom prst="straightConnector1">
+            <a:avLst/>
+          </a:prstGeom>
+          <a:ln>
+            <a:solidFill>
+              <a:schemeClr val="accent2"/>
+            </a:solidFill>
+            <a:tailEnd type="triangle"/>
+          </a:ln>
+        </p:spPr>
+        <p:style>
+          <a:lnRef idx="1">
+            <a:schemeClr val="accent1"/>
+          </a:lnRef>
+          <a:fillRef idx="0">
+            <a:schemeClr val="accent1"/>
+          </a:fillRef>
+          <a:effectRef idx="0">
+            <a:schemeClr val="accent1"/>
+          </a:effectRef>
+          <a:fontRef idx="minor">
+            <a:schemeClr val="tx1"/>
+          </a:fontRef>
+        </p:style>
+      </p:cxnSp>
+      <p:cxnSp>
+        <p:nvCxnSpPr>
+          <p:cNvPr id="49" name="Straight Arrow Connector 48"/>
+          <p:cNvCxnSpPr/>
+          <p:nvPr/>
+        </p:nvCxnSpPr>
+        <p:spPr>
+          <a:xfrm>
+            <a:off x="4962370" y="3016735"/>
+            <a:ext cx="1614452" cy="0"/>
+          </a:xfrm>
+          <a:prstGeom prst="straightConnector1">
+            <a:avLst/>
+          </a:prstGeom>
+          <a:ln>
+            <a:solidFill>
+              <a:schemeClr val="accent2"/>
+            </a:solidFill>
+            <a:tailEnd type="triangle"/>
+          </a:ln>
+        </p:spPr>
+        <p:style>
+          <a:lnRef idx="1">
+            <a:schemeClr val="accent1"/>
+          </a:lnRef>
+          <a:fillRef idx="0">
+            <a:schemeClr val="accent1"/>
+          </a:fillRef>
+          <a:effectRef idx="0">
+            <a:schemeClr val="accent1"/>
+          </a:effectRef>
+          <a:fontRef idx="minor">
+            <a:schemeClr val="tx1"/>
+          </a:fontRef>
+        </p:style>
+      </p:cxnSp>
+      <p:cxnSp>
+        <p:nvCxnSpPr>
+          <p:cNvPr id="51" name="Straight Arrow Connector 50"/>
+          <p:cNvCxnSpPr/>
+          <p:nvPr/>
+        </p:nvCxnSpPr>
+        <p:spPr>
+          <a:xfrm flipH="1">
+            <a:off x="6576823" y="2412568"/>
+            <a:ext cx="1950739" cy="0"/>
+          </a:xfrm>
+          <a:prstGeom prst="straightConnector1">
+            <a:avLst/>
+          </a:prstGeom>
+          <a:ln>
+            <a:solidFill>
+              <a:schemeClr val="accent2"/>
+            </a:solidFill>
+            <a:tailEnd type="triangle"/>
+          </a:ln>
+        </p:spPr>
+        <p:style>
+          <a:lnRef idx="1">
+            <a:schemeClr val="accent1"/>
+          </a:lnRef>
+          <a:fillRef idx="0">
+            <a:schemeClr val="accent1"/>
+          </a:fillRef>
+          <a:effectRef idx="0">
+            <a:schemeClr val="accent1"/>
+          </a:effectRef>
+          <a:fontRef idx="minor">
+            <a:schemeClr val="tx1"/>
+          </a:fontRef>
+        </p:style>
+      </p:cxnSp>
+      <p:cxnSp>
+        <p:nvCxnSpPr>
+          <p:cNvPr id="54" name="Straight Arrow Connector 53"/>
+          <p:cNvCxnSpPr/>
+          <p:nvPr/>
+        </p:nvCxnSpPr>
+        <p:spPr>
+          <a:xfrm>
+            <a:off x="6637819" y="3238089"/>
+            <a:ext cx="1874355" cy="24307"/>
+          </a:xfrm>
+          <a:prstGeom prst="straightConnector1">
+            <a:avLst/>
+          </a:prstGeom>
+          <a:ln>
+            <a:solidFill>
+              <a:schemeClr val="accent2"/>
+            </a:solidFill>
+            <a:tailEnd type="triangle"/>
+          </a:ln>
+        </p:spPr>
+        <p:style>
+          <a:lnRef idx="1">
+            <a:schemeClr val="accent1"/>
+          </a:lnRef>
+          <a:fillRef idx="0">
+            <a:schemeClr val="accent1"/>
+          </a:fillRef>
+          <a:effectRef idx="0">
+            <a:schemeClr val="accent1"/>
+          </a:effectRef>
+          <a:fontRef idx="minor">
+            <a:schemeClr val="tx1"/>
+          </a:fontRef>
+        </p:style>
+      </p:cxnSp>
+      <p:sp>
+        <p:nvSpPr>
+          <p:cNvPr id="56" name="TextBox 55"/>
+          <p:cNvSpPr txBox="1"/>
+          <p:nvPr/>
+        </p:nvSpPr>
+        <p:spPr>
+          <a:xfrm>
+            <a:off x="6670097" y="1722414"/>
+            <a:ext cx="969817" cy="161583"/>
           </a:xfrm>
           <a:prstGeom prst="rect">
             <a:avLst/>
           </a:prstGeom>
           <a:noFill/>
+        </p:spPr>
+        <p:txBody>
+          <a:bodyPr wrap="none" lIns="0" tIns="0" rIns="0" bIns="0" rtlCol="0">
+            <a:spAutoFit/>
+          </a:bodyPr>
+          <a:lstStyle/>
+          <a:p>
+            <a:r>
+              <a:rPr lang="pl-PL" sz="1050" dirty="0" err="1" smtClean="0"/>
+              <a:t>registerCallback</a:t>
+            </a:r>
+            <a:endParaRPr lang="pl-PL" sz="1050" dirty="0" smtClean="0"/>
+          </a:p>
+        </p:txBody>
+      </p:sp>
+      <p:sp>
+        <p:nvSpPr>
+          <p:cNvPr id="57" name="TextBox 56"/>
+          <p:cNvSpPr txBox="1"/>
+          <p:nvPr/>
+        </p:nvSpPr>
+        <p:spPr>
+          <a:xfrm>
+            <a:off x="5292702" y="2797875"/>
+            <a:ext cx="953787" cy="161583"/>
+          </a:xfrm>
+          <a:prstGeom prst="rect">
+            <a:avLst/>
+          </a:prstGeom>
+          <a:noFill/>
+        </p:spPr>
+        <p:txBody>
+          <a:bodyPr wrap="none" lIns="0" tIns="0" rIns="0" bIns="0" rtlCol="0">
+            <a:spAutoFit/>
+          </a:bodyPr>
+          <a:lstStyle/>
+          <a:p>
+            <a:r>
+              <a:rPr lang="pl-PL" sz="1050" dirty="0" err="1" smtClean="0"/>
+              <a:t>producer.send</a:t>
+            </a:r>
+            <a:r>
+              <a:rPr lang="pl-PL" sz="1050" dirty="0" smtClean="0"/>
+              <a:t>()</a:t>
+            </a:r>
+          </a:p>
+        </p:txBody>
+      </p:sp>
+      <p:sp>
+        <p:nvSpPr>
+          <p:cNvPr id="58" name="TextBox 57"/>
+          <p:cNvSpPr txBox="1"/>
+          <p:nvPr/>
+        </p:nvSpPr>
+        <p:spPr>
+          <a:xfrm>
+            <a:off x="6710238" y="2250978"/>
+            <a:ext cx="1359346" cy="138499"/>
+          </a:xfrm>
+          <a:prstGeom prst="rect">
+            <a:avLst/>
+          </a:prstGeom>
+          <a:noFill/>
+        </p:spPr>
+        <p:txBody>
+          <a:bodyPr wrap="none" lIns="0" tIns="0" rIns="0" bIns="0" rtlCol="0">
+            <a:spAutoFit/>
+          </a:bodyPr>
+          <a:lstStyle/>
+          <a:p>
+            <a:r>
+              <a:rPr lang="pl-PL" sz="900" dirty="0" err="1" smtClean="0">
+                <a:solidFill>
+                  <a:srgbClr val="00B050"/>
+                </a:solidFill>
+              </a:rPr>
+              <a:t>registerListener</a:t>
+            </a:r>
+            <a:r>
+              <a:rPr lang="pl-PL" sz="900" dirty="0" smtClean="0">
+                <a:solidFill>
+                  <a:srgbClr val="00B050"/>
+                </a:solidFill>
+              </a:rPr>
+              <a:t>(</a:t>
+            </a:r>
+            <a:r>
+              <a:rPr lang="pl-PL" sz="900" dirty="0" err="1" smtClean="0">
+                <a:solidFill>
+                  <a:srgbClr val="00B050"/>
+                </a:solidFill>
+              </a:rPr>
+              <a:t>priceAlert</a:t>
+            </a:r>
+            <a:r>
+              <a:rPr lang="pl-PL" sz="900" dirty="0" smtClean="0">
+                <a:solidFill>
+                  <a:srgbClr val="00B050"/>
+                </a:solidFill>
+              </a:rPr>
+              <a:t>)</a:t>
+            </a:r>
+          </a:p>
+        </p:txBody>
+      </p:sp>
+      <p:sp>
+        <p:nvSpPr>
+          <p:cNvPr id="59" name="TextBox 58"/>
+          <p:cNvSpPr txBox="1"/>
+          <p:nvPr/>
+        </p:nvSpPr>
+        <p:spPr>
+          <a:xfrm>
+            <a:off x="6882560" y="3076506"/>
+            <a:ext cx="1261564" cy="161583"/>
+          </a:xfrm>
+          <a:prstGeom prst="rect">
+            <a:avLst/>
+          </a:prstGeom>
+          <a:noFill/>
+        </p:spPr>
+        <p:txBody>
+          <a:bodyPr wrap="none" lIns="0" tIns="0" rIns="0" bIns="0" rtlCol="0">
+            <a:spAutoFit/>
+          </a:bodyPr>
+          <a:lstStyle/>
+          <a:p>
+            <a:r>
+              <a:rPr lang="pl-PL" sz="1050" dirty="0" smtClean="0"/>
+              <a:t>listener.onMessage()</a:t>
+            </a:r>
+          </a:p>
+        </p:txBody>
+      </p:sp>
+      <p:sp>
+        <p:nvSpPr>
+          <p:cNvPr id="60" name="TextBox 59"/>
+          <p:cNvSpPr txBox="1"/>
+          <p:nvPr/>
+        </p:nvSpPr>
+        <p:spPr>
+          <a:xfrm>
+            <a:off x="7795471" y="2010434"/>
+            <a:ext cx="1041952" cy="161583"/>
+          </a:xfrm>
+          <a:prstGeom prst="rect">
+            <a:avLst/>
+          </a:prstGeom>
+          <a:noFill/>
+        </p:spPr>
+        <p:txBody>
+          <a:bodyPr wrap="none" lIns="0" tIns="0" rIns="0" bIns="0" rtlCol="0">
+            <a:spAutoFit/>
+          </a:bodyPr>
+          <a:lstStyle/>
+          <a:p>
+            <a:r>
+              <a:rPr lang="pl-PL" sz="1050" dirty="0" smtClean="0">
+                <a:solidFill>
+                  <a:srgbClr val="00B050"/>
+                </a:solidFill>
+              </a:rPr>
+              <a:t>connect to broker</a:t>
+            </a:r>
+          </a:p>
+        </p:txBody>
+      </p:sp>
+      <p:sp>
+        <p:nvSpPr>
+          <p:cNvPr id="61" name="TextBox 60"/>
+          <p:cNvSpPr txBox="1"/>
+          <p:nvPr/>
+        </p:nvSpPr>
+        <p:spPr>
+          <a:xfrm>
+            <a:off x="7460106" y="4212449"/>
+            <a:ext cx="1575752" cy="161583"/>
+          </a:xfrm>
+          <a:prstGeom prst="rect">
+            <a:avLst/>
+          </a:prstGeom>
+          <a:noFill/>
+        </p:spPr>
+        <p:txBody>
+          <a:bodyPr wrap="none" lIns="0" tIns="0" rIns="0" bIns="0" rtlCol="0">
+            <a:spAutoFit/>
+          </a:bodyPr>
+          <a:lstStyle/>
+          <a:p>
+            <a:r>
+              <a:rPr lang="pl-PL" sz="1050" dirty="0" smtClean="0">
+                <a:solidFill>
+                  <a:srgbClr val="00B050"/>
+                </a:solidFill>
+              </a:rPr>
+              <a:t>close connection to broker</a:t>
+            </a:r>
+          </a:p>
+        </p:txBody>
+      </p:sp>
+      <p:cxnSp>
+        <p:nvCxnSpPr>
+          <p:cNvPr id="62" name="Straight Arrow Connector 61"/>
+          <p:cNvCxnSpPr/>
+          <p:nvPr/>
+        </p:nvCxnSpPr>
+        <p:spPr>
+          <a:xfrm>
+            <a:off x="4944985" y="1650410"/>
+            <a:ext cx="1614452" cy="0"/>
+          </a:xfrm>
+          <a:prstGeom prst="straightConnector1">
+            <a:avLst/>
+          </a:prstGeom>
           <a:ln>
-            <a:noFill/>
+            <a:solidFill>
+              <a:schemeClr val="accent2"/>
+            </a:solidFill>
+            <a:tailEnd type="triangle"/>
           </a:ln>
-          <a:extLst>
-            <a:ext uri="{909E8E84-426E-40DD-AFC4-6F175D3DCCD1}">
-              <a14:hiddenFill xmlns:a14="http://schemas.microsoft.com/office/drawing/2010/main">
+        </p:spPr>
+        <p:style>
+          <a:lnRef idx="1">
+            <a:schemeClr val="accent1"/>
+          </a:lnRef>
+          <a:fillRef idx="0">
+            <a:schemeClr val="accent1"/>
+          </a:fillRef>
+          <a:effectRef idx="0">
+            <a:schemeClr val="accent1"/>
+          </a:effectRef>
+          <a:fontRef idx="minor">
+            <a:schemeClr val="tx1"/>
+          </a:fontRef>
+        </p:style>
+      </p:cxnSp>
+      <p:sp>
+        <p:nvSpPr>
+          <p:cNvPr id="63" name="TextBox 62"/>
+          <p:cNvSpPr txBox="1"/>
+          <p:nvPr/>
+        </p:nvSpPr>
+        <p:spPr>
+          <a:xfrm>
+            <a:off x="5154513" y="1470264"/>
+            <a:ext cx="1357744" cy="161583"/>
+          </a:xfrm>
+          <a:prstGeom prst="rect">
+            <a:avLst/>
+          </a:prstGeom>
+          <a:noFill/>
+        </p:spPr>
+        <p:txBody>
+          <a:bodyPr wrap="none" lIns="0" tIns="0" rIns="0" bIns="0" rtlCol="0">
+            <a:spAutoFit/>
+          </a:bodyPr>
+          <a:lstStyle/>
+          <a:p>
+            <a:r>
+              <a:rPr lang="pl-PL" sz="1050" dirty="0" smtClean="0"/>
+              <a:t>start embedded broker</a:t>
+            </a:r>
+          </a:p>
+        </p:txBody>
+      </p:sp>
+      <p:cxnSp>
+        <p:nvCxnSpPr>
+          <p:cNvPr id="34" name="Straight Arrow Connector 50"/>
+          <p:cNvCxnSpPr/>
+          <p:nvPr/>
+        </p:nvCxnSpPr>
+        <p:spPr>
+          <a:xfrm flipH="1">
+            <a:off x="4979757" y="3788033"/>
+            <a:ext cx="3509395" cy="0"/>
+          </a:xfrm>
+          <a:prstGeom prst="straightConnector1">
+            <a:avLst/>
+          </a:prstGeom>
+          <a:ln>
+            <a:solidFill>
+              <a:schemeClr val="accent2"/>
+            </a:solidFill>
+            <a:tailEnd type="triangle"/>
+          </a:ln>
+        </p:spPr>
+        <p:style>
+          <a:lnRef idx="1">
+            <a:schemeClr val="accent1"/>
+          </a:lnRef>
+          <a:fillRef idx="0">
+            <a:schemeClr val="accent1"/>
+          </a:fillRef>
+          <a:effectRef idx="0">
+            <a:schemeClr val="accent1"/>
+          </a:effectRef>
+          <a:fontRef idx="minor">
+            <a:schemeClr val="tx1"/>
+          </a:fontRef>
+        </p:style>
+      </p:cxnSp>
+      <p:sp>
+        <p:nvSpPr>
+          <p:cNvPr id="36" name="TextBox 57"/>
+          <p:cNvSpPr txBox="1"/>
+          <p:nvPr/>
+        </p:nvSpPr>
+        <p:spPr>
+          <a:xfrm>
+            <a:off x="5996835" y="3549604"/>
+            <a:ext cx="1643079" cy="161583"/>
+          </a:xfrm>
+          <a:prstGeom prst="rect">
+            <a:avLst/>
+          </a:prstGeom>
+          <a:noFill/>
+        </p:spPr>
+        <p:txBody>
+          <a:bodyPr wrap="none" lIns="0" tIns="0" rIns="0" bIns="0" rtlCol="0">
+            <a:spAutoFit/>
+          </a:bodyPr>
+          <a:lstStyle/>
+          <a:p>
+            <a:r>
+              <a:rPr lang="pl-PL" sz="1050" dirty="0" err="1" smtClean="0">
                 <a:solidFill>
-                  <a:schemeClr val="accent1"/>
+                  <a:srgbClr val="00B050"/>
                 </a:solidFill>
-              </a14:hiddenFill>
-            </a:ext>
-            <a:ext uri="{91240B29-F687-4F45-9708-019B960494DF}">
-              <a14:hiddenLine xmlns:a14="http://schemas.microsoft.com/office/drawing/2010/main" w="9525">
+              </a:rPr>
+              <a:t>alertService.process</a:t>
+            </a:r>
+            <a:r>
+              <a:rPr lang="pl-PL" sz="1050" dirty="0" smtClean="0">
                 <a:solidFill>
-                  <a:schemeClr val="tx1"/>
+                  <a:srgbClr val="00B050"/>
                 </a:solidFill>
-                <a:miter lim="800000"/>
-                <a:headEnd/>
-                <a:tailEnd/>
-              </a14:hiddenLine>
-            </a:ext>
-          </a:extLst>
+              </a:rPr>
+              <a:t>*Alert()</a:t>
+            </a:r>
+          </a:p>
+        </p:txBody>
+      </p:sp>
+      <p:cxnSp>
+        <p:nvCxnSpPr>
+          <p:cNvPr id="40" name="Straight Arrow Connector 50"/>
+          <p:cNvCxnSpPr/>
+          <p:nvPr/>
+        </p:nvCxnSpPr>
+        <p:spPr>
+          <a:xfrm flipH="1">
+            <a:off x="6602950" y="2740332"/>
+            <a:ext cx="1901694" cy="0"/>
+          </a:xfrm>
+          <a:prstGeom prst="straightConnector1">
+            <a:avLst/>
+          </a:prstGeom>
+          <a:ln>
+            <a:solidFill>
+              <a:schemeClr val="accent2"/>
+            </a:solidFill>
+            <a:tailEnd type="triangle"/>
+          </a:ln>
         </p:spPr>
-      </p:pic>
+        <p:style>
+          <a:lnRef idx="1">
+            <a:schemeClr val="accent1"/>
+          </a:lnRef>
+          <a:fillRef idx="0">
+            <a:schemeClr val="accent1"/>
+          </a:fillRef>
+          <a:effectRef idx="0">
+            <a:schemeClr val="accent1"/>
+          </a:effectRef>
+          <a:fontRef idx="minor">
+            <a:schemeClr val="tx1"/>
+          </a:fontRef>
+        </p:style>
+      </p:cxnSp>
+      <p:sp>
+        <p:nvSpPr>
+          <p:cNvPr id="42" name="TextBox 57"/>
+          <p:cNvSpPr txBox="1"/>
+          <p:nvPr/>
+        </p:nvSpPr>
+        <p:spPr>
+          <a:xfrm>
+            <a:off x="6754703" y="2555823"/>
+            <a:ext cx="1481175" cy="138499"/>
+          </a:xfrm>
+          <a:prstGeom prst="rect">
+            <a:avLst/>
+          </a:prstGeom>
+          <a:noFill/>
+        </p:spPr>
+        <p:txBody>
+          <a:bodyPr wrap="none" lIns="0" tIns="0" rIns="0" bIns="0" rtlCol="0">
+            <a:spAutoFit/>
+          </a:bodyPr>
+          <a:lstStyle/>
+          <a:p>
+            <a:r>
+              <a:rPr lang="pl-PL" sz="900" dirty="0" err="1" smtClean="0">
+                <a:solidFill>
+                  <a:srgbClr val="00B050"/>
+                </a:solidFill>
+              </a:rPr>
+              <a:t>registerListener</a:t>
+            </a:r>
+            <a:r>
+              <a:rPr lang="pl-PL" sz="900" dirty="0" smtClean="0">
+                <a:solidFill>
+                  <a:srgbClr val="00B050"/>
+                </a:solidFill>
+              </a:rPr>
+              <a:t>(</a:t>
+            </a:r>
+            <a:r>
+              <a:rPr lang="pl-PL" sz="900" dirty="0" err="1" smtClean="0">
+                <a:solidFill>
+                  <a:srgbClr val="00B050"/>
+                </a:solidFill>
+              </a:rPr>
+              <a:t>volumeAlert</a:t>
+            </a:r>
+            <a:r>
+              <a:rPr lang="pl-PL" sz="900" dirty="0" smtClean="0">
+                <a:solidFill>
+                  <a:srgbClr val="00B050"/>
+                </a:solidFill>
+              </a:rPr>
+              <a:t>)</a:t>
+            </a:r>
+          </a:p>
+        </p:txBody>
+      </p:sp>
+      <p:cxnSp>
+        <p:nvCxnSpPr>
+          <p:cNvPr id="47" name="Straight Arrow Connector 48"/>
+          <p:cNvCxnSpPr/>
+          <p:nvPr/>
+        </p:nvCxnSpPr>
+        <p:spPr>
+          <a:xfrm>
+            <a:off x="4944985" y="4027168"/>
+            <a:ext cx="3559659" cy="34035"/>
+          </a:xfrm>
+          <a:prstGeom prst="straightConnector1">
+            <a:avLst/>
+          </a:prstGeom>
+          <a:ln>
+            <a:solidFill>
+              <a:schemeClr val="accent2"/>
+            </a:solidFill>
+            <a:tailEnd type="triangle"/>
+          </a:ln>
+        </p:spPr>
+        <p:style>
+          <a:lnRef idx="1">
+            <a:schemeClr val="accent1"/>
+          </a:lnRef>
+          <a:fillRef idx="0">
+            <a:schemeClr val="accent1"/>
+          </a:fillRef>
+          <a:effectRef idx="0">
+            <a:schemeClr val="accent1"/>
+          </a:effectRef>
+          <a:fontRef idx="minor">
+            <a:schemeClr val="tx1"/>
+          </a:fontRef>
+        </p:style>
+      </p:cxnSp>
+      <p:sp>
+        <p:nvSpPr>
+          <p:cNvPr id="50" name="TextBox 56"/>
+          <p:cNvSpPr txBox="1"/>
+          <p:nvPr/>
+        </p:nvSpPr>
+        <p:spPr>
+          <a:xfrm>
+            <a:off x="6916605" y="3865584"/>
+            <a:ext cx="578685" cy="161583"/>
+          </a:xfrm>
+          <a:prstGeom prst="rect">
+            <a:avLst/>
+          </a:prstGeom>
+          <a:noFill/>
+        </p:spPr>
+        <p:txBody>
+          <a:bodyPr wrap="none" lIns="0" tIns="0" rIns="0" bIns="0" rtlCol="0">
+            <a:spAutoFit/>
+          </a:bodyPr>
+          <a:lstStyle/>
+          <a:p>
+            <a:r>
+              <a:rPr lang="pl-PL" sz="1050" dirty="0" err="1" smtClean="0"/>
+              <a:t>shutdown</a:t>
+            </a:r>
+            <a:endParaRPr lang="pl-PL" sz="1050" dirty="0" smtClean="0"/>
+          </a:p>
+        </p:txBody>
+      </p:sp>
     </p:spTree>
     <p:extLst>
       <p:ext uri="{BB962C8B-B14F-4D97-AF65-F5344CB8AC3E}">
-        <p14:creationId xmlns:p14="http://schemas.microsoft.com/office/powerpoint/2010/main" val="852352345"/>
+        <p14:creationId xmlns:p14="http://schemas.microsoft.com/office/powerpoint/2010/main" xmlns="" val="1042850554"/>
       </p:ext>
     </p:extLst>
   </p:cSld>
   <p:clrMapOvr>
     <a:masterClrMapping/>
   </p:clrMapOvr>
-  <mc:AlternateContent xmlns:mc="http://schemas.openxmlformats.org/markup-compatibility/2006" xmlns:p14="http://schemas.microsoft.com/office/powerpoint/2010/main">
-    <mc:Choice Requires="p14">
+  <mc:AlternateContent xmlns:mc="http://schemas.openxmlformats.org/markup-compatibility/2006">
+    <mc:Choice xmlns:p14="http://schemas.microsoft.com/office/powerpoint/2010/main" xmlns="" Requires="p14">
       <p:transition p14:dur="10"/>
     </mc:Choice>
-    <mc:Fallback xmlns="">
+    <mc:Fallback>
       <p:transition/>
     </mc:Fallback>
   </mc:AlternateContent>
@@ -9613,12 +9605,8 @@
           <a:lstStyle/>
           <a:p>
             <a:r>
-              <a:rPr lang="pl-PL" dirty="0"/>
-              <a:t>Ćwiczenie </a:t>
-            </a:r>
-            <a:r>
-              <a:rPr lang="pl-PL" dirty="0" smtClean="0"/>
-              <a:t>Podstawy JMS</a:t>
+              <a:rPr lang="pl-PL" dirty="0" smtClean="0"/>
+              <a:t>Ćwiczenie Podstawy JMS</a:t>
             </a:r>
             <a:endParaRPr lang="de-DE" dirty="0"/>
           </a:p>
@@ -9641,7 +9629,7 @@
           <a:p>
             <a:r>
               <a:rPr lang="pl-PL" dirty="0" smtClean="0"/>
-              <a:t>ĆWICZENIE 4</a:t>
+              <a:t>ĆWICZENIE 4a</a:t>
             </a:r>
             <a:endParaRPr lang="de-DE" dirty="0"/>
           </a:p>
@@ -9649,7 +9637,7 @@
       </p:sp>
       <p:sp>
         <p:nvSpPr>
-          <p:cNvPr id="4" name="Symbol zastępczy zawartości 1"/>
+          <p:cNvPr id="6" name="Symbol zastępczy zawartości 1"/>
           <p:cNvSpPr>
             <a:spLocks noGrp="1"/>
           </p:cNvSpPr>
@@ -9671,162 +9659,105 @@
           <a:p>
             <a:r>
               <a:rPr lang="pl-PL" dirty="0" smtClean="0"/>
-              <a:t>Zadanie: </a:t>
+              <a:t>Uruchom testy:</a:t>
             </a:r>
           </a:p>
           <a:p>
             <a:pPr lvl="1"/>
             <a:r>
-              <a:rPr lang="pl-PL" dirty="0" smtClean="0"/>
-              <a:t>Dokończ implementację klasy wdsr.exercise4.sender.JmsSender.</a:t>
-            </a:r>
-          </a:p>
-          <a:p>
-            <a:pPr lvl="2"/>
-            <a:r>
-              <a:rPr lang="pl-PL" dirty="0" smtClean="0"/>
-              <a:t>Szczegółowe informacje znajdują się w komentarzach w kodzie.</a:t>
-            </a:r>
-          </a:p>
-          <a:p>
-            <a:pPr lvl="2"/>
-            <a:r>
-              <a:rPr lang="pl-PL" dirty="0" smtClean="0"/>
-              <a:t>Wykonanie </a:t>
-            </a:r>
-            <a:r>
               <a:rPr lang="pl-PL" dirty="0" err="1" smtClean="0"/>
-              <a:t>SenderTest</a:t>
-            </a:r>
-            <a:r>
-              <a:rPr lang="pl-PL" dirty="0" smtClean="0"/>
-              <a:t> powinien się kończyć sukcesem.</a:t>
+              <a:t>gradlew</a:t>
+            </a:r>
+            <a:r>
+              <a:rPr lang="pl-PL" dirty="0" smtClean="0"/>
+              <a:t> test</a:t>
             </a:r>
           </a:p>
           <a:p>
             <a:pPr lvl="1"/>
             <a:r>
               <a:rPr lang="pl-PL" dirty="0" smtClean="0"/>
-              <a:t>Dokończ implementację klasy wdsr.exercise4.receiver.JmsReceiver</a:t>
-            </a:r>
-          </a:p>
-          <a:p>
-            <a:pPr lvl="2"/>
-            <a:r>
-              <a:rPr lang="pl-PL" dirty="0"/>
-              <a:t>Szczegółowe informacje znajdują się w </a:t>
-            </a:r>
-            <a:r>
-              <a:rPr lang="pl-PL" dirty="0" smtClean="0"/>
-              <a:t>komentarzach w kodzie.</a:t>
+              <a:t>Jak zwykle na początku ćwiczenia - testy zakończyły się błędami.</a:t>
             </a:r>
             <a:endParaRPr lang="pl-PL" dirty="0"/>
           </a:p>
           <a:p>
-            <a:pPr lvl="2"/>
-            <a:r>
-              <a:rPr lang="pl-PL" dirty="0" smtClean="0"/>
-              <a:t>Wykonanie </a:t>
-            </a:r>
-            <a:r>
-              <a:rPr lang="pl-PL" dirty="0" err="1" smtClean="0"/>
-              <a:t>ReceiverTest</a:t>
-            </a:r>
-            <a:r>
-              <a:rPr lang="pl-PL" dirty="0" smtClean="0"/>
-              <a:t> powinien się kończyć sukcesem.</a:t>
-            </a:r>
-          </a:p>
-          <a:p>
-            <a:pPr lvl="1"/>
             <a:endParaRPr lang="pl-PL" dirty="0" smtClean="0"/>
           </a:p>
           <a:p>
-            <a:pPr lvl="1"/>
-            <a:r>
-              <a:rPr lang="pl-PL" dirty="0" smtClean="0"/>
-              <a:t>Użyj klas z pakietu </a:t>
-            </a:r>
-            <a:r>
-              <a:rPr lang="pl-PL" dirty="0" err="1" smtClean="0"/>
-              <a:t>javax.jms</a:t>
-            </a:r>
-            <a:r>
-              <a:rPr lang="pl-PL" dirty="0" smtClean="0"/>
-              <a:t> – czyli JMS API. Na potrzeby tego ćwiczenia nie używaj pakietu </a:t>
-            </a:r>
-            <a:r>
-              <a:rPr lang="pl-PL" dirty="0" err="1" smtClean="0"/>
-              <a:t>org.springframework.jms</a:t>
-            </a:r>
-            <a:r>
-              <a:rPr lang="pl-PL" dirty="0" smtClean="0"/>
-              <a:t>.</a:t>
-            </a:r>
-          </a:p>
-          <a:p>
-            <a:pPr lvl="1"/>
-            <a:r>
-              <a:rPr lang="pl-PL" dirty="0" smtClean="0"/>
-              <a:t>Aby uzyskać połączenie z brokerem JMS użyj klasy </a:t>
-            </a:r>
-            <a:r>
-              <a:rPr lang="pl-PL" dirty="0" err="1" smtClean="0"/>
-              <a:t>ActiveMQConnectionFactory</a:t>
-            </a:r>
-            <a:r>
-              <a:rPr lang="pl-PL" dirty="0"/>
-              <a:t> </a:t>
-            </a:r>
-            <a:r>
-              <a:rPr lang="pl-PL" dirty="0" smtClean="0"/>
-              <a:t>z pakietu </a:t>
-            </a:r>
-            <a:r>
-              <a:rPr lang="pl-PL" dirty="0" err="1" smtClean="0"/>
-              <a:t>org.apache.activemq</a:t>
-            </a:r>
-            <a:r>
-              <a:rPr lang="pl-PL" dirty="0" smtClean="0"/>
-              <a:t>.</a:t>
-            </a:r>
-          </a:p>
-          <a:p>
-            <a:pPr lvl="2"/>
-            <a:r>
-              <a:rPr lang="pl-PL" dirty="0" smtClean="0"/>
-              <a:t>Broker jest dostępny pod adresem </a:t>
-            </a:r>
-            <a:r>
-              <a:rPr lang="pl-PL" dirty="0" err="1" smtClean="0"/>
-              <a:t>localhost</a:t>
-            </a:r>
-            <a:r>
-              <a:rPr lang="pl-PL" dirty="0"/>
-              <a:t> </a:t>
-            </a:r>
-            <a:r>
-              <a:rPr lang="pl-PL" dirty="0" smtClean="0"/>
-              <a:t>na porcie 62616.</a:t>
-            </a:r>
-          </a:p>
-        </p:txBody>
-      </p:sp>
+            <a:endParaRPr lang="pl-PL" dirty="0" smtClean="0"/>
+          </a:p>
+        </p:txBody>
+      </p:sp>
+      <p:pic>
+        <p:nvPicPr>
+          <p:cNvPr id="3074" name="Picture 2"/>
+          <p:cNvPicPr>
+            <a:picLocks noChangeAspect="1" noChangeArrowheads="1"/>
+          </p:cNvPicPr>
+          <p:nvPr/>
+        </p:nvPicPr>
+        <p:blipFill>
+          <a:blip r:embed="rId3">
+            <a:extLst>
+              <a:ext uri="{28A0092B-C50C-407E-A947-70E740481C1C}">
+                <a14:useLocalDpi xmlns:a14="http://schemas.microsoft.com/office/drawing/2010/main" xmlns="" val="0"/>
+              </a:ext>
+            </a:extLst>
+          </a:blip>
+          <a:srcRect/>
+          <a:stretch>
+            <a:fillRect/>
+          </a:stretch>
+        </p:blipFill>
+        <p:spPr bwMode="auto">
+          <a:xfrm>
+            <a:off x="2934550" y="1897693"/>
+            <a:ext cx="3102001" cy="2498943"/>
+          </a:xfrm>
+          <a:prstGeom prst="rect">
+            <a:avLst/>
+          </a:prstGeom>
+          <a:noFill/>
+          <a:ln>
+            <a:noFill/>
+          </a:ln>
+          <a:extLst>
+            <a:ext uri="{909E8E84-426E-40DD-AFC4-6F175D3DCCD1}">
+              <a14:hiddenFill xmlns:a14="http://schemas.microsoft.com/office/drawing/2010/main" xmlns="">
+                <a:solidFill>
+                  <a:schemeClr val="accent1"/>
+                </a:solidFill>
+              </a14:hiddenFill>
+            </a:ext>
+            <a:ext uri="{91240B29-F687-4F45-9708-019B960494DF}">
+              <a14:hiddenLine xmlns:a14="http://schemas.microsoft.com/office/drawing/2010/main" xmlns="" w="9525">
+                <a:solidFill>
+                  <a:schemeClr val="tx1"/>
+                </a:solidFill>
+                <a:miter lim="800000"/>
+                <a:headEnd/>
+                <a:tailEnd/>
+              </a14:hiddenLine>
+            </a:ext>
+          </a:extLst>
+        </p:spPr>
+      </p:pic>
     </p:spTree>
     <p:extLst>
       <p:ext uri="{BB962C8B-B14F-4D97-AF65-F5344CB8AC3E}">
-        <p14:creationId xmlns:p14="http://schemas.microsoft.com/office/powerpoint/2010/main" val="3368309851"/>
+        <p14:creationId xmlns:p14="http://schemas.microsoft.com/office/powerpoint/2010/main" xmlns="" val="852352345"/>
       </p:ext>
     </p:extLst>
   </p:cSld>
   <p:clrMapOvr>
     <a:masterClrMapping/>
   </p:clrMapOvr>
-  <mc:AlternateContent xmlns:mc="http://schemas.openxmlformats.org/markup-compatibility/2006" xmlns:p14="http://schemas.microsoft.com/office/powerpoint/2010/main">
-    <mc:Choice Requires="p14">
+  <mc:AlternateContent xmlns:mc="http://schemas.openxmlformats.org/markup-compatibility/2006">
+    <mc:Choice xmlns:p14="http://schemas.microsoft.com/office/powerpoint/2010/main" xmlns="" Requires="p14">
       <p:transition p14:dur="10"/>
     </mc:Choice>
-    <mc:Fallback xmlns="">
+    <mc:Fallback>
       <p:transition/>
     </mc:Fallback>
   </mc:AlternateContent>
@@ -9873,16 +9804,12 @@
           <a:lstStyle/>
           <a:p>
             <a:r>
-              <a:rPr lang="pl-PL" dirty="0" smtClean="0"/>
-              <a:t>Ćwiczenie 4b: </a:t>
-            </a:r>
-            <a:r>
-              <a:rPr lang="pl-PL" dirty="0" err="1" smtClean="0"/>
-              <a:t>Persystencja</a:t>
-            </a:r>
-            <a:r>
-              <a:rPr lang="pl-PL" dirty="0" smtClean="0"/>
-              <a:t> (kolejki)</a:t>
+              <a:rPr lang="pl-PL" dirty="0"/>
+              <a:t>Ćwiczenie </a:t>
+            </a:r>
+            <a:r>
+              <a:rPr lang="pl-PL" dirty="0" smtClean="0"/>
+              <a:t>Podstawy JMS</a:t>
             </a:r>
             <a:endParaRPr lang="de-DE" dirty="0"/>
           </a:p>
@@ -9913,63 +9840,247 @@
       </p:sp>
       <p:sp>
         <p:nvSpPr>
-          <p:cNvPr id="3" name="Prostokąt zaokrąglony 2"/>
-          <p:cNvSpPr/>
-          <p:nvPr/>
+          <p:cNvPr id="4" name="Symbol zastępczy zawartości 1"/>
+          <p:cNvSpPr>
+            <a:spLocks noGrp="1"/>
+          </p:cNvSpPr>
+          <p:nvPr>
+            <p:ph idx="1"/>
+          </p:nvPr>
         </p:nvSpPr>
         <p:spPr>
           <a:xfrm>
-            <a:off x="1609595" y="1546963"/>
-            <a:ext cx="5730657" cy="1991639"/>
+            <a:off x="443708" y="1119187"/>
+            <a:ext cx="7986308" cy="3362325"/>
           </a:xfrm>
-          <a:prstGeom prst="roundRect">
+        </p:spPr>
+        <p:txBody>
+          <a:bodyPr>
+            <a:normAutofit/>
+          </a:bodyPr>
+          <a:lstStyle/>
+          <a:p>
+            <a:r>
+              <a:rPr lang="pl-PL" dirty="0" smtClean="0"/>
+              <a:t>Zadanie: </a:t>
+            </a:r>
+          </a:p>
+          <a:p>
+            <a:pPr lvl="1"/>
+            <a:r>
+              <a:rPr lang="pl-PL" dirty="0" smtClean="0"/>
+              <a:t>Dokończ implementację klasy wdsr.exercise4.sender.JmsSender.</a:t>
+            </a:r>
+          </a:p>
+          <a:p>
+            <a:pPr lvl="2"/>
+            <a:r>
+              <a:rPr lang="pl-PL" dirty="0" smtClean="0"/>
+              <a:t>Szczegółowe informacje znajdują się w komentarzach w kodzie.</a:t>
+            </a:r>
+          </a:p>
+          <a:p>
+            <a:pPr lvl="2"/>
+            <a:r>
+              <a:rPr lang="pl-PL" dirty="0" smtClean="0"/>
+              <a:t>Wykonanie </a:t>
+            </a:r>
+            <a:r>
+              <a:rPr lang="pl-PL" dirty="0" err="1" smtClean="0"/>
+              <a:t>SenderTest</a:t>
+            </a:r>
+            <a:r>
+              <a:rPr lang="pl-PL" dirty="0" smtClean="0"/>
+              <a:t> powinien się kończyć sukcesem.</a:t>
+            </a:r>
+          </a:p>
+          <a:p>
+            <a:pPr lvl="1"/>
+            <a:r>
+              <a:rPr lang="pl-PL" dirty="0" smtClean="0"/>
+              <a:t>Dokończ implementację klasy wdsr.exercise4.receiver.JmsReceiver</a:t>
+            </a:r>
+          </a:p>
+          <a:p>
+            <a:pPr lvl="2"/>
+            <a:r>
+              <a:rPr lang="pl-PL" dirty="0"/>
+              <a:t>Szczegółowe informacje znajdują się w </a:t>
+            </a:r>
+            <a:r>
+              <a:rPr lang="pl-PL" dirty="0" smtClean="0"/>
+              <a:t>komentarzach w kodzie.</a:t>
+            </a:r>
+            <a:endParaRPr lang="pl-PL" dirty="0"/>
+          </a:p>
+          <a:p>
+            <a:pPr lvl="2"/>
+            <a:r>
+              <a:rPr lang="pl-PL" dirty="0" smtClean="0"/>
+              <a:t>Wykonanie </a:t>
+            </a:r>
+            <a:r>
+              <a:rPr lang="pl-PL" dirty="0" err="1" smtClean="0"/>
+              <a:t>ReceiverTest</a:t>
+            </a:r>
+            <a:r>
+              <a:rPr lang="pl-PL" dirty="0" smtClean="0"/>
+              <a:t> powinien się kończyć sukcesem.</a:t>
+            </a:r>
+          </a:p>
+          <a:p>
+            <a:pPr lvl="1"/>
+            <a:endParaRPr lang="pl-PL" dirty="0" smtClean="0"/>
+          </a:p>
+          <a:p>
+            <a:pPr lvl="1"/>
+            <a:r>
+              <a:rPr lang="pl-PL" dirty="0" smtClean="0"/>
+              <a:t>Użyj klas z pakietu </a:t>
+            </a:r>
+            <a:r>
+              <a:rPr lang="pl-PL" dirty="0" err="1" smtClean="0"/>
+              <a:t>javax.jms</a:t>
+            </a:r>
+            <a:r>
+              <a:rPr lang="pl-PL" dirty="0" smtClean="0"/>
+              <a:t> – czyli JMS API. Na potrzeby tego ćwiczenia nie używaj pakietu </a:t>
+            </a:r>
+            <a:r>
+              <a:rPr lang="pl-PL" dirty="0" err="1" smtClean="0"/>
+              <a:t>org.springframework.jms</a:t>
+            </a:r>
+            <a:r>
+              <a:rPr lang="pl-PL" dirty="0" smtClean="0"/>
+              <a:t>.</a:t>
+            </a:r>
+          </a:p>
+          <a:p>
+            <a:pPr lvl="1"/>
+            <a:r>
+              <a:rPr lang="pl-PL" dirty="0" smtClean="0"/>
+              <a:t>Aby uzyskać połączenie z brokerem JMS użyj klasy </a:t>
+            </a:r>
+            <a:r>
+              <a:rPr lang="pl-PL" dirty="0" err="1" smtClean="0"/>
+              <a:t>ActiveMQConnectionFactory</a:t>
+            </a:r>
+            <a:r>
+              <a:rPr lang="pl-PL" dirty="0"/>
+              <a:t> </a:t>
+            </a:r>
+            <a:r>
+              <a:rPr lang="pl-PL" dirty="0" smtClean="0"/>
+              <a:t>z pakietu </a:t>
+            </a:r>
+            <a:r>
+              <a:rPr lang="pl-PL" dirty="0" err="1" smtClean="0"/>
+              <a:t>org.apache.activemq</a:t>
+            </a:r>
+            <a:r>
+              <a:rPr lang="pl-PL" dirty="0" smtClean="0"/>
+              <a:t>.</a:t>
+            </a:r>
+          </a:p>
+          <a:p>
+            <a:pPr lvl="2"/>
+            <a:r>
+              <a:rPr lang="pl-PL" dirty="0" smtClean="0"/>
+              <a:t>Broker jest dostępny pod adresem </a:t>
+            </a:r>
+            <a:r>
+              <a:rPr lang="pl-PL" dirty="0" err="1" smtClean="0"/>
+              <a:t>localhost</a:t>
+            </a:r>
+            <a:r>
+              <a:rPr lang="pl-PL" dirty="0"/>
+              <a:t> </a:t>
+            </a:r>
+            <a:r>
+              <a:rPr lang="pl-PL" dirty="0" smtClean="0"/>
+              <a:t>na porcie 62616.</a:t>
+            </a:r>
+          </a:p>
+        </p:txBody>
+      </p:sp>
+      <p:sp>
+        <p:nvSpPr>
+          <p:cNvPr id="6" name="pole tekstowe 5"/>
+          <p:cNvSpPr txBox="1"/>
+          <p:nvPr/>
+        </p:nvSpPr>
+        <p:spPr bwMode="auto">
+          <a:xfrm>
+            <a:off x="687389" y="3819525"/>
+            <a:ext cx="6751848" cy="518091"/>
+          </a:xfrm>
+          <a:prstGeom prst="rect">
             <a:avLst/>
           </a:prstGeom>
-          <a:ln/>
+          <a:noFill/>
+          <a:ln w="9525">
+            <a:noFill/>
+            <a:miter lim="800000"/>
+            <a:headEnd/>
+            <a:tailEnd/>
+          </a:ln>
         </p:spPr>
-        <p:style>
-          <a:lnRef idx="2">
-            <a:schemeClr val="accent3">
-              <a:shade val="50000"/>
-            </a:schemeClr>
-          </a:lnRef>
-          <a:fillRef idx="1">
-            <a:schemeClr val="accent3"/>
-          </a:fillRef>
-          <a:effectRef idx="0">
-            <a:schemeClr val="accent3"/>
-          </a:effectRef>
-          <a:fontRef idx="minor">
-            <a:schemeClr val="lt1"/>
-          </a:fontRef>
-        </p:style>
-        <p:txBody>
-          <a:bodyPr lIns="108000" tIns="108000" rIns="108000" bIns="108000" rtlCol="0" anchor="ctr"/>
-          <a:lstStyle/>
-          <a:p>
-            <a:pPr algn="ctr"/>
-            <a:r>
-              <a:rPr lang="pl-PL" sz="1600" dirty="0" smtClean="0">
+        <p:txBody>
+          <a:bodyPr wrap="none" lIns="0" tIns="0" rIns="0" bIns="0" rtlCol="0">
+            <a:spAutoFit/>
+          </a:bodyPr>
+          <a:lstStyle/>
+          <a:p>
+            <a:pPr>
+              <a:spcBef>
+                <a:spcPts val="100"/>
+              </a:spcBef>
+              <a:spcAft>
+                <a:spcPts val="100"/>
+              </a:spcAft>
+            </a:pPr>
+            <a:r>
+              <a:rPr lang="pl-PL" sz="1600" b="1" dirty="0" smtClean="0">
                 <a:solidFill>
-                  <a:schemeClr val="tx1"/>
+                  <a:srgbClr val="00B050"/>
                 </a:solidFill>
               </a:rPr>
-              <a:t>Ćwiczenie 4b</a:t>
-            </a:r>
-          </a:p>
-          <a:p>
-            <a:pPr algn="ctr"/>
-            <a:r>
-              <a:rPr lang="pl-PL" sz="1600" dirty="0" err="1" smtClean="0"/>
-              <a:t>Persystencja</a:t>
-            </a:r>
-            <a:r>
-              <a:rPr lang="pl-PL" sz="1600" dirty="0" smtClean="0"/>
-              <a:t> (kolejki)</a:t>
-            </a:r>
-            <a:endParaRPr lang="pl-PL" sz="1600" dirty="0" smtClean="0">
+              <a:t>Ostateczny termin zaliczenia ćwiczenia: czwartek </a:t>
+            </a:r>
+            <a:r>
+              <a:rPr lang="pl-PL" sz="1600" b="1" dirty="0" smtClean="0">
+                <a:solidFill>
+                  <a:srgbClr val="00B050"/>
+                </a:solidFill>
+              </a:rPr>
+              <a:t>3 maja</a:t>
+            </a:r>
+            <a:endParaRPr lang="pl-PL" sz="1600" b="1" dirty="0" smtClean="0">
               <a:solidFill>
-                <a:schemeClr val="tx1"/>
+                <a:srgbClr val="00B050"/>
+              </a:solidFill>
+            </a:endParaRPr>
+          </a:p>
+          <a:p>
+            <a:pPr>
+              <a:spcBef>
+                <a:spcPts val="100"/>
+              </a:spcBef>
+              <a:spcAft>
+                <a:spcPts val="100"/>
+              </a:spcAft>
+            </a:pPr>
+            <a:r>
+              <a:rPr lang="pl-PL" sz="1600" b="1" dirty="0" smtClean="0">
+                <a:solidFill>
+                  <a:srgbClr val="00B050"/>
+                </a:solidFill>
+              </a:rPr>
+              <a:t>Rozwiązania dostarczone później nie będą uwzględniane (0 punktów)</a:t>
+            </a:r>
+            <a:endParaRPr lang="pl-PL" sz="1600" b="1" dirty="0">
+              <a:solidFill>
+                <a:srgbClr val="00B050"/>
               </a:solidFill>
             </a:endParaRPr>
           </a:p>
@@ -9978,18 +10089,18 @@
     </p:spTree>
     <p:extLst>
       <p:ext uri="{BB962C8B-B14F-4D97-AF65-F5344CB8AC3E}">
-        <p14:creationId xmlns:p14="http://schemas.microsoft.com/office/powerpoint/2010/main" val="3643103999"/>
+        <p14:creationId xmlns:p14="http://schemas.microsoft.com/office/powerpoint/2010/main" xmlns="" val="3368309851"/>
       </p:ext>
     </p:extLst>
   </p:cSld>
   <p:clrMapOvr>
     <a:masterClrMapping/>
   </p:clrMapOvr>
-  <mc:AlternateContent xmlns:mc="http://schemas.openxmlformats.org/markup-compatibility/2006" xmlns:p14="http://schemas.microsoft.com/office/powerpoint/2010/main">
-    <mc:Choice Requires="p14">
+  <mc:AlternateContent xmlns:mc="http://schemas.openxmlformats.org/markup-compatibility/2006">
+    <mc:Choice xmlns:p14="http://schemas.microsoft.com/office/powerpoint/2010/main" xmlns="" Requires="p14">
       <p:transition p14:dur="10"/>
     </mc:Choice>
-    <mc:Fallback xmlns="">
+    <mc:Fallback>
       <p:transition/>
     </mc:Fallback>
   </mc:AlternateContent>
@@ -10037,23 +10148,15 @@
           <a:p>
             <a:r>
               <a:rPr lang="pl-PL" dirty="0" smtClean="0"/>
-              <a:t>Ćwiczenie 4b</a:t>
-            </a:r>
-            <a:r>
-              <a:rPr lang="pl-PL" dirty="0"/>
-              <a:t>: </a:t>
-            </a:r>
-            <a:r>
-              <a:rPr lang="pl-PL" dirty="0" err="1"/>
+              <a:t>Ćwiczenie 4b: </a:t>
+            </a:r>
+            <a:r>
+              <a:rPr lang="pl-PL" dirty="0" err="1" smtClean="0"/>
               <a:t>Persystencja</a:t>
             </a:r>
             <a:r>
-              <a:rPr lang="pl-PL" dirty="0"/>
-              <a:t> (</a:t>
-            </a:r>
-            <a:r>
-              <a:rPr lang="pl-PL" dirty="0" smtClean="0"/>
-              <a:t>kolejka)</a:t>
+              <a:rPr lang="pl-PL" dirty="0" smtClean="0"/>
+              <a:t> (kolejki)</a:t>
             </a:r>
             <a:endParaRPr lang="de-DE" dirty="0"/>
           </a:p>
@@ -10076,7 +10179,7 @@
           <a:p>
             <a:r>
               <a:rPr lang="pl-PL" dirty="0" smtClean="0"/>
-              <a:t>ĆWICZENIE 4B</a:t>
+              <a:t>ĆWICZENIE 4</a:t>
             </a:r>
             <a:endParaRPr lang="de-DE" dirty="0"/>
           </a:p>
@@ -10084,136 +10187,83 @@
       </p:sp>
       <p:sp>
         <p:nvSpPr>
-          <p:cNvPr id="6" name="Symbol zastępczy zawartości 1"/>
-          <p:cNvSpPr>
-            <a:spLocks noGrp="1"/>
-          </p:cNvSpPr>
-          <p:nvPr>
-            <p:ph idx="1"/>
-          </p:nvPr>
+          <p:cNvPr id="3" name="Prostokąt zaokrąglony 2"/>
+          <p:cNvSpPr/>
+          <p:nvPr/>
         </p:nvSpPr>
         <p:spPr>
           <a:xfrm>
-            <a:off x="443707" y="1119187"/>
-            <a:ext cx="8023887" cy="3362325"/>
+            <a:off x="1609595" y="1546963"/>
+            <a:ext cx="5730657" cy="1991639"/>
           </a:xfrm>
+          <a:prstGeom prst="roundRect">
+            <a:avLst/>
+          </a:prstGeom>
+          <a:ln/>
         </p:spPr>
-        <p:txBody>
-          <a:bodyPr>
-            <a:normAutofit/>
-          </a:bodyPr>
-          <a:lstStyle/>
-          <a:p>
-            <a:r>
-              <a:rPr lang="pl-PL" dirty="0" smtClean="0"/>
-              <a:t>Do wykonania tego ćwiczenia będzie potrzebny Apache </a:t>
-            </a:r>
-            <a:r>
-              <a:rPr lang="pl-PL" dirty="0" err="1" smtClean="0"/>
-              <a:t>ActiveMQ</a:t>
-            </a:r>
-            <a:r>
-              <a:rPr lang="pl-PL" dirty="0" smtClean="0"/>
-              <a:t> w wersji </a:t>
-            </a:r>
-            <a:r>
-              <a:rPr lang="pl-PL" dirty="0" err="1" smtClean="0"/>
-              <a:t>standalone</a:t>
-            </a:r>
-            <a:r>
-              <a:rPr lang="pl-PL" dirty="0" smtClean="0"/>
-              <a:t>:</a:t>
-            </a:r>
-          </a:p>
-          <a:p>
-            <a:pPr lvl="1"/>
-            <a:r>
-              <a:rPr lang="pl-PL" dirty="0">
-                <a:hlinkClick r:id="rId3"/>
+        <p:style>
+          <a:lnRef idx="2">
+            <a:schemeClr val="accent3">
+              <a:shade val="50000"/>
+            </a:schemeClr>
+          </a:lnRef>
+          <a:fillRef idx="1">
+            <a:schemeClr val="accent3"/>
+          </a:fillRef>
+          <a:effectRef idx="0">
+            <a:schemeClr val="accent3"/>
+          </a:effectRef>
+          <a:fontRef idx="minor">
+            <a:schemeClr val="lt1"/>
+          </a:fontRef>
+        </p:style>
+        <p:txBody>
+          <a:bodyPr lIns="108000" tIns="108000" rIns="108000" bIns="108000" rtlCol="0" anchor="ctr"/>
+          <a:lstStyle/>
+          <a:p>
+            <a:pPr algn="ctr"/>
+            <a:r>
+              <a:rPr lang="pl-PL" sz="1600" dirty="0" smtClean="0">
+                <a:solidFill>
+                  <a:schemeClr val="tx1"/>
+                </a:solidFill>
               </a:rPr>
-              <a:t>http://activemq.apache.org</a:t>
-            </a:r>
-            <a:r>
-              <a:rPr lang="pl-PL" dirty="0" smtClean="0">
-                <a:hlinkClick r:id="rId3"/>
-              </a:rPr>
-              <a:t>/</a:t>
-            </a:r>
-            <a:endParaRPr lang="pl-PL" dirty="0" smtClean="0"/>
-          </a:p>
-          <a:p>
-            <a:pPr lvl="1"/>
-            <a:r>
-              <a:rPr lang="pl-PL" dirty="0">
-                <a:hlinkClick r:id="rId4"/>
-              </a:rPr>
-              <a:t>http://www.apache.org/dyn/closer.cgi?filename=/</a:t>
-            </a:r>
-            <a:r>
-              <a:rPr lang="pl-PL" dirty="0" smtClean="0">
-                <a:hlinkClick r:id="rId4"/>
-              </a:rPr>
-              <a:t>activemq/5.13.2/apache-activemq-5.13.2-bin.zip&amp;action=download</a:t>
-            </a:r>
-            <a:endParaRPr lang="pl-PL" dirty="0" smtClean="0"/>
-          </a:p>
-          <a:p>
-            <a:pPr lvl="1"/>
-            <a:endParaRPr lang="pl-PL" dirty="0"/>
-          </a:p>
-          <a:p>
-            <a:r>
-              <a:rPr lang="pl-PL" dirty="0" smtClean="0"/>
-              <a:t>Po ściągnięciu pliku rozpakuj i uruchom </a:t>
-            </a:r>
-            <a:r>
-              <a:rPr lang="pl-PL" dirty="0" err="1" smtClean="0"/>
-              <a:t>ActiveMQ</a:t>
-            </a:r>
-            <a:r>
-              <a:rPr lang="pl-PL" dirty="0" smtClean="0"/>
-              <a:t>:</a:t>
-            </a:r>
-          </a:p>
-          <a:p>
-            <a:pPr lvl="1"/>
-            <a:r>
-              <a:rPr lang="pl-PL" dirty="0" smtClean="0"/>
-              <a:t>activemq.bat start</a:t>
-            </a:r>
-          </a:p>
-          <a:p>
-            <a:pPr lvl="1"/>
-            <a:r>
-              <a:rPr lang="pl-PL" dirty="0" smtClean="0"/>
-              <a:t>Wyłączenie brokera następuje przez wciśnięcie </a:t>
-            </a:r>
-            <a:r>
-              <a:rPr lang="pl-PL" dirty="0" err="1" smtClean="0"/>
-              <a:t>Ctrl</a:t>
-            </a:r>
-            <a:r>
-              <a:rPr lang="pl-PL" dirty="0" smtClean="0"/>
-              <a:t>-C w oknie konsoli.</a:t>
-            </a:r>
+              <a:t>Ćwiczenie 4b</a:t>
+            </a:r>
+          </a:p>
+          <a:p>
+            <a:pPr algn="ctr"/>
+            <a:r>
+              <a:rPr lang="pl-PL" sz="1600" dirty="0" err="1" smtClean="0"/>
+              <a:t>Persystencja</a:t>
+            </a:r>
+            <a:r>
+              <a:rPr lang="pl-PL" sz="1600" dirty="0" smtClean="0"/>
+              <a:t> (kolejki)</a:t>
+            </a:r>
+            <a:endParaRPr lang="pl-PL" sz="1600" dirty="0" smtClean="0">
+              <a:solidFill>
+                <a:schemeClr val="tx1"/>
+              </a:solidFill>
+            </a:endParaRPr>
           </a:p>
         </p:txBody>
       </p:sp>
     </p:spTree>
     <p:extLst>
       <p:ext uri="{BB962C8B-B14F-4D97-AF65-F5344CB8AC3E}">
-        <p14:creationId xmlns:p14="http://schemas.microsoft.com/office/powerpoint/2010/main" val="647003779"/>
+        <p14:creationId xmlns:p14="http://schemas.microsoft.com/office/powerpoint/2010/main" xmlns="" val="3643103999"/>
       </p:ext>
     </p:extLst>
   </p:cSld>
   <p:clrMapOvr>
     <a:masterClrMapping/>
   </p:clrMapOvr>
-  <mc:AlternateContent xmlns:mc="http://schemas.openxmlformats.org/markup-compatibility/2006" xmlns:p14="http://schemas.microsoft.com/office/powerpoint/2010/main">
-    <mc:Choice Requires="p14">
+  <mc:AlternateContent xmlns:mc="http://schemas.openxmlformats.org/markup-compatibility/2006">
+    <mc:Choice xmlns:p14="http://schemas.microsoft.com/office/powerpoint/2010/main" xmlns="" Requires="p14">
       <p:transition p14:dur="10"/>
     </mc:Choice>
-    <mc:Fallback xmlns="">
+    <mc:Fallback>
       <p:transition/>
     </mc:Fallback>
   </mc:AlternateContent>
@@ -10306,63 +10356,9 @@
           </a:p>
         </p:txBody>
       </p:sp>
-      <p:pic>
-        <p:nvPicPr>
-          <p:cNvPr id="4098" name="Picture 2"/>
-          <p:cNvPicPr>
-            <a:picLocks noChangeAspect="1" noChangeArrowheads="1"/>
-          </p:cNvPicPr>
-          <p:nvPr/>
-        </p:nvPicPr>
-        <p:blipFill>
-          <a:blip r:embed="rId3">
-            <a:extLst>
-              <a:ext uri="{28A0092B-C50C-407E-A947-70E740481C1C}">
-                <a14:useLocalDpi xmlns:a14="http://schemas.microsoft.com/office/drawing/2010/main" val="0"/>
-              </a:ext>
-            </a:extLst>
-          </a:blip>
-          <a:srcRect/>
-          <a:stretch>
-            <a:fillRect/>
-          </a:stretch>
-        </p:blipFill>
-        <p:spPr bwMode="auto">
-          <a:xfrm>
-            <a:off x="3967400" y="873096"/>
-            <a:ext cx="4725662" cy="3750365"/>
-          </a:xfrm>
-          <a:prstGeom prst="rect">
-            <a:avLst/>
-          </a:prstGeom>
-          <a:noFill/>
-          <a:ln>
-            <a:noFill/>
-          </a:ln>
-          <a:extLst>
-            <a:ext uri="{909E8E84-426E-40DD-AFC4-6F175D3DCCD1}">
-              <a14:hiddenFill xmlns:a14="http://schemas.microsoft.com/office/drawing/2010/main">
-                <a:solidFill>
-                  <a:schemeClr val="accent1"/>
-                </a:solidFill>
-              </a14:hiddenFill>
-            </a:ext>
-            <a:ext uri="{91240B29-F687-4F45-9708-019B960494DF}">
-              <a14:hiddenLine xmlns:a14="http://schemas.microsoft.com/office/drawing/2010/main" w="9525">
-                <a:solidFill>
-                  <a:schemeClr val="tx1"/>
-                </a:solidFill>
-                <a:miter lim="800000"/>
-                <a:headEnd/>
-                <a:tailEnd/>
-              </a14:hiddenLine>
-            </a:ext>
-          </a:extLst>
-        </p:spPr>
-      </p:pic>
-      <p:sp>
-        <p:nvSpPr>
-          <p:cNvPr id="8" name="Symbol zastępczy zawartości 1"/>
+      <p:sp>
+        <p:nvSpPr>
+          <p:cNvPr id="6" name="Symbol zastępczy zawartości 1"/>
           <p:cNvSpPr>
             <a:spLocks noGrp="1"/>
           </p:cNvSpPr>
@@ -10372,8 +10368,8 @@
         </p:nvSpPr>
         <p:spPr>
           <a:xfrm>
-            <a:off x="443708" y="1119187"/>
-            <a:ext cx="3320364" cy="3362325"/>
+            <a:off x="443707" y="1119187"/>
+            <a:ext cx="8023887" cy="3362325"/>
           </a:xfrm>
         </p:spPr>
         <p:txBody>
@@ -10384,41 +10380,95 @@
           <a:p>
             <a:r>
               <a:rPr lang="pl-PL" dirty="0" smtClean="0"/>
-              <a:t>Broker JMS jest domyślnie dostępny pod adresem:</a:t>
+              <a:t>Do wykonania tego ćwiczenia będzie potrzebny Apache </a:t>
+            </a:r>
+            <a:r>
+              <a:rPr lang="pl-PL" dirty="0" err="1" smtClean="0"/>
+              <a:t>ActiveMQ</a:t>
+            </a:r>
+            <a:r>
+              <a:rPr lang="pl-PL" dirty="0" smtClean="0"/>
+              <a:t> w wersji </a:t>
+            </a:r>
+            <a:r>
+              <a:rPr lang="pl-PL" dirty="0" err="1" smtClean="0"/>
+              <a:t>standalone</a:t>
+            </a:r>
+            <a:r>
+              <a:rPr lang="pl-PL" dirty="0" smtClean="0"/>
+              <a:t>:</a:t>
             </a:r>
           </a:p>
           <a:p>
             <a:pPr lvl="1"/>
             <a:r>
-              <a:rPr lang="pl-PL" dirty="0" smtClean="0"/>
-              <a:t>tcp://localhost:61616</a:t>
-            </a:r>
+              <a:rPr lang="pl-PL" dirty="0">
+                <a:hlinkClick r:id="rId3"/>
+              </a:rPr>
+              <a:t>http://activemq.apache.org</a:t>
+            </a:r>
+            <a:r>
+              <a:rPr lang="pl-PL" dirty="0" smtClean="0">
+                <a:hlinkClick r:id="rId3"/>
+              </a:rPr>
+              <a:t>/</a:t>
+            </a:r>
+            <a:endParaRPr lang="pl-PL" dirty="0" smtClean="0"/>
           </a:p>
           <a:p>
             <a:pPr lvl="1"/>
-            <a:endParaRPr lang="pl-PL" dirty="0"/>
-          </a:p>
-          <a:p>
-            <a:r>
-              <a:rPr lang="pl-PL" dirty="0" smtClean="0"/>
-              <a:t>Konsole webowa jest domyślnie dostępna pod adresem:</a:t>
-            </a:r>
-          </a:p>
-          <a:p>
-            <a:pPr lvl="1"/>
+            <a:r>
+              <a:rPr lang="pl-PL" dirty="0">
+                <a:hlinkClick r:id="rId4"/>
+              </a:rPr>
+              <a:t>http://www.apache.org/dyn/closer.cgi?filename=/</a:t>
+            </a:r>
             <a:r>
               <a:rPr lang="pl-PL" dirty="0" smtClean="0">
                 <a:hlinkClick r:id="rId4"/>
               </a:rPr>
-              <a:t>http://localhost:8161</a:t>
+              <a:t>activemq/5.13.2/apache-activemq-5.13.2-bin.zip&amp;action=download</a:t>
             </a:r>
             <a:endParaRPr lang="pl-PL" dirty="0" smtClean="0"/>
           </a:p>
           <a:p>
             <a:pPr lvl="1"/>
-            <a:r>
-              <a:rPr lang="pl-PL" dirty="0" smtClean="0"/>
-              <a:t>admin/admin</a:t>
+            <a:endParaRPr lang="pl-PL" dirty="0"/>
+          </a:p>
+          <a:p>
+            <a:r>
+              <a:rPr lang="pl-PL" dirty="0" smtClean="0"/>
+              <a:t>Po ściągnięciu pliku rozpakuj i uruchom </a:t>
+            </a:r>
+            <a:r>
+              <a:rPr lang="pl-PL" dirty="0" err="1" smtClean="0"/>
+              <a:t>ActiveMQ</a:t>
+            </a:r>
+            <a:r>
+              <a:rPr lang="pl-PL" dirty="0" smtClean="0"/>
+              <a:t>:</a:t>
+            </a:r>
+          </a:p>
+          <a:p>
+            <a:pPr lvl="1"/>
+            <a:r>
+              <a:rPr lang="pl-PL" dirty="0" smtClean="0"/>
+              <a:t>activemq.bat start</a:t>
+            </a:r>
+          </a:p>
+          <a:p>
+            <a:pPr lvl="1"/>
+            <a:r>
+              <a:rPr lang="pl-PL" dirty="0" smtClean="0"/>
+              <a:t>Wyłączenie brokera następuje przez wciśnięcie </a:t>
+            </a:r>
+            <a:r>
+              <a:rPr lang="pl-PL" dirty="0" err="1" smtClean="0"/>
+              <a:t>Ctrl</a:t>
+            </a:r>
+            <a:r>
+              <a:rPr lang="pl-PL" dirty="0" smtClean="0"/>
+              <a:t>-C w oknie konsoli.</a:t>
             </a:r>
           </a:p>
         </p:txBody>
@@ -10426,18 +10476,18 @@
     </p:spTree>
     <p:extLst>
       <p:ext uri="{BB962C8B-B14F-4D97-AF65-F5344CB8AC3E}">
-        <p14:creationId xmlns:p14="http://schemas.microsoft.com/office/powerpoint/2010/main" val="1368337080"/>
+        <p14:creationId xmlns:p14="http://schemas.microsoft.com/office/powerpoint/2010/main" xmlns="" val="647003779"/>
       </p:ext>
     </p:extLst>
   </p:cSld>
   <p:clrMapOvr>
     <a:masterClrMapping/>
   </p:clrMapOvr>
-  <mc:AlternateContent xmlns:mc="http://schemas.openxmlformats.org/markup-compatibility/2006" xmlns:p14="http://schemas.microsoft.com/office/powerpoint/2010/main">
-    <mc:Choice Requires="p14">
+  <mc:AlternateContent xmlns:mc="http://schemas.openxmlformats.org/markup-compatibility/2006">
+    <mc:Choice xmlns:p14="http://schemas.microsoft.com/office/powerpoint/2010/main" xmlns="" Requires="p14">
       <p:transition p14:dur="10"/>
     </mc:Choice>
-    <mc:Fallback xmlns="">
+    <mc:Fallback>
       <p:transition/>
     </mc:Fallback>
   </mc:AlternateContent>
@@ -10530,9 +10580,63 @@
           </a:p>
         </p:txBody>
       </p:sp>
-      <p:sp>
-        <p:nvSpPr>
-          <p:cNvPr id="6" name="Symbol zastępczy zawartości 1"/>
+      <p:pic>
+        <p:nvPicPr>
+          <p:cNvPr id="4098" name="Picture 2"/>
+          <p:cNvPicPr>
+            <a:picLocks noChangeAspect="1" noChangeArrowheads="1"/>
+          </p:cNvPicPr>
+          <p:nvPr/>
+        </p:nvPicPr>
+        <p:blipFill>
+          <a:blip r:embed="rId3">
+            <a:extLst>
+              <a:ext uri="{28A0092B-C50C-407E-A947-70E740481C1C}">
+                <a14:useLocalDpi xmlns:a14="http://schemas.microsoft.com/office/drawing/2010/main" xmlns="" val="0"/>
+              </a:ext>
+            </a:extLst>
+          </a:blip>
+          <a:srcRect/>
+          <a:stretch>
+            <a:fillRect/>
+          </a:stretch>
+        </p:blipFill>
+        <p:spPr bwMode="auto">
+          <a:xfrm>
+            <a:off x="3967400" y="873096"/>
+            <a:ext cx="4725662" cy="3750365"/>
+          </a:xfrm>
+          <a:prstGeom prst="rect">
+            <a:avLst/>
+          </a:prstGeom>
+          <a:noFill/>
+          <a:ln>
+            <a:noFill/>
+          </a:ln>
+          <a:extLst>
+            <a:ext uri="{909E8E84-426E-40DD-AFC4-6F175D3DCCD1}">
+              <a14:hiddenFill xmlns:a14="http://schemas.microsoft.com/office/drawing/2010/main" xmlns="">
+                <a:solidFill>
+                  <a:schemeClr val="accent1"/>
+                </a:solidFill>
+              </a14:hiddenFill>
+            </a:ext>
+            <a:ext uri="{91240B29-F687-4F45-9708-019B960494DF}">
+              <a14:hiddenLine xmlns:a14="http://schemas.microsoft.com/office/drawing/2010/main" xmlns="" w="9525">
+                <a:solidFill>
+                  <a:schemeClr val="tx1"/>
+                </a:solidFill>
+                <a:miter lim="800000"/>
+                <a:headEnd/>
+                <a:tailEnd/>
+              </a14:hiddenLine>
+            </a:ext>
+          </a:extLst>
+        </p:spPr>
+      </p:pic>
+      <p:sp>
+        <p:nvSpPr>
+          <p:cNvPr id="8" name="Symbol zastępczy zawartości 1"/>
           <p:cNvSpPr>
             <a:spLocks noGrp="1"/>
           </p:cNvSpPr>
@@ -10542,242 +10646,45 @@
         </p:nvSpPr>
         <p:spPr>
           <a:xfrm>
-            <a:off x="443707" y="1119187"/>
-            <a:ext cx="8023887" cy="3362325"/>
+            <a:off x="443708" y="1119187"/>
+            <a:ext cx="3320364" cy="3362325"/>
           </a:xfrm>
         </p:spPr>
         <p:txBody>
           <a:bodyPr>
-            <a:normAutofit lnSpcReduction="10000"/>
+            <a:normAutofit/>
           </a:bodyPr>
           <a:lstStyle/>
           <a:p>
             <a:r>
               <a:rPr lang="pl-PL" dirty="0" smtClean="0"/>
-              <a:t>Tym razem (niespodzianka niespodzianka!) nie ma szkieletu ćwiczenia.</a:t>
-            </a:r>
-          </a:p>
-          <a:p>
-            <a:r>
-              <a:rPr lang="pl-PL" dirty="0" smtClean="0"/>
-              <a:t>Zadanie (część 1/2):</a:t>
+              <a:t>Broker JMS jest domyślnie dostępny pod adresem:</a:t>
             </a:r>
           </a:p>
           <a:p>
             <a:pPr lvl="1"/>
             <a:r>
               <a:rPr lang="pl-PL" dirty="0" smtClean="0"/>
-              <a:t>Napisz program, który wyśle 20000 (dziesięć tysięcy) komunikatów na kolejkę w dwóch transzach:</a:t>
-            </a:r>
+              <a:t>tcp://localhost:61616</a:t>
+            </a:r>
+          </a:p>
+          <a:p>
+            <a:pPr lvl="1"/>
             <a:endParaRPr lang="pl-PL" dirty="0"/>
           </a:p>
           <a:p>
-            <a:pPr lvl="2"/>
-            <a:r>
-              <a:rPr lang="pl-PL" dirty="0" smtClean="0"/>
-              <a:t>Pierwsze 10000 powinno mieć „</a:t>
-            </a:r>
-            <a:r>
-              <a:rPr lang="pl-PL" dirty="0" err="1" smtClean="0"/>
-              <a:t>delivery</a:t>
-            </a:r>
-            <a:r>
-              <a:rPr lang="pl-PL" dirty="0" smtClean="0"/>
-              <a:t> </a:t>
-            </a:r>
-            <a:r>
-              <a:rPr lang="pl-PL" dirty="0" err="1" smtClean="0"/>
-              <a:t>mode</a:t>
-            </a:r>
-            <a:r>
-              <a:rPr lang="pl-PL" dirty="0" smtClean="0"/>
-              <a:t>” ustawione na PERSISTENT.</a:t>
-            </a:r>
-          </a:p>
-          <a:p>
-            <a:pPr lvl="2"/>
-            <a:r>
-              <a:rPr lang="pl-PL" dirty="0" smtClean="0"/>
-              <a:t>Drugie 10000 powinno mieć „</a:t>
-            </a:r>
-            <a:r>
-              <a:rPr lang="pl-PL" dirty="0" err="1" smtClean="0"/>
-              <a:t>delivery</a:t>
-            </a:r>
-            <a:r>
-              <a:rPr lang="pl-PL" dirty="0" smtClean="0"/>
-              <a:t> </a:t>
-            </a:r>
-            <a:r>
-              <a:rPr lang="pl-PL" dirty="0" err="1" smtClean="0"/>
-              <a:t>mode</a:t>
-            </a:r>
-            <a:r>
-              <a:rPr lang="pl-PL" dirty="0" smtClean="0"/>
-              <a:t>” ustawione na NON_PERSISTENT.</a:t>
-            </a:r>
-          </a:p>
-          <a:p>
-            <a:pPr lvl="2"/>
-            <a:r>
-              <a:rPr lang="pl-PL" dirty="0" smtClean="0"/>
-              <a:t>Każdy komunikat powinien być typu </a:t>
-            </a:r>
-            <a:r>
-              <a:rPr lang="pl-PL" dirty="0" err="1" smtClean="0"/>
-              <a:t>TextMessage</a:t>
-            </a:r>
-            <a:r>
-              <a:rPr lang="pl-PL" dirty="0" smtClean="0"/>
-              <a:t> i mieć treść „test_&lt;</a:t>
-            </a:r>
-            <a:r>
-              <a:rPr lang="pl-PL" dirty="0" err="1" smtClean="0"/>
-              <a:t>sequence_number</a:t>
-            </a:r>
-            <a:r>
-              <a:rPr lang="pl-PL" dirty="0" smtClean="0"/>
-              <a:t>&gt;”</a:t>
-            </a:r>
-          </a:p>
-          <a:p>
-            <a:pPr lvl="3"/>
-            <a:r>
-              <a:rPr lang="pl-PL" dirty="0" smtClean="0"/>
-              <a:t>Przykład: test_6795</a:t>
-            </a:r>
-          </a:p>
-          <a:p>
-            <a:pPr lvl="2"/>
-            <a:r>
-              <a:rPr lang="pl-PL" dirty="0" smtClean="0"/>
-              <a:t>Program musi wypisać czas wysłania każdej transzy do logów w formacie:</a:t>
-            </a:r>
-          </a:p>
-          <a:p>
-            <a:pPr lvl="3"/>
-            <a:r>
-              <a:rPr lang="pl-PL" dirty="0" smtClean="0"/>
-              <a:t>10000 </a:t>
-            </a:r>
-            <a:r>
-              <a:rPr lang="pl-PL" dirty="0" err="1" smtClean="0"/>
-              <a:t>persistent</a:t>
-            </a:r>
-            <a:r>
-              <a:rPr lang="pl-PL" dirty="0" smtClean="0"/>
-              <a:t> </a:t>
-            </a:r>
-            <a:r>
-              <a:rPr lang="pl-PL" dirty="0" err="1" smtClean="0"/>
-              <a:t>messages</a:t>
-            </a:r>
-            <a:r>
-              <a:rPr lang="pl-PL" dirty="0" smtClean="0"/>
-              <a:t> </a:t>
-            </a:r>
-            <a:r>
-              <a:rPr lang="pl-PL" dirty="0" err="1" smtClean="0"/>
-              <a:t>sent</a:t>
-            </a:r>
-            <a:r>
-              <a:rPr lang="pl-PL" dirty="0" smtClean="0"/>
-              <a:t> in {} </a:t>
-            </a:r>
-            <a:r>
-              <a:rPr lang="pl-PL" dirty="0" err="1" smtClean="0"/>
-              <a:t>milliseconds</a:t>
-            </a:r>
-            <a:r>
-              <a:rPr lang="pl-PL" dirty="0" smtClean="0"/>
-              <a:t>.</a:t>
-            </a:r>
-          </a:p>
-          <a:p>
-            <a:pPr lvl="3"/>
-            <a:r>
-              <a:rPr lang="pl-PL" dirty="0" smtClean="0"/>
-              <a:t>10000 non-</a:t>
-            </a:r>
-            <a:r>
-              <a:rPr lang="pl-PL" dirty="0" err="1" smtClean="0"/>
-              <a:t>persistent</a:t>
-            </a:r>
-            <a:r>
-              <a:rPr lang="pl-PL" dirty="0" smtClean="0"/>
-              <a:t> </a:t>
-            </a:r>
-            <a:r>
-              <a:rPr lang="pl-PL" dirty="0" err="1" smtClean="0"/>
-              <a:t>messages</a:t>
-            </a:r>
-            <a:r>
-              <a:rPr lang="pl-PL" dirty="0" smtClean="0"/>
-              <a:t> </a:t>
-            </a:r>
-            <a:r>
-              <a:rPr lang="pl-PL" dirty="0" err="1" smtClean="0"/>
-              <a:t>sent</a:t>
-            </a:r>
-            <a:r>
-              <a:rPr lang="pl-PL" dirty="0" smtClean="0"/>
-              <a:t> in {} </a:t>
-            </a:r>
-            <a:r>
-              <a:rPr lang="pl-PL" dirty="0" err="1" smtClean="0"/>
-              <a:t>milliseconds</a:t>
-            </a:r>
-            <a:r>
-              <a:rPr lang="pl-PL" dirty="0" smtClean="0"/>
-              <a:t>.</a:t>
-            </a:r>
-          </a:p>
-          <a:p>
-            <a:pPr lvl="2"/>
-            <a:r>
-              <a:rPr lang="pl-PL" dirty="0" smtClean="0"/>
-              <a:t>Nazwa kolejki, na którą komunikaty mają być wysyłane: &lt;</a:t>
-            </a:r>
-            <a:r>
-              <a:rPr lang="pl-PL" dirty="0" err="1" smtClean="0"/>
-              <a:t>github_username</a:t>
-            </a:r>
-            <a:r>
-              <a:rPr lang="pl-PL" dirty="0" smtClean="0"/>
-              <a:t>&gt;.QUEUE</a:t>
-            </a:r>
-          </a:p>
-          <a:p>
-            <a:pPr lvl="3"/>
-            <a:r>
-              <a:rPr lang="pl-PL" dirty="0" smtClean="0"/>
-              <a:t>Przykład: MSTREJCZEK.QUEUE</a:t>
-            </a:r>
-            <a:endParaRPr lang="pl-PL" dirty="0"/>
-          </a:p>
-          <a:p>
-            <a:r>
-              <a:rPr lang="pl-PL" dirty="0" smtClean="0"/>
-              <a:t>Wrzuć kod programu na GitHub.</a:t>
+            <a:r>
+              <a:rPr lang="pl-PL" dirty="0" smtClean="0"/>
+              <a:t>Konsole webowa jest domyślnie dostępna pod adresem:</a:t>
             </a:r>
           </a:p>
           <a:p>
             <a:pPr lvl="1"/>
             <a:r>
-              <a:rPr lang="pl-PL" dirty="0" smtClean="0"/>
-              <a:t>Nazwa </a:t>
-            </a:r>
-            <a:r>
-              <a:rPr lang="pl-PL" dirty="0" err="1" smtClean="0"/>
-              <a:t>brancha</a:t>
-            </a:r>
-            <a:r>
-              <a:rPr lang="pl-PL" dirty="0" smtClean="0"/>
-              <a:t>: </a:t>
-            </a:r>
-            <a:r>
-              <a:rPr lang="pl-PL" dirty="0" err="1" smtClean="0"/>
-              <a:t>persistence_queue_producer</a:t>
+              <a:rPr lang="pl-PL" dirty="0" smtClean="0">
+                <a:hlinkClick r:id="rId4"/>
+              </a:rPr>
+              <a:t>http://localhost:8161</a:t>
             </a:r>
             <a:endParaRPr lang="pl-PL" dirty="0" smtClean="0"/>
           </a:p>
@@ -10785,30 +10692,7 @@
             <a:pPr lvl="1"/>
             <a:r>
               <a:rPr lang="pl-PL" dirty="0" smtClean="0"/>
-              <a:t>Program musi być uruchamialny przy użyciu komendy „</a:t>
-            </a:r>
-            <a:r>
-              <a:rPr lang="pl-PL" dirty="0" err="1" smtClean="0"/>
-              <a:t>gradlew</a:t>
-            </a:r>
-            <a:r>
-              <a:rPr lang="pl-PL" dirty="0" smtClean="0"/>
-              <a:t> run”.</a:t>
-            </a:r>
-          </a:p>
-          <a:p>
-            <a:pPr lvl="1"/>
-            <a:r>
-              <a:rPr lang="pl-PL" dirty="0" smtClean="0"/>
-              <a:t>Załóż, że broker </a:t>
-            </a:r>
-            <a:r>
-              <a:rPr lang="pl-PL" dirty="0" err="1" smtClean="0"/>
-              <a:t>ActiveMQ</a:t>
-            </a:r>
-            <a:r>
-              <a:rPr lang="pl-PL" dirty="0" smtClean="0"/>
-              <a:t> jest uruchomiony i nasłuchuje pod adresem localhost:61616.</a:t>
+              <a:t>admin/admin</a:t>
             </a:r>
           </a:p>
         </p:txBody>
@@ -10816,18 +10700,18 @@
     </p:spTree>
     <p:extLst>
       <p:ext uri="{BB962C8B-B14F-4D97-AF65-F5344CB8AC3E}">
-        <p14:creationId xmlns:p14="http://schemas.microsoft.com/office/powerpoint/2010/main" val="2236937848"/>
+        <p14:creationId xmlns:p14="http://schemas.microsoft.com/office/powerpoint/2010/main" xmlns="" val="1368337080"/>
       </p:ext>
     </p:extLst>
   </p:cSld>
   <p:clrMapOvr>
     <a:masterClrMapping/>
   </p:clrMapOvr>
-  <mc:AlternateContent xmlns:mc="http://schemas.openxmlformats.org/markup-compatibility/2006" xmlns:p14="http://schemas.microsoft.com/office/powerpoint/2010/main">
-    <mc:Choice Requires="p14">
+  <mc:AlternateContent xmlns:mc="http://schemas.openxmlformats.org/markup-compatibility/2006">
+    <mc:Choice xmlns:p14="http://schemas.microsoft.com/office/powerpoint/2010/main" xmlns="" Requires="p14">
       <p:transition p14:dur="10"/>
     </mc:Choice>
-    <mc:Fallback xmlns="">
+    <mc:Fallback>
       <p:transition/>
     </mc:Fallback>
   </mc:AlternateContent>
@@ -11022,18 +10906,18 @@
     </p:spTree>
     <p:extLst>
       <p:ext uri="{BB962C8B-B14F-4D97-AF65-F5344CB8AC3E}">
-        <p14:creationId xmlns:p14="http://schemas.microsoft.com/office/powerpoint/2010/main" val="2788988127"/>
+        <p14:creationId xmlns:p14="http://schemas.microsoft.com/office/powerpoint/2010/main" xmlns="" val="2788988127"/>
       </p:ext>
     </p:extLst>
   </p:cSld>
   <p:clrMapOvr>
     <a:masterClrMapping/>
   </p:clrMapOvr>
-  <mc:AlternateContent xmlns:mc="http://schemas.openxmlformats.org/markup-compatibility/2006" xmlns:p14="http://schemas.microsoft.com/office/powerpoint/2010/main">
-    <mc:Choice Requires="p14">
+  <mc:AlternateContent xmlns:mc="http://schemas.openxmlformats.org/markup-compatibility/2006">
+    <mc:Choice xmlns:p14="http://schemas.microsoft.com/office/powerpoint/2010/main" xmlns="" Requires="p14">
       <p:transition p14:dur="10"/>
     </mc:Choice>
-    <mc:Fallback xmlns="">
+    <mc:Fallback>
       <p:transition/>
     </mc:Fallback>
   </mc:AlternateContent>
@@ -11553,6 +11437,408 @@
         </p:nvSpPr>
         <p:spPr>
           <a:xfrm>
+            <a:off x="443707" y="1119187"/>
+            <a:ext cx="8023887" cy="3362325"/>
+          </a:xfrm>
+        </p:spPr>
+        <p:txBody>
+          <a:bodyPr>
+            <a:normAutofit lnSpcReduction="10000"/>
+          </a:bodyPr>
+          <a:lstStyle/>
+          <a:p>
+            <a:r>
+              <a:rPr lang="pl-PL" dirty="0" smtClean="0"/>
+              <a:t>Tym razem (niespodzianka niespodzianka!) nie ma szkieletu ćwiczenia.</a:t>
+            </a:r>
+          </a:p>
+          <a:p>
+            <a:r>
+              <a:rPr lang="pl-PL" dirty="0" smtClean="0"/>
+              <a:t>Zadanie (część 1/2):</a:t>
+            </a:r>
+          </a:p>
+          <a:p>
+            <a:pPr lvl="1"/>
+            <a:r>
+              <a:rPr lang="pl-PL" dirty="0" smtClean="0"/>
+              <a:t>Napisz program, który wyśle 20000 </a:t>
+            </a:r>
+            <a:r>
+              <a:rPr lang="pl-PL" dirty="0" smtClean="0"/>
+              <a:t>(dwadzieścia tysięcy</a:t>
+            </a:r>
+            <a:r>
+              <a:rPr lang="pl-PL" dirty="0" smtClean="0"/>
+              <a:t>) komunikatów na kolejkę w dwóch transzach:</a:t>
+            </a:r>
+            <a:endParaRPr lang="pl-PL" dirty="0"/>
+          </a:p>
+          <a:p>
+            <a:pPr lvl="2"/>
+            <a:r>
+              <a:rPr lang="pl-PL" dirty="0" smtClean="0"/>
+              <a:t>Pierwsze 10000 powinno mieć „</a:t>
+            </a:r>
+            <a:r>
+              <a:rPr lang="pl-PL" dirty="0" err="1" smtClean="0"/>
+              <a:t>delivery</a:t>
+            </a:r>
+            <a:r>
+              <a:rPr lang="pl-PL" dirty="0" smtClean="0"/>
+              <a:t> </a:t>
+            </a:r>
+            <a:r>
+              <a:rPr lang="pl-PL" dirty="0" err="1" smtClean="0"/>
+              <a:t>mode</a:t>
+            </a:r>
+            <a:r>
+              <a:rPr lang="pl-PL" dirty="0" smtClean="0"/>
+              <a:t>” ustawione na PERSISTENT.</a:t>
+            </a:r>
+          </a:p>
+          <a:p>
+            <a:pPr lvl="2"/>
+            <a:r>
+              <a:rPr lang="pl-PL" dirty="0" smtClean="0"/>
+              <a:t>Drugie 10000 powinno mieć „</a:t>
+            </a:r>
+            <a:r>
+              <a:rPr lang="pl-PL" dirty="0" err="1" smtClean="0"/>
+              <a:t>delivery</a:t>
+            </a:r>
+            <a:r>
+              <a:rPr lang="pl-PL" dirty="0" smtClean="0"/>
+              <a:t> </a:t>
+            </a:r>
+            <a:r>
+              <a:rPr lang="pl-PL" dirty="0" err="1" smtClean="0"/>
+              <a:t>mode</a:t>
+            </a:r>
+            <a:r>
+              <a:rPr lang="pl-PL" dirty="0" smtClean="0"/>
+              <a:t>” ustawione na NON_PERSISTENT.</a:t>
+            </a:r>
+          </a:p>
+          <a:p>
+            <a:pPr lvl="2"/>
+            <a:r>
+              <a:rPr lang="pl-PL" dirty="0" smtClean="0"/>
+              <a:t>Każdy komunikat powinien być typu </a:t>
+            </a:r>
+            <a:r>
+              <a:rPr lang="pl-PL" dirty="0" err="1" smtClean="0"/>
+              <a:t>TextMessage</a:t>
+            </a:r>
+            <a:r>
+              <a:rPr lang="pl-PL" dirty="0" smtClean="0"/>
+              <a:t> i mieć treść „test_&lt;</a:t>
+            </a:r>
+            <a:r>
+              <a:rPr lang="pl-PL" dirty="0" err="1" smtClean="0"/>
+              <a:t>sequence_number</a:t>
+            </a:r>
+            <a:r>
+              <a:rPr lang="pl-PL" dirty="0" smtClean="0"/>
+              <a:t>&gt;”</a:t>
+            </a:r>
+          </a:p>
+          <a:p>
+            <a:pPr lvl="3"/>
+            <a:r>
+              <a:rPr lang="pl-PL" dirty="0" smtClean="0"/>
+              <a:t>Przykład: test_6795</a:t>
+            </a:r>
+          </a:p>
+          <a:p>
+            <a:pPr lvl="2"/>
+            <a:r>
+              <a:rPr lang="pl-PL" dirty="0" smtClean="0"/>
+              <a:t>Program musi wypisać czas wysłania każdej transzy do logów w formacie:</a:t>
+            </a:r>
+          </a:p>
+          <a:p>
+            <a:pPr lvl="3"/>
+            <a:r>
+              <a:rPr lang="pl-PL" dirty="0" smtClean="0"/>
+              <a:t>10000 </a:t>
+            </a:r>
+            <a:r>
+              <a:rPr lang="pl-PL" dirty="0" err="1" smtClean="0"/>
+              <a:t>persistent</a:t>
+            </a:r>
+            <a:r>
+              <a:rPr lang="pl-PL" dirty="0" smtClean="0"/>
+              <a:t> </a:t>
+            </a:r>
+            <a:r>
+              <a:rPr lang="pl-PL" dirty="0" err="1" smtClean="0"/>
+              <a:t>messages</a:t>
+            </a:r>
+            <a:r>
+              <a:rPr lang="pl-PL" dirty="0" smtClean="0"/>
+              <a:t> </a:t>
+            </a:r>
+            <a:r>
+              <a:rPr lang="pl-PL" dirty="0" err="1" smtClean="0"/>
+              <a:t>sent</a:t>
+            </a:r>
+            <a:r>
+              <a:rPr lang="pl-PL" dirty="0" smtClean="0"/>
+              <a:t> in {} </a:t>
+            </a:r>
+            <a:r>
+              <a:rPr lang="pl-PL" dirty="0" err="1" smtClean="0"/>
+              <a:t>milliseconds</a:t>
+            </a:r>
+            <a:r>
+              <a:rPr lang="pl-PL" dirty="0" smtClean="0"/>
+              <a:t>.</a:t>
+            </a:r>
+          </a:p>
+          <a:p>
+            <a:pPr lvl="3"/>
+            <a:r>
+              <a:rPr lang="pl-PL" dirty="0" smtClean="0"/>
+              <a:t>10000 non-</a:t>
+            </a:r>
+            <a:r>
+              <a:rPr lang="pl-PL" dirty="0" err="1" smtClean="0"/>
+              <a:t>persistent</a:t>
+            </a:r>
+            <a:r>
+              <a:rPr lang="pl-PL" dirty="0" smtClean="0"/>
+              <a:t> </a:t>
+            </a:r>
+            <a:r>
+              <a:rPr lang="pl-PL" dirty="0" err="1" smtClean="0"/>
+              <a:t>messages</a:t>
+            </a:r>
+            <a:r>
+              <a:rPr lang="pl-PL" dirty="0" smtClean="0"/>
+              <a:t> </a:t>
+            </a:r>
+            <a:r>
+              <a:rPr lang="pl-PL" dirty="0" err="1" smtClean="0"/>
+              <a:t>sent</a:t>
+            </a:r>
+            <a:r>
+              <a:rPr lang="pl-PL" dirty="0" smtClean="0"/>
+              <a:t> in {} </a:t>
+            </a:r>
+            <a:r>
+              <a:rPr lang="pl-PL" dirty="0" err="1" smtClean="0"/>
+              <a:t>milliseconds</a:t>
+            </a:r>
+            <a:r>
+              <a:rPr lang="pl-PL" dirty="0" smtClean="0"/>
+              <a:t>.</a:t>
+            </a:r>
+          </a:p>
+          <a:p>
+            <a:pPr lvl="2"/>
+            <a:r>
+              <a:rPr lang="pl-PL" dirty="0" smtClean="0"/>
+              <a:t>Nazwa kolejki, na którą komunikaty mają być wysyłane: &lt;</a:t>
+            </a:r>
+            <a:r>
+              <a:rPr lang="pl-PL" dirty="0" err="1" smtClean="0"/>
+              <a:t>github_username</a:t>
+            </a:r>
+            <a:r>
+              <a:rPr lang="pl-PL" dirty="0" smtClean="0"/>
+              <a:t>&gt;.QUEUE</a:t>
+            </a:r>
+          </a:p>
+          <a:p>
+            <a:pPr lvl="3"/>
+            <a:r>
+              <a:rPr lang="pl-PL" dirty="0" smtClean="0"/>
+              <a:t>Przykład: </a:t>
+            </a:r>
+            <a:r>
+              <a:rPr lang="pl-PL" dirty="0" err="1" smtClean="0"/>
+              <a:t>M-KOLODZIEJSKI.QUEUE</a:t>
+            </a:r>
+            <a:endParaRPr lang="pl-PL" dirty="0"/>
+          </a:p>
+          <a:p>
+            <a:r>
+              <a:rPr lang="pl-PL" dirty="0" smtClean="0"/>
+              <a:t>Wrzuć kod programu na GitHub.</a:t>
+            </a:r>
+          </a:p>
+          <a:p>
+            <a:pPr lvl="1"/>
+            <a:r>
+              <a:rPr lang="pl-PL" dirty="0" smtClean="0"/>
+              <a:t>Nazwa </a:t>
+            </a:r>
+            <a:r>
+              <a:rPr lang="pl-PL" dirty="0" err="1" smtClean="0"/>
+              <a:t>brancha</a:t>
+            </a:r>
+            <a:r>
+              <a:rPr lang="pl-PL" dirty="0" smtClean="0"/>
+              <a:t>: </a:t>
+            </a:r>
+            <a:r>
+              <a:rPr lang="pl-PL" dirty="0" err="1" smtClean="0"/>
+              <a:t>persistence_queue_producer</a:t>
+            </a:r>
+            <a:endParaRPr lang="pl-PL" dirty="0" smtClean="0"/>
+          </a:p>
+          <a:p>
+            <a:pPr lvl="1"/>
+            <a:r>
+              <a:rPr lang="pl-PL" dirty="0" smtClean="0"/>
+              <a:t>Program musi być uruchamialny przy użyciu komendy „</a:t>
+            </a:r>
+            <a:r>
+              <a:rPr lang="pl-PL" dirty="0" err="1" smtClean="0"/>
+              <a:t>gradlew</a:t>
+            </a:r>
+            <a:r>
+              <a:rPr lang="pl-PL" dirty="0" smtClean="0"/>
+              <a:t> run”.</a:t>
+            </a:r>
+          </a:p>
+          <a:p>
+            <a:pPr lvl="1"/>
+            <a:r>
+              <a:rPr lang="pl-PL" dirty="0" smtClean="0"/>
+              <a:t>Załóż, że broker </a:t>
+            </a:r>
+            <a:r>
+              <a:rPr lang="pl-PL" dirty="0" err="1" smtClean="0"/>
+              <a:t>ActiveMQ</a:t>
+            </a:r>
+            <a:r>
+              <a:rPr lang="pl-PL" dirty="0" smtClean="0"/>
+              <a:t> jest uruchomiony i nasłuchuje pod adresem localhost:61616.</a:t>
+            </a:r>
+          </a:p>
+        </p:txBody>
+      </p:sp>
+    </p:spTree>
+    <p:extLst>
+      <p:ext uri="{BB962C8B-B14F-4D97-AF65-F5344CB8AC3E}">
+        <p14:creationId xmlns:p14="http://schemas.microsoft.com/office/powerpoint/2010/main" xmlns="" val="2236937848"/>
+      </p:ext>
+    </p:extLst>
+  </p:cSld>
+  <p:clrMapOvr>
+    <a:masterClrMapping/>
+  </p:clrMapOvr>
+  <mc:AlternateContent xmlns:mc="http://schemas.openxmlformats.org/markup-compatibility/2006">
+    <mc:Choice xmlns:p14="http://schemas.microsoft.com/office/powerpoint/2010/main" xmlns="" Requires="p14">
+      <p:transition p14:dur="10"/>
+    </mc:Choice>
+    <mc:Fallback>
+      <p:transition/>
+    </mc:Fallback>
+  </mc:AlternateContent>
+  <p:timing>
+    <p:tnLst>
+      <p:par>
+        <p:cTn id="1" dur="indefinite" restart="never" nodeType="tmRoot"/>
+      </p:par>
+    </p:tnLst>
+  </p:timing>
+</p:sld>
+</file>
+
+<file path=ppt/slides/slide21.xml><?xml version="1.0" encoding="utf-8"?>
+<p:sld xmlns:a="http://schemas.openxmlformats.org/drawingml/2006/main" xmlns:r="http://schemas.openxmlformats.org/officeDocument/2006/relationships" xmlns:p="http://schemas.openxmlformats.org/presentationml/2006/main">
+  <p:cSld>
+    <p:spTree>
+      <p:nvGrpSpPr>
+        <p:cNvPr id="1" name=""/>
+        <p:cNvGrpSpPr/>
+        <p:nvPr/>
+      </p:nvGrpSpPr>
+      <p:grpSpPr>
+        <a:xfrm>
+          <a:off x="0" y="0"/>
+          <a:ext cx="0" cy="0"/>
+          <a:chOff x="0" y="0"/>
+          <a:chExt cx="0" cy="0"/>
+        </a:xfrm>
+      </p:grpSpPr>
+      <p:sp>
+        <p:nvSpPr>
+          <p:cNvPr id="7" name="Titel 6"/>
+          <p:cNvSpPr>
+            <a:spLocks noGrp="1"/>
+          </p:cNvSpPr>
+          <p:nvPr>
+            <p:ph type="title"/>
+          </p:nvPr>
+        </p:nvSpPr>
+        <p:spPr/>
+        <p:txBody>
+          <a:bodyPr/>
+          <a:lstStyle/>
+          <a:p>
+            <a:r>
+              <a:rPr lang="pl-PL" dirty="0" smtClean="0"/>
+              <a:t>Ćwiczenie 4b</a:t>
+            </a:r>
+            <a:r>
+              <a:rPr lang="pl-PL" dirty="0"/>
+              <a:t>: </a:t>
+            </a:r>
+            <a:r>
+              <a:rPr lang="pl-PL" dirty="0" err="1"/>
+              <a:t>Persystencja</a:t>
+            </a:r>
+            <a:r>
+              <a:rPr lang="pl-PL" dirty="0"/>
+              <a:t> (</a:t>
+            </a:r>
+            <a:r>
+              <a:rPr lang="pl-PL" dirty="0" smtClean="0"/>
+              <a:t>kolejka)</a:t>
+            </a:r>
+            <a:endParaRPr lang="de-DE" dirty="0"/>
+          </a:p>
+        </p:txBody>
+      </p:sp>
+      <p:sp>
+        <p:nvSpPr>
+          <p:cNvPr id="5" name="Inhaltsplatzhalter 4"/>
+          <p:cNvSpPr>
+            <a:spLocks noGrp="1"/>
+          </p:cNvSpPr>
+          <p:nvPr>
+            <p:ph type="body" sz="quarter" idx="13"/>
+          </p:nvPr>
+        </p:nvSpPr>
+        <p:spPr/>
+        <p:txBody>
+          <a:bodyPr/>
+          <a:lstStyle/>
+          <a:p>
+            <a:r>
+              <a:rPr lang="pl-PL" dirty="0" smtClean="0"/>
+              <a:t>ĆWICZENIE 4B</a:t>
+            </a:r>
+            <a:endParaRPr lang="de-DE" dirty="0"/>
+          </a:p>
+        </p:txBody>
+      </p:sp>
+      <p:sp>
+        <p:nvSpPr>
+          <p:cNvPr id="6" name="Symbol zastępczy zawartości 1"/>
+          <p:cNvSpPr>
+            <a:spLocks noGrp="1"/>
+          </p:cNvSpPr>
+          <p:nvPr>
+            <p:ph idx="1"/>
+          </p:nvPr>
+        </p:nvSpPr>
+        <p:spPr>
+          <a:xfrm>
             <a:off x="443707" y="1119188"/>
             <a:ext cx="8023887" cy="872064"/>
           </a:xfrm>
@@ -11930,7 +12216,7 @@
           <a:blip r:embed="rId4">
             <a:extLst>
               <a:ext uri="{28A0092B-C50C-407E-A947-70E740481C1C}">
-                <a14:useLocalDpi xmlns:a14="http://schemas.microsoft.com/office/drawing/2010/main" val="0"/>
+                <a14:useLocalDpi xmlns:a14="http://schemas.microsoft.com/office/drawing/2010/main" xmlns="" val="0"/>
               </a:ext>
             </a:extLst>
           </a:blip>
@@ -11953,14 +12239,14 @@
           </a:ln>
           <a:extLst>
             <a:ext uri="{909E8E84-426E-40DD-AFC4-6F175D3DCCD1}">
-              <a14:hiddenFill xmlns:a14="http://schemas.microsoft.com/office/drawing/2010/main">
+              <a14:hiddenFill xmlns:a14="http://schemas.microsoft.com/office/drawing/2010/main" xmlns="">
                 <a:solidFill>
                   <a:schemeClr val="accent1"/>
                 </a:solidFill>
               </a14:hiddenFill>
             </a:ext>
             <a:ext uri="{91240B29-F687-4F45-9708-019B960494DF}">
-              <a14:hiddenLine xmlns:a14="http://schemas.microsoft.com/office/drawing/2010/main" w="9525">
+              <a14:hiddenLine xmlns:a14="http://schemas.microsoft.com/office/drawing/2010/main" xmlns="" w="9525">
                 <a:solidFill>
                   <a:schemeClr val="tx1"/>
                 </a:solidFill>
@@ -11975,250 +12261,18 @@
     </p:spTree>
     <p:extLst>
       <p:ext uri="{BB962C8B-B14F-4D97-AF65-F5344CB8AC3E}">
-        <p14:creationId xmlns:p14="http://schemas.microsoft.com/office/powerpoint/2010/main" val="656330410"/>
+        <p14:creationId xmlns:p14="http://schemas.microsoft.com/office/powerpoint/2010/main" xmlns="" val="656330410"/>
       </p:ext>
     </p:extLst>
   </p:cSld>
   <p:clrMapOvr>
     <a:masterClrMapping/>
   </p:clrMapOvr>
-  <mc:AlternateContent xmlns:mc="http://schemas.openxmlformats.org/markup-compatibility/2006" xmlns:p14="http://schemas.microsoft.com/office/powerpoint/2010/main">
-    <mc:Choice Requires="p14">
+  <mc:AlternateContent xmlns:mc="http://schemas.openxmlformats.org/markup-compatibility/2006">
+    <mc:Choice xmlns:p14="http://schemas.microsoft.com/office/powerpoint/2010/main" xmlns="" Requires="p14">
       <p:transition p14:dur="10"/>
     </mc:Choice>
-    <mc:Fallback xmlns="">
-      <p:transition/>
-    </mc:Fallback>
-  </mc:AlternateContent>
-  <p:timing>
-    <p:tnLst>
-      <p:par>
-        <p:cTn id="1" dur="indefinite" restart="never" nodeType="tmRoot"/>
-      </p:par>
-    </p:tnLst>
-  </p:timing>
-</p:sld>
-</file>
-
-<file path=ppt/slides/slide21.xml><?xml version="1.0" encoding="utf-8"?>
-<p:sld xmlns:a="http://schemas.openxmlformats.org/drawingml/2006/main" xmlns:r="http://schemas.openxmlformats.org/officeDocument/2006/relationships" xmlns:p="http://schemas.openxmlformats.org/presentationml/2006/main">
-  <p:cSld>
-    <p:spTree>
-      <p:nvGrpSpPr>
-        <p:cNvPr id="1" name=""/>
-        <p:cNvGrpSpPr/>
-        <p:nvPr/>
-      </p:nvGrpSpPr>
-      <p:grpSpPr>
-        <a:xfrm>
-          <a:off x="0" y="0"/>
-          <a:ext cx="0" cy="0"/>
-          <a:chOff x="0" y="0"/>
-          <a:chExt cx="0" cy="0"/>
-        </a:xfrm>
-      </p:grpSpPr>
-      <p:sp>
-        <p:nvSpPr>
-          <p:cNvPr id="7" name="Titel 6"/>
-          <p:cNvSpPr>
-            <a:spLocks noGrp="1"/>
-          </p:cNvSpPr>
-          <p:nvPr>
-            <p:ph type="title"/>
-          </p:nvPr>
-        </p:nvSpPr>
-        <p:spPr/>
-        <p:txBody>
-          <a:bodyPr/>
-          <a:lstStyle/>
-          <a:p>
-            <a:r>
-              <a:rPr lang="pl-PL" dirty="0" smtClean="0"/>
-              <a:t>Ćwiczenie 4b: </a:t>
-            </a:r>
-            <a:r>
-              <a:rPr lang="pl-PL" dirty="0" err="1" smtClean="0"/>
-              <a:t>Persystencja</a:t>
-            </a:r>
-            <a:r>
-              <a:rPr lang="pl-PL" dirty="0" smtClean="0"/>
-              <a:t> (kolejka)</a:t>
-            </a:r>
-            <a:endParaRPr lang="de-DE" dirty="0"/>
-          </a:p>
-        </p:txBody>
-      </p:sp>
-      <p:sp>
-        <p:nvSpPr>
-          <p:cNvPr id="5" name="Inhaltsplatzhalter 4"/>
-          <p:cNvSpPr>
-            <a:spLocks noGrp="1"/>
-          </p:cNvSpPr>
-          <p:nvPr>
-            <p:ph type="body" sz="quarter" idx="13"/>
-          </p:nvPr>
-        </p:nvSpPr>
-        <p:spPr/>
-        <p:txBody>
-          <a:bodyPr/>
-          <a:lstStyle/>
-          <a:p>
-            <a:r>
-              <a:rPr lang="pl-PL" dirty="0" smtClean="0"/>
-              <a:t>ĆWICZENIE 4B</a:t>
-            </a:r>
-            <a:endParaRPr lang="de-DE" dirty="0"/>
-          </a:p>
-        </p:txBody>
-      </p:sp>
-      <p:sp>
-        <p:nvSpPr>
-          <p:cNvPr id="6" name="Symbol zastępczy zawartości 1"/>
-          <p:cNvSpPr>
-            <a:spLocks noGrp="1"/>
-          </p:cNvSpPr>
-          <p:nvPr>
-            <p:ph idx="1"/>
-          </p:nvPr>
-        </p:nvSpPr>
-        <p:spPr>
-          <a:xfrm>
-            <a:off x="443707" y="1037768"/>
-            <a:ext cx="8023887" cy="3362325"/>
-          </a:xfrm>
-        </p:spPr>
-        <p:txBody>
-          <a:bodyPr>
-            <a:normAutofit/>
-          </a:bodyPr>
-          <a:lstStyle/>
-          <a:p>
-            <a:r>
-              <a:rPr lang="pl-PL" dirty="0" smtClean="0"/>
-              <a:t>Zadanie (część 2/2):</a:t>
-            </a:r>
-          </a:p>
-          <a:p>
-            <a:pPr lvl="1"/>
-            <a:r>
-              <a:rPr lang="pl-PL" dirty="0" smtClean="0"/>
-              <a:t>Napisz program, będzie odbierał komunikaty wysyłane na kolejkę przez poprzednią aplikację i wypisywał ich treść (</a:t>
-            </a:r>
-            <a:r>
-              <a:rPr lang="pl-PL" dirty="0" err="1" smtClean="0"/>
-              <a:t>TextMessage</a:t>
-            </a:r>
-            <a:r>
-              <a:rPr lang="pl-PL" dirty="0" smtClean="0"/>
-              <a:t>::</a:t>
-            </a:r>
-            <a:r>
-              <a:rPr lang="pl-PL" dirty="0" err="1" smtClean="0"/>
-              <a:t>getText</a:t>
-            </a:r>
-            <a:r>
-              <a:rPr lang="pl-PL" dirty="0" smtClean="0"/>
-              <a:t>) do logów. Na koniec działania program powinien wypisać liczbę odebranych komunikatów.</a:t>
-            </a:r>
-          </a:p>
-          <a:p>
-            <a:pPr lvl="2"/>
-            <a:endParaRPr lang="pl-PL" dirty="0"/>
-          </a:p>
-          <a:p>
-            <a:r>
-              <a:rPr lang="pl-PL" dirty="0" smtClean="0"/>
-              <a:t>Wrzuć kod programu na GitHub.</a:t>
-            </a:r>
-          </a:p>
-          <a:p>
-            <a:pPr lvl="1"/>
-            <a:r>
-              <a:rPr lang="pl-PL" dirty="0"/>
-              <a:t>Nazwa </a:t>
-            </a:r>
-            <a:r>
-              <a:rPr lang="pl-PL" dirty="0" err="1"/>
-              <a:t>brancha</a:t>
-            </a:r>
-            <a:r>
-              <a:rPr lang="pl-PL" dirty="0"/>
-              <a:t>: </a:t>
-            </a:r>
-            <a:r>
-              <a:rPr lang="pl-PL" dirty="0" err="1" smtClean="0"/>
-              <a:t>persistence_queue_consumer</a:t>
-            </a:r>
-            <a:endParaRPr lang="pl-PL" dirty="0" smtClean="0"/>
-          </a:p>
-          <a:p>
-            <a:pPr lvl="1"/>
-            <a:r>
-              <a:rPr lang="pl-PL" dirty="0" smtClean="0"/>
-              <a:t>Program musi być uruchamialny przy użyciu komendy „</a:t>
-            </a:r>
-            <a:r>
-              <a:rPr lang="pl-PL" dirty="0" err="1" smtClean="0"/>
-              <a:t>gradlew</a:t>
-            </a:r>
-            <a:r>
-              <a:rPr lang="pl-PL" dirty="0" smtClean="0"/>
-              <a:t> run”.</a:t>
-            </a:r>
-          </a:p>
-          <a:p>
-            <a:pPr lvl="1"/>
-            <a:endParaRPr lang="pl-PL" dirty="0" smtClean="0"/>
-          </a:p>
-          <a:p>
-            <a:r>
-              <a:rPr lang="pl-PL" dirty="0" smtClean="0"/>
-              <a:t>Zobacz co się dzieje gdy uruchomisz dwie instancje tego programu jednocześnie (w dwóch różnych konsolach)</a:t>
-            </a:r>
-          </a:p>
-          <a:p>
-            <a:pPr lvl="1"/>
-            <a:r>
-              <a:rPr lang="pl-PL" dirty="0" smtClean="0"/>
-              <a:t>Ile komunikatów odebrał każdy program z osobna i ile odebrały w sumie?</a:t>
-            </a:r>
-          </a:p>
-          <a:p>
-            <a:pPr lvl="1"/>
-            <a:r>
-              <a:rPr lang="pl-PL" dirty="0" smtClean="0"/>
-              <a:t>Odpowiedź z uzasadnieniem wyślij do mnie na </a:t>
-            </a:r>
-            <a:r>
-              <a:rPr lang="pl-PL" dirty="0" err="1" smtClean="0"/>
-              <a:t>Slacku</a:t>
-            </a:r>
-            <a:r>
-              <a:rPr lang="pl-PL" dirty="0" smtClean="0"/>
-              <a:t> – prawidłowa odpowiedź = 3 bonusowe punkty.</a:t>
-            </a:r>
-            <a:endParaRPr lang="pl-PL" dirty="0"/>
-          </a:p>
-          <a:p>
-            <a:endParaRPr lang="pl-PL" dirty="0" smtClean="0"/>
-          </a:p>
-        </p:txBody>
-      </p:sp>
-    </p:spTree>
-    <p:extLst>
-      <p:ext uri="{BB962C8B-B14F-4D97-AF65-F5344CB8AC3E}">
-        <p14:creationId xmlns:p14="http://schemas.microsoft.com/office/powerpoint/2010/main" val="672648944"/>
-      </p:ext>
-    </p:extLst>
-  </p:cSld>
-  <p:clrMapOvr>
-    <a:masterClrMapping/>
-  </p:clrMapOvr>
-  <mc:AlternateContent xmlns:mc="http://schemas.openxmlformats.org/markup-compatibility/2006" xmlns:p14="http://schemas.microsoft.com/office/powerpoint/2010/main">
-    <mc:Choice Requires="p14">
-      <p:transition p14:dur="10"/>
-    </mc:Choice>
-    <mc:Fallback xmlns="">
+    <mc:Fallback>
       <p:transition/>
     </mc:Fallback>
   </mc:AlternateContent>
@@ -12266,7 +12320,7 @@
           <a:p>
             <a:r>
               <a:rPr lang="pl-PL" dirty="0" smtClean="0"/>
-              <a:t>Ćwiczenie 4c: </a:t>
+              <a:t>Ćwiczenie 4b: </a:t>
             </a:r>
             <a:r>
               <a:rPr lang="pl-PL" dirty="0" err="1" smtClean="0"/>
@@ -12274,7 +12328,7 @@
             </a:r>
             <a:r>
               <a:rPr lang="pl-PL" dirty="0" smtClean="0"/>
-              <a:t> (kanał)</a:t>
+              <a:t> (kolejka)</a:t>
             </a:r>
             <a:endParaRPr lang="de-DE" dirty="0"/>
           </a:p>
@@ -12297,7 +12351,7 @@
           <a:p>
             <a:r>
               <a:rPr lang="pl-PL" dirty="0" smtClean="0"/>
-              <a:t>ĆWICZENIE 4</a:t>
+              <a:t>ĆWICZENIE 4B</a:t>
             </a:r>
             <a:endParaRPr lang="de-DE" dirty="0"/>
           </a:p>
@@ -12305,63 +12359,229 @@
       </p:sp>
       <p:sp>
         <p:nvSpPr>
-          <p:cNvPr id="3" name="Prostokąt zaokrąglony 2"/>
-          <p:cNvSpPr/>
-          <p:nvPr/>
+          <p:cNvPr id="6" name="Symbol zastępczy zawartości 1"/>
+          <p:cNvSpPr>
+            <a:spLocks noGrp="1"/>
+          </p:cNvSpPr>
+          <p:nvPr>
+            <p:ph idx="1"/>
+          </p:nvPr>
         </p:nvSpPr>
         <p:spPr>
           <a:xfrm>
-            <a:off x="1609595" y="1546963"/>
-            <a:ext cx="5730657" cy="1991639"/>
+            <a:off x="443707" y="1037768"/>
+            <a:ext cx="8023887" cy="3362325"/>
           </a:xfrm>
-          <a:prstGeom prst="roundRect">
+        </p:spPr>
+        <p:txBody>
+          <a:bodyPr>
+            <a:normAutofit/>
+          </a:bodyPr>
+          <a:lstStyle/>
+          <a:p>
+            <a:r>
+              <a:rPr lang="pl-PL" dirty="0" smtClean="0"/>
+              <a:t>Zadanie (część 2/2):</a:t>
+            </a:r>
+          </a:p>
+          <a:p>
+            <a:pPr lvl="1"/>
+            <a:r>
+              <a:rPr lang="pl-PL" dirty="0" smtClean="0"/>
+              <a:t>Napisz program, będzie odbierał komunikaty wysyłane na kolejkę przez poprzednią aplikację i wypisywał ich treść (</a:t>
+            </a:r>
+            <a:r>
+              <a:rPr lang="pl-PL" dirty="0" err="1" smtClean="0"/>
+              <a:t>TextMessage</a:t>
+            </a:r>
+            <a:r>
+              <a:rPr lang="pl-PL" dirty="0" smtClean="0"/>
+              <a:t>::</a:t>
+            </a:r>
+            <a:r>
+              <a:rPr lang="pl-PL" dirty="0" err="1" smtClean="0"/>
+              <a:t>getText</a:t>
+            </a:r>
+            <a:r>
+              <a:rPr lang="pl-PL" dirty="0" smtClean="0"/>
+              <a:t>) do logów. Na koniec działania program powinien wypisać liczbę odebranych komunikatów.</a:t>
+            </a:r>
+          </a:p>
+          <a:p>
+            <a:pPr lvl="2"/>
+            <a:endParaRPr lang="pl-PL" dirty="0"/>
+          </a:p>
+          <a:p>
+            <a:r>
+              <a:rPr lang="pl-PL" dirty="0" smtClean="0"/>
+              <a:t>Wrzuć kod programu na GitHub.</a:t>
+            </a:r>
+          </a:p>
+          <a:p>
+            <a:pPr lvl="1"/>
+            <a:r>
+              <a:rPr lang="pl-PL" dirty="0"/>
+              <a:t>Nazwa </a:t>
+            </a:r>
+            <a:r>
+              <a:rPr lang="pl-PL" dirty="0" err="1"/>
+              <a:t>brancha</a:t>
+            </a:r>
+            <a:r>
+              <a:rPr lang="pl-PL" dirty="0"/>
+              <a:t>: </a:t>
+            </a:r>
+            <a:r>
+              <a:rPr lang="pl-PL" dirty="0" err="1" smtClean="0"/>
+              <a:t>persistence_queue_consumer</a:t>
+            </a:r>
+            <a:endParaRPr lang="pl-PL" dirty="0" smtClean="0"/>
+          </a:p>
+          <a:p>
+            <a:pPr lvl="1"/>
+            <a:r>
+              <a:rPr lang="pl-PL" dirty="0" smtClean="0"/>
+              <a:t>Program musi być uruchamialny przy użyciu komendy „</a:t>
+            </a:r>
+            <a:r>
+              <a:rPr lang="pl-PL" dirty="0" err="1" smtClean="0"/>
+              <a:t>gradlew</a:t>
+            </a:r>
+            <a:r>
+              <a:rPr lang="pl-PL" dirty="0" smtClean="0"/>
+              <a:t> run”.</a:t>
+            </a:r>
+          </a:p>
+          <a:p>
+            <a:pPr lvl="1"/>
+            <a:endParaRPr lang="pl-PL" dirty="0" smtClean="0"/>
+          </a:p>
+          <a:p>
+            <a:r>
+              <a:rPr lang="pl-PL" dirty="0" smtClean="0"/>
+              <a:t>Zobacz co się dzieje gdy uruchomisz dwie instancje tego programu jednocześnie (w dwóch różnych konsolach)</a:t>
+            </a:r>
+          </a:p>
+          <a:p>
+            <a:pPr lvl="1"/>
+            <a:r>
+              <a:rPr lang="pl-PL" dirty="0" smtClean="0"/>
+              <a:t>Ile komunikatów odebrał każdy program z osobna i ile odebrały w sumie?</a:t>
+            </a:r>
+          </a:p>
+          <a:p>
+            <a:pPr lvl="1"/>
+            <a:r>
+              <a:rPr lang="pl-PL" dirty="0" smtClean="0"/>
+              <a:t>Odpowiedź z uzasadnieniem wyślij do mnie na </a:t>
+            </a:r>
+            <a:r>
+              <a:rPr lang="pl-PL" dirty="0" err="1" smtClean="0">
+                <a:hlinkClick r:id="rId3"/>
+              </a:rPr>
+              <a:t>mateusz.kolodziejski@gft.com</a:t>
+            </a:r>
+            <a:r>
+              <a:rPr lang="pl-PL" dirty="0" smtClean="0"/>
+              <a:t> – </a:t>
+            </a:r>
+            <a:r>
+              <a:rPr lang="pl-PL" dirty="0" smtClean="0"/>
+              <a:t>prawidłowa odpowiedź = 3 bonusowe punkty.</a:t>
+            </a:r>
+            <a:endParaRPr lang="pl-PL" dirty="0"/>
+          </a:p>
+          <a:p>
+            <a:endParaRPr lang="pl-PL" dirty="0" smtClean="0"/>
+          </a:p>
+        </p:txBody>
+      </p:sp>
+      <p:sp>
+        <p:nvSpPr>
+          <p:cNvPr id="8" name="pole tekstowe 7"/>
+          <p:cNvSpPr txBox="1"/>
+          <p:nvPr/>
+        </p:nvSpPr>
+        <p:spPr bwMode="auto">
+          <a:xfrm>
+            <a:off x="449264" y="4078570"/>
+            <a:ext cx="6751848" cy="518091"/>
+          </a:xfrm>
+          <a:prstGeom prst="rect">
             <a:avLst/>
           </a:prstGeom>
-          <a:ln/>
+          <a:noFill/>
+          <a:ln w="9525">
+            <a:noFill/>
+            <a:miter lim="800000"/>
+            <a:headEnd/>
+            <a:tailEnd/>
+          </a:ln>
         </p:spPr>
-        <p:style>
-          <a:lnRef idx="2">
-            <a:schemeClr val="accent3">
-              <a:shade val="50000"/>
-            </a:schemeClr>
-          </a:lnRef>
-          <a:fillRef idx="1">
-            <a:schemeClr val="accent3"/>
-          </a:fillRef>
-          <a:effectRef idx="0">
-            <a:schemeClr val="accent3"/>
-          </a:effectRef>
-          <a:fontRef idx="minor">
-            <a:schemeClr val="lt1"/>
-          </a:fontRef>
-        </p:style>
-        <p:txBody>
-          <a:bodyPr lIns="108000" tIns="108000" rIns="108000" bIns="108000" rtlCol="0" anchor="ctr"/>
-          <a:lstStyle/>
-          <a:p>
-            <a:pPr algn="ctr"/>
-            <a:r>
-              <a:rPr lang="pl-PL" sz="1600" dirty="0" smtClean="0">
+        <p:txBody>
+          <a:bodyPr wrap="none" lIns="0" tIns="0" rIns="0" bIns="0" rtlCol="0">
+            <a:spAutoFit/>
+          </a:bodyPr>
+          <a:lstStyle/>
+          <a:p>
+            <a:pPr>
+              <a:spcBef>
+                <a:spcPts val="100"/>
+              </a:spcBef>
+              <a:spcAft>
+                <a:spcPts val="100"/>
+              </a:spcAft>
+            </a:pPr>
+            <a:r>
+              <a:rPr lang="pl-PL" sz="1600" b="1" dirty="0" smtClean="0">
                 <a:solidFill>
-                  <a:schemeClr val="tx1"/>
+                  <a:srgbClr val="00B050"/>
                 </a:solidFill>
               </a:rPr>
-              <a:t>Ćwiczenie 4c</a:t>
-            </a:r>
-          </a:p>
-          <a:p>
-            <a:pPr algn="ctr"/>
-            <a:r>
-              <a:rPr lang="pl-PL" sz="1600" dirty="0" err="1" smtClean="0"/>
-              <a:t>Persystencja</a:t>
-            </a:r>
-            <a:r>
-              <a:rPr lang="pl-PL" sz="1600" dirty="0" smtClean="0"/>
-              <a:t> (kanał)</a:t>
-            </a:r>
-            <a:endParaRPr lang="pl-PL" sz="1600" dirty="0" smtClean="0">
+              <a:t>Ostateczny termin zaliczenia ćwiczenia: czwartek </a:t>
+            </a:r>
+            <a:r>
+              <a:rPr lang="pl-PL" sz="1600" b="1" dirty="0" smtClean="0">
+                <a:solidFill>
+                  <a:srgbClr val="00B050"/>
+                </a:solidFill>
+              </a:rPr>
+              <a:t>10</a:t>
+            </a:r>
+            <a:r>
+              <a:rPr lang="pl-PL" sz="1600" b="1" dirty="0" smtClean="0">
+                <a:solidFill>
+                  <a:srgbClr val="00B050"/>
+                </a:solidFill>
+              </a:rPr>
+              <a:t> maja</a:t>
+            </a:r>
+            <a:endParaRPr lang="pl-PL" sz="1600" b="1" dirty="0" smtClean="0">
               <a:solidFill>
-                <a:schemeClr val="tx1"/>
+                <a:srgbClr val="00B050"/>
+              </a:solidFill>
+            </a:endParaRPr>
+          </a:p>
+          <a:p>
+            <a:pPr>
+              <a:spcBef>
+                <a:spcPts val="100"/>
+              </a:spcBef>
+              <a:spcAft>
+                <a:spcPts val="100"/>
+              </a:spcAft>
+            </a:pPr>
+            <a:r>
+              <a:rPr lang="pl-PL" sz="1600" b="1" dirty="0" smtClean="0">
+                <a:solidFill>
+                  <a:srgbClr val="00B050"/>
+                </a:solidFill>
+              </a:rPr>
+              <a:t>Rozwiązania dostarczone później nie będą uwzględniane (0 punktów)</a:t>
+            </a:r>
+            <a:endParaRPr lang="pl-PL" sz="1600" b="1" dirty="0">
+              <a:solidFill>
+                <a:srgbClr val="00B050"/>
               </a:solidFill>
             </a:endParaRPr>
           </a:p>
@@ -12370,18 +12590,18 @@
     </p:spTree>
     <p:extLst>
       <p:ext uri="{BB962C8B-B14F-4D97-AF65-F5344CB8AC3E}">
-        <p14:creationId xmlns:p14="http://schemas.microsoft.com/office/powerpoint/2010/main" val="3379363085"/>
+        <p14:creationId xmlns:p14="http://schemas.microsoft.com/office/powerpoint/2010/main" xmlns="" val="672648944"/>
       </p:ext>
     </p:extLst>
   </p:cSld>
   <p:clrMapOvr>
     <a:masterClrMapping/>
   </p:clrMapOvr>
-  <mc:AlternateContent xmlns:mc="http://schemas.openxmlformats.org/markup-compatibility/2006" xmlns:p14="http://schemas.microsoft.com/office/powerpoint/2010/main">
-    <mc:Choice Requires="p14">
+  <mc:AlternateContent xmlns:mc="http://schemas.openxmlformats.org/markup-compatibility/2006">
+    <mc:Choice xmlns:p14="http://schemas.microsoft.com/office/powerpoint/2010/main" xmlns="" Requires="p14">
       <p:transition p14:dur="10"/>
     </mc:Choice>
-    <mc:Fallback xmlns="">
+    <mc:Fallback>
       <p:transition/>
     </mc:Fallback>
   </mc:AlternateContent>
@@ -12460,7 +12680,7 @@
           <a:p>
             <a:r>
               <a:rPr lang="pl-PL" dirty="0" smtClean="0"/>
-              <a:t>ĆWICZENIE 4C</a:t>
+              <a:t>ĆWICZENIE 4</a:t>
             </a:r>
             <a:endParaRPr lang="de-DE" dirty="0"/>
           </a:p>
@@ -12468,148 +12688,83 @@
       </p:sp>
       <p:sp>
         <p:nvSpPr>
-          <p:cNvPr id="6" name="Symbol zastępczy zawartości 1"/>
-          <p:cNvSpPr>
-            <a:spLocks noGrp="1"/>
-          </p:cNvSpPr>
-          <p:nvPr>
-            <p:ph idx="1"/>
-          </p:nvPr>
+          <p:cNvPr id="3" name="Prostokąt zaokrąglony 2"/>
+          <p:cNvSpPr/>
+          <p:nvPr/>
         </p:nvSpPr>
         <p:spPr>
           <a:xfrm>
-            <a:off x="443707" y="1119187"/>
-            <a:ext cx="8023887" cy="3362325"/>
+            <a:off x="1609595" y="1546963"/>
+            <a:ext cx="5730657" cy="1991639"/>
           </a:xfrm>
+          <a:prstGeom prst="roundRect">
+            <a:avLst/>
+          </a:prstGeom>
+          <a:ln/>
         </p:spPr>
-        <p:txBody>
-          <a:bodyPr>
-            <a:normAutofit/>
-          </a:bodyPr>
-          <a:lstStyle/>
-          <a:p>
-            <a:r>
-              <a:rPr lang="pl-PL" dirty="0" smtClean="0"/>
-              <a:t>Wariacja na temat ćwiczenia 4b – tym razem będziemy używali kanału (</a:t>
-            </a:r>
-            <a:r>
-              <a:rPr lang="pl-PL" dirty="0" err="1" smtClean="0"/>
-              <a:t>topic</a:t>
-            </a:r>
-            <a:r>
-              <a:rPr lang="pl-PL" dirty="0" smtClean="0"/>
-              <a:t>):</a:t>
-            </a:r>
-          </a:p>
-          <a:p>
-            <a:r>
-              <a:rPr lang="pl-PL" dirty="0" smtClean="0"/>
-              <a:t>Zadanie (część 1/2):</a:t>
-            </a:r>
-          </a:p>
-          <a:p>
-            <a:pPr lvl="1"/>
-            <a:r>
-              <a:rPr lang="pl-PL" dirty="0" smtClean="0"/>
-              <a:t>Napisz program, który wyśle 20000 (dziesięć tysięcy) komunikatów na kanał w dwóch transzach – jak opisano w ćwiczeniu 4b.</a:t>
-            </a:r>
-          </a:p>
-          <a:p>
-            <a:pPr lvl="2"/>
-            <a:r>
-              <a:rPr lang="pl-PL" dirty="0" smtClean="0"/>
-              <a:t>Nazwa kanału, na który komunikaty mają być wysyłane: &lt;</a:t>
-            </a:r>
-            <a:r>
-              <a:rPr lang="pl-PL" dirty="0" err="1" smtClean="0"/>
-              <a:t>github_username</a:t>
-            </a:r>
-            <a:r>
-              <a:rPr lang="pl-PL" dirty="0" smtClean="0"/>
-              <a:t>&gt;.TOPIC</a:t>
-            </a:r>
-          </a:p>
-          <a:p>
-            <a:pPr lvl="3"/>
-            <a:r>
-              <a:rPr lang="pl-PL" dirty="0" smtClean="0"/>
-              <a:t>Przykład: MSTREJCZEK.TOPIC</a:t>
-            </a:r>
-            <a:endParaRPr lang="pl-PL" dirty="0"/>
-          </a:p>
-          <a:p>
-            <a:r>
-              <a:rPr lang="pl-PL" dirty="0" smtClean="0"/>
-              <a:t>Wrzuć kod programu na GitHub.</a:t>
-            </a:r>
-          </a:p>
-          <a:p>
-            <a:pPr lvl="1"/>
-            <a:r>
-              <a:rPr lang="pl-PL" dirty="0"/>
-              <a:t>Nazwa </a:t>
-            </a:r>
-            <a:r>
-              <a:rPr lang="pl-PL" dirty="0" err="1"/>
-              <a:t>brancha</a:t>
-            </a:r>
-            <a:r>
-              <a:rPr lang="pl-PL" dirty="0"/>
-              <a:t>: </a:t>
-            </a:r>
-            <a:r>
-              <a:rPr lang="pl-PL" dirty="0" err="1" smtClean="0"/>
-              <a:t>persistence_topic_publisher</a:t>
-            </a:r>
-            <a:endParaRPr lang="pl-PL" dirty="0" smtClean="0"/>
-          </a:p>
-          <a:p>
-            <a:pPr lvl="1"/>
-            <a:r>
-              <a:rPr lang="pl-PL" dirty="0" smtClean="0"/>
-              <a:t>Program musi być uruchamialny przy użyciu komendy „</a:t>
-            </a:r>
-            <a:r>
-              <a:rPr lang="pl-PL" dirty="0" err="1" smtClean="0"/>
-              <a:t>gradlew</a:t>
-            </a:r>
-            <a:r>
-              <a:rPr lang="pl-PL" dirty="0" smtClean="0"/>
-              <a:t> run”.</a:t>
-            </a:r>
-          </a:p>
-          <a:p>
-            <a:pPr lvl="1"/>
-            <a:r>
-              <a:rPr lang="pl-PL" dirty="0" smtClean="0"/>
-              <a:t>Załóż, że broker </a:t>
-            </a:r>
-            <a:r>
-              <a:rPr lang="pl-PL" dirty="0" err="1" smtClean="0"/>
-              <a:t>ActiveMQ</a:t>
-            </a:r>
-            <a:r>
-              <a:rPr lang="pl-PL" dirty="0" smtClean="0"/>
-              <a:t> jest uruchomiony i nasłuchuje pod adresem localhost:61616.</a:t>
-            </a:r>
+        <p:style>
+          <a:lnRef idx="2">
+            <a:schemeClr val="accent3">
+              <a:shade val="50000"/>
+            </a:schemeClr>
+          </a:lnRef>
+          <a:fillRef idx="1">
+            <a:schemeClr val="accent3"/>
+          </a:fillRef>
+          <a:effectRef idx="0">
+            <a:schemeClr val="accent3"/>
+          </a:effectRef>
+          <a:fontRef idx="minor">
+            <a:schemeClr val="lt1"/>
+          </a:fontRef>
+        </p:style>
+        <p:txBody>
+          <a:bodyPr lIns="108000" tIns="108000" rIns="108000" bIns="108000" rtlCol="0" anchor="ctr"/>
+          <a:lstStyle/>
+          <a:p>
+            <a:pPr algn="ctr"/>
+            <a:r>
+              <a:rPr lang="pl-PL" sz="1600" dirty="0" smtClean="0">
+                <a:solidFill>
+                  <a:schemeClr val="tx1"/>
+                </a:solidFill>
+              </a:rPr>
+              <a:t>Ćwiczenie 4c</a:t>
+            </a:r>
+          </a:p>
+          <a:p>
+            <a:pPr algn="ctr"/>
+            <a:r>
+              <a:rPr lang="pl-PL" sz="1600" dirty="0" err="1" smtClean="0"/>
+              <a:t>Persystencja</a:t>
+            </a:r>
+            <a:r>
+              <a:rPr lang="pl-PL" sz="1600" dirty="0" smtClean="0"/>
+              <a:t> (kanał)</a:t>
+            </a:r>
+            <a:endParaRPr lang="pl-PL" sz="1600" dirty="0" smtClean="0">
+              <a:solidFill>
+                <a:schemeClr val="tx1"/>
+              </a:solidFill>
+            </a:endParaRPr>
           </a:p>
         </p:txBody>
       </p:sp>
     </p:spTree>
     <p:extLst>
       <p:ext uri="{BB962C8B-B14F-4D97-AF65-F5344CB8AC3E}">
-        <p14:creationId xmlns:p14="http://schemas.microsoft.com/office/powerpoint/2010/main" val="3199221210"/>
+        <p14:creationId xmlns:p14="http://schemas.microsoft.com/office/powerpoint/2010/main" xmlns="" val="3379363085"/>
       </p:ext>
     </p:extLst>
   </p:cSld>
   <p:clrMapOvr>
     <a:masterClrMapping/>
   </p:clrMapOvr>
-  <mc:AlternateContent xmlns:mc="http://schemas.openxmlformats.org/markup-compatibility/2006" xmlns:p14="http://schemas.microsoft.com/office/powerpoint/2010/main">
-    <mc:Choice Requires="p14">
+  <mc:AlternateContent xmlns:mc="http://schemas.openxmlformats.org/markup-compatibility/2006">
+    <mc:Choice xmlns:p14="http://schemas.microsoft.com/office/powerpoint/2010/main" xmlns="" Requires="p14">
       <p:transition p14:dur="10"/>
     </mc:Choice>
-    <mc:Fallback xmlns="">
+    <mc:Fallback>
       <p:transition/>
     </mc:Fallback>
   </mc:AlternateContent>
@@ -12707,196 +12862,145 @@
         <p:spPr>
           <a:xfrm>
             <a:off x="443707" y="1119187"/>
-            <a:ext cx="8023887" cy="916291"/>
+            <a:ext cx="8023887" cy="3362325"/>
           </a:xfrm>
         </p:spPr>
         <p:txBody>
           <a:bodyPr>
-            <a:normAutofit fontScale="92500" lnSpcReduction="10000"/>
+            <a:normAutofit/>
           </a:bodyPr>
           <a:lstStyle/>
           <a:p>
             <a:r>
               <a:rPr lang="pl-PL" dirty="0" smtClean="0"/>
-              <a:t>Dodatkowa </a:t>
-            </a:r>
+              <a:t>Wariacja na temat ćwiczenia 4b – tym razem będziemy używali kanału (</a:t>
+            </a:r>
+            <a:r>
+              <a:rPr lang="pl-PL" dirty="0" err="1" smtClean="0"/>
+              <a:t>topic</a:t>
+            </a:r>
+            <a:r>
+              <a:rPr lang="pl-PL" dirty="0" smtClean="0"/>
+              <a:t>):</a:t>
+            </a:r>
+          </a:p>
+          <a:p>
+            <a:r>
+              <a:rPr lang="pl-PL" dirty="0" smtClean="0"/>
+              <a:t>Zadanie (część 1/2):</a:t>
+            </a:r>
+          </a:p>
+          <a:p>
+            <a:pPr lvl="1"/>
+            <a:r>
+              <a:rPr lang="pl-PL" dirty="0" smtClean="0"/>
+              <a:t>Napisz program, który wyśle 20000 </a:t>
+            </a:r>
+            <a:r>
+              <a:rPr lang="pl-PL" dirty="0" smtClean="0"/>
+              <a:t>(dwadzieścia tysięcy</a:t>
+            </a:r>
+            <a:r>
+              <a:rPr lang="pl-PL" dirty="0" smtClean="0"/>
+              <a:t>) komunikatów na kanał w dwóch transzach – jak opisano w ćwiczeniu 4b.</a:t>
+            </a:r>
+          </a:p>
+          <a:p>
+            <a:pPr lvl="2"/>
+            <a:r>
+              <a:rPr lang="pl-PL" dirty="0" smtClean="0"/>
+              <a:t>Nazwa kanału, na który komunikaty mają być wysyłane: &lt;</a:t>
+            </a:r>
+            <a:r>
+              <a:rPr lang="pl-PL" dirty="0" err="1" smtClean="0"/>
+              <a:t>github_username</a:t>
+            </a:r>
+            <a:r>
+              <a:rPr lang="pl-PL" dirty="0" smtClean="0"/>
+              <a:t>&gt;.TOPIC</a:t>
+            </a:r>
+          </a:p>
+          <a:p>
+            <a:pPr lvl="3"/>
+            <a:r>
+              <a:rPr lang="pl-PL" dirty="0" smtClean="0"/>
+              <a:t>Przykład: MSTREJCZEK.TOPIC</a:t>
+            </a:r>
+            <a:endParaRPr lang="pl-PL" dirty="0"/>
+          </a:p>
+          <a:p>
+            <a:r>
+              <a:rPr lang="pl-PL" dirty="0" smtClean="0"/>
+              <a:t>Wrzuć kod programu na GitHub.</a:t>
+            </a:r>
+          </a:p>
+          <a:p>
+            <a:pPr lvl="1"/>
             <a:r>
               <a:rPr lang="pl-PL" dirty="0"/>
-              <a:t>czynność:</a:t>
-            </a:r>
+              <a:t>Nazwa </a:t>
+            </a:r>
+            <a:r>
+              <a:rPr lang="pl-PL" dirty="0" err="1"/>
+              <a:t>brancha</a:t>
+            </a:r>
+            <a:r>
+              <a:rPr lang="pl-PL" dirty="0"/>
+              <a:t>: </a:t>
+            </a:r>
+            <a:r>
+              <a:rPr lang="pl-PL" dirty="0" err="1" smtClean="0"/>
+              <a:t>persistence_topic_publisher</a:t>
+            </a:r>
+            <a:endParaRPr lang="pl-PL" dirty="0" smtClean="0"/>
           </a:p>
           <a:p>
             <a:pPr lvl="1"/>
             <a:r>
-              <a:rPr lang="pl-PL" dirty="0"/>
-              <a:t>Po </a:t>
-            </a:r>
-            <a:r>
-              <a:rPr lang="pl-PL" dirty="0" smtClean="0"/>
-              <a:t>uruchomieniu </a:t>
-            </a:r>
-            <a:r>
-              <a:rPr lang="pl-PL" dirty="0"/>
-              <a:t>programu zobacz w konsoli webowej </a:t>
+              <a:rPr lang="pl-PL" dirty="0" smtClean="0"/>
+              <a:t>Program musi być uruchamialny przy użyciu komendy „</a:t>
+            </a:r>
+            <a:r>
+              <a:rPr lang="pl-PL" dirty="0" err="1" smtClean="0"/>
+              <a:t>gradlew</a:t>
+            </a:r>
+            <a:r>
+              <a:rPr lang="pl-PL" dirty="0" smtClean="0"/>
+              <a:t> run”.</a:t>
+            </a:r>
+          </a:p>
+          <a:p>
+            <a:pPr lvl="1"/>
+            <a:r>
+              <a:rPr lang="pl-PL" dirty="0" smtClean="0"/>
+              <a:t>Załóż, że broker </a:t>
             </a:r>
             <a:r>
               <a:rPr lang="pl-PL" dirty="0" err="1" smtClean="0"/>
               <a:t>ActiveMQ</a:t>
             </a:r>
             <a:r>
-              <a:rPr lang="pl-PL" dirty="0"/>
-              <a:t> </a:t>
-            </a:r>
-            <a:r>
-              <a:rPr lang="pl-PL" dirty="0" smtClean="0"/>
-              <a:t>(http://localhost:8161)</a:t>
-            </a:r>
-          </a:p>
-          <a:p>
-            <a:pPr lvl="2"/>
-            <a:r>
-              <a:rPr lang="pl-PL" dirty="0" smtClean="0"/>
-              <a:t>Ilu odbiorców jest zarejestrowanych na kanale.</a:t>
-            </a:r>
-          </a:p>
-          <a:p>
-            <a:pPr lvl="2"/>
-            <a:r>
-              <a:rPr lang="pl-PL" dirty="0" smtClean="0"/>
-              <a:t>Ile komunikatów było do kanału dodanych od chwili uruchomienia brokera (</a:t>
-            </a:r>
-            <a:r>
-              <a:rPr lang="pl-PL" dirty="0" err="1" smtClean="0"/>
-              <a:t>Messages</a:t>
-            </a:r>
-            <a:r>
-              <a:rPr lang="pl-PL" dirty="0" smtClean="0"/>
-              <a:t> </a:t>
-            </a:r>
-            <a:r>
-              <a:rPr lang="pl-PL" dirty="0" err="1" smtClean="0"/>
-              <a:t>Enqueued</a:t>
-            </a:r>
-            <a:r>
-              <a:rPr lang="pl-PL" dirty="0" smtClean="0"/>
-              <a:t>).</a:t>
-            </a:r>
-          </a:p>
-          <a:p>
-            <a:pPr lvl="2"/>
-            <a:r>
-              <a:rPr lang="pl-PL" dirty="0"/>
-              <a:t>Ile komunikatów było </a:t>
-            </a:r>
-            <a:r>
-              <a:rPr lang="pl-PL" dirty="0" smtClean="0"/>
-              <a:t>z kanału odebranych od </a:t>
-            </a:r>
-            <a:r>
-              <a:rPr lang="pl-PL" dirty="0"/>
-              <a:t>chwili uruchomienia brokera (</a:t>
-            </a:r>
-            <a:r>
-              <a:rPr lang="pl-PL" dirty="0" err="1"/>
-              <a:t>Messages</a:t>
-            </a:r>
-            <a:r>
-              <a:rPr lang="pl-PL" dirty="0"/>
-              <a:t> </a:t>
-            </a:r>
-            <a:r>
-              <a:rPr lang="pl-PL" dirty="0" err="1" smtClean="0"/>
-              <a:t>Dequeued</a:t>
-            </a:r>
-            <a:r>
-              <a:rPr lang="pl-PL" dirty="0" smtClean="0"/>
-              <a:t>).</a:t>
-            </a:r>
-            <a:endParaRPr lang="pl-PL" dirty="0"/>
-          </a:p>
-          <a:p>
-            <a:pPr lvl="2"/>
-            <a:endParaRPr lang="pl-PL" dirty="0" smtClean="0"/>
-          </a:p>
-          <a:p>
-            <a:pPr lvl="2"/>
-            <a:endParaRPr lang="pl-PL" dirty="0" smtClean="0"/>
-          </a:p>
-          <a:p>
-            <a:pPr lvl="1"/>
-            <a:endParaRPr lang="pl-PL" dirty="0"/>
-          </a:p>
-        </p:txBody>
-      </p:sp>
-      <p:pic>
-        <p:nvPicPr>
-          <p:cNvPr id="6146" name="Picture 2"/>
-          <p:cNvPicPr>
-            <a:picLocks noChangeAspect="1" noChangeArrowheads="1"/>
-          </p:cNvPicPr>
-          <p:nvPr/>
-        </p:nvPicPr>
-        <p:blipFill>
-          <a:blip r:embed="rId3">
-            <a:extLst>
-              <a:ext uri="{28A0092B-C50C-407E-A947-70E740481C1C}">
-                <a14:useLocalDpi xmlns:a14="http://schemas.microsoft.com/office/drawing/2010/main" val="0"/>
-              </a:ext>
-            </a:extLst>
-          </a:blip>
-          <a:srcRect/>
-          <a:stretch>
-            <a:fillRect/>
-          </a:stretch>
-        </p:blipFill>
-        <p:spPr bwMode="auto">
-          <a:xfrm>
-            <a:off x="563983" y="2223368"/>
-            <a:ext cx="7594025" cy="1218873"/>
-          </a:xfrm>
-          <a:prstGeom prst="rect">
-            <a:avLst/>
-          </a:prstGeom>
-          <a:noFill/>
-          <a:ln>
-            <a:noFill/>
-          </a:ln>
-          <a:extLst>
-            <a:ext uri="{909E8E84-426E-40DD-AFC4-6F175D3DCCD1}">
-              <a14:hiddenFill xmlns:a14="http://schemas.microsoft.com/office/drawing/2010/main">
-                <a:solidFill>
-                  <a:schemeClr val="accent1"/>
-                </a:solidFill>
-              </a14:hiddenFill>
-            </a:ext>
-            <a:ext uri="{91240B29-F687-4F45-9708-019B960494DF}">
-              <a14:hiddenLine xmlns:a14="http://schemas.microsoft.com/office/drawing/2010/main" w="9525">
-                <a:solidFill>
-                  <a:schemeClr val="tx1"/>
-                </a:solidFill>
-                <a:miter lim="800000"/>
-                <a:headEnd/>
-                <a:tailEnd/>
-              </a14:hiddenLine>
-            </a:ext>
-          </a:extLst>
-        </p:spPr>
-      </p:pic>
+              <a:rPr lang="pl-PL" dirty="0" smtClean="0"/>
+              <a:t> jest uruchomiony i nasłuchuje pod adresem localhost:61616.</a:t>
+            </a:r>
+          </a:p>
+        </p:txBody>
+      </p:sp>
     </p:spTree>
     <p:extLst>
       <p:ext uri="{BB962C8B-B14F-4D97-AF65-F5344CB8AC3E}">
-        <p14:creationId xmlns:p14="http://schemas.microsoft.com/office/powerpoint/2010/main" val="676180524"/>
+        <p14:creationId xmlns:p14="http://schemas.microsoft.com/office/powerpoint/2010/main" xmlns="" val="3199221210"/>
       </p:ext>
     </p:extLst>
   </p:cSld>
   <p:clrMapOvr>
     <a:masterClrMapping/>
   </p:clrMapOvr>
-  <mc:AlternateContent xmlns:mc="http://schemas.openxmlformats.org/markup-compatibility/2006" xmlns:p14="http://schemas.microsoft.com/office/powerpoint/2010/main">
-    <mc:Choice Requires="p14">
+  <mc:AlternateContent xmlns:mc="http://schemas.openxmlformats.org/markup-compatibility/2006">
+    <mc:Choice xmlns:p14="http://schemas.microsoft.com/office/powerpoint/2010/main" xmlns="" Requires="p14">
       <p:transition p14:dur="10"/>
     </mc:Choice>
-    <mc:Fallback xmlns="">
+    <mc:Fallback>
       <p:transition/>
     </mc:Fallback>
   </mc:AlternateContent>
@@ -12994,182 +13098,196 @@
         <p:spPr>
           <a:xfrm>
             <a:off x="443707" y="1119187"/>
-            <a:ext cx="8023887" cy="3362325"/>
+            <a:ext cx="8023887" cy="916291"/>
           </a:xfrm>
         </p:spPr>
         <p:txBody>
           <a:bodyPr>
-            <a:normAutofit/>
+            <a:normAutofit fontScale="92500" lnSpcReduction="10000"/>
           </a:bodyPr>
           <a:lstStyle/>
           <a:p>
             <a:r>
               <a:rPr lang="pl-PL" dirty="0" smtClean="0"/>
-              <a:t>Zadanie (</a:t>
-            </a:r>
-            <a:r>
-              <a:rPr lang="pl-PL" smtClean="0"/>
-              <a:t>część 2/2):</a:t>
-            </a:r>
+              <a:t>Dodatkowa </a:t>
+            </a:r>
+            <a:r>
+              <a:rPr lang="pl-PL" dirty="0"/>
+              <a:t>czynność:</a:t>
+            </a:r>
+          </a:p>
+          <a:p>
+            <a:pPr lvl="1"/>
+            <a:r>
+              <a:rPr lang="pl-PL" dirty="0"/>
+              <a:t>Po </a:t>
+            </a:r>
+            <a:r>
+              <a:rPr lang="pl-PL" dirty="0" smtClean="0"/>
+              <a:t>uruchomieniu </a:t>
+            </a:r>
+            <a:r>
+              <a:rPr lang="pl-PL" dirty="0"/>
+              <a:t>programu zobacz w konsoli webowej </a:t>
+            </a:r>
+            <a:r>
+              <a:rPr lang="pl-PL" dirty="0" err="1" smtClean="0"/>
+              <a:t>ActiveMQ</a:t>
+            </a:r>
+            <a:r>
+              <a:rPr lang="pl-PL" dirty="0"/>
+              <a:t> </a:t>
+            </a:r>
+            <a:r>
+              <a:rPr lang="pl-PL" dirty="0" smtClean="0"/>
+              <a:t>(http://localhost:8161)</a:t>
+            </a:r>
+          </a:p>
+          <a:p>
+            <a:pPr lvl="2"/>
+            <a:r>
+              <a:rPr lang="pl-PL" dirty="0" smtClean="0"/>
+              <a:t>Ilu odbiorców jest zarejestrowanych na kanale.</a:t>
+            </a:r>
+          </a:p>
+          <a:p>
+            <a:pPr lvl="2"/>
+            <a:r>
+              <a:rPr lang="pl-PL" dirty="0" smtClean="0"/>
+              <a:t>Ile komunikatów było do kanału dodanych od chwili uruchomienia brokera (</a:t>
+            </a:r>
+            <a:r>
+              <a:rPr lang="pl-PL" dirty="0" err="1" smtClean="0"/>
+              <a:t>Messages</a:t>
+            </a:r>
+            <a:r>
+              <a:rPr lang="pl-PL" dirty="0" smtClean="0"/>
+              <a:t> </a:t>
+            </a:r>
+            <a:r>
+              <a:rPr lang="pl-PL" dirty="0" err="1" smtClean="0"/>
+              <a:t>Enqueued</a:t>
+            </a:r>
+            <a:r>
+              <a:rPr lang="pl-PL" dirty="0" smtClean="0"/>
+              <a:t>).</a:t>
+            </a:r>
+          </a:p>
+          <a:p>
+            <a:pPr lvl="2"/>
+            <a:r>
+              <a:rPr lang="pl-PL" dirty="0"/>
+              <a:t>Ile komunikatów było </a:t>
+            </a:r>
+            <a:r>
+              <a:rPr lang="pl-PL" dirty="0" smtClean="0"/>
+              <a:t>z kanału odebranych od </a:t>
+            </a:r>
+            <a:r>
+              <a:rPr lang="pl-PL" dirty="0"/>
+              <a:t>chwili uruchomienia brokera (</a:t>
+            </a:r>
+            <a:r>
+              <a:rPr lang="pl-PL" dirty="0" err="1"/>
+              <a:t>Messages</a:t>
+            </a:r>
+            <a:r>
+              <a:rPr lang="pl-PL" dirty="0"/>
+              <a:t> </a:t>
+            </a:r>
+            <a:r>
+              <a:rPr lang="pl-PL" dirty="0" err="1" smtClean="0"/>
+              <a:t>Dequeued</a:t>
+            </a:r>
+            <a:r>
+              <a:rPr lang="pl-PL" dirty="0" smtClean="0"/>
+              <a:t>).</a:t>
+            </a:r>
+            <a:endParaRPr lang="pl-PL" dirty="0"/>
+          </a:p>
+          <a:p>
+            <a:pPr lvl="2"/>
             <a:endParaRPr lang="pl-PL" dirty="0" smtClean="0"/>
           </a:p>
           <a:p>
+            <a:pPr lvl="2"/>
+            <a:endParaRPr lang="pl-PL" dirty="0" smtClean="0"/>
+          </a:p>
+          <a:p>
             <a:pPr lvl="1"/>
-            <a:r>
-              <a:rPr lang="pl-PL" dirty="0" smtClean="0"/>
-              <a:t>Napisz program, będzie odbierał komunikaty wysyłane na kanał przez poprzednią aplikację i wypisywał ich treść do logów.</a:t>
-            </a:r>
-          </a:p>
-          <a:p>
-            <a:pPr lvl="2"/>
             <a:endParaRPr lang="pl-PL" dirty="0"/>
           </a:p>
-          <a:p>
-            <a:r>
-              <a:rPr lang="pl-PL" dirty="0" smtClean="0"/>
-              <a:t>Wrzuć kod programu na GitHub.</a:t>
-            </a:r>
-          </a:p>
-          <a:p>
-            <a:pPr lvl="1"/>
-            <a:r>
-              <a:rPr lang="pl-PL" dirty="0"/>
-              <a:t>Nazwa </a:t>
-            </a:r>
-            <a:r>
-              <a:rPr lang="pl-PL" dirty="0" err="1"/>
-              <a:t>brancha</a:t>
-            </a:r>
-            <a:r>
-              <a:rPr lang="pl-PL" dirty="0"/>
-              <a:t>: </a:t>
-            </a:r>
-            <a:r>
-              <a:rPr lang="pl-PL" dirty="0" err="1" smtClean="0"/>
-              <a:t>persistence_topic_subscriber</a:t>
-            </a:r>
-            <a:endParaRPr lang="pl-PL" dirty="0" smtClean="0"/>
-          </a:p>
-          <a:p>
-            <a:pPr lvl="1"/>
-            <a:r>
-              <a:rPr lang="pl-PL" dirty="0" smtClean="0"/>
-              <a:t>Program musi być uruchamialny przy użyciu komendy „</a:t>
-            </a:r>
-            <a:r>
-              <a:rPr lang="pl-PL" dirty="0" err="1" smtClean="0"/>
-              <a:t>gradlew</a:t>
-            </a:r>
-            <a:r>
-              <a:rPr lang="pl-PL" dirty="0" smtClean="0"/>
-              <a:t> run”.</a:t>
-            </a:r>
-          </a:p>
-          <a:p>
-            <a:pPr lvl="1"/>
-            <a:endParaRPr lang="pl-PL" dirty="0" smtClean="0"/>
-          </a:p>
-          <a:p>
-            <a:r>
-              <a:rPr lang="pl-PL" dirty="0" smtClean="0"/>
-              <a:t>Zobacz jak wygląda konsola webowa gdy są uruchomione obie aplikacje:</a:t>
-            </a:r>
-          </a:p>
-          <a:p>
-            <a:pPr lvl="1"/>
-            <a:r>
-              <a:rPr lang="pl-PL" dirty="0" smtClean="0"/>
-              <a:t>tylko </a:t>
-            </a:r>
-            <a:r>
-              <a:rPr lang="pl-PL" dirty="0" err="1" smtClean="0"/>
-              <a:t>subscriber</a:t>
-            </a:r>
-            <a:r>
-              <a:rPr lang="pl-PL" dirty="0" smtClean="0"/>
-              <a:t>, </a:t>
-            </a:r>
-          </a:p>
-          <a:p>
-            <a:pPr lvl="1"/>
-            <a:r>
-              <a:rPr lang="pl-PL" dirty="0" smtClean="0"/>
-              <a:t>tylko </a:t>
-            </a:r>
-            <a:r>
-              <a:rPr lang="pl-PL" dirty="0" err="1" smtClean="0"/>
-              <a:t>publisher</a:t>
-            </a:r>
-            <a:r>
-              <a:rPr lang="pl-PL" dirty="0" smtClean="0"/>
-              <a:t>, </a:t>
-            </a:r>
-          </a:p>
-          <a:p>
-            <a:pPr lvl="1"/>
-            <a:r>
-              <a:rPr lang="pl-PL" dirty="0" smtClean="0"/>
-              <a:t>obie jednocześnie</a:t>
-            </a:r>
-          </a:p>
-          <a:p>
-            <a:r>
-              <a:rPr lang="pl-PL" dirty="0" smtClean="0"/>
-              <a:t>Co zrobić, aby </a:t>
-            </a:r>
-            <a:r>
-              <a:rPr lang="pl-PL" dirty="0" err="1" smtClean="0"/>
-              <a:t>subscriber</a:t>
-            </a:r>
-            <a:r>
-              <a:rPr lang="pl-PL" dirty="0" smtClean="0"/>
-              <a:t> mógł otrzymywać również te komunikaty, które zostały wysłane na kanał gdy </a:t>
-            </a:r>
-            <a:r>
-              <a:rPr lang="pl-PL" dirty="0" err="1" smtClean="0"/>
-              <a:t>subscriber</a:t>
-            </a:r>
-            <a:r>
-              <a:rPr lang="pl-PL" dirty="0" smtClean="0"/>
-              <a:t> był wyłączony?</a:t>
-            </a:r>
-          </a:p>
-          <a:p>
-            <a:pPr lvl="1"/>
-            <a:r>
-              <a:rPr lang="pl-PL" dirty="0" smtClean="0"/>
-              <a:t>Odpowiedź wyślij do mnie na </a:t>
-            </a:r>
-            <a:r>
-              <a:rPr lang="pl-PL" dirty="0" err="1" smtClean="0"/>
-              <a:t>Slacku</a:t>
-            </a:r>
-            <a:r>
-              <a:rPr lang="pl-PL" dirty="0" smtClean="0"/>
-              <a:t> – prawidłowa odpowiedź = 3 bonusowe punkty.</a:t>
-            </a:r>
-            <a:endParaRPr lang="pl-PL" dirty="0"/>
-          </a:p>
-          <a:p>
-            <a:endParaRPr lang="pl-PL" dirty="0" smtClean="0"/>
-          </a:p>
-        </p:txBody>
-      </p:sp>
+        </p:txBody>
+      </p:sp>
+      <p:pic>
+        <p:nvPicPr>
+          <p:cNvPr id="6146" name="Picture 2"/>
+          <p:cNvPicPr>
+            <a:picLocks noChangeAspect="1" noChangeArrowheads="1"/>
+          </p:cNvPicPr>
+          <p:nvPr/>
+        </p:nvPicPr>
+        <p:blipFill>
+          <a:blip r:embed="rId3">
+            <a:extLst>
+              <a:ext uri="{28A0092B-C50C-407E-A947-70E740481C1C}">
+                <a14:useLocalDpi xmlns:a14="http://schemas.microsoft.com/office/drawing/2010/main" xmlns="" val="0"/>
+              </a:ext>
+            </a:extLst>
+          </a:blip>
+          <a:srcRect/>
+          <a:stretch>
+            <a:fillRect/>
+          </a:stretch>
+        </p:blipFill>
+        <p:spPr bwMode="auto">
+          <a:xfrm>
+            <a:off x="563983" y="2223368"/>
+            <a:ext cx="7594025" cy="1218873"/>
+          </a:xfrm>
+          <a:prstGeom prst="rect">
+            <a:avLst/>
+          </a:prstGeom>
+          <a:noFill/>
+          <a:ln>
+            <a:noFill/>
+          </a:ln>
+          <a:extLst>
+            <a:ext uri="{909E8E84-426E-40DD-AFC4-6F175D3DCCD1}">
+              <a14:hiddenFill xmlns:a14="http://schemas.microsoft.com/office/drawing/2010/main" xmlns="">
+                <a:solidFill>
+                  <a:schemeClr val="accent1"/>
+                </a:solidFill>
+              </a14:hiddenFill>
+            </a:ext>
+            <a:ext uri="{91240B29-F687-4F45-9708-019B960494DF}">
+              <a14:hiddenLine xmlns:a14="http://schemas.microsoft.com/office/drawing/2010/main" xmlns="" w="9525">
+                <a:solidFill>
+                  <a:schemeClr val="tx1"/>
+                </a:solidFill>
+                <a:miter lim="800000"/>
+                <a:headEnd/>
+                <a:tailEnd/>
+              </a14:hiddenLine>
+            </a:ext>
+          </a:extLst>
+        </p:spPr>
+      </p:pic>
     </p:spTree>
     <p:extLst>
       <p:ext uri="{BB962C8B-B14F-4D97-AF65-F5344CB8AC3E}">
-        <p14:creationId xmlns:p14="http://schemas.microsoft.com/office/powerpoint/2010/main" val="2213910426"/>
+        <p14:creationId xmlns:p14="http://schemas.microsoft.com/office/powerpoint/2010/main" xmlns="" val="676180524"/>
       </p:ext>
     </p:extLst>
   </p:cSld>
   <p:clrMapOvr>
     <a:masterClrMapping/>
   </p:clrMapOvr>
-  <mc:AlternateContent xmlns:mc="http://schemas.openxmlformats.org/markup-compatibility/2006" xmlns:p14="http://schemas.microsoft.com/office/powerpoint/2010/main">
-    <mc:Choice Requires="p14">
+  <mc:AlternateContent xmlns:mc="http://schemas.openxmlformats.org/markup-compatibility/2006">
+    <mc:Choice xmlns:p14="http://schemas.microsoft.com/office/powerpoint/2010/main" xmlns="" Requires="p14">
       <p:transition p14:dur="10"/>
     </mc:Choice>
-    <mc:Fallback xmlns="">
+    <mc:Fallback>
       <p:transition/>
     </mc:Fallback>
   </mc:AlternateContent>
@@ -13202,6 +13320,361 @@
       </p:grpSpPr>
       <p:sp>
         <p:nvSpPr>
+          <p:cNvPr id="7" name="Titel 6"/>
+          <p:cNvSpPr>
+            <a:spLocks noGrp="1"/>
+          </p:cNvSpPr>
+          <p:nvPr>
+            <p:ph type="title"/>
+          </p:nvPr>
+        </p:nvSpPr>
+        <p:spPr/>
+        <p:txBody>
+          <a:bodyPr/>
+          <a:lstStyle/>
+          <a:p>
+            <a:r>
+              <a:rPr lang="pl-PL" dirty="0" smtClean="0"/>
+              <a:t>Ćwiczenie 4c: </a:t>
+            </a:r>
+            <a:r>
+              <a:rPr lang="pl-PL" dirty="0" err="1" smtClean="0"/>
+              <a:t>Persystencja</a:t>
+            </a:r>
+            <a:r>
+              <a:rPr lang="pl-PL" dirty="0" smtClean="0"/>
+              <a:t> (kanał)</a:t>
+            </a:r>
+            <a:endParaRPr lang="de-DE" dirty="0"/>
+          </a:p>
+        </p:txBody>
+      </p:sp>
+      <p:sp>
+        <p:nvSpPr>
+          <p:cNvPr id="5" name="Inhaltsplatzhalter 4"/>
+          <p:cNvSpPr>
+            <a:spLocks noGrp="1"/>
+          </p:cNvSpPr>
+          <p:nvPr>
+            <p:ph type="body" sz="quarter" idx="13"/>
+          </p:nvPr>
+        </p:nvSpPr>
+        <p:spPr/>
+        <p:txBody>
+          <a:bodyPr/>
+          <a:lstStyle/>
+          <a:p>
+            <a:r>
+              <a:rPr lang="pl-PL" dirty="0" smtClean="0"/>
+              <a:t>ĆWICZENIE 4C</a:t>
+            </a:r>
+            <a:endParaRPr lang="de-DE" dirty="0"/>
+          </a:p>
+        </p:txBody>
+      </p:sp>
+      <p:sp>
+        <p:nvSpPr>
+          <p:cNvPr id="6" name="Symbol zastępczy zawartości 1"/>
+          <p:cNvSpPr>
+            <a:spLocks noGrp="1"/>
+          </p:cNvSpPr>
+          <p:nvPr>
+            <p:ph idx="1"/>
+          </p:nvPr>
+        </p:nvSpPr>
+        <p:spPr>
+          <a:xfrm>
+            <a:off x="443707" y="1119187"/>
+            <a:ext cx="8023887" cy="3362325"/>
+          </a:xfrm>
+        </p:spPr>
+        <p:txBody>
+          <a:bodyPr>
+            <a:normAutofit/>
+          </a:bodyPr>
+          <a:lstStyle/>
+          <a:p>
+            <a:r>
+              <a:rPr lang="pl-PL" dirty="0" smtClean="0"/>
+              <a:t>Zadanie (część 2/</a:t>
+            </a:r>
+            <a:r>
+              <a:rPr lang="pl-PL" dirty="0" err="1" smtClean="0"/>
+              <a:t>2</a:t>
+            </a:r>
+            <a:r>
+              <a:rPr lang="pl-PL" dirty="0" smtClean="0"/>
+              <a:t>):</a:t>
+            </a:r>
+          </a:p>
+          <a:p>
+            <a:pPr lvl="1"/>
+            <a:r>
+              <a:rPr lang="pl-PL" dirty="0" smtClean="0"/>
+              <a:t>Napisz program, będzie odbierał komunikaty wysyłane na kanał przez poprzednią aplikację i wypisywał ich treść do logów.</a:t>
+            </a:r>
+          </a:p>
+          <a:p>
+            <a:pPr lvl="2"/>
+            <a:endParaRPr lang="pl-PL" dirty="0"/>
+          </a:p>
+          <a:p>
+            <a:r>
+              <a:rPr lang="pl-PL" dirty="0" smtClean="0"/>
+              <a:t>Wrzuć kod programu na GitHub.</a:t>
+            </a:r>
+          </a:p>
+          <a:p>
+            <a:pPr lvl="1"/>
+            <a:r>
+              <a:rPr lang="pl-PL" dirty="0"/>
+              <a:t>Nazwa </a:t>
+            </a:r>
+            <a:r>
+              <a:rPr lang="pl-PL" dirty="0" err="1"/>
+              <a:t>brancha</a:t>
+            </a:r>
+            <a:r>
+              <a:rPr lang="pl-PL" dirty="0"/>
+              <a:t>: </a:t>
+            </a:r>
+            <a:r>
+              <a:rPr lang="pl-PL" dirty="0" err="1" smtClean="0"/>
+              <a:t>persistence_topic_subscriber</a:t>
+            </a:r>
+            <a:endParaRPr lang="pl-PL" dirty="0" smtClean="0"/>
+          </a:p>
+          <a:p>
+            <a:pPr lvl="1"/>
+            <a:r>
+              <a:rPr lang="pl-PL" dirty="0" smtClean="0"/>
+              <a:t>Program musi być uruchamialny przy użyciu komendy „</a:t>
+            </a:r>
+            <a:r>
+              <a:rPr lang="pl-PL" dirty="0" err="1" smtClean="0"/>
+              <a:t>gradlew</a:t>
+            </a:r>
+            <a:r>
+              <a:rPr lang="pl-PL" dirty="0" smtClean="0"/>
+              <a:t> run”.</a:t>
+            </a:r>
+          </a:p>
+          <a:p>
+            <a:r>
+              <a:rPr lang="pl-PL" dirty="0" smtClean="0"/>
+              <a:t>Zobacz </a:t>
+            </a:r>
+            <a:r>
+              <a:rPr lang="pl-PL" dirty="0" smtClean="0"/>
+              <a:t>jak wygląda konsola webowa gdy są uruchomione obie aplikacje:</a:t>
+            </a:r>
+          </a:p>
+          <a:p>
+            <a:pPr lvl="1"/>
+            <a:r>
+              <a:rPr lang="pl-PL" dirty="0" smtClean="0"/>
+              <a:t>tylko </a:t>
+            </a:r>
+            <a:r>
+              <a:rPr lang="pl-PL" dirty="0" err="1" smtClean="0"/>
+              <a:t>subscriber</a:t>
+            </a:r>
+            <a:r>
+              <a:rPr lang="pl-PL" dirty="0" smtClean="0"/>
+              <a:t>, </a:t>
+            </a:r>
+          </a:p>
+          <a:p>
+            <a:pPr lvl="1"/>
+            <a:r>
+              <a:rPr lang="pl-PL" dirty="0" smtClean="0"/>
+              <a:t>tylko </a:t>
+            </a:r>
+            <a:r>
+              <a:rPr lang="pl-PL" dirty="0" err="1" smtClean="0"/>
+              <a:t>publisher</a:t>
+            </a:r>
+            <a:r>
+              <a:rPr lang="pl-PL" dirty="0" smtClean="0"/>
+              <a:t>, </a:t>
+            </a:r>
+          </a:p>
+          <a:p>
+            <a:pPr lvl="1"/>
+            <a:r>
+              <a:rPr lang="pl-PL" dirty="0" smtClean="0"/>
+              <a:t>obie jednocześnie</a:t>
+            </a:r>
+          </a:p>
+          <a:p>
+            <a:r>
+              <a:rPr lang="pl-PL" dirty="0" smtClean="0"/>
+              <a:t>Co zrobić, aby </a:t>
+            </a:r>
+            <a:r>
+              <a:rPr lang="pl-PL" dirty="0" err="1" smtClean="0"/>
+              <a:t>subscriber</a:t>
+            </a:r>
+            <a:r>
+              <a:rPr lang="pl-PL" dirty="0" smtClean="0"/>
+              <a:t> mógł otrzymywać również te komunikaty, które zostały wysłane na kanał gdy </a:t>
+            </a:r>
+            <a:r>
+              <a:rPr lang="pl-PL" dirty="0" err="1" smtClean="0"/>
+              <a:t>subscriber</a:t>
+            </a:r>
+            <a:r>
+              <a:rPr lang="pl-PL" dirty="0" smtClean="0"/>
+              <a:t> był wyłączony?</a:t>
+            </a:r>
+          </a:p>
+          <a:p>
+            <a:pPr lvl="1"/>
+            <a:r>
+              <a:rPr lang="pl-PL" dirty="0" smtClean="0"/>
+              <a:t>Zrealizowanie tej funkcji w implementacji części odbierającej= </a:t>
+            </a:r>
+            <a:r>
+              <a:rPr lang="pl-PL" dirty="0" smtClean="0"/>
+              <a:t>3 bonusowe punkty.</a:t>
+            </a:r>
+            <a:endParaRPr lang="pl-PL" dirty="0"/>
+          </a:p>
+          <a:p>
+            <a:endParaRPr lang="pl-PL" dirty="0" smtClean="0"/>
+          </a:p>
+        </p:txBody>
+      </p:sp>
+      <p:sp>
+        <p:nvSpPr>
+          <p:cNvPr id="8" name="pole tekstowe 7"/>
+          <p:cNvSpPr txBox="1"/>
+          <p:nvPr/>
+        </p:nvSpPr>
+        <p:spPr bwMode="auto">
+          <a:xfrm>
+            <a:off x="443707" y="4337616"/>
+            <a:ext cx="6751848" cy="518091"/>
+          </a:xfrm>
+          <a:prstGeom prst="rect">
+            <a:avLst/>
+          </a:prstGeom>
+          <a:noFill/>
+          <a:ln w="9525">
+            <a:noFill/>
+            <a:miter lim="800000"/>
+            <a:headEnd/>
+            <a:tailEnd/>
+          </a:ln>
+        </p:spPr>
+        <p:txBody>
+          <a:bodyPr wrap="none" lIns="0" tIns="0" rIns="0" bIns="0" rtlCol="0">
+            <a:spAutoFit/>
+          </a:bodyPr>
+          <a:lstStyle/>
+          <a:p>
+            <a:pPr>
+              <a:spcBef>
+                <a:spcPts val="100"/>
+              </a:spcBef>
+              <a:spcAft>
+                <a:spcPts val="100"/>
+              </a:spcAft>
+            </a:pPr>
+            <a:r>
+              <a:rPr lang="pl-PL" sz="1600" b="1" dirty="0" smtClean="0">
+                <a:solidFill>
+                  <a:srgbClr val="00B050"/>
+                </a:solidFill>
+              </a:rPr>
+              <a:t>Ostateczny termin zaliczenia ćwiczenia: czwartek </a:t>
+            </a:r>
+            <a:r>
+              <a:rPr lang="pl-PL" sz="1600" b="1" dirty="0" smtClean="0">
+                <a:solidFill>
+                  <a:srgbClr val="00B050"/>
+                </a:solidFill>
+              </a:rPr>
+              <a:t>10 maja</a:t>
+            </a:r>
+            <a:endParaRPr lang="pl-PL" sz="1600" b="1" dirty="0" smtClean="0">
+              <a:solidFill>
+                <a:srgbClr val="00B050"/>
+              </a:solidFill>
+            </a:endParaRPr>
+          </a:p>
+          <a:p>
+            <a:pPr>
+              <a:spcBef>
+                <a:spcPts val="100"/>
+              </a:spcBef>
+              <a:spcAft>
+                <a:spcPts val="100"/>
+              </a:spcAft>
+            </a:pPr>
+            <a:r>
+              <a:rPr lang="pl-PL" sz="1600" b="1" dirty="0" smtClean="0">
+                <a:solidFill>
+                  <a:srgbClr val="00B050"/>
+                </a:solidFill>
+              </a:rPr>
+              <a:t>Rozwiązania dostarczone później nie będą uwzględniane (0 punktów)</a:t>
+            </a:r>
+            <a:endParaRPr lang="pl-PL" sz="1600" b="1" dirty="0">
+              <a:solidFill>
+                <a:srgbClr val="00B050"/>
+              </a:solidFill>
+            </a:endParaRPr>
+          </a:p>
+        </p:txBody>
+      </p:sp>
+    </p:spTree>
+    <p:extLst>
+      <p:ext uri="{BB962C8B-B14F-4D97-AF65-F5344CB8AC3E}">
+        <p14:creationId xmlns:p14="http://schemas.microsoft.com/office/powerpoint/2010/main" xmlns="" val="2213910426"/>
+      </p:ext>
+    </p:extLst>
+  </p:cSld>
+  <p:clrMapOvr>
+    <a:masterClrMapping/>
+  </p:clrMapOvr>
+  <mc:AlternateContent xmlns:mc="http://schemas.openxmlformats.org/markup-compatibility/2006">
+    <mc:Choice xmlns:p14="http://schemas.microsoft.com/office/powerpoint/2010/main" xmlns="" Requires="p14">
+      <p:transition p14:dur="10"/>
+    </mc:Choice>
+    <mc:Fallback>
+      <p:transition/>
+    </mc:Fallback>
+  </mc:AlternateContent>
+  <p:timing>
+    <p:tnLst>
+      <p:par>
+        <p:cTn id="1" dur="indefinite" restart="never" nodeType="tmRoot"/>
+      </p:par>
+    </p:tnLst>
+  </p:timing>
+</p:sld>
+</file>
+
+<file path=ppt/slides/slide27.xml><?xml version="1.0" encoding="utf-8"?>
+<p:sld xmlns:a="http://schemas.openxmlformats.org/drawingml/2006/main" xmlns:r="http://schemas.openxmlformats.org/officeDocument/2006/relationships" xmlns:p="http://schemas.openxmlformats.org/presentationml/2006/main">
+  <p:cSld>
+    <p:spTree>
+      <p:nvGrpSpPr>
+        <p:cNvPr id="1" name=""/>
+        <p:cNvGrpSpPr/>
+        <p:nvPr/>
+      </p:nvGrpSpPr>
+      <p:grpSpPr>
+        <a:xfrm>
+          <a:off x="0" y="0"/>
+          <a:ext cx="0" cy="0"/>
+          <a:chOff x="0" y="0"/>
+          <a:chExt cx="0" cy="0"/>
+        </a:xfrm>
+      </p:grpSpPr>
+      <p:sp>
+        <p:nvSpPr>
           <p:cNvPr id="2" name="Untertitel 1"/>
           <p:cNvSpPr>
             <a:spLocks noGrp="1"/>
@@ -13233,14 +13706,26 @@
           <a:p>
             <a:r>
               <a:rPr lang="pl-PL" dirty="0" smtClean="0"/>
-              <a:t>Marek Strejczek</a:t>
+              <a:t>Mateusz Kołodziejski	</a:t>
             </a:r>
             <a:endParaRPr lang="de-DE" dirty="0"/>
           </a:p>
           <a:p>
             <a:r>
-              <a:rPr lang="pl-PL" dirty="0" smtClean="0"/>
-              <a:t>Technical Architect</a:t>
+              <a:rPr lang="pl-PL" dirty="0" err="1" smtClean="0"/>
+              <a:t>Technical</a:t>
+            </a:r>
+            <a:r>
+              <a:rPr lang="pl-PL" dirty="0" smtClean="0"/>
+              <a:t> </a:t>
+            </a:r>
+            <a:r>
+              <a:rPr lang="pl-PL" dirty="0" smtClean="0"/>
+              <a:t> </a:t>
+            </a:r>
+            <a:r>
+              <a:rPr lang="pl-PL" dirty="0" err="1" smtClean="0"/>
+              <a:t>Lead</a:t>
             </a:r>
             <a:endParaRPr lang="de-DE" dirty="0"/>
           </a:p>
@@ -13273,11 +13758,15 @@
           <a:p>
             <a:r>
               <a:rPr lang="pl-PL" dirty="0" err="1" smtClean="0"/>
-              <a:t>marek.strejczek</a:t>
+              <a:t>mateusz.kolodziejski</a:t>
             </a:r>
             <a:r>
               <a:rPr lang="de-DE" dirty="0" smtClean="0"/>
-              <a:t>@gft.com</a:t>
+              <a:t>@</a:t>
+            </a:r>
+            <a:r>
+              <a:rPr lang="de-DE" dirty="0" err="1" smtClean="0"/>
+              <a:t>gft.com</a:t>
             </a:r>
             <a:endParaRPr lang="de-DE" dirty="0"/>
           </a:p>
@@ -13286,7 +13775,7 @@
     </p:spTree>
     <p:extLst>
       <p:ext uri="{BB962C8B-B14F-4D97-AF65-F5344CB8AC3E}">
-        <p14:creationId xmlns:p14="http://schemas.microsoft.com/office/powerpoint/2010/main" val="1405177657"/>
+        <p14:creationId xmlns:p14="http://schemas.microsoft.com/office/powerpoint/2010/main" xmlns="" val="1405177657"/>
       </p:ext>
     </p:extLst>
   </p:cSld>
@@ -13945,7 +14434,7 @@
           <a:effectLst/>
           <a:extLst>
             <a:ext uri="{91240B29-F687-4F45-9708-019B960494DF}">
-              <a14:hiddenLine xmlns:a14="http://schemas.microsoft.com/office/drawing/2010/main" w="50800" cap="flat" cmpd="sng" algn="ctr">
+              <a14:hiddenLine xmlns:a14="http://schemas.microsoft.com/office/drawing/2010/main" xmlns="" w="50800" cap="flat" cmpd="sng" algn="ctr">
                 <a:solidFill>
                   <a:schemeClr val="accent1"/>
                 </a:solidFill>
@@ -14012,7 +14501,7 @@
           <a:effectLst/>
           <a:extLst>
             <a:ext uri="{91240B29-F687-4F45-9708-019B960494DF}">
-              <a14:hiddenLine xmlns:a14="http://schemas.microsoft.com/office/drawing/2010/main" w="50800" cap="flat" cmpd="sng" algn="ctr">
+              <a14:hiddenLine xmlns:a14="http://schemas.microsoft.com/office/drawing/2010/main" xmlns="" w="50800" cap="flat" cmpd="sng" algn="ctr">
                 <a:solidFill>
                   <a:schemeClr val="accent1"/>
                 </a:solidFill>
@@ -14079,7 +14568,7 @@
           <a:effectLst/>
           <a:extLst>
             <a:ext uri="{91240B29-F687-4F45-9708-019B960494DF}">
-              <a14:hiddenLine xmlns:a14="http://schemas.microsoft.com/office/drawing/2010/main" w="50800" cap="flat" cmpd="sng" algn="ctr">
+              <a14:hiddenLine xmlns:a14="http://schemas.microsoft.com/office/drawing/2010/main" xmlns="" w="50800" cap="flat" cmpd="sng" algn="ctr">
                 <a:solidFill>
                   <a:schemeClr val="accent1"/>
                 </a:solidFill>
@@ -14146,7 +14635,7 @@
           <a:effectLst/>
           <a:extLst>
             <a:ext uri="{91240B29-F687-4F45-9708-019B960494DF}">
-              <a14:hiddenLine xmlns:a14="http://schemas.microsoft.com/office/drawing/2010/main" w="50800" cap="flat" cmpd="sng" algn="ctr">
+              <a14:hiddenLine xmlns:a14="http://schemas.microsoft.com/office/drawing/2010/main" xmlns="" w="50800" cap="flat" cmpd="sng" algn="ctr">
                 <a:solidFill>
                   <a:schemeClr val="accent1"/>
                 </a:solidFill>
@@ -14298,18 +14787,18 @@
     </p:spTree>
     <p:extLst>
       <p:ext uri="{BB962C8B-B14F-4D97-AF65-F5344CB8AC3E}">
-        <p14:creationId xmlns:p14="http://schemas.microsoft.com/office/powerpoint/2010/main" val="4269096446"/>
+        <p14:creationId xmlns:p14="http://schemas.microsoft.com/office/powerpoint/2010/main" xmlns="" val="4269096446"/>
       </p:ext>
     </p:extLst>
   </p:cSld>
   <p:clrMapOvr>
     <a:masterClrMapping/>
   </p:clrMapOvr>
-  <mc:AlternateContent xmlns:mc="http://schemas.openxmlformats.org/markup-compatibility/2006" xmlns:p14="http://schemas.microsoft.com/office/powerpoint/2010/main">
-    <mc:Choice Requires="p14">
+  <mc:AlternateContent xmlns:mc="http://schemas.openxmlformats.org/markup-compatibility/2006">
+    <mc:Choice xmlns:p14="http://schemas.microsoft.com/office/powerpoint/2010/main" xmlns="" Requires="p14">
       <p:transition p14:dur="10"/>
     </mc:Choice>
-    <mc:Fallback xmlns="">
+    <mc:Fallback>
       <p:transition/>
     </mc:Fallback>
   </mc:AlternateContent>
@@ -14549,18 +15038,18 @@
     </p:spTree>
     <p:extLst>
       <p:ext uri="{BB962C8B-B14F-4D97-AF65-F5344CB8AC3E}">
-        <p14:creationId xmlns:p14="http://schemas.microsoft.com/office/powerpoint/2010/main" val="2988387270"/>
+        <p14:creationId xmlns:p14="http://schemas.microsoft.com/office/powerpoint/2010/main" xmlns="" val="2988387270"/>
       </p:ext>
     </p:extLst>
   </p:cSld>
   <p:clrMapOvr>
     <a:masterClrMapping/>
   </p:clrMapOvr>
-  <mc:AlternateContent xmlns:mc="http://schemas.openxmlformats.org/markup-compatibility/2006" xmlns:p14="http://schemas.microsoft.com/office/powerpoint/2010/main">
-    <mc:Choice Requires="p14">
+  <mc:AlternateContent xmlns:mc="http://schemas.openxmlformats.org/markup-compatibility/2006">
+    <mc:Choice xmlns:p14="http://schemas.microsoft.com/office/powerpoint/2010/main" xmlns="" Requires="p14">
       <p:transition p14:dur="10"/>
     </mc:Choice>
-    <mc:Fallback xmlns="">
+    <mc:Fallback>
       <p:transition/>
     </mc:Fallback>
   </mc:AlternateContent>
@@ -14955,18 +15444,18 @@
     </p:spTree>
     <p:extLst>
       <p:ext uri="{BB962C8B-B14F-4D97-AF65-F5344CB8AC3E}">
-        <p14:creationId xmlns:p14="http://schemas.microsoft.com/office/powerpoint/2010/main" val="1859271950"/>
+        <p14:creationId xmlns:p14="http://schemas.microsoft.com/office/powerpoint/2010/main" xmlns="" val="1859271950"/>
       </p:ext>
     </p:extLst>
   </p:cSld>
   <p:clrMapOvr>
     <a:masterClrMapping/>
   </p:clrMapOvr>
-  <mc:AlternateContent xmlns:mc="http://schemas.openxmlformats.org/markup-compatibility/2006" xmlns:p14="http://schemas.microsoft.com/office/powerpoint/2010/main">
-    <mc:Choice Requires="p14">
+  <mc:AlternateContent xmlns:mc="http://schemas.openxmlformats.org/markup-compatibility/2006">
+    <mc:Choice xmlns:p14="http://schemas.microsoft.com/office/powerpoint/2010/main" xmlns="" Requires="p14">
       <p:transition p14:dur="10"/>
     </mc:Choice>
-    <mc:Fallback xmlns="">
+    <mc:Fallback>
       <p:transition/>
     </mc:Fallback>
   </mc:AlternateContent>
@@ -15369,7 +15858,7 @@
           <a:blip r:embed="rId3" cstate="print">
             <a:extLst>
               <a:ext uri="{28A0092B-C50C-407E-A947-70E740481C1C}">
-                <a14:useLocalDpi xmlns:a14="http://schemas.microsoft.com/office/drawing/2010/main" val="0"/>
+                <a14:useLocalDpi xmlns:a14="http://schemas.microsoft.com/office/drawing/2010/main" xmlns="" val="0"/>
               </a:ext>
             </a:extLst>
           </a:blip>
@@ -15395,18 +15884,18 @@
     </p:spTree>
     <p:extLst>
       <p:ext uri="{BB962C8B-B14F-4D97-AF65-F5344CB8AC3E}">
-        <p14:creationId xmlns:p14="http://schemas.microsoft.com/office/powerpoint/2010/main" val="567819537"/>
+        <p14:creationId xmlns:p14="http://schemas.microsoft.com/office/powerpoint/2010/main" xmlns="" val="567819537"/>
       </p:ext>
     </p:extLst>
   </p:cSld>
   <p:clrMapOvr>
     <a:masterClrMapping/>
   </p:clrMapOvr>
-  <mc:AlternateContent xmlns:mc="http://schemas.openxmlformats.org/markup-compatibility/2006" xmlns:p14="http://schemas.microsoft.com/office/powerpoint/2010/main">
-    <mc:Choice Requires="p14">
+  <mc:AlternateContent xmlns:mc="http://schemas.openxmlformats.org/markup-compatibility/2006">
+    <mc:Choice xmlns:p14="http://schemas.microsoft.com/office/powerpoint/2010/main" xmlns="" Requires="p14">
       <p:transition p14:dur="10"/>
     </mc:Choice>
-    <mc:Fallback xmlns="">
+    <mc:Fallback>
       <p:transition/>
     </mc:Fallback>
   </mc:AlternateContent>
@@ -15501,7 +15990,7 @@
         </p:spPr>
         <p:txBody>
           <a:bodyPr>
-            <a:normAutofit fontScale="92500" lnSpcReduction="20000"/>
+            <a:normAutofit/>
           </a:bodyPr>
           <a:lstStyle/>
           <a:p>
@@ -15515,13 +16004,8 @@
             <a:pPr lvl="2"/>
             <a:r>
               <a:rPr lang="pl-PL" dirty="0" smtClean="0"/>
-              <a:t>Message		zawiera tylko nagłówki i właściwości, bez treśc</a:t>
-            </a:r>
-            <a:r>
-              <a:rPr lang="pl-PL" dirty="0" smtClean="0"/>
-              <a:t>i.</a:t>
-            </a:r>
-            <a:endParaRPr lang="pl-PL" dirty="0" smtClean="0"/>
+              <a:t>Message		zawiera tylko nagłówki i właściwości, bez treści.</a:t>
+            </a:r>
           </a:p>
           <a:p>
             <a:pPr lvl="2"/>
@@ -15654,11 +16138,7 @@
             <a:pPr lvl="1"/>
             <a:r>
               <a:rPr lang="pl-PL" dirty="0" smtClean="0"/>
-              <a:t>Message </a:t>
-            </a:r>
-            <a:r>
-              <a:rPr lang="pl-PL" dirty="0" smtClean="0"/>
-              <a:t>selector</a:t>
+              <a:t>Message selector</a:t>
             </a:r>
           </a:p>
           <a:p>
@@ -15678,14 +16158,23 @@
             <a:pPr lvl="1"/>
             <a:r>
               <a:rPr lang="pl-PL" dirty="0" smtClean="0"/>
-              <a:t>Potwierdzanie odbioru wiadomości – do wyboru:</a:t>
-            </a:r>
+              <a:t>Transakcje:</a:t>
+            </a:r>
+            <a:endParaRPr lang="pl-PL" dirty="0" smtClean="0"/>
           </a:p>
           <a:p>
             <a:pPr lvl="2"/>
             <a:r>
               <a:rPr lang="pl-PL" dirty="0" smtClean="0"/>
-              <a:t>Transakcje rozproszone (XAConnectionFactory) – przy zatwierdzaniu transakcji (commit).</a:t>
+              <a:t>Transakcje rozproszone (XAConnectionFactory) – </a:t>
+            </a:r>
+            <a:r>
+              <a:rPr lang="pl-PL" dirty="0" smtClean="0"/>
+              <a:t>potwierdzenie przyjęcia wiadomości przy </a:t>
+            </a:r>
+            <a:r>
+              <a:rPr lang="pl-PL" dirty="0" smtClean="0"/>
+              <a:t>zatwierdzaniu transakcji (commit).</a:t>
             </a:r>
           </a:p>
           <a:p>
@@ -15696,30 +16185,16 @@
             </a:r>
             <a:r>
               <a:rPr lang="pl-PL" dirty="0"/>
-              <a:t>– przy zatwierdzaniu transakcji (commit).</a:t>
-            </a:r>
-          </a:p>
-          <a:p>
-            <a:pPr lvl="2"/>
-            <a:r>
-              <a:rPr lang="pl-PL" dirty="0" smtClean="0"/>
-              <a:t>Session.AUTO_ACKNOWLEDGE – automatycznie po udanym zakończeniu metody „receive” (odbieranie synchroniczne) lub „onMessage” (odbieranie asynchroniczne).</a:t>
-            </a:r>
-          </a:p>
-          <a:p>
-            <a:pPr lvl="2"/>
-            <a:r>
-              <a:rPr lang="pl-PL" dirty="0" smtClean="0"/>
-              <a:t>Session.CLIENT_ACKNOWLEDGE – odbiorca musi wywołać samodzielnie metodę „acknowledge” na obiekcie komunikatu (Message).</a:t>
-            </a:r>
-          </a:p>
-          <a:p>
-            <a:pPr lvl="2"/>
-            <a:r>
-              <a:rPr lang="pl-PL" dirty="0" smtClean="0"/>
-              <a:t>Session.DUPS_OK_ACKNOWLEDGE – podobnie jak AUTO_ACKNOWLEDGE, ale JMS provider może optymalizować proces potwierdzania pod kątem wydajności. Kosztem wyższej wydajności jest możliwość dostarczania do odbiorcy tego samego komunikatu więcej niż raz (duplikaty).</a:t>
-            </a:r>
-            <a:endParaRPr lang="pl-PL" dirty="0"/>
+              <a:t>– </a:t>
+            </a:r>
+            <a:r>
+              <a:rPr lang="pl-PL" dirty="0" smtClean="0"/>
+              <a:t>potwierdzenie przyjęcia wiadomości przy </a:t>
+            </a:r>
+            <a:r>
+              <a:rPr lang="pl-PL" dirty="0"/>
+              <a:t>zatwierdzaniu transakcji (commit).</a:t>
+            </a:r>
           </a:p>
           <a:p>
             <a:pPr lvl="1"/>
@@ -15730,18 +16205,18 @@
     </p:spTree>
     <p:extLst>
       <p:ext uri="{BB962C8B-B14F-4D97-AF65-F5344CB8AC3E}">
-        <p14:creationId xmlns:p14="http://schemas.microsoft.com/office/powerpoint/2010/main" val="2702127360"/>
+        <p14:creationId xmlns:p14="http://schemas.microsoft.com/office/powerpoint/2010/main" xmlns="" val="2702127360"/>
       </p:ext>
     </p:extLst>
   </p:cSld>
   <p:clrMapOvr>
     <a:masterClrMapping/>
   </p:clrMapOvr>
-  <mc:AlternateContent xmlns:mc="http://schemas.openxmlformats.org/markup-compatibility/2006" xmlns:p14="http://schemas.microsoft.com/office/powerpoint/2010/main">
-    <mc:Choice Requires="p14">
+  <mc:AlternateContent xmlns:mc="http://schemas.openxmlformats.org/markup-compatibility/2006">
+    <mc:Choice xmlns:p14="http://schemas.microsoft.com/office/powerpoint/2010/main" xmlns="" Requires="p14">
       <p:transition p14:dur="10"/>
     </mc:Choice>
-    <mc:Fallback xmlns="">
+    <mc:Fallback>
       <p:transition/>
     </mc:Fallback>
   </mc:AlternateContent>
@@ -15836,89 +16311,69 @@
         </p:spPr>
         <p:txBody>
           <a:bodyPr>
-            <a:normAutofit lnSpcReduction="10000"/>
+            <a:normAutofit/>
           </a:bodyPr>
           <a:lstStyle/>
           <a:p>
+            <a:pPr marL="360363" lvl="2" indent="0">
+              <a:buNone/>
+            </a:pPr>
+            <a:endParaRPr lang="pl-PL" dirty="0" smtClean="0"/>
+          </a:p>
+          <a:p>
             <a:pPr lvl="1"/>
             <a:r>
               <a:rPr lang="pl-PL" dirty="0" smtClean="0"/>
-              <a:t>Persystencja komunikatów</a:t>
-            </a:r>
+              <a:t>Potwierdzanie odbioru wiadomości – </a:t>
+            </a:r>
+            <a:r>
+              <a:rPr lang="pl-PL" dirty="0" smtClean="0"/>
+              <a:t>tryby potwierdzania:</a:t>
+            </a:r>
+            <a:endParaRPr lang="pl-PL" dirty="0" smtClean="0"/>
           </a:p>
           <a:p>
             <a:pPr lvl="2"/>
             <a:r>
-              <a:rPr lang="pl-PL" dirty="0" smtClean="0"/>
-              <a:t>Tryb dostarczania PERSISTENT (domyślny) – komunikaty sa zapisywane w trwały sposób przez brokera JMS w sposób zapobiegający ich utracie w razie awarii brokera.</a:t>
+              <a:rPr lang="pl-PL" dirty="0" err="1" smtClean="0"/>
+              <a:t>Session.AUTO_ACKNOWLEDGE</a:t>
+            </a:r>
+            <a:r>
+              <a:rPr lang="pl-PL" dirty="0" smtClean="0"/>
+              <a:t> </a:t>
+            </a:r>
+            <a:r>
+              <a:rPr lang="pl-PL" dirty="0" smtClean="0"/>
+              <a:t>– automatycznie po udanym zakończeniu metody „receive” (odbieranie synchroniczne) lub „onMessage” (odbieranie asynchroniczne).</a:t>
             </a:r>
           </a:p>
           <a:p>
             <a:pPr lvl="2"/>
             <a:r>
               <a:rPr lang="pl-PL" dirty="0" smtClean="0"/>
-              <a:t>Tryb dostarczania NON_PERSISTENT – komunikaty nie są trwale zapisywane, przez co mogą zostać utracone w razie awarii brokera</a:t>
-            </a:r>
-            <a:r>
-              <a:rPr lang="pl-PL" dirty="0" smtClean="0"/>
-              <a:t>.</a:t>
+              <a:t>Session.CLIENT_ACKNOWLEDGE – odbiorca musi wywołać samodzielnie metodę „acknowledge” na obiekcie komunikatu (Message).</a:t>
             </a:r>
           </a:p>
           <a:p>
             <a:pPr lvl="2"/>
-            <a:endParaRPr lang="pl-PL" dirty="0"/>
+            <a:r>
+              <a:rPr lang="pl-PL" dirty="0" smtClean="0"/>
+              <a:t>Session.DUPS_OK_ACKNOWLEDGE – podobnie jak AUTO_ACKNOWLEDGE, ale JMS provider może optymalizować proces potwierdzania pod kątem wydajności. Kosztem wyższej wydajności jest możliwość dostarczania do odbiorcy tego samego komunikatu więcej niż raz (duplikaty</a:t>
+            </a:r>
+            <a:r>
+              <a:rPr lang="pl-PL" dirty="0" smtClean="0"/>
+              <a:t>).</a:t>
+            </a:r>
+          </a:p>
+          <a:p>
+            <a:pPr lvl="2"/>
+            <a:endParaRPr lang="pl-PL" dirty="0" smtClean="0"/>
           </a:p>
           <a:p>
             <a:pPr lvl="1"/>
             <a:r>
-              <a:rPr lang="pl-PL" dirty="0"/>
-              <a:t>JMS Queue </a:t>
-            </a:r>
-            <a:r>
-              <a:rPr lang="pl-PL" dirty="0" err="1"/>
-              <a:t>Browser</a:t>
-            </a:r>
-            <a:endParaRPr lang="pl-PL" dirty="0"/>
-          </a:p>
-          <a:p>
-            <a:pPr lvl="2"/>
-            <a:r>
-              <a:rPr lang="pl-PL" dirty="0"/>
-              <a:t>Pozwala przeglądać komunikaty obecne w kolejce bez odbierania </a:t>
-            </a:r>
-            <a:r>
-              <a:rPr lang="pl-PL"/>
-              <a:t>ich</a:t>
-            </a:r>
-            <a:r>
-              <a:rPr lang="pl-PL" smtClean="0"/>
-              <a:t>.</a:t>
-            </a:r>
-            <a:endParaRPr lang="pl-PL" dirty="0" smtClean="0"/>
-          </a:p>
-          <a:p>
-            <a:pPr lvl="2"/>
-            <a:endParaRPr lang="pl-PL" dirty="0"/>
-          </a:p>
-          <a:p>
-            <a:pPr lvl="1"/>
-            <a:r>
-              <a:rPr lang="pl-PL" dirty="0" smtClean="0"/>
-              <a:t>Kolejki / kanały tymczasowe</a:t>
-            </a:r>
-          </a:p>
-          <a:p>
-            <a:pPr lvl="2"/>
-            <a:r>
-              <a:rPr lang="pl-PL" dirty="0" smtClean="0"/>
-              <a:t>Są tworzone dynamicznie i mają czas życia ograniczony przez czas życia połączenia (Connection), w ramach którego zostały utworzone. Po zamknięciu połączenia tymczasowe kolejki / kanały są usuwane razem z ewentualną nieodebraną zawartością.</a:t>
-            </a:r>
-          </a:p>
-          <a:p>
-            <a:pPr lvl="2"/>
-            <a:r>
-              <a:rPr lang="pl-PL" dirty="0" smtClean="0"/>
-              <a:t>Często używane do zrealizowania prostego mechanizmu request/reply.</a:t>
+              <a:rPr lang="pl-PL" dirty="0" smtClean="0"/>
+              <a:t>Wiadomości nie potwierdzone nie są zdejmowane z kolejki lub kanału (tylko dla trwałej subskrypcji).</a:t>
             </a:r>
           </a:p>
           <a:p>
@@ -15928,31 +16383,10 @@
           <a:p>
             <a:pPr lvl="1"/>
             <a:r>
-              <a:rPr lang="pl-PL" dirty="0" smtClean="0"/>
-              <a:t>Transakcje lokalne</a:t>
-            </a:r>
-          </a:p>
-          <a:p>
-            <a:pPr lvl="2"/>
-            <a:r>
-              <a:rPr lang="pl-PL" dirty="0" smtClean="0"/>
-              <a:t>Umożliwiają grupowanie operacji wysyłania i odbierania komunikatów.</a:t>
-            </a:r>
-          </a:p>
-          <a:p>
-            <a:pPr lvl="2"/>
-            <a:r>
-              <a:rPr lang="pl-PL" dirty="0" smtClean="0"/>
-              <a:t>Grupa takich operacji jest wykonywana jako niepodzielna całość.</a:t>
-            </a:r>
-          </a:p>
-          <a:p>
-            <a:pPr lvl="2"/>
-            <a:endParaRPr lang="pl-PL" dirty="0" smtClean="0"/>
-          </a:p>
-          <a:p>
-            <a:pPr lvl="2"/>
-            <a:endParaRPr lang="pl-PL" dirty="0"/>
+              <a:rPr lang="pl-PL" sz="1600" b="1" dirty="0" smtClean="0"/>
+              <a:t>Kiedy używać którego trybu?</a:t>
+            </a:r>
+            <a:endParaRPr lang="pl-PL" sz="1600" b="1" dirty="0"/>
           </a:p>
           <a:p>
             <a:pPr lvl="1"/>
@@ -15960,45 +16394,21 @@
           </a:p>
         </p:txBody>
       </p:sp>
-      <p:pic>
-        <p:nvPicPr>
-          <p:cNvPr id="3" name="Picture 2"/>
-          <p:cNvPicPr>
-            <a:picLocks noChangeAspect="1"/>
-          </p:cNvPicPr>
-          <p:nvPr/>
-        </p:nvPicPr>
-        <p:blipFill>
-          <a:blip r:embed="rId3"/>
-          <a:stretch>
-            <a:fillRect/>
-          </a:stretch>
-        </p:blipFill>
-        <p:spPr>
-          <a:xfrm>
-            <a:off x="6063297" y="3600767"/>
-            <a:ext cx="2594525" cy="869633"/>
-          </a:xfrm>
-          <a:prstGeom prst="rect">
-            <a:avLst/>
-          </a:prstGeom>
-        </p:spPr>
-      </p:pic>
     </p:spTree>
     <p:extLst>
       <p:ext uri="{BB962C8B-B14F-4D97-AF65-F5344CB8AC3E}">
-        <p14:creationId xmlns:p14="http://schemas.microsoft.com/office/powerpoint/2010/main" val="1674966021"/>
+        <p14:creationId xmlns:p14="http://schemas.microsoft.com/office/powerpoint/2010/main" xmlns="" val="2702127360"/>
       </p:ext>
     </p:extLst>
   </p:cSld>
   <p:clrMapOvr>
     <a:masterClrMapping/>
   </p:clrMapOvr>
-  <mc:AlternateContent xmlns:mc="http://schemas.openxmlformats.org/markup-compatibility/2006" xmlns:p14="http://schemas.microsoft.com/office/powerpoint/2010/main">
-    <mc:Choice Requires="p14">
+  <mc:AlternateContent xmlns:mc="http://schemas.openxmlformats.org/markup-compatibility/2006">
+    <mc:Choice xmlns:p14="http://schemas.microsoft.com/office/powerpoint/2010/main" xmlns="" Requires="p14">
       <p:transition p14:dur="10"/>
     </mc:Choice>
-    <mc:Fallback xmlns="">
+    <mc:Fallback>
       <p:transition/>
     </mc:Fallback>
   </mc:AlternateContent>
@@ -16045,8 +16455,8 @@
           <a:lstStyle/>
           <a:p>
             <a:r>
-              <a:rPr lang="pl-PL" dirty="0" smtClean="0"/>
-              <a:t>Zasoby</a:t>
+              <a:rPr lang="pl-PL" dirty="0"/>
+              <a:t>Wybrane aspekty JMS API</a:t>
             </a:r>
             <a:endParaRPr lang="de-DE" dirty="0"/>
           </a:p>
@@ -16093,50 +16503,105 @@
         </p:spPr>
         <p:txBody>
           <a:bodyPr>
-            <a:normAutofit/>
+            <a:normAutofit lnSpcReduction="10000"/>
           </a:bodyPr>
           <a:lstStyle/>
           <a:p>
             <a:pPr lvl="1"/>
             <a:r>
               <a:rPr lang="pl-PL" dirty="0" smtClean="0"/>
-              <a:t>Warto przeczytać:</a:t>
+              <a:t>Persystencja komunikatów</a:t>
             </a:r>
           </a:p>
           <a:p>
             <a:pPr lvl="2"/>
             <a:r>
               <a:rPr lang="pl-PL" dirty="0" smtClean="0"/>
-              <a:t>Java EE 7 Tutorial – Java Message Service Concepts </a:t>
-            </a:r>
-          </a:p>
-          <a:p>
-            <a:pPr lvl="3"/>
-            <a:r>
-              <a:rPr lang="pl-PL" dirty="0" smtClean="0">
-                <a:hlinkClick r:id="rId3"/>
-              </a:rPr>
-              <a:t>https</a:t>
-            </a:r>
-            <a:r>
-              <a:rPr lang="pl-PL" dirty="0">
-                <a:hlinkClick r:id="rId3"/>
-              </a:rPr>
-              <a:t>://</a:t>
-            </a:r>
-            <a:r>
-              <a:rPr lang="pl-PL" dirty="0" smtClean="0">
-                <a:hlinkClick r:id="rId3"/>
-              </a:rPr>
-              <a:t>docs.oracle.com/javaee/7/tutorial/jms-concepts.htm#BNCDQ</a:t>
-            </a:r>
+              <a:t>Tryb dostarczania PERSISTENT (domyślny) – komunikaty sa zapisywane w trwały sposób przez brokera JMS w sposób zapobiegający ich utracie w razie awarii brokera.</a:t>
+            </a:r>
+          </a:p>
+          <a:p>
+            <a:pPr lvl="2"/>
+            <a:r>
+              <a:rPr lang="pl-PL" dirty="0" smtClean="0"/>
+              <a:t>Tryb dostarczania NON_PERSISTENT – komunikaty nie są trwale zapisywane, przez co mogą zostać utracone w razie awarii brokera.</a:t>
+            </a:r>
+          </a:p>
+          <a:p>
+            <a:pPr lvl="2"/>
+            <a:endParaRPr lang="pl-PL" dirty="0"/>
+          </a:p>
+          <a:p>
+            <a:pPr lvl="1"/>
+            <a:r>
+              <a:rPr lang="pl-PL" dirty="0"/>
+              <a:t>JMS Queue </a:t>
+            </a:r>
+            <a:r>
+              <a:rPr lang="pl-PL" dirty="0" err="1"/>
+              <a:t>Browser</a:t>
+            </a:r>
+            <a:endParaRPr lang="pl-PL" dirty="0"/>
+          </a:p>
+          <a:p>
+            <a:pPr lvl="2"/>
+            <a:r>
+              <a:rPr lang="pl-PL" dirty="0"/>
+              <a:t>Pozwala przeglądać komunikaty obecne w kolejce bez odbierania ich</a:t>
+            </a:r>
+            <a:r>
+              <a:rPr lang="pl-PL" dirty="0" smtClean="0"/>
+              <a:t>.</a:t>
+            </a:r>
+          </a:p>
+          <a:p>
+            <a:pPr lvl="2"/>
+            <a:endParaRPr lang="pl-PL" dirty="0"/>
+          </a:p>
+          <a:p>
+            <a:pPr lvl="1"/>
+            <a:r>
+              <a:rPr lang="pl-PL" dirty="0" smtClean="0"/>
+              <a:t>Kolejki / kanały tymczasowe</a:t>
+            </a:r>
+          </a:p>
+          <a:p>
+            <a:pPr lvl="2"/>
+            <a:r>
+              <a:rPr lang="pl-PL" dirty="0" smtClean="0"/>
+              <a:t>Są tworzone dynamicznie i mają czas życia ograniczony przez czas życia połączenia (Connection), w ramach którego zostały utworzone. Po zamknięciu połączenia tymczasowe kolejki / kanały są usuwane razem z ewentualną nieodebraną zawartością.</a:t>
+            </a:r>
+          </a:p>
+          <a:p>
+            <a:pPr lvl="2"/>
+            <a:r>
+              <a:rPr lang="pl-PL" dirty="0" smtClean="0"/>
+              <a:t>Często używane do zrealizowania prostego mechanizmu request/reply.</a:t>
+            </a:r>
+          </a:p>
+          <a:p>
+            <a:pPr lvl="1"/>
             <a:endParaRPr lang="pl-PL" dirty="0" smtClean="0"/>
           </a:p>
           <a:p>
-            <a:pPr lvl="3"/>
-            <a:r>
-              <a:rPr lang="pl-PL" dirty="0" smtClean="0"/>
-              <a:t>Stąd pochodzi większość diagramów z tej prezentacji.</a:t>
+            <a:pPr lvl="1"/>
+            <a:r>
+              <a:rPr lang="pl-PL" dirty="0" smtClean="0"/>
+              <a:t>Transakcje lokalne</a:t>
+            </a:r>
+          </a:p>
+          <a:p>
+            <a:pPr lvl="2"/>
+            <a:r>
+              <a:rPr lang="pl-PL" dirty="0" smtClean="0"/>
+              <a:t>Umożliwiają grupowanie operacji wysyłania i odbierania komunikatów.</a:t>
+            </a:r>
+          </a:p>
+          <a:p>
+            <a:pPr lvl="2"/>
+            <a:r>
+              <a:rPr lang="pl-PL" dirty="0" smtClean="0"/>
+              <a:t>Grupa takich operacji jest wykonywana jako niepodzielna całość.</a:t>
             </a:r>
           </a:p>
           <a:p>
@@ -16153,21 +16618,45 @@
           </a:p>
         </p:txBody>
       </p:sp>
+      <p:pic>
+        <p:nvPicPr>
+          <p:cNvPr id="3" name="Picture 2"/>
+          <p:cNvPicPr>
+            <a:picLocks noChangeAspect="1"/>
+          </p:cNvPicPr>
+          <p:nvPr/>
+        </p:nvPicPr>
+        <p:blipFill>
+          <a:blip r:embed="rId3"/>
+          <a:stretch>
+            <a:fillRect/>
+          </a:stretch>
+        </p:blipFill>
+        <p:spPr>
+          <a:xfrm>
+            <a:off x="6063297" y="3600767"/>
+            <a:ext cx="2594525" cy="869633"/>
+          </a:xfrm>
+          <a:prstGeom prst="rect">
+            <a:avLst/>
+          </a:prstGeom>
+        </p:spPr>
+      </p:pic>
     </p:spTree>
     <p:extLst>
       <p:ext uri="{BB962C8B-B14F-4D97-AF65-F5344CB8AC3E}">
-        <p14:creationId xmlns:p14="http://schemas.microsoft.com/office/powerpoint/2010/main" val="3790304151"/>
+        <p14:creationId xmlns:p14="http://schemas.microsoft.com/office/powerpoint/2010/main" xmlns="" val="1674966021"/>
       </p:ext>
     </p:extLst>
   </p:cSld>
   <p:clrMapOvr>
     <a:masterClrMapping/>
   </p:clrMapOvr>
-  <mc:AlternateContent xmlns:mc="http://schemas.openxmlformats.org/markup-compatibility/2006" xmlns:p14="http://schemas.microsoft.com/office/powerpoint/2010/main">
-    <mc:Choice Requires="p14">
+  <mc:AlternateContent xmlns:mc="http://schemas.openxmlformats.org/markup-compatibility/2006">
+    <mc:Choice xmlns:p14="http://schemas.microsoft.com/office/powerpoint/2010/main" xmlns="" Requires="p14">
       <p:transition p14:dur="10"/>
     </mc:Choice>
-    <mc:Fallback xmlns="">
+    <mc:Fallback>
       <p:transition/>
     </mc:Fallback>
   </mc:AlternateContent>
@@ -16179,18 +16668,6 @@
     </p:tnLst>
   </p:timing>
 </p:sld>
-</file>
-
-<file path=ppt/tags/tag1.xml><?xml version="1.0" encoding="utf-8"?>
-<p:tagLst xmlns:a="http://schemas.openxmlformats.org/drawingml/2006/main" xmlns:r="http://schemas.openxmlformats.org/officeDocument/2006/relationships" xmlns:p="http://schemas.openxmlformats.org/presentationml/2006/main">
-  <p:tag name="THINKCELLSHAPEDONOTDELETE" val="thinkcellActiveDocDoNotDelete"/>
-</p:tagLst>
-</file>
-
-<file path=ppt/tags/tag2.xml><?xml version="1.0" encoding="utf-8"?>
-<p:tagLst xmlns:a="http://schemas.openxmlformats.org/drawingml/2006/main" xmlns:r="http://schemas.openxmlformats.org/officeDocument/2006/relationships" xmlns:p="http://schemas.openxmlformats.org/presentationml/2006/main">
-  <p:tag name="THINKCELLSHAPEDONOTDELETE" val="thinkcellActiveDocDoNotDelete"/>
-</p:tagLst>
 </file>
 
 <file path=ppt/theme/theme1.xml><?xml version="1.0" encoding="utf-8"?>
@@ -16465,7 +16942,7 @@
   <a:extraClrSchemeLst/>
   <a:extLst>
     <a:ext uri="{05A4C25C-085E-4340-85A3-A5531E510DB2}">
-      <thm15:themeFamily xmlns="" xmlns:thm15="http://schemas.microsoft.com/office/thememl/2012/main" name="GFT_Chartpool_2015.pptx" id="{A28C9458-9558-44C8-89F4-D7A2CBC04405}" vid="{0F156D25-70FA-498B-891B-4FDE46BF1046}"/>
+      <thm15:themeFamily xmlns:thm15="http://schemas.microsoft.com/office/thememl/2012/main" xmlns="" name="GFT_Chartpool_2015.pptx" id="{A28C9458-9558-44C8-89F4-D7A2CBC04405}" vid="{0F156D25-70FA-498B-891B-4FDE46BF1046}"/>
     </a:ext>
   </a:extLst>
 </a:theme>
@@ -17112,6 +17589,87 @@
 </file>
 
 <file path=customXml/item1.xml><?xml version="1.0" encoding="utf-8"?>
+<?mso-contentType ?>
+<spe:Receivers xmlns:spe="http://schemas.microsoft.com/sharepoint/events">
+  <Receiver>
+    <Name>Document ID Generator</Name>
+    <Synchronization>Synchronous</Synchronization>
+    <Type>10001</Type>
+    <SequenceNumber>1000</SequenceNumber>
+    <Assembly>Microsoft.Office.DocumentManagement, Version=14.0.0.0, Culture=neutral, PublicKeyToken=71e9bce111e9429c</Assembly>
+    <Class>Microsoft.Office.DocumentManagement.Internal.DocIdHandler</Class>
+    <Data/>
+    <Filter/>
+  </Receiver>
+  <Receiver>
+    <Name>Document ID Generator</Name>
+    <Synchronization>Synchronous</Synchronization>
+    <Type>10002</Type>
+    <SequenceNumber>1001</SequenceNumber>
+    <Assembly>Microsoft.Office.DocumentManagement, Version=14.0.0.0, Culture=neutral, PublicKeyToken=71e9bce111e9429c</Assembly>
+    <Class>Microsoft.Office.DocumentManagement.Internal.DocIdHandler</Class>
+    <Data/>
+    <Filter/>
+  </Receiver>
+  <Receiver>
+    <Name>Document ID Generator</Name>
+    <Synchronization>Synchronous</Synchronization>
+    <Type>10004</Type>
+    <SequenceNumber>1002</SequenceNumber>
+    <Assembly>Microsoft.Office.DocumentManagement, Version=14.0.0.0, Culture=neutral, PublicKeyToken=71e9bce111e9429c</Assembly>
+    <Class>Microsoft.Office.DocumentManagement.Internal.DocIdHandler</Class>
+    <Data/>
+    <Filter/>
+  </Receiver>
+  <Receiver>
+    <Name>Document ID Generator</Name>
+    <Synchronization>Synchronous</Synchronization>
+    <Type>10006</Type>
+    <SequenceNumber>1003</SequenceNumber>
+    <Assembly>Microsoft.Office.DocumentManagement, Version=14.0.0.0, Culture=neutral, PublicKeyToken=71e9bce111e9429c</Assembly>
+    <Class>Microsoft.Office.DocumentManagement.Internal.DocIdHandler</Class>
+    <Data/>
+    <Filter/>
+  </Receiver>
+</spe:Receivers>
+</file>
+
+<file path=customXml/item2.xml><?xml version="1.0" encoding="utf-8"?>
+<p:properties xmlns:p="http://schemas.microsoft.com/office/2006/metadata/properties" xmlns:xsi="http://www.w3.org/2001/XMLSchema-instance" xmlns:pc="http://schemas.microsoft.com/office/infopath/2007/PartnerControls">
+  <documentManagement>
+    <_dlc_DocId xmlns="727178e8-9586-4f49-8e7b-77af9c2fb085">CVD5QAC74SYH-2-13943</_dlc_DocId>
+    <_dlc_DocIdUrl xmlns="727178e8-9586-4f49-8e7b-77af9c2fb085">
+      <Url>https://share.gft.com/sites/Corporate-Marketing/_layouts/DocIdRedir.aspx?ID=CVD5QAC74SYH-2-13943</Url>
+      <Description>CVD5QAC74SYH-2-13943</Description>
+    </_dlc_DocIdUrl>
+    <Functional_x0020_Area xmlns="e44e039f-c551-4112-981c-456f1b630ef1">Functional Area 1</Functional_x0020_Area>
+    <Reference_x0020_Title xmlns="e44e039f-c551-4112-981c-456f1b630ef1" xsi:nil="true"/>
+    <Area xmlns="e44e039f-c551-4112-981c-456f1b630ef1">Area 1</Area>
+    <Project_x0020_size_x0020__x0028_resources_x0029_ xmlns="e44e039f-c551-4112-981c-456f1b630ef1" xsi:nil="true"/>
+    <Comments xmlns="e44e039f-c551-4112-981c-456f1b630ef1" xsi:nil="true"/>
+    <Business_x0020_Sector xmlns="e44e039f-c551-4112-981c-456f1b630ef1">Banking</Business_x0020_Sector>
+    <Client_x0020_Category xmlns="e44e039f-c551-4112-981c-456f1b630ef1">Central</Client_x0020_Category>
+    <Methods_x0020_and_x0020_standards xmlns="e44e039f-c551-4112-981c-456f1b630ef1" xsi:nil="true"/>
+    <Responsible xmlns="e44e039f-c551-4112-981c-456f1b630ef1">Marek Strejczek</Responsible>
+    <Client_x0020_Name xmlns="e44e039f-c551-4112-981c-456f1b630ef1" xsi:nil="true"/>
+    <Client_x0020_approval xmlns="e44e039f-c551-4112-981c-456f1b630ef1">No</Client_x0020_approval>
+    <Plattform_x0020__x0026__x0020_tools xmlns="e44e039f-c551-4112-981c-456f1b630ef1" xsi:nil="true"/>
+    <Project_x0020_ID xmlns="e44e039f-c551-4112-981c-456f1b630ef1" xsi:nil="true"/>
+    <Description0 xmlns="e44e039f-c551-4112-981c-456f1b630ef1" xsi:nil="true"/>
+    <Author_x0020__x002f__x0020_Contact xmlns="e44e039f-c551-4112-981c-456f1b630ef1">
+      <UserInfo>
+        <DisplayName/>
+        <AccountId xsi:nil="true"/>
+        <AccountType/>
+      </UserInfo>
+    </Author_x0020__x002f__x0020_Contact>
+    <Client_x0020_Country xmlns="e44e039f-c551-4112-981c-456f1b630ef1">Germany</Client_x0020_Country>
+    <Year xmlns="e44e039f-c551-4112-981c-456f1b630ef1" xsi:nil="true"/>
+  </documentManagement>
+</p:properties>
+</file>
+
+<file path=customXml/item3.xml><?xml version="1.0" encoding="utf-8"?>
 <ct:contentTypeSchema xmlns:ct="http://schemas.microsoft.com/office/2006/metadata/contentType" xmlns:ma="http://schemas.microsoft.com/office/2006/metadata/properties/metaAttributes" ct:_="" ma:_="" ma:contentTypeName="Document" ma:contentTypeID="0x010100793B9935CA02AD4F90F0A0FD564FDD82" ma:contentTypeVersion="17" ma:contentTypeDescription="Create a new document." ma:contentTypeScope="" ma:versionID="6168266ad0b2c1ccdc9d2ae0268a5eb6">
   <xsd:schema xmlns:xsd="http://www.w3.org/2001/XMLSchema" xmlns:xs="http://www.w3.org/2001/XMLSchema" xmlns:p="http://schemas.microsoft.com/office/2006/metadata/properties" xmlns:ns2="e44e039f-c551-4112-981c-456f1b630ef1" xmlns:ns3="727178e8-9586-4f49-8e7b-77af9c2fb085" targetNamespace="http://schemas.microsoft.com/office/2006/metadata/properties" ma:root="true" ma:fieldsID="b9b29daf9bb73cd90369de1b0e977594" ns2:_="" ns3:_="">
     <xsd:import namespace="e44e039f-c551-4112-981c-456f1b630ef1"/>
@@ -17608,87 +18166,6 @@
 </ct:contentTypeSchema>
 </file>
 
-<file path=customXml/item2.xml><?xml version="1.0" encoding="utf-8"?>
-<p:properties xmlns:p="http://schemas.microsoft.com/office/2006/metadata/properties" xmlns:xsi="http://www.w3.org/2001/XMLSchema-instance" xmlns:pc="http://schemas.microsoft.com/office/infopath/2007/PartnerControls">
-  <documentManagement>
-    <_dlc_DocId xmlns="727178e8-9586-4f49-8e7b-77af9c2fb085">CVD5QAC74SYH-2-13943</_dlc_DocId>
-    <_dlc_DocIdUrl xmlns="727178e8-9586-4f49-8e7b-77af9c2fb085">
-      <Url>https://share.gft.com/sites/Corporate-Marketing/_layouts/DocIdRedir.aspx?ID=CVD5QAC74SYH-2-13943</Url>
-      <Description>CVD5QAC74SYH-2-13943</Description>
-    </_dlc_DocIdUrl>
-    <Functional_x0020_Area xmlns="e44e039f-c551-4112-981c-456f1b630ef1">Functional Area 1</Functional_x0020_Area>
-    <Reference_x0020_Title xmlns="e44e039f-c551-4112-981c-456f1b630ef1" xsi:nil="true"/>
-    <Area xmlns="e44e039f-c551-4112-981c-456f1b630ef1">Area 1</Area>
-    <Project_x0020_size_x0020__x0028_resources_x0029_ xmlns="e44e039f-c551-4112-981c-456f1b630ef1" xsi:nil="true"/>
-    <Comments xmlns="e44e039f-c551-4112-981c-456f1b630ef1" xsi:nil="true"/>
-    <Business_x0020_Sector xmlns="e44e039f-c551-4112-981c-456f1b630ef1">Banking</Business_x0020_Sector>
-    <Client_x0020_Category xmlns="e44e039f-c551-4112-981c-456f1b630ef1">Central</Client_x0020_Category>
-    <Methods_x0020_and_x0020_standards xmlns="e44e039f-c551-4112-981c-456f1b630ef1" xsi:nil="true"/>
-    <Responsible xmlns="e44e039f-c551-4112-981c-456f1b630ef1">Marek Strejczek</Responsible>
-    <Client_x0020_Name xmlns="e44e039f-c551-4112-981c-456f1b630ef1" xsi:nil="true"/>
-    <Client_x0020_approval xmlns="e44e039f-c551-4112-981c-456f1b630ef1">No</Client_x0020_approval>
-    <Plattform_x0020__x0026__x0020_tools xmlns="e44e039f-c551-4112-981c-456f1b630ef1" xsi:nil="true"/>
-    <Project_x0020_ID xmlns="e44e039f-c551-4112-981c-456f1b630ef1" xsi:nil="true"/>
-    <Description0 xmlns="e44e039f-c551-4112-981c-456f1b630ef1" xsi:nil="true"/>
-    <Author_x0020__x002f__x0020_Contact xmlns="e44e039f-c551-4112-981c-456f1b630ef1">
-      <UserInfo>
-        <DisplayName/>
-        <AccountId xsi:nil="true"/>
-        <AccountType/>
-      </UserInfo>
-    </Author_x0020__x002f__x0020_Contact>
-    <Client_x0020_Country xmlns="e44e039f-c551-4112-981c-456f1b630ef1">Germany</Client_x0020_Country>
-    <Year xmlns="e44e039f-c551-4112-981c-456f1b630ef1" xsi:nil="true"/>
-  </documentManagement>
-</p:properties>
-</file>
-
-<file path=customXml/item3.xml><?xml version="1.0" encoding="utf-8"?>
-<?mso-contentType ?>
-<spe:Receivers xmlns:spe="http://schemas.microsoft.com/sharepoint/events">
-  <Receiver>
-    <Name>Document ID Generator</Name>
-    <Synchronization>Synchronous</Synchronization>
-    <Type>10001</Type>
-    <SequenceNumber>1000</SequenceNumber>
-    <Assembly>Microsoft.Office.DocumentManagement, Version=14.0.0.0, Culture=neutral, PublicKeyToken=71e9bce111e9429c</Assembly>
-    <Class>Microsoft.Office.DocumentManagement.Internal.DocIdHandler</Class>
-    <Data/>
-    <Filter/>
-  </Receiver>
-  <Receiver>
-    <Name>Document ID Generator</Name>
-    <Synchronization>Synchronous</Synchronization>
-    <Type>10002</Type>
-    <SequenceNumber>1001</SequenceNumber>
-    <Assembly>Microsoft.Office.DocumentManagement, Version=14.0.0.0, Culture=neutral, PublicKeyToken=71e9bce111e9429c</Assembly>
-    <Class>Microsoft.Office.DocumentManagement.Internal.DocIdHandler</Class>
-    <Data/>
-    <Filter/>
-  </Receiver>
-  <Receiver>
-    <Name>Document ID Generator</Name>
-    <Synchronization>Synchronous</Synchronization>
-    <Type>10004</Type>
-    <SequenceNumber>1002</SequenceNumber>
-    <Assembly>Microsoft.Office.DocumentManagement, Version=14.0.0.0, Culture=neutral, PublicKeyToken=71e9bce111e9429c</Assembly>
-    <Class>Microsoft.Office.DocumentManagement.Internal.DocIdHandler</Class>
-    <Data/>
-    <Filter/>
-  </Receiver>
-  <Receiver>
-    <Name>Document ID Generator</Name>
-    <Synchronization>Synchronous</Synchronization>
-    <Type>10006</Type>
-    <SequenceNumber>1003</SequenceNumber>
-    <Assembly>Microsoft.Office.DocumentManagement, Version=14.0.0.0, Culture=neutral, PublicKeyToken=71e9bce111e9429c</Assembly>
-    <Class>Microsoft.Office.DocumentManagement.Internal.DocIdHandler</Class>
-    <Data/>
-    <Filter/>
-  </Receiver>
-</spe:Receivers>
-</file>
-
 <file path=customXml/item4.xml><?xml version="1.0" encoding="utf-8"?>
 <?mso-contentType ?>
 <FormTemplates xmlns="http://schemas.microsoft.com/sharepoint/v3/contenttype/forms">
@@ -17699,20 +18176,9 @@
 </file>
 
 <file path=customXml/itemProps1.xml><?xml version="1.0" encoding="utf-8"?>
-<ds:datastoreItem xmlns:ds="http://schemas.openxmlformats.org/officeDocument/2006/customXml" ds:itemID="{54CA1130-EAC1-4116-82E4-DF5A51FE3AEA}">
+<ds:datastoreItem xmlns:ds="http://schemas.openxmlformats.org/officeDocument/2006/customXml" ds:itemID="{A6F3EA8F-EBA0-438A-80BD-6A96E2E10054}">
   <ds:schemaRefs>
-    <ds:schemaRef ds:uri="http://schemas.microsoft.com/office/2006/metadata/contentType"/>
-    <ds:schemaRef ds:uri="http://schemas.microsoft.com/office/2006/metadata/properties/metaAttributes"/>
-    <ds:schemaRef ds:uri="http://www.w3.org/2001/XMLSchema"/>
-    <ds:schemaRef ds:uri="http://schemas.microsoft.com/office/2006/metadata/properties"/>
-    <ds:schemaRef ds:uri="e44e039f-c551-4112-981c-456f1b630ef1"/>
-    <ds:schemaRef ds:uri="727178e8-9586-4f49-8e7b-77af9c2fb085"/>
-    <ds:schemaRef ds:uri="http://schemas.microsoft.com/office/2006/documentManagement/types"/>
-    <ds:schemaRef ds:uri="http://schemas.microsoft.com/office/infopath/2007/PartnerControls"/>
-    <ds:schemaRef ds:uri="http://schemas.openxmlformats.org/package/2006/metadata/core-properties"/>
-    <ds:schemaRef ds:uri="http://purl.org/dc/elements/1.1/"/>
-    <ds:schemaRef ds:uri="http://purl.org/dc/terms/"/>
-    <ds:schemaRef ds:uri="http://schemas.microsoft.com/internal/obd"/>
+    <ds:schemaRef ds:uri="http://schemas.microsoft.com/sharepoint/events"/>
   </ds:schemaRefs>
 </ds:datastoreItem>
 </file>
@@ -17735,9 +18201,20 @@
 </file>
 
 <file path=customXml/itemProps3.xml><?xml version="1.0" encoding="utf-8"?>
-<ds:datastoreItem xmlns:ds="http://schemas.openxmlformats.org/officeDocument/2006/customXml" ds:itemID="{A6F3EA8F-EBA0-438A-80BD-6A96E2E10054}">
+<ds:datastoreItem xmlns:ds="http://schemas.openxmlformats.org/officeDocument/2006/customXml" ds:itemID="{54CA1130-EAC1-4116-82E4-DF5A51FE3AEA}">
   <ds:schemaRefs>
-    <ds:schemaRef ds:uri="http://schemas.microsoft.com/sharepoint/events"/>
+    <ds:schemaRef ds:uri="http://schemas.microsoft.com/office/2006/metadata/contentType"/>
+    <ds:schemaRef ds:uri="http://schemas.microsoft.com/office/2006/metadata/properties/metaAttributes"/>
+    <ds:schemaRef ds:uri="http://www.w3.org/2001/XMLSchema"/>
+    <ds:schemaRef ds:uri="http://schemas.microsoft.com/office/2006/metadata/properties"/>
+    <ds:schemaRef ds:uri="e44e039f-c551-4112-981c-456f1b630ef1"/>
+    <ds:schemaRef ds:uri="727178e8-9586-4f49-8e7b-77af9c2fb085"/>
+    <ds:schemaRef ds:uri="http://schemas.microsoft.com/office/2006/documentManagement/types"/>
+    <ds:schemaRef ds:uri="http://schemas.microsoft.com/office/infopath/2007/PartnerControls"/>
+    <ds:schemaRef ds:uri="http://schemas.openxmlformats.org/package/2006/metadata/core-properties"/>
+    <ds:schemaRef ds:uri="http://purl.org/dc/elements/1.1/"/>
+    <ds:schemaRef ds:uri="http://purl.org/dc/terms/"/>
+    <ds:schemaRef ds:uri="http://schemas.microsoft.com/internal/obd"/>
   </ds:schemaRefs>
 </ds:datastoreItem>
 </file>

--- a/WDSR - ćwiczenie 4.pptx
+++ b/WDSR - ćwiczenie 4.pptx
@@ -138,7 +138,7 @@
   </p:defaultTextStyle>
   <p:extLst>
     <p:ext uri="{EFAFB233-063F-42B5-8137-9DF3F51BA10A}">
-      <p15:sldGuideLst xmlns:p15="http://schemas.microsoft.com/office/powerpoint/2012/main" xmlns="">
+      <p15:sldGuideLst xmlns="" xmlns:p15="http://schemas.microsoft.com/office/powerpoint/2012/main">
         <p15:guide id="1" orient="horz" pos="1620">
           <p15:clr>
             <a:srgbClr val="A4A3A4"/>
@@ -172,7 +172,7 @@
       </p15:sldGuideLst>
     </p:ext>
     <p:ext uri="{2D200454-40CA-4A62-9FC3-DE9A4176ACB9}">
-      <p15:notesGuideLst xmlns:p15="http://schemas.microsoft.com/office/powerpoint/2012/main" xmlns=""/>
+      <p15:notesGuideLst xmlns="" xmlns:p15="http://schemas.microsoft.com/office/powerpoint/2012/main"/>
     </p:ext>
   </p:extLst>
 </p:presentation>
@@ -343,7 +343,7 @@
     </p:spTree>
     <p:extLst>
       <p:ext uri="{BB962C8B-B14F-4D97-AF65-F5344CB8AC3E}">
-        <p14:creationId xmlns:p14="http://schemas.microsoft.com/office/powerpoint/2010/main" xmlns="" val="1863735379"/>
+        <p14:creationId xmlns="" xmlns:p14="http://schemas.microsoft.com/office/powerpoint/2010/main" val="1863735379"/>
       </p:ext>
     </p:extLst>
   </p:cSld>
@@ -604,7 +604,7 @@
     </p:spTree>
     <p:extLst>
       <p:ext uri="{BB962C8B-B14F-4D97-AF65-F5344CB8AC3E}">
-        <p14:creationId xmlns:p14="http://schemas.microsoft.com/office/powerpoint/2010/main" xmlns="" val="1832403913"/>
+        <p14:creationId xmlns="" xmlns:p14="http://schemas.microsoft.com/office/powerpoint/2010/main" val="1832403913"/>
       </p:ext>
     </p:extLst>
   </p:cSld>
@@ -782,7 +782,7 @@
     </p:spTree>
     <p:extLst>
       <p:ext uri="{BB962C8B-B14F-4D97-AF65-F5344CB8AC3E}">
-        <p14:creationId xmlns:p14="http://schemas.microsoft.com/office/powerpoint/2010/main" xmlns="" val="1775613547"/>
+        <p14:creationId xmlns="" xmlns:p14="http://schemas.microsoft.com/office/powerpoint/2010/main" val="1775613547"/>
       </p:ext>
     </p:extLst>
   </p:cSld>
@@ -869,7 +869,7 @@
     </p:spTree>
     <p:extLst>
       <p:ext uri="{BB962C8B-B14F-4D97-AF65-F5344CB8AC3E}">
-        <p14:creationId xmlns:p14="http://schemas.microsoft.com/office/powerpoint/2010/main" xmlns="" val="1883132698"/>
+        <p14:creationId xmlns="" xmlns:p14="http://schemas.microsoft.com/office/powerpoint/2010/main" val="1883132698"/>
       </p:ext>
     </p:extLst>
   </p:cSld>
@@ -956,7 +956,7 @@
     </p:spTree>
     <p:extLst>
       <p:ext uri="{BB962C8B-B14F-4D97-AF65-F5344CB8AC3E}">
-        <p14:creationId xmlns:p14="http://schemas.microsoft.com/office/powerpoint/2010/main" xmlns="" val="1883132698"/>
+        <p14:creationId xmlns="" xmlns:p14="http://schemas.microsoft.com/office/powerpoint/2010/main" val="1883132698"/>
       </p:ext>
     </p:extLst>
   </p:cSld>
@@ -1043,7 +1043,7 @@
     </p:spTree>
     <p:extLst>
       <p:ext uri="{BB962C8B-B14F-4D97-AF65-F5344CB8AC3E}">
-        <p14:creationId xmlns:p14="http://schemas.microsoft.com/office/powerpoint/2010/main" xmlns="" val="1883132698"/>
+        <p14:creationId xmlns="" xmlns:p14="http://schemas.microsoft.com/office/powerpoint/2010/main" val="1883132698"/>
       </p:ext>
     </p:extLst>
   </p:cSld>
@@ -1130,7 +1130,7 @@
     </p:spTree>
     <p:extLst>
       <p:ext uri="{BB962C8B-B14F-4D97-AF65-F5344CB8AC3E}">
-        <p14:creationId xmlns:p14="http://schemas.microsoft.com/office/powerpoint/2010/main" xmlns="" val="1093544291"/>
+        <p14:creationId xmlns="" xmlns:p14="http://schemas.microsoft.com/office/powerpoint/2010/main" val="1093544291"/>
       </p:ext>
     </p:extLst>
   </p:cSld>
@@ -1217,7 +1217,7 @@
     </p:spTree>
     <p:extLst>
       <p:ext uri="{BB962C8B-B14F-4D97-AF65-F5344CB8AC3E}">
-        <p14:creationId xmlns:p14="http://schemas.microsoft.com/office/powerpoint/2010/main" xmlns="" val="1883132698"/>
+        <p14:creationId xmlns="" xmlns:p14="http://schemas.microsoft.com/office/powerpoint/2010/main" val="1883132698"/>
       </p:ext>
     </p:extLst>
   </p:cSld>
@@ -1304,7 +1304,7 @@
     </p:spTree>
     <p:extLst>
       <p:ext uri="{BB962C8B-B14F-4D97-AF65-F5344CB8AC3E}">
-        <p14:creationId xmlns:p14="http://schemas.microsoft.com/office/powerpoint/2010/main" xmlns="" val="1883132698"/>
+        <p14:creationId xmlns="" xmlns:p14="http://schemas.microsoft.com/office/powerpoint/2010/main" val="1883132698"/>
       </p:ext>
     </p:extLst>
   </p:cSld>
@@ -1391,7 +1391,7 @@
     </p:spTree>
     <p:extLst>
       <p:ext uri="{BB962C8B-B14F-4D97-AF65-F5344CB8AC3E}">
-        <p14:creationId xmlns:p14="http://schemas.microsoft.com/office/powerpoint/2010/main" xmlns="" val="1883132698"/>
+        <p14:creationId xmlns="" xmlns:p14="http://schemas.microsoft.com/office/powerpoint/2010/main" val="1883132698"/>
       </p:ext>
     </p:extLst>
   </p:cSld>
@@ -1478,7 +1478,7 @@
     </p:spTree>
     <p:extLst>
       <p:ext uri="{BB962C8B-B14F-4D97-AF65-F5344CB8AC3E}">
-        <p14:creationId xmlns:p14="http://schemas.microsoft.com/office/powerpoint/2010/main" xmlns="" val="1883132698"/>
+        <p14:creationId xmlns="" xmlns:p14="http://schemas.microsoft.com/office/powerpoint/2010/main" val="1883132698"/>
       </p:ext>
     </p:extLst>
   </p:cSld>
@@ -1565,7 +1565,7 @@
     </p:spTree>
     <p:extLst>
       <p:ext uri="{BB962C8B-B14F-4D97-AF65-F5344CB8AC3E}">
-        <p14:creationId xmlns:p14="http://schemas.microsoft.com/office/powerpoint/2010/main" xmlns="" val="1883132698"/>
+        <p14:creationId xmlns="" xmlns:p14="http://schemas.microsoft.com/office/powerpoint/2010/main" val="1883132698"/>
       </p:ext>
     </p:extLst>
   </p:cSld>
@@ -1652,7 +1652,7 @@
     </p:spTree>
     <p:extLst>
       <p:ext uri="{BB962C8B-B14F-4D97-AF65-F5344CB8AC3E}">
-        <p14:creationId xmlns:p14="http://schemas.microsoft.com/office/powerpoint/2010/main" xmlns="" val="1883132698"/>
+        <p14:creationId xmlns="" xmlns:p14="http://schemas.microsoft.com/office/powerpoint/2010/main" val="1883132698"/>
       </p:ext>
     </p:extLst>
   </p:cSld>
@@ -1739,7 +1739,7 @@
     </p:spTree>
     <p:extLst>
       <p:ext uri="{BB962C8B-B14F-4D97-AF65-F5344CB8AC3E}">
-        <p14:creationId xmlns:p14="http://schemas.microsoft.com/office/powerpoint/2010/main" xmlns="" val="1441376820"/>
+        <p14:creationId xmlns="" xmlns:p14="http://schemas.microsoft.com/office/powerpoint/2010/main" val="1441376820"/>
       </p:ext>
     </p:extLst>
   </p:cSld>
@@ -1826,7 +1826,7 @@
     </p:spTree>
     <p:extLst>
       <p:ext uri="{BB962C8B-B14F-4D97-AF65-F5344CB8AC3E}">
-        <p14:creationId xmlns:p14="http://schemas.microsoft.com/office/powerpoint/2010/main" xmlns="" val="1883132698"/>
+        <p14:creationId xmlns="" xmlns:p14="http://schemas.microsoft.com/office/powerpoint/2010/main" val="1883132698"/>
       </p:ext>
     </p:extLst>
   </p:cSld>
@@ -1913,7 +1913,7 @@
     </p:spTree>
     <p:extLst>
       <p:ext uri="{BB962C8B-B14F-4D97-AF65-F5344CB8AC3E}">
-        <p14:creationId xmlns:p14="http://schemas.microsoft.com/office/powerpoint/2010/main" xmlns="" val="1883132698"/>
+        <p14:creationId xmlns="" xmlns:p14="http://schemas.microsoft.com/office/powerpoint/2010/main" val="1883132698"/>
       </p:ext>
     </p:extLst>
   </p:cSld>
@@ -2000,7 +2000,7 @@
     </p:spTree>
     <p:extLst>
       <p:ext uri="{BB962C8B-B14F-4D97-AF65-F5344CB8AC3E}">
-        <p14:creationId xmlns:p14="http://schemas.microsoft.com/office/powerpoint/2010/main" xmlns="" val="1883132698"/>
+        <p14:creationId xmlns="" xmlns:p14="http://schemas.microsoft.com/office/powerpoint/2010/main" val="1883132698"/>
       </p:ext>
     </p:extLst>
   </p:cSld>
@@ -2087,7 +2087,7 @@
     </p:spTree>
     <p:extLst>
       <p:ext uri="{BB962C8B-B14F-4D97-AF65-F5344CB8AC3E}">
-        <p14:creationId xmlns:p14="http://schemas.microsoft.com/office/powerpoint/2010/main" xmlns="" val="1883132698"/>
+        <p14:creationId xmlns="" xmlns:p14="http://schemas.microsoft.com/office/powerpoint/2010/main" val="1883132698"/>
       </p:ext>
     </p:extLst>
   </p:cSld>
@@ -2174,7 +2174,7 @@
     </p:spTree>
     <p:extLst>
       <p:ext uri="{BB962C8B-B14F-4D97-AF65-F5344CB8AC3E}">
-        <p14:creationId xmlns:p14="http://schemas.microsoft.com/office/powerpoint/2010/main" xmlns="" val="1883132698"/>
+        <p14:creationId xmlns="" xmlns:p14="http://schemas.microsoft.com/office/powerpoint/2010/main" val="1883132698"/>
       </p:ext>
     </p:extLst>
   </p:cSld>
@@ -2261,7 +2261,7 @@
     </p:spTree>
     <p:extLst>
       <p:ext uri="{BB962C8B-B14F-4D97-AF65-F5344CB8AC3E}">
-        <p14:creationId xmlns:p14="http://schemas.microsoft.com/office/powerpoint/2010/main" xmlns="" val="1883132698"/>
+        <p14:creationId xmlns="" xmlns:p14="http://schemas.microsoft.com/office/powerpoint/2010/main" val="1883132698"/>
       </p:ext>
     </p:extLst>
   </p:cSld>
@@ -2348,7 +2348,7 @@
     </p:spTree>
     <p:extLst>
       <p:ext uri="{BB962C8B-B14F-4D97-AF65-F5344CB8AC3E}">
-        <p14:creationId xmlns:p14="http://schemas.microsoft.com/office/powerpoint/2010/main" xmlns="" val="1775613547"/>
+        <p14:creationId xmlns="" xmlns:p14="http://schemas.microsoft.com/office/powerpoint/2010/main" val="1775613547"/>
       </p:ext>
     </p:extLst>
   </p:cSld>
@@ -2435,7 +2435,7 @@
     </p:spTree>
     <p:extLst>
       <p:ext uri="{BB962C8B-B14F-4D97-AF65-F5344CB8AC3E}">
-        <p14:creationId xmlns:p14="http://schemas.microsoft.com/office/powerpoint/2010/main" xmlns="" val="2301285577"/>
+        <p14:creationId xmlns="" xmlns:p14="http://schemas.microsoft.com/office/powerpoint/2010/main" val="2301285577"/>
       </p:ext>
     </p:extLst>
   </p:cSld>
@@ -2522,7 +2522,7 @@
     </p:spTree>
     <p:extLst>
       <p:ext uri="{BB962C8B-B14F-4D97-AF65-F5344CB8AC3E}">
-        <p14:creationId xmlns:p14="http://schemas.microsoft.com/office/powerpoint/2010/main" xmlns="" val="3496517690"/>
+        <p14:creationId xmlns="" xmlns:p14="http://schemas.microsoft.com/office/powerpoint/2010/main" val="3496517690"/>
       </p:ext>
     </p:extLst>
   </p:cSld>
@@ -2609,7 +2609,7 @@
     </p:spTree>
     <p:extLst>
       <p:ext uri="{BB962C8B-B14F-4D97-AF65-F5344CB8AC3E}">
-        <p14:creationId xmlns:p14="http://schemas.microsoft.com/office/powerpoint/2010/main" xmlns="" val="669364011"/>
+        <p14:creationId xmlns="" xmlns:p14="http://schemas.microsoft.com/office/powerpoint/2010/main" val="669364011"/>
       </p:ext>
     </p:extLst>
   </p:cSld>
@@ -2696,7 +2696,7 @@
     </p:spTree>
     <p:extLst>
       <p:ext uri="{BB962C8B-B14F-4D97-AF65-F5344CB8AC3E}">
-        <p14:creationId xmlns:p14="http://schemas.microsoft.com/office/powerpoint/2010/main" xmlns="" val="669364011"/>
+        <p14:creationId xmlns="" xmlns:p14="http://schemas.microsoft.com/office/powerpoint/2010/main" val="669364011"/>
       </p:ext>
     </p:extLst>
   </p:cSld>
@@ -2783,7 +2783,7 @@
     </p:spTree>
     <p:extLst>
       <p:ext uri="{BB962C8B-B14F-4D97-AF65-F5344CB8AC3E}">
-        <p14:creationId xmlns:p14="http://schemas.microsoft.com/office/powerpoint/2010/main" xmlns="" val="182119063"/>
+        <p14:creationId xmlns="" xmlns:p14="http://schemas.microsoft.com/office/powerpoint/2010/main" val="182119063"/>
       </p:ext>
     </p:extLst>
   </p:cSld>
@@ -2870,7 +2870,7 @@
     </p:spTree>
     <p:extLst>
       <p:ext uri="{BB962C8B-B14F-4D97-AF65-F5344CB8AC3E}">
-        <p14:creationId xmlns:p14="http://schemas.microsoft.com/office/powerpoint/2010/main" xmlns="" val="411415049"/>
+        <p14:creationId xmlns="" xmlns:p14="http://schemas.microsoft.com/office/powerpoint/2010/main" val="411415049"/>
       </p:ext>
     </p:extLst>
   </p:cSld>
@@ -2909,7 +2909,7 @@
           <a:blip r:embed="rId2">
             <a:extLst>
               <a:ext uri="{28A0092B-C50C-407E-A947-70E740481C1C}">
-                <a14:useLocalDpi xmlns:a14="http://schemas.microsoft.com/office/drawing/2010/main" xmlns="" val="0"/>
+                <a14:useLocalDpi xmlns="" xmlns:a14="http://schemas.microsoft.com/office/drawing/2010/main" val="0"/>
               </a:ext>
             </a:extLst>
           </a:blip>
@@ -3223,7 +3223,7 @@
           <a:blip r:embed="rId3">
             <a:extLst>
               <a:ext uri="{28A0092B-C50C-407E-A947-70E740481C1C}">
-                <a14:useLocalDpi xmlns:a14="http://schemas.microsoft.com/office/drawing/2010/main" xmlns="" val="0"/>
+                <a14:useLocalDpi xmlns="" xmlns:a14="http://schemas.microsoft.com/office/drawing/2010/main" val="0"/>
               </a:ext>
             </a:extLst>
           </a:blip>
@@ -3243,7 +3243,7 @@
           <a:noFill/>
           <a:extLst>
             <a:ext uri="{909E8E84-426E-40DD-AFC4-6F175D3DCCD1}">
-              <a14:hiddenFill xmlns:a14="http://schemas.microsoft.com/office/drawing/2010/main" xmlns="">
+              <a14:hiddenFill xmlns="" xmlns:a14="http://schemas.microsoft.com/office/drawing/2010/main">
                 <a:solidFill>
                   <a:srgbClr val="FFFFFF"/>
                 </a:solidFill>
@@ -3255,7 +3255,7 @@
     </p:spTree>
     <p:extLst>
       <p:ext uri="{BB962C8B-B14F-4D97-AF65-F5344CB8AC3E}">
-        <p14:creationId xmlns:p14="http://schemas.microsoft.com/office/powerpoint/2010/main" xmlns="" val="2032434000"/>
+        <p14:creationId xmlns="" xmlns:p14="http://schemas.microsoft.com/office/powerpoint/2010/main" val="2032434000"/>
       </p:ext>
     </p:extLst>
   </p:cSld>
@@ -3301,7 +3301,7 @@
           <a:blip r:embed="rId2">
             <a:extLst>
               <a:ext uri="{28A0092B-C50C-407E-A947-70E740481C1C}">
-                <a14:useLocalDpi xmlns:a14="http://schemas.microsoft.com/office/drawing/2010/main" xmlns="" val="0"/>
+                <a14:useLocalDpi xmlns="" xmlns:a14="http://schemas.microsoft.com/office/drawing/2010/main" val="0"/>
               </a:ext>
             </a:extLst>
           </a:blip>
@@ -3597,7 +3597,7 @@
           <a:blip r:embed="rId3">
             <a:extLst>
               <a:ext uri="{28A0092B-C50C-407E-A947-70E740481C1C}">
-                <a14:useLocalDpi xmlns:a14="http://schemas.microsoft.com/office/drawing/2010/main" xmlns="" val="0"/>
+                <a14:useLocalDpi xmlns="" xmlns:a14="http://schemas.microsoft.com/office/drawing/2010/main" val="0"/>
               </a:ext>
             </a:extLst>
           </a:blip>
@@ -3617,7 +3617,7 @@
           <a:noFill/>
           <a:extLst>
             <a:ext uri="{909E8E84-426E-40DD-AFC4-6F175D3DCCD1}">
-              <a14:hiddenFill xmlns:a14="http://schemas.microsoft.com/office/drawing/2010/main" xmlns="">
+              <a14:hiddenFill xmlns="" xmlns:a14="http://schemas.microsoft.com/office/drawing/2010/main">
                 <a:solidFill>
                   <a:srgbClr val="FFFFFF"/>
                 </a:solidFill>
@@ -3629,7 +3629,7 @@
     </p:spTree>
     <p:extLst>
       <p:ext uri="{BB962C8B-B14F-4D97-AF65-F5344CB8AC3E}">
-        <p14:creationId xmlns:p14="http://schemas.microsoft.com/office/powerpoint/2010/main" xmlns="" val="707728385"/>
+        <p14:creationId xmlns="" xmlns:p14="http://schemas.microsoft.com/office/powerpoint/2010/main" val="707728385"/>
       </p:ext>
     </p:extLst>
   </p:cSld>
@@ -3645,7 +3645,7 @@
   </p:timing>
   <p:extLst mod="1">
     <p:ext uri="{DCECCB84-F9BA-43D5-87BE-67443E8EF086}">
-      <p15:sldGuideLst xmlns:p15="http://schemas.microsoft.com/office/powerpoint/2012/main" xmlns="">
+      <p15:sldGuideLst xmlns="" xmlns:p15="http://schemas.microsoft.com/office/powerpoint/2012/main">
         <p15:guide id="1" orient="horz" pos="1221">
           <p15:clr>
             <a:srgbClr val="C35EA4"/>
@@ -3686,7 +3686,7 @@
           <a:blip r:embed="rId2">
             <a:extLst>
               <a:ext uri="{28A0092B-C50C-407E-A947-70E740481C1C}">
-                <a14:useLocalDpi xmlns:a14="http://schemas.microsoft.com/office/drawing/2010/main" xmlns="" val="0"/>
+                <a14:useLocalDpi xmlns="" xmlns:a14="http://schemas.microsoft.com/office/drawing/2010/main" val="0"/>
               </a:ext>
             </a:extLst>
           </a:blip>
@@ -3937,7 +3937,7 @@
           <a:blip r:embed="rId3">
             <a:extLst>
               <a:ext uri="{28A0092B-C50C-407E-A947-70E740481C1C}">
-                <a14:useLocalDpi xmlns:a14="http://schemas.microsoft.com/office/drawing/2010/main" xmlns="" val="0"/>
+                <a14:useLocalDpi xmlns="" xmlns:a14="http://schemas.microsoft.com/office/drawing/2010/main" val="0"/>
               </a:ext>
             </a:extLst>
           </a:blip>
@@ -3957,7 +3957,7 @@
           <a:noFill/>
           <a:extLst>
             <a:ext uri="{909E8E84-426E-40DD-AFC4-6F175D3DCCD1}">
-              <a14:hiddenFill xmlns:a14="http://schemas.microsoft.com/office/drawing/2010/main" xmlns="">
+              <a14:hiddenFill xmlns="" xmlns:a14="http://schemas.microsoft.com/office/drawing/2010/main">
                 <a:solidFill>
                   <a:srgbClr val="FFFFFF"/>
                 </a:solidFill>
@@ -3969,7 +3969,7 @@
     </p:spTree>
     <p:extLst>
       <p:ext uri="{BB962C8B-B14F-4D97-AF65-F5344CB8AC3E}">
-        <p14:creationId xmlns:p14="http://schemas.microsoft.com/office/powerpoint/2010/main" xmlns="" val="3130113218"/>
+        <p14:creationId xmlns="" xmlns:p14="http://schemas.microsoft.com/office/powerpoint/2010/main" val="3130113218"/>
       </p:ext>
     </p:extLst>
   </p:cSld>
@@ -3978,7 +3978,7 @@
   </p:clrMapOvr>
   <p:extLst mod="1">
     <p:ext uri="{DCECCB84-F9BA-43D5-87BE-67443E8EF086}">
-      <p15:sldGuideLst xmlns:p15="http://schemas.microsoft.com/office/powerpoint/2012/main" xmlns="">
+      <p15:sldGuideLst xmlns="" xmlns:p15="http://schemas.microsoft.com/office/powerpoint/2012/main">
         <p15:guide id="1" orient="horz" pos="1221">
           <p15:clr>
             <a:srgbClr val="C35EA4"/>
@@ -4132,7 +4132,7 @@
     </p:spTree>
     <p:extLst>
       <p:ext uri="{BB962C8B-B14F-4D97-AF65-F5344CB8AC3E}">
-        <p14:creationId xmlns:p14="http://schemas.microsoft.com/office/powerpoint/2010/main" xmlns="" val="2626482632"/>
+        <p14:creationId xmlns="" xmlns:p14="http://schemas.microsoft.com/office/powerpoint/2010/main" val="2626482632"/>
       </p:ext>
     </p:extLst>
   </p:cSld>
@@ -4353,7 +4353,7 @@
     </p:spTree>
     <p:extLst>
       <p:ext uri="{BB962C8B-B14F-4D97-AF65-F5344CB8AC3E}">
-        <p14:creationId xmlns:p14="http://schemas.microsoft.com/office/powerpoint/2010/main" xmlns="" val="3371847988"/>
+        <p14:creationId xmlns="" xmlns:p14="http://schemas.microsoft.com/office/powerpoint/2010/main" val="3371847988"/>
       </p:ext>
     </p:extLst>
   </p:cSld>
@@ -4569,7 +4569,7 @@
     </p:spTree>
     <p:extLst>
       <p:ext uri="{BB962C8B-B14F-4D97-AF65-F5344CB8AC3E}">
-        <p14:creationId xmlns:p14="http://schemas.microsoft.com/office/powerpoint/2010/main" xmlns="" val="4208395069"/>
+        <p14:creationId xmlns="" xmlns:p14="http://schemas.microsoft.com/office/powerpoint/2010/main" val="4208395069"/>
       </p:ext>
     </p:extLst>
   </p:cSld>
@@ -4665,7 +4665,7 @@
     </p:spTree>
     <p:extLst>
       <p:ext uri="{BB962C8B-B14F-4D97-AF65-F5344CB8AC3E}">
-        <p14:creationId xmlns:p14="http://schemas.microsoft.com/office/powerpoint/2010/main" xmlns="" val="2097094422"/>
+        <p14:creationId xmlns="" xmlns:p14="http://schemas.microsoft.com/office/powerpoint/2010/main" val="2097094422"/>
       </p:ext>
     </p:extLst>
   </p:cSld>
@@ -4701,7 +4701,7 @@
           <p:nvPr userDrawn="1">
             <p:extLst>
               <p:ext uri="{D42A27DB-BD31-4B8C-83A1-F6EECF244321}">
-                <p14:modId xmlns:p14="http://schemas.microsoft.com/office/powerpoint/2010/main" xmlns="" val="2766779821"/>
+                <p14:modId xmlns="" xmlns:p14="http://schemas.microsoft.com/office/powerpoint/2010/main" val="2766779821"/>
               </p:ext>
             </p:extLst>
           </p:nvPr>
@@ -4730,7 +4730,7 @@
           <a:blip r:embed="rId4">
             <a:extLst>
               <a:ext uri="{28A0092B-C50C-407E-A947-70E740481C1C}">
-                <a14:useLocalDpi xmlns:a14="http://schemas.microsoft.com/office/drawing/2010/main" xmlns="" val="0"/>
+                <a14:useLocalDpi xmlns="" xmlns:a14="http://schemas.microsoft.com/office/drawing/2010/main" val="0"/>
               </a:ext>
             </a:extLst>
           </a:blip>
@@ -4982,7 +4982,7 @@
     </p:spTree>
     <p:extLst>
       <p:ext uri="{BB962C8B-B14F-4D97-AF65-F5344CB8AC3E}">
-        <p14:creationId xmlns:p14="http://schemas.microsoft.com/office/powerpoint/2010/main" xmlns="" val="2060546820"/>
+        <p14:creationId xmlns="" xmlns:p14="http://schemas.microsoft.com/office/powerpoint/2010/main" val="2060546820"/>
       </p:ext>
     </p:extLst>
   </p:cSld>
@@ -5026,7 +5026,7 @@
           <a:blip r:embed="rId11">
             <a:extLst>
               <a:ext uri="{28A0092B-C50C-407E-A947-70E740481C1C}">
-                <a14:useLocalDpi xmlns:a14="http://schemas.microsoft.com/office/drawing/2010/main" xmlns="" val="0"/>
+                <a14:useLocalDpi xmlns="" xmlns:a14="http://schemas.microsoft.com/office/drawing/2010/main" val="0"/>
               </a:ext>
             </a:extLst>
           </a:blip>
@@ -5046,7 +5046,7 @@
           <a:noFill/>
           <a:extLst>
             <a:ext uri="{909E8E84-426E-40DD-AFC4-6F175D3DCCD1}">
-              <a14:hiddenFill xmlns:a14="http://schemas.microsoft.com/office/drawing/2010/main" xmlns="">
+              <a14:hiddenFill xmlns="" xmlns:a14="http://schemas.microsoft.com/office/drawing/2010/main">
                 <a:solidFill>
                   <a:srgbClr val="FFFFFF"/>
                 </a:solidFill>
@@ -5064,7 +5064,7 @@
           <p:nvPr>
             <p:extLst>
               <p:ext uri="{D42A27DB-BD31-4B8C-83A1-F6EECF244321}">
-                <p14:modId xmlns:p14="http://schemas.microsoft.com/office/powerpoint/2010/main" xmlns="" val="2610759032"/>
+                <p14:modId xmlns="" xmlns:p14="http://schemas.microsoft.com/office/powerpoint/2010/main" val="2610759032"/>
               </p:ext>
             </p:extLst>
           </p:nvPr>
@@ -5935,7 +5935,7 @@
     </p:spTree>
     <p:extLst>
       <p:ext uri="{BB962C8B-B14F-4D97-AF65-F5344CB8AC3E}">
-        <p14:creationId xmlns:p14="http://schemas.microsoft.com/office/powerpoint/2010/main" xmlns="" val="2955847980"/>
+        <p14:creationId xmlns="" xmlns:p14="http://schemas.microsoft.com/office/powerpoint/2010/main" val="2955847980"/>
       </p:ext>
     </p:extLst>
   </p:cSld>
@@ -6254,7 +6254,7 @@
   </p:txStyles>
   <p:extLst mod="1">
     <p:ext uri="{27BBF7A9-308A-43DC-89C8-2F10F3537804}">
-      <p15:sldGuideLst xmlns:p15="http://schemas.microsoft.com/office/powerpoint/2012/main" xmlns="">
+      <p15:sldGuideLst xmlns="" xmlns:p15="http://schemas.microsoft.com/office/powerpoint/2012/main">
         <p15:guide id="1" pos="283">
           <p15:clr>
             <a:srgbClr val="FBAE40"/>
@@ -6373,24 +6373,29 @@
           <a:p>
             <a:r>
               <a:rPr lang="pl-PL" dirty="0" smtClean="0"/>
-              <a:t>Materiały: Marek </a:t>
-            </a:r>
-            <a:r>
-              <a:rPr lang="pl-PL" dirty="0" smtClean="0"/>
-              <a:t>Strejczek</a:t>
+              <a:t>Materiały: Marek Strejczek</a:t>
             </a:r>
             <a:endParaRPr lang="de-DE" dirty="0" smtClean="0"/>
           </a:p>
           <a:p>
             <a:r>
               <a:rPr lang="pl-PL" dirty="0" smtClean="0"/>
-              <a:t>Lato 2016</a:t>
-            </a:r>
-          </a:p>
-          <a:p>
-            <a:r>
-              <a:rPr lang="pl-PL" dirty="0" smtClean="0"/>
-              <a:t>Wersja 1.0</a:t>
+              <a:t>Lato </a:t>
+            </a:r>
+            <a:r>
+              <a:rPr lang="pl-PL" dirty="0" smtClean="0"/>
+              <a:t>2017</a:t>
+            </a:r>
+            <a:endParaRPr lang="pl-PL" dirty="0" smtClean="0"/>
+          </a:p>
+          <a:p>
+            <a:r>
+              <a:rPr lang="pl-PL" smtClean="0"/>
+              <a:t>Wersja </a:t>
+            </a:r>
+            <a:r>
+              <a:rPr lang="pl-PL" smtClean="0"/>
+              <a:t>2.0</a:t>
             </a:r>
             <a:endParaRPr lang="de-DE" dirty="0"/>
           </a:p>
@@ -6399,7 +6404,7 @@
     </p:spTree>
     <p:extLst>
       <p:ext uri="{BB962C8B-B14F-4D97-AF65-F5344CB8AC3E}">
-        <p14:creationId xmlns:p14="http://schemas.microsoft.com/office/powerpoint/2010/main" xmlns="" val="3230101943"/>
+        <p14:creationId xmlns="" xmlns:p14="http://schemas.microsoft.com/office/powerpoint/2010/main" val="3230101943"/>
       </p:ext>
     </p:extLst>
   </p:cSld>
@@ -6560,7 +6565,7 @@
     </p:spTree>
     <p:extLst>
       <p:ext uri="{BB962C8B-B14F-4D97-AF65-F5344CB8AC3E}">
-        <p14:creationId xmlns:p14="http://schemas.microsoft.com/office/powerpoint/2010/main" xmlns="" val="3790304151"/>
+        <p14:creationId xmlns="" xmlns:p14="http://schemas.microsoft.com/office/powerpoint/2010/main" val="3790304151"/>
       </p:ext>
     </p:extLst>
   </p:cSld>
@@ -6568,7 +6573,7 @@
     <a:masterClrMapping/>
   </p:clrMapOvr>
   <mc:AlternateContent xmlns:mc="http://schemas.openxmlformats.org/markup-compatibility/2006">
-    <mc:Choice xmlns:p14="http://schemas.microsoft.com/office/powerpoint/2010/main" xmlns="" Requires="p14">
+    <mc:Choice xmlns="" xmlns:p14="http://schemas.microsoft.com/office/powerpoint/2010/main" Requires="p14">
       <p:transition p14:dur="10"/>
     </mc:Choice>
     <mc:Fallback>
@@ -6711,7 +6716,7 @@
     </p:spTree>
     <p:extLst>
       <p:ext uri="{BB962C8B-B14F-4D97-AF65-F5344CB8AC3E}">
-        <p14:creationId xmlns:p14="http://schemas.microsoft.com/office/powerpoint/2010/main" xmlns="" val="1022935673"/>
+        <p14:creationId xmlns="" xmlns:p14="http://schemas.microsoft.com/office/powerpoint/2010/main" val="1022935673"/>
       </p:ext>
     </p:extLst>
   </p:cSld>
@@ -6719,7 +6724,7 @@
     <a:masterClrMapping/>
   </p:clrMapOvr>
   <mc:AlternateContent xmlns:mc="http://schemas.openxmlformats.org/markup-compatibility/2006">
-    <mc:Choice xmlns:p14="http://schemas.microsoft.com/office/powerpoint/2010/main" xmlns="" Requires="p14">
+    <mc:Choice xmlns="" xmlns:p14="http://schemas.microsoft.com/office/powerpoint/2010/main" Requires="p14">
       <p:transition p14:dur="10"/>
     </mc:Choice>
     <mc:Fallback>
@@ -6832,7 +6837,6 @@
               <a:rPr lang="pl-PL" dirty="0" smtClean="0"/>
               <a:t>https://github.com/m-kolodziejski/exercise4</a:t>
             </a:r>
-            <a:endParaRPr lang="pl-PL" dirty="0" smtClean="0"/>
           </a:p>
           <a:p>
             <a:endParaRPr lang="pl-PL" dirty="0" smtClean="0"/>
@@ -6919,7 +6923,7 @@
     </p:spTree>
     <p:extLst>
       <p:ext uri="{BB962C8B-B14F-4D97-AF65-F5344CB8AC3E}">
-        <p14:creationId xmlns:p14="http://schemas.microsoft.com/office/powerpoint/2010/main" xmlns="" val="565121571"/>
+        <p14:creationId xmlns="" xmlns:p14="http://schemas.microsoft.com/office/powerpoint/2010/main" val="565121571"/>
       </p:ext>
     </p:extLst>
   </p:cSld>
@@ -6927,7 +6931,7 @@
     <a:masterClrMapping/>
   </p:clrMapOvr>
   <mc:AlternateContent xmlns:mc="http://schemas.openxmlformats.org/markup-compatibility/2006">
-    <mc:Choice xmlns:p14="http://schemas.microsoft.com/office/powerpoint/2010/main" xmlns="" Requires="p14">
+    <mc:Choice xmlns="" xmlns:p14="http://schemas.microsoft.com/office/powerpoint/2010/main" Requires="p14">
       <p:transition p14:dur="10"/>
     </mc:Choice>
     <mc:Fallback>
@@ -8084,7 +8088,7 @@
     </p:spTree>
     <p:extLst>
       <p:ext uri="{BB962C8B-B14F-4D97-AF65-F5344CB8AC3E}">
-        <p14:creationId xmlns:p14="http://schemas.microsoft.com/office/powerpoint/2010/main" xmlns="" val="1329190289"/>
+        <p14:creationId xmlns="" xmlns:p14="http://schemas.microsoft.com/office/powerpoint/2010/main" val="1329190289"/>
       </p:ext>
     </p:extLst>
   </p:cSld>
@@ -8092,7 +8096,7 @@
     <a:masterClrMapping/>
   </p:clrMapOvr>
   <mc:AlternateContent xmlns:mc="http://schemas.openxmlformats.org/markup-compatibility/2006">
-    <mc:Choice xmlns:p14="http://schemas.microsoft.com/office/powerpoint/2010/main" xmlns="" Requires="p14">
+    <mc:Choice xmlns="" xmlns:p14="http://schemas.microsoft.com/office/powerpoint/2010/main" Requires="p14">
       <p:transition p14:dur="10"/>
     </mc:Choice>
     <mc:Fallback>
@@ -9547,7 +9551,7 @@
     </p:spTree>
     <p:extLst>
       <p:ext uri="{BB962C8B-B14F-4D97-AF65-F5344CB8AC3E}">
-        <p14:creationId xmlns:p14="http://schemas.microsoft.com/office/powerpoint/2010/main" xmlns="" val="1042850554"/>
+        <p14:creationId xmlns="" xmlns:p14="http://schemas.microsoft.com/office/powerpoint/2010/main" val="1042850554"/>
       </p:ext>
     </p:extLst>
   </p:cSld>
@@ -9555,7 +9559,7 @@
     <a:masterClrMapping/>
   </p:clrMapOvr>
   <mc:AlternateContent xmlns:mc="http://schemas.openxmlformats.org/markup-compatibility/2006">
-    <mc:Choice xmlns:p14="http://schemas.microsoft.com/office/powerpoint/2010/main" xmlns="" Requires="p14">
+    <mc:Choice xmlns="" xmlns:p14="http://schemas.microsoft.com/office/powerpoint/2010/main" Requires="p14">
       <p:transition p14:dur="10"/>
     </mc:Choice>
     <mc:Fallback>
@@ -9701,7 +9705,7 @@
           <a:blip r:embed="rId3">
             <a:extLst>
               <a:ext uri="{28A0092B-C50C-407E-A947-70E740481C1C}">
-                <a14:useLocalDpi xmlns:a14="http://schemas.microsoft.com/office/drawing/2010/main" xmlns="" val="0"/>
+                <a14:useLocalDpi xmlns="" xmlns:a14="http://schemas.microsoft.com/office/drawing/2010/main" val="0"/>
               </a:ext>
             </a:extLst>
           </a:blip>
@@ -9724,14 +9728,14 @@
           </a:ln>
           <a:extLst>
             <a:ext uri="{909E8E84-426E-40DD-AFC4-6F175D3DCCD1}">
-              <a14:hiddenFill xmlns:a14="http://schemas.microsoft.com/office/drawing/2010/main" xmlns="">
+              <a14:hiddenFill xmlns="" xmlns:a14="http://schemas.microsoft.com/office/drawing/2010/main">
                 <a:solidFill>
                   <a:schemeClr val="accent1"/>
                 </a:solidFill>
               </a14:hiddenFill>
             </a:ext>
             <a:ext uri="{91240B29-F687-4F45-9708-019B960494DF}">
-              <a14:hiddenLine xmlns:a14="http://schemas.microsoft.com/office/drawing/2010/main" xmlns="" w="9525">
+              <a14:hiddenLine xmlns="" xmlns:a14="http://schemas.microsoft.com/office/drawing/2010/main" w="9525">
                 <a:solidFill>
                   <a:schemeClr val="tx1"/>
                 </a:solidFill>
@@ -9746,7 +9750,7 @@
     </p:spTree>
     <p:extLst>
       <p:ext uri="{BB962C8B-B14F-4D97-AF65-F5344CB8AC3E}">
-        <p14:creationId xmlns:p14="http://schemas.microsoft.com/office/powerpoint/2010/main" xmlns="" val="852352345"/>
+        <p14:creationId xmlns="" xmlns:p14="http://schemas.microsoft.com/office/powerpoint/2010/main" val="852352345"/>
       </p:ext>
     </p:extLst>
   </p:cSld>
@@ -9754,7 +9758,7 @@
     <a:masterClrMapping/>
   </p:clrMapOvr>
   <mc:AlternateContent xmlns:mc="http://schemas.openxmlformats.org/markup-compatibility/2006">
-    <mc:Choice xmlns:p14="http://schemas.microsoft.com/office/powerpoint/2010/main" xmlns="" Requires="p14">
+    <mc:Choice xmlns="" xmlns:p14="http://schemas.microsoft.com/office/powerpoint/2010/main" Requires="p14">
       <p:transition p14:dur="10"/>
     </mc:Choice>
     <mc:Fallback>
@@ -10045,21 +10049,8 @@
                   <a:srgbClr val="00B050"/>
                 </a:solidFill>
               </a:rPr>
-              <a:t>Ostateczny termin zaliczenia ćwiczenia: czwartek </a:t>
-            </a:r>
-            <a:r>
-              <a:rPr lang="pl-PL" sz="1600" b="1" dirty="0" smtClean="0">
-                <a:solidFill>
-                  <a:srgbClr val="00B050"/>
-                </a:solidFill>
-              </a:rPr>
-              <a:t>3 maja</a:t>
-            </a:r>
-            <a:endParaRPr lang="pl-PL" sz="1600" b="1" dirty="0" smtClean="0">
-              <a:solidFill>
-                <a:srgbClr val="00B050"/>
-              </a:solidFill>
-            </a:endParaRPr>
+              <a:t>Ostateczny termin zaliczenia ćwiczenia: czwartek 3 maja</a:t>
+            </a:r>
           </a:p>
           <a:p>
             <a:pPr>
@@ -10089,7 +10080,7 @@
     </p:spTree>
     <p:extLst>
       <p:ext uri="{BB962C8B-B14F-4D97-AF65-F5344CB8AC3E}">
-        <p14:creationId xmlns:p14="http://schemas.microsoft.com/office/powerpoint/2010/main" xmlns="" val="3368309851"/>
+        <p14:creationId xmlns="" xmlns:p14="http://schemas.microsoft.com/office/powerpoint/2010/main" val="3368309851"/>
       </p:ext>
     </p:extLst>
   </p:cSld>
@@ -10097,7 +10088,7 @@
     <a:masterClrMapping/>
   </p:clrMapOvr>
   <mc:AlternateContent xmlns:mc="http://schemas.openxmlformats.org/markup-compatibility/2006">
-    <mc:Choice xmlns:p14="http://schemas.microsoft.com/office/powerpoint/2010/main" xmlns="" Requires="p14">
+    <mc:Choice xmlns="" xmlns:p14="http://schemas.microsoft.com/office/powerpoint/2010/main" Requires="p14">
       <p:transition p14:dur="10"/>
     </mc:Choice>
     <mc:Fallback>
@@ -10252,7 +10243,7 @@
     </p:spTree>
     <p:extLst>
       <p:ext uri="{BB962C8B-B14F-4D97-AF65-F5344CB8AC3E}">
-        <p14:creationId xmlns:p14="http://schemas.microsoft.com/office/powerpoint/2010/main" xmlns="" val="3643103999"/>
+        <p14:creationId xmlns="" xmlns:p14="http://schemas.microsoft.com/office/powerpoint/2010/main" val="3643103999"/>
       </p:ext>
     </p:extLst>
   </p:cSld>
@@ -10260,7 +10251,7 @@
     <a:masterClrMapping/>
   </p:clrMapOvr>
   <mc:AlternateContent xmlns:mc="http://schemas.openxmlformats.org/markup-compatibility/2006">
-    <mc:Choice xmlns:p14="http://schemas.microsoft.com/office/powerpoint/2010/main" xmlns="" Requires="p14">
+    <mc:Choice xmlns="" xmlns:p14="http://schemas.microsoft.com/office/powerpoint/2010/main" Requires="p14">
       <p:transition p14:dur="10"/>
     </mc:Choice>
     <mc:Fallback>
@@ -10476,7 +10467,7 @@
     </p:spTree>
     <p:extLst>
       <p:ext uri="{BB962C8B-B14F-4D97-AF65-F5344CB8AC3E}">
-        <p14:creationId xmlns:p14="http://schemas.microsoft.com/office/powerpoint/2010/main" xmlns="" val="647003779"/>
+        <p14:creationId xmlns="" xmlns:p14="http://schemas.microsoft.com/office/powerpoint/2010/main" val="647003779"/>
       </p:ext>
     </p:extLst>
   </p:cSld>
@@ -10484,7 +10475,7 @@
     <a:masterClrMapping/>
   </p:clrMapOvr>
   <mc:AlternateContent xmlns:mc="http://schemas.openxmlformats.org/markup-compatibility/2006">
-    <mc:Choice xmlns:p14="http://schemas.microsoft.com/office/powerpoint/2010/main" xmlns="" Requires="p14">
+    <mc:Choice xmlns="" xmlns:p14="http://schemas.microsoft.com/office/powerpoint/2010/main" Requires="p14">
       <p:transition p14:dur="10"/>
     </mc:Choice>
     <mc:Fallback>
@@ -10592,7 +10583,7 @@
           <a:blip r:embed="rId3">
             <a:extLst>
               <a:ext uri="{28A0092B-C50C-407E-A947-70E740481C1C}">
-                <a14:useLocalDpi xmlns:a14="http://schemas.microsoft.com/office/drawing/2010/main" xmlns="" val="0"/>
+                <a14:useLocalDpi xmlns="" xmlns:a14="http://schemas.microsoft.com/office/drawing/2010/main" val="0"/>
               </a:ext>
             </a:extLst>
           </a:blip>
@@ -10615,14 +10606,14 @@
           </a:ln>
           <a:extLst>
             <a:ext uri="{909E8E84-426E-40DD-AFC4-6F175D3DCCD1}">
-              <a14:hiddenFill xmlns:a14="http://schemas.microsoft.com/office/drawing/2010/main" xmlns="">
+              <a14:hiddenFill xmlns="" xmlns:a14="http://schemas.microsoft.com/office/drawing/2010/main">
                 <a:solidFill>
                   <a:schemeClr val="accent1"/>
                 </a:solidFill>
               </a14:hiddenFill>
             </a:ext>
             <a:ext uri="{91240B29-F687-4F45-9708-019B960494DF}">
-              <a14:hiddenLine xmlns:a14="http://schemas.microsoft.com/office/drawing/2010/main" xmlns="" w="9525">
+              <a14:hiddenLine xmlns="" xmlns:a14="http://schemas.microsoft.com/office/drawing/2010/main" w="9525">
                 <a:solidFill>
                   <a:schemeClr val="tx1"/>
                 </a:solidFill>
@@ -10700,7 +10691,7 @@
     </p:spTree>
     <p:extLst>
       <p:ext uri="{BB962C8B-B14F-4D97-AF65-F5344CB8AC3E}">
-        <p14:creationId xmlns:p14="http://schemas.microsoft.com/office/powerpoint/2010/main" xmlns="" val="1368337080"/>
+        <p14:creationId xmlns="" xmlns:p14="http://schemas.microsoft.com/office/powerpoint/2010/main" val="1368337080"/>
       </p:ext>
     </p:extLst>
   </p:cSld>
@@ -10708,7 +10699,7 @@
     <a:masterClrMapping/>
   </p:clrMapOvr>
   <mc:AlternateContent xmlns:mc="http://schemas.openxmlformats.org/markup-compatibility/2006">
-    <mc:Choice xmlns:p14="http://schemas.microsoft.com/office/powerpoint/2010/main" xmlns="" Requires="p14">
+    <mc:Choice xmlns="" xmlns:p14="http://schemas.microsoft.com/office/powerpoint/2010/main" Requires="p14">
       <p:transition p14:dur="10"/>
     </mc:Choice>
     <mc:Fallback>
@@ -10906,7 +10897,7 @@
     </p:spTree>
     <p:extLst>
       <p:ext uri="{BB962C8B-B14F-4D97-AF65-F5344CB8AC3E}">
-        <p14:creationId xmlns:p14="http://schemas.microsoft.com/office/powerpoint/2010/main" xmlns="" val="2788988127"/>
+        <p14:creationId xmlns="" xmlns:p14="http://schemas.microsoft.com/office/powerpoint/2010/main" val="2788988127"/>
       </p:ext>
     </p:extLst>
   </p:cSld>
@@ -10914,7 +10905,7 @@
     <a:masterClrMapping/>
   </p:clrMapOvr>
   <mc:AlternateContent xmlns:mc="http://schemas.openxmlformats.org/markup-compatibility/2006">
-    <mc:Choice xmlns:p14="http://schemas.microsoft.com/office/powerpoint/2010/main" xmlns="" Requires="p14">
+    <mc:Choice xmlns="" xmlns:p14="http://schemas.microsoft.com/office/powerpoint/2010/main" Requires="p14">
       <p:transition p14:dur="10"/>
     </mc:Choice>
     <mc:Fallback>
@@ -11462,15 +11453,7 @@
             <a:pPr lvl="1"/>
             <a:r>
               <a:rPr lang="pl-PL" dirty="0" smtClean="0"/>
-              <a:t>Napisz program, który wyśle 20000 </a:t>
-            </a:r>
-            <a:r>
-              <a:rPr lang="pl-PL" dirty="0" smtClean="0"/>
-              <a:t>(dwadzieścia tysięcy</a:t>
-            </a:r>
-            <a:r>
-              <a:rPr lang="pl-PL" dirty="0" smtClean="0"/>
-              <a:t>) komunikatów na kolejkę w dwóch transzach:</a:t>
+              <a:t>Napisz program, który wyśle 20000 (dwadzieścia tysięcy) komunikatów na kolejkę w dwóch transzach:</a:t>
             </a:r>
             <a:endParaRPr lang="pl-PL" dirty="0"/>
           </a:p>
@@ -11723,7 +11706,7 @@
     </p:spTree>
     <p:extLst>
       <p:ext uri="{BB962C8B-B14F-4D97-AF65-F5344CB8AC3E}">
-        <p14:creationId xmlns:p14="http://schemas.microsoft.com/office/powerpoint/2010/main" xmlns="" val="2236937848"/>
+        <p14:creationId xmlns="" xmlns:p14="http://schemas.microsoft.com/office/powerpoint/2010/main" val="2236937848"/>
       </p:ext>
     </p:extLst>
   </p:cSld>
@@ -11731,7 +11714,7 @@
     <a:masterClrMapping/>
   </p:clrMapOvr>
   <mc:AlternateContent xmlns:mc="http://schemas.openxmlformats.org/markup-compatibility/2006">
-    <mc:Choice xmlns:p14="http://schemas.microsoft.com/office/powerpoint/2010/main" xmlns="" Requires="p14">
+    <mc:Choice xmlns="" xmlns:p14="http://schemas.microsoft.com/office/powerpoint/2010/main" Requires="p14">
       <p:transition p14:dur="10"/>
     </mc:Choice>
     <mc:Fallback>
@@ -12216,7 +12199,7 @@
           <a:blip r:embed="rId4">
             <a:extLst>
               <a:ext uri="{28A0092B-C50C-407E-A947-70E740481C1C}">
-                <a14:useLocalDpi xmlns:a14="http://schemas.microsoft.com/office/drawing/2010/main" xmlns="" val="0"/>
+                <a14:useLocalDpi xmlns="" xmlns:a14="http://schemas.microsoft.com/office/drawing/2010/main" val="0"/>
               </a:ext>
             </a:extLst>
           </a:blip>
@@ -12239,14 +12222,14 @@
           </a:ln>
           <a:extLst>
             <a:ext uri="{909E8E84-426E-40DD-AFC4-6F175D3DCCD1}">
-              <a14:hiddenFill xmlns:a14="http://schemas.microsoft.com/office/drawing/2010/main" xmlns="">
+              <a14:hiddenFill xmlns="" xmlns:a14="http://schemas.microsoft.com/office/drawing/2010/main">
                 <a:solidFill>
                   <a:schemeClr val="accent1"/>
                 </a:solidFill>
               </a14:hiddenFill>
             </a:ext>
             <a:ext uri="{91240B29-F687-4F45-9708-019B960494DF}">
-              <a14:hiddenLine xmlns:a14="http://schemas.microsoft.com/office/drawing/2010/main" xmlns="" w="9525">
+              <a14:hiddenLine xmlns="" xmlns:a14="http://schemas.microsoft.com/office/drawing/2010/main" w="9525">
                 <a:solidFill>
                   <a:schemeClr val="tx1"/>
                 </a:solidFill>
@@ -12261,7 +12244,7 @@
     </p:spTree>
     <p:extLst>
       <p:ext uri="{BB962C8B-B14F-4D97-AF65-F5344CB8AC3E}">
-        <p14:creationId xmlns:p14="http://schemas.microsoft.com/office/powerpoint/2010/main" xmlns="" val="656330410"/>
+        <p14:creationId xmlns="" xmlns:p14="http://schemas.microsoft.com/office/powerpoint/2010/main" val="656330410"/>
       </p:ext>
     </p:extLst>
   </p:cSld>
@@ -12269,7 +12252,7 @@
     <a:masterClrMapping/>
   </p:clrMapOvr>
   <mc:AlternateContent xmlns:mc="http://schemas.openxmlformats.org/markup-compatibility/2006">
-    <mc:Choice xmlns:p14="http://schemas.microsoft.com/office/powerpoint/2010/main" xmlns="" Requires="p14">
+    <mc:Choice xmlns="" xmlns:p14="http://schemas.microsoft.com/office/powerpoint/2010/main" Requires="p14">
       <p:transition p14:dur="10"/>
     </mc:Choice>
     <mc:Fallback>
@@ -12483,11 +12466,7 @@
             </a:r>
             <a:r>
               <a:rPr lang="pl-PL" dirty="0" smtClean="0"/>
-              <a:t> – </a:t>
-            </a:r>
-            <a:r>
-              <a:rPr lang="pl-PL" dirty="0" smtClean="0"/>
-              <a:t>prawidłowa odpowiedź = 3 bonusowe punkty.</a:t>
+              <a:t> – prawidłowa odpowiedź = 3 bonusowe punkty.</a:t>
             </a:r>
             <a:endParaRPr lang="pl-PL" dirty="0"/>
           </a:p>
@@ -12538,29 +12517,8 @@
                   <a:srgbClr val="00B050"/>
                 </a:solidFill>
               </a:rPr>
-              <a:t>Ostateczny termin zaliczenia ćwiczenia: czwartek </a:t>
-            </a:r>
-            <a:r>
-              <a:rPr lang="pl-PL" sz="1600" b="1" dirty="0" smtClean="0">
-                <a:solidFill>
-                  <a:srgbClr val="00B050"/>
-                </a:solidFill>
-              </a:rPr>
-              <a:t>10</a:t>
-            </a:r>
-            <a:r>
-              <a:rPr lang="pl-PL" sz="1600" b="1" dirty="0" smtClean="0">
-                <a:solidFill>
-                  <a:srgbClr val="00B050"/>
-                </a:solidFill>
-              </a:rPr>
-              <a:t> maja</a:t>
-            </a:r>
-            <a:endParaRPr lang="pl-PL" sz="1600" b="1" dirty="0" smtClean="0">
-              <a:solidFill>
-                <a:srgbClr val="00B050"/>
-              </a:solidFill>
-            </a:endParaRPr>
+              <a:t>Ostateczny termin zaliczenia ćwiczenia: czwartek 10 maja</a:t>
+            </a:r>
           </a:p>
           <a:p>
             <a:pPr>
@@ -12590,7 +12548,7 @@
     </p:spTree>
     <p:extLst>
       <p:ext uri="{BB962C8B-B14F-4D97-AF65-F5344CB8AC3E}">
-        <p14:creationId xmlns:p14="http://schemas.microsoft.com/office/powerpoint/2010/main" xmlns="" val="672648944"/>
+        <p14:creationId xmlns="" xmlns:p14="http://schemas.microsoft.com/office/powerpoint/2010/main" val="672648944"/>
       </p:ext>
     </p:extLst>
   </p:cSld>
@@ -12598,7 +12556,7 @@
     <a:masterClrMapping/>
   </p:clrMapOvr>
   <mc:AlternateContent xmlns:mc="http://schemas.openxmlformats.org/markup-compatibility/2006">
-    <mc:Choice xmlns:p14="http://schemas.microsoft.com/office/powerpoint/2010/main" xmlns="" Requires="p14">
+    <mc:Choice xmlns="" xmlns:p14="http://schemas.microsoft.com/office/powerpoint/2010/main" Requires="p14">
       <p:transition p14:dur="10"/>
     </mc:Choice>
     <mc:Fallback>
@@ -12753,7 +12711,7 @@
     </p:spTree>
     <p:extLst>
       <p:ext uri="{BB962C8B-B14F-4D97-AF65-F5344CB8AC3E}">
-        <p14:creationId xmlns:p14="http://schemas.microsoft.com/office/powerpoint/2010/main" xmlns="" val="3379363085"/>
+        <p14:creationId xmlns="" xmlns:p14="http://schemas.microsoft.com/office/powerpoint/2010/main" val="3379363085"/>
       </p:ext>
     </p:extLst>
   </p:cSld>
@@ -12761,7 +12719,7 @@
     <a:masterClrMapping/>
   </p:clrMapOvr>
   <mc:AlternateContent xmlns:mc="http://schemas.openxmlformats.org/markup-compatibility/2006">
-    <mc:Choice xmlns:p14="http://schemas.microsoft.com/office/powerpoint/2010/main" xmlns="" Requires="p14">
+    <mc:Choice xmlns="" xmlns:p14="http://schemas.microsoft.com/office/powerpoint/2010/main" Requires="p14">
       <p:transition p14:dur="10"/>
     </mc:Choice>
     <mc:Fallback>
@@ -12894,15 +12852,7 @@
             <a:pPr lvl="1"/>
             <a:r>
               <a:rPr lang="pl-PL" dirty="0" smtClean="0"/>
-              <a:t>Napisz program, który wyśle 20000 </a:t>
-            </a:r>
-            <a:r>
-              <a:rPr lang="pl-PL" dirty="0" smtClean="0"/>
-              <a:t>(dwadzieścia tysięcy</a:t>
-            </a:r>
-            <a:r>
-              <a:rPr lang="pl-PL" dirty="0" smtClean="0"/>
-              <a:t>) komunikatów na kanał w dwóch transzach – jak opisano w ćwiczeniu 4b.</a:t>
+              <a:t>Napisz program, który wyśle 20000 (dwadzieścia tysięcy) komunikatów na kanał w dwóch transzach – jak opisano w ćwiczeniu 4b.</a:t>
             </a:r>
           </a:p>
           <a:p>
@@ -12989,7 +12939,7 @@
     </p:spTree>
     <p:extLst>
       <p:ext uri="{BB962C8B-B14F-4D97-AF65-F5344CB8AC3E}">
-        <p14:creationId xmlns:p14="http://schemas.microsoft.com/office/powerpoint/2010/main" xmlns="" val="3199221210"/>
+        <p14:creationId xmlns="" xmlns:p14="http://schemas.microsoft.com/office/powerpoint/2010/main" val="3199221210"/>
       </p:ext>
     </p:extLst>
   </p:cSld>
@@ -12997,7 +12947,7 @@
     <a:masterClrMapping/>
   </p:clrMapOvr>
   <mc:AlternateContent xmlns:mc="http://schemas.openxmlformats.org/markup-compatibility/2006">
-    <mc:Choice xmlns:p14="http://schemas.microsoft.com/office/powerpoint/2010/main" xmlns="" Requires="p14">
+    <mc:Choice xmlns="" xmlns:p14="http://schemas.microsoft.com/office/powerpoint/2010/main" Requires="p14">
       <p:transition p14:dur="10"/>
     </mc:Choice>
     <mc:Fallback>
@@ -13231,7 +13181,7 @@
           <a:blip r:embed="rId3">
             <a:extLst>
               <a:ext uri="{28A0092B-C50C-407E-A947-70E740481C1C}">
-                <a14:useLocalDpi xmlns:a14="http://schemas.microsoft.com/office/drawing/2010/main" xmlns="" val="0"/>
+                <a14:useLocalDpi xmlns="" xmlns:a14="http://schemas.microsoft.com/office/drawing/2010/main" val="0"/>
               </a:ext>
             </a:extLst>
           </a:blip>
@@ -13254,14 +13204,14 @@
           </a:ln>
           <a:extLst>
             <a:ext uri="{909E8E84-426E-40DD-AFC4-6F175D3DCCD1}">
-              <a14:hiddenFill xmlns:a14="http://schemas.microsoft.com/office/drawing/2010/main" xmlns="">
+              <a14:hiddenFill xmlns="" xmlns:a14="http://schemas.microsoft.com/office/drawing/2010/main">
                 <a:solidFill>
                   <a:schemeClr val="accent1"/>
                 </a:solidFill>
               </a14:hiddenFill>
             </a:ext>
             <a:ext uri="{91240B29-F687-4F45-9708-019B960494DF}">
-              <a14:hiddenLine xmlns:a14="http://schemas.microsoft.com/office/drawing/2010/main" xmlns="" w="9525">
+              <a14:hiddenLine xmlns="" xmlns:a14="http://schemas.microsoft.com/office/drawing/2010/main" w="9525">
                 <a:solidFill>
                   <a:schemeClr val="tx1"/>
                 </a:solidFill>
@@ -13276,7 +13226,7 @@
     </p:spTree>
     <p:extLst>
       <p:ext uri="{BB962C8B-B14F-4D97-AF65-F5344CB8AC3E}">
-        <p14:creationId xmlns:p14="http://schemas.microsoft.com/office/powerpoint/2010/main" xmlns="" val="676180524"/>
+        <p14:creationId xmlns="" xmlns:p14="http://schemas.microsoft.com/office/powerpoint/2010/main" val="676180524"/>
       </p:ext>
     </p:extLst>
   </p:cSld>
@@ -13284,7 +13234,7 @@
     <a:masterClrMapping/>
   </p:clrMapOvr>
   <mc:AlternateContent xmlns:mc="http://schemas.openxmlformats.org/markup-compatibility/2006">
-    <mc:Choice xmlns:p14="http://schemas.microsoft.com/office/powerpoint/2010/main" xmlns="" Requires="p14">
+    <mc:Choice xmlns="" xmlns:p14="http://schemas.microsoft.com/office/powerpoint/2010/main" Requires="p14">
       <p:transition p14:dur="10"/>
     </mc:Choice>
     <mc:Fallback>
@@ -13462,11 +13412,7 @@
           <a:p>
             <a:r>
               <a:rPr lang="pl-PL" dirty="0" smtClean="0"/>
-              <a:t>Zobacz </a:t>
-            </a:r>
-            <a:r>
-              <a:rPr lang="pl-PL" dirty="0" smtClean="0"/>
-              <a:t>jak wygląda konsola webowa gdy są uruchomione obie aplikacje:</a:t>
+              <a:t>Zobacz jak wygląda konsola webowa gdy są uruchomione obie aplikacje:</a:t>
             </a:r>
           </a:p>
           <a:p>
@@ -13532,11 +13478,7 @@
             <a:pPr lvl="1"/>
             <a:r>
               <a:rPr lang="pl-PL" dirty="0" smtClean="0"/>
-              <a:t>Zrealizowanie tej funkcji w implementacji części odbierającej= </a:t>
-            </a:r>
-            <a:r>
-              <a:rPr lang="pl-PL" dirty="0" smtClean="0"/>
-              <a:t>3 bonusowe punkty.</a:t>
+              <a:t>Zrealizowanie tej funkcji w implementacji części odbierającej= 3 bonusowe punkty.</a:t>
             </a:r>
             <a:endParaRPr lang="pl-PL" dirty="0"/>
           </a:p>
@@ -13587,21 +13529,8 @@
                   <a:srgbClr val="00B050"/>
                 </a:solidFill>
               </a:rPr>
-              <a:t>Ostateczny termin zaliczenia ćwiczenia: czwartek </a:t>
-            </a:r>
-            <a:r>
-              <a:rPr lang="pl-PL" sz="1600" b="1" dirty="0" smtClean="0">
-                <a:solidFill>
-                  <a:srgbClr val="00B050"/>
-                </a:solidFill>
-              </a:rPr>
-              <a:t>10 maja</a:t>
-            </a:r>
-            <a:endParaRPr lang="pl-PL" sz="1600" b="1" dirty="0" smtClean="0">
-              <a:solidFill>
-                <a:srgbClr val="00B050"/>
-              </a:solidFill>
-            </a:endParaRPr>
+              <a:t>Ostateczny termin zaliczenia ćwiczenia: czwartek 10 maja</a:t>
+            </a:r>
           </a:p>
           <a:p>
             <a:pPr>
@@ -13631,7 +13560,7 @@
     </p:spTree>
     <p:extLst>
       <p:ext uri="{BB962C8B-B14F-4D97-AF65-F5344CB8AC3E}">
-        <p14:creationId xmlns:p14="http://schemas.microsoft.com/office/powerpoint/2010/main" xmlns="" val="2213910426"/>
+        <p14:creationId xmlns="" xmlns:p14="http://schemas.microsoft.com/office/powerpoint/2010/main" val="2213910426"/>
       </p:ext>
     </p:extLst>
   </p:cSld>
@@ -13639,7 +13568,7 @@
     <a:masterClrMapping/>
   </p:clrMapOvr>
   <mc:AlternateContent xmlns:mc="http://schemas.openxmlformats.org/markup-compatibility/2006">
-    <mc:Choice xmlns:p14="http://schemas.microsoft.com/office/powerpoint/2010/main" xmlns="" Requires="p14">
+    <mc:Choice xmlns="" xmlns:p14="http://schemas.microsoft.com/office/powerpoint/2010/main" Requires="p14">
       <p:transition p14:dur="10"/>
     </mc:Choice>
     <mc:Fallback>
@@ -13717,11 +13646,7 @@
             </a:r>
             <a:r>
               <a:rPr lang="pl-PL" dirty="0" smtClean="0"/>
-              <a:t> </a:t>
-            </a:r>
-            <a:r>
-              <a:rPr lang="pl-PL" dirty="0" smtClean="0"/>
-              <a:t> </a:t>
+              <a:t>  </a:t>
             </a:r>
             <a:r>
               <a:rPr lang="pl-PL" dirty="0" err="1" smtClean="0"/>
@@ -13775,7 +13700,7 @@
     </p:spTree>
     <p:extLst>
       <p:ext uri="{BB962C8B-B14F-4D97-AF65-F5344CB8AC3E}">
-        <p14:creationId xmlns:p14="http://schemas.microsoft.com/office/powerpoint/2010/main" xmlns="" val="1405177657"/>
+        <p14:creationId xmlns="" xmlns:p14="http://schemas.microsoft.com/office/powerpoint/2010/main" val="1405177657"/>
       </p:ext>
     </p:extLst>
   </p:cSld>
@@ -14434,7 +14359,7 @@
           <a:effectLst/>
           <a:extLst>
             <a:ext uri="{91240B29-F687-4F45-9708-019B960494DF}">
-              <a14:hiddenLine xmlns:a14="http://schemas.microsoft.com/office/drawing/2010/main" xmlns="" w="50800" cap="flat" cmpd="sng" algn="ctr">
+              <a14:hiddenLine xmlns="" xmlns:a14="http://schemas.microsoft.com/office/drawing/2010/main" w="50800" cap="flat" cmpd="sng" algn="ctr">
                 <a:solidFill>
                   <a:schemeClr val="accent1"/>
                 </a:solidFill>
@@ -14501,7 +14426,7 @@
           <a:effectLst/>
           <a:extLst>
             <a:ext uri="{91240B29-F687-4F45-9708-019B960494DF}">
-              <a14:hiddenLine xmlns:a14="http://schemas.microsoft.com/office/drawing/2010/main" xmlns="" w="50800" cap="flat" cmpd="sng" algn="ctr">
+              <a14:hiddenLine xmlns="" xmlns:a14="http://schemas.microsoft.com/office/drawing/2010/main" w="50800" cap="flat" cmpd="sng" algn="ctr">
                 <a:solidFill>
                   <a:schemeClr val="accent1"/>
                 </a:solidFill>
@@ -14568,7 +14493,7 @@
           <a:effectLst/>
           <a:extLst>
             <a:ext uri="{91240B29-F687-4F45-9708-019B960494DF}">
-              <a14:hiddenLine xmlns:a14="http://schemas.microsoft.com/office/drawing/2010/main" xmlns="" w="50800" cap="flat" cmpd="sng" algn="ctr">
+              <a14:hiddenLine xmlns="" xmlns:a14="http://schemas.microsoft.com/office/drawing/2010/main" w="50800" cap="flat" cmpd="sng" algn="ctr">
                 <a:solidFill>
                   <a:schemeClr val="accent1"/>
                 </a:solidFill>
@@ -14635,7 +14560,7 @@
           <a:effectLst/>
           <a:extLst>
             <a:ext uri="{91240B29-F687-4F45-9708-019B960494DF}">
-              <a14:hiddenLine xmlns:a14="http://schemas.microsoft.com/office/drawing/2010/main" xmlns="" w="50800" cap="flat" cmpd="sng" algn="ctr">
+              <a14:hiddenLine xmlns="" xmlns:a14="http://schemas.microsoft.com/office/drawing/2010/main" w="50800" cap="flat" cmpd="sng" algn="ctr">
                 <a:solidFill>
                   <a:schemeClr val="accent1"/>
                 </a:solidFill>
@@ -14787,7 +14712,7 @@
     </p:spTree>
     <p:extLst>
       <p:ext uri="{BB962C8B-B14F-4D97-AF65-F5344CB8AC3E}">
-        <p14:creationId xmlns:p14="http://schemas.microsoft.com/office/powerpoint/2010/main" xmlns="" val="4269096446"/>
+        <p14:creationId xmlns="" xmlns:p14="http://schemas.microsoft.com/office/powerpoint/2010/main" val="4269096446"/>
       </p:ext>
     </p:extLst>
   </p:cSld>
@@ -14795,7 +14720,7 @@
     <a:masterClrMapping/>
   </p:clrMapOvr>
   <mc:AlternateContent xmlns:mc="http://schemas.openxmlformats.org/markup-compatibility/2006">
-    <mc:Choice xmlns:p14="http://schemas.microsoft.com/office/powerpoint/2010/main" xmlns="" Requires="p14">
+    <mc:Choice xmlns="" xmlns:p14="http://schemas.microsoft.com/office/powerpoint/2010/main" Requires="p14">
       <p:transition p14:dur="10"/>
     </mc:Choice>
     <mc:Fallback>
@@ -15038,7 +14963,7 @@
     </p:spTree>
     <p:extLst>
       <p:ext uri="{BB962C8B-B14F-4D97-AF65-F5344CB8AC3E}">
-        <p14:creationId xmlns:p14="http://schemas.microsoft.com/office/powerpoint/2010/main" xmlns="" val="2988387270"/>
+        <p14:creationId xmlns="" xmlns:p14="http://schemas.microsoft.com/office/powerpoint/2010/main" val="2988387270"/>
       </p:ext>
     </p:extLst>
   </p:cSld>
@@ -15046,7 +14971,7 @@
     <a:masterClrMapping/>
   </p:clrMapOvr>
   <mc:AlternateContent xmlns:mc="http://schemas.openxmlformats.org/markup-compatibility/2006">
-    <mc:Choice xmlns:p14="http://schemas.microsoft.com/office/powerpoint/2010/main" xmlns="" Requires="p14">
+    <mc:Choice xmlns="" xmlns:p14="http://schemas.microsoft.com/office/powerpoint/2010/main" Requires="p14">
       <p:transition p14:dur="10"/>
     </mc:Choice>
     <mc:Fallback>
@@ -15444,7 +15369,7 @@
     </p:spTree>
     <p:extLst>
       <p:ext uri="{BB962C8B-B14F-4D97-AF65-F5344CB8AC3E}">
-        <p14:creationId xmlns:p14="http://schemas.microsoft.com/office/powerpoint/2010/main" xmlns="" val="1859271950"/>
+        <p14:creationId xmlns="" xmlns:p14="http://schemas.microsoft.com/office/powerpoint/2010/main" val="1859271950"/>
       </p:ext>
     </p:extLst>
   </p:cSld>
@@ -15452,7 +15377,7 @@
     <a:masterClrMapping/>
   </p:clrMapOvr>
   <mc:AlternateContent xmlns:mc="http://schemas.openxmlformats.org/markup-compatibility/2006">
-    <mc:Choice xmlns:p14="http://schemas.microsoft.com/office/powerpoint/2010/main" xmlns="" Requires="p14">
+    <mc:Choice xmlns="" xmlns:p14="http://schemas.microsoft.com/office/powerpoint/2010/main" Requires="p14">
       <p:transition p14:dur="10"/>
     </mc:Choice>
     <mc:Fallback>
@@ -15858,7 +15783,7 @@
           <a:blip r:embed="rId3" cstate="print">
             <a:extLst>
               <a:ext uri="{28A0092B-C50C-407E-A947-70E740481C1C}">
-                <a14:useLocalDpi xmlns:a14="http://schemas.microsoft.com/office/drawing/2010/main" xmlns="" val="0"/>
+                <a14:useLocalDpi xmlns="" xmlns:a14="http://schemas.microsoft.com/office/drawing/2010/main" val="0"/>
               </a:ext>
             </a:extLst>
           </a:blip>
@@ -15884,7 +15809,7 @@
     </p:spTree>
     <p:extLst>
       <p:ext uri="{BB962C8B-B14F-4D97-AF65-F5344CB8AC3E}">
-        <p14:creationId xmlns:p14="http://schemas.microsoft.com/office/powerpoint/2010/main" xmlns="" val="567819537"/>
+        <p14:creationId xmlns="" xmlns:p14="http://schemas.microsoft.com/office/powerpoint/2010/main" val="567819537"/>
       </p:ext>
     </p:extLst>
   </p:cSld>
@@ -15892,7 +15817,7 @@
     <a:masterClrMapping/>
   </p:clrMapOvr>
   <mc:AlternateContent xmlns:mc="http://schemas.openxmlformats.org/markup-compatibility/2006">
-    <mc:Choice xmlns:p14="http://schemas.microsoft.com/office/powerpoint/2010/main" xmlns="" Requires="p14">
+    <mc:Choice xmlns="" xmlns:p14="http://schemas.microsoft.com/office/powerpoint/2010/main" Requires="p14">
       <p:transition p14:dur="10"/>
     </mc:Choice>
     <mc:Fallback>
@@ -16160,21 +16085,12 @@
               <a:rPr lang="pl-PL" dirty="0" smtClean="0"/>
               <a:t>Transakcje:</a:t>
             </a:r>
-            <a:endParaRPr lang="pl-PL" dirty="0" smtClean="0"/>
           </a:p>
           <a:p>
             <a:pPr lvl="2"/>
             <a:r>
               <a:rPr lang="pl-PL" dirty="0" smtClean="0"/>
-              <a:t>Transakcje rozproszone (XAConnectionFactory) – </a:t>
-            </a:r>
-            <a:r>
-              <a:rPr lang="pl-PL" dirty="0" smtClean="0"/>
-              <a:t>potwierdzenie przyjęcia wiadomości przy </a:t>
-            </a:r>
-            <a:r>
-              <a:rPr lang="pl-PL" dirty="0" smtClean="0"/>
-              <a:t>zatwierdzaniu transakcji (commit).</a:t>
+              <a:t>Transakcje rozproszone (XAConnectionFactory) – potwierdzenie przyjęcia wiadomości przy zatwierdzaniu transakcji (commit).</a:t>
             </a:r>
           </a:p>
           <a:p>
@@ -16205,7 +16121,7 @@
     </p:spTree>
     <p:extLst>
       <p:ext uri="{BB962C8B-B14F-4D97-AF65-F5344CB8AC3E}">
-        <p14:creationId xmlns:p14="http://schemas.microsoft.com/office/powerpoint/2010/main" xmlns="" val="2702127360"/>
+        <p14:creationId xmlns="" xmlns:p14="http://schemas.microsoft.com/office/powerpoint/2010/main" val="2702127360"/>
       </p:ext>
     </p:extLst>
   </p:cSld>
@@ -16213,7 +16129,7 @@
     <a:masterClrMapping/>
   </p:clrMapOvr>
   <mc:AlternateContent xmlns:mc="http://schemas.openxmlformats.org/markup-compatibility/2006">
-    <mc:Choice xmlns:p14="http://schemas.microsoft.com/office/powerpoint/2010/main" xmlns="" Requires="p14">
+    <mc:Choice xmlns="" xmlns:p14="http://schemas.microsoft.com/office/powerpoint/2010/main" Requires="p14">
       <p:transition p14:dur="10"/>
     </mc:Choice>
     <mc:Fallback>
@@ -16324,13 +16240,8 @@
             <a:pPr lvl="1"/>
             <a:r>
               <a:rPr lang="pl-PL" dirty="0" smtClean="0"/>
-              <a:t>Potwierdzanie odbioru wiadomości – </a:t>
-            </a:r>
-            <a:r>
-              <a:rPr lang="pl-PL" dirty="0" smtClean="0"/>
-              <a:t>tryby potwierdzania:</a:t>
-            </a:r>
-            <a:endParaRPr lang="pl-PL" dirty="0" smtClean="0"/>
+              <a:t>Potwierdzanie odbioru wiadomości – tryby potwierdzania:</a:t>
+            </a:r>
           </a:p>
           <a:p>
             <a:pPr lvl="2"/>
@@ -16340,11 +16251,7 @@
             </a:r>
             <a:r>
               <a:rPr lang="pl-PL" dirty="0" smtClean="0"/>
-              <a:t> </a:t>
-            </a:r>
-            <a:r>
-              <a:rPr lang="pl-PL" dirty="0" smtClean="0"/>
-              <a:t>– automatycznie po udanym zakończeniu metody „receive” (odbieranie synchroniczne) lub „onMessage” (odbieranie asynchroniczne).</a:t>
+              <a:t> – automatycznie po udanym zakończeniu metody „receive” (odbieranie synchroniczne) lub „onMessage” (odbieranie asynchroniczne).</a:t>
             </a:r>
           </a:p>
           <a:p>
@@ -16358,11 +16265,7 @@
             <a:pPr lvl="2"/>
             <a:r>
               <a:rPr lang="pl-PL" dirty="0" smtClean="0"/>
-              <a:t>Session.DUPS_OK_ACKNOWLEDGE – podobnie jak AUTO_ACKNOWLEDGE, ale JMS provider może optymalizować proces potwierdzania pod kątem wydajności. Kosztem wyższej wydajności jest możliwość dostarczania do odbiorcy tego samego komunikatu więcej niż raz (duplikaty</a:t>
-            </a:r>
-            <a:r>
-              <a:rPr lang="pl-PL" dirty="0" smtClean="0"/>
-              <a:t>).</a:t>
+              <a:t>Session.DUPS_OK_ACKNOWLEDGE – podobnie jak AUTO_ACKNOWLEDGE, ale JMS provider może optymalizować proces potwierdzania pod kątem wydajności. Kosztem wyższej wydajności jest możliwość dostarczania do odbiorcy tego samego komunikatu więcej niż raz (duplikaty).</a:t>
             </a:r>
           </a:p>
           <a:p>
@@ -16397,7 +16300,7 @@
     </p:spTree>
     <p:extLst>
       <p:ext uri="{BB962C8B-B14F-4D97-AF65-F5344CB8AC3E}">
-        <p14:creationId xmlns:p14="http://schemas.microsoft.com/office/powerpoint/2010/main" xmlns="" val="2702127360"/>
+        <p14:creationId xmlns="" xmlns:p14="http://schemas.microsoft.com/office/powerpoint/2010/main" val="2702127360"/>
       </p:ext>
     </p:extLst>
   </p:cSld>
@@ -16405,7 +16308,7 @@
     <a:masterClrMapping/>
   </p:clrMapOvr>
   <mc:AlternateContent xmlns:mc="http://schemas.openxmlformats.org/markup-compatibility/2006">
-    <mc:Choice xmlns:p14="http://schemas.microsoft.com/office/powerpoint/2010/main" xmlns="" Requires="p14">
+    <mc:Choice xmlns="" xmlns:p14="http://schemas.microsoft.com/office/powerpoint/2010/main" Requires="p14">
       <p:transition p14:dur="10"/>
     </mc:Choice>
     <mc:Fallback>
@@ -16645,7 +16548,7 @@
     </p:spTree>
     <p:extLst>
       <p:ext uri="{BB962C8B-B14F-4D97-AF65-F5344CB8AC3E}">
-        <p14:creationId xmlns:p14="http://schemas.microsoft.com/office/powerpoint/2010/main" xmlns="" val="1674966021"/>
+        <p14:creationId xmlns="" xmlns:p14="http://schemas.microsoft.com/office/powerpoint/2010/main" val="1674966021"/>
       </p:ext>
     </p:extLst>
   </p:cSld>
@@ -16653,7 +16556,7 @@
     <a:masterClrMapping/>
   </p:clrMapOvr>
   <mc:AlternateContent xmlns:mc="http://schemas.openxmlformats.org/markup-compatibility/2006">
-    <mc:Choice xmlns:p14="http://schemas.microsoft.com/office/powerpoint/2010/main" xmlns="" Requires="p14">
+    <mc:Choice xmlns="" xmlns:p14="http://schemas.microsoft.com/office/powerpoint/2010/main" Requires="p14">
       <p:transition p14:dur="10"/>
     </mc:Choice>
     <mc:Fallback>
@@ -16942,7 +16845,7 @@
   <a:extraClrSchemeLst/>
   <a:extLst>
     <a:ext uri="{05A4C25C-085E-4340-85A3-A5531E510DB2}">
-      <thm15:themeFamily xmlns:thm15="http://schemas.microsoft.com/office/thememl/2012/main" xmlns="" name="GFT_Chartpool_2015.pptx" id="{A28C9458-9558-44C8-89F4-D7A2CBC04405}" vid="{0F156D25-70FA-498B-891B-4FDE46BF1046}"/>
+      <thm15:themeFamily xmlns="" xmlns:thm15="http://schemas.microsoft.com/office/thememl/2012/main" name="GFT_Chartpool_2015.pptx" id="{A28C9458-9558-44C8-89F4-D7A2CBC04405}" vid="{0F156D25-70FA-498B-891B-4FDE46BF1046}"/>
     </a:ext>
   </a:extLst>
 </a:theme>
@@ -17589,87 +17492,6 @@
 </file>
 
 <file path=customXml/item1.xml><?xml version="1.0" encoding="utf-8"?>
-<?mso-contentType ?>
-<spe:Receivers xmlns:spe="http://schemas.microsoft.com/sharepoint/events">
-  <Receiver>
-    <Name>Document ID Generator</Name>
-    <Synchronization>Synchronous</Synchronization>
-    <Type>10001</Type>
-    <SequenceNumber>1000</SequenceNumber>
-    <Assembly>Microsoft.Office.DocumentManagement, Version=14.0.0.0, Culture=neutral, PublicKeyToken=71e9bce111e9429c</Assembly>
-    <Class>Microsoft.Office.DocumentManagement.Internal.DocIdHandler</Class>
-    <Data/>
-    <Filter/>
-  </Receiver>
-  <Receiver>
-    <Name>Document ID Generator</Name>
-    <Synchronization>Synchronous</Synchronization>
-    <Type>10002</Type>
-    <SequenceNumber>1001</SequenceNumber>
-    <Assembly>Microsoft.Office.DocumentManagement, Version=14.0.0.0, Culture=neutral, PublicKeyToken=71e9bce111e9429c</Assembly>
-    <Class>Microsoft.Office.DocumentManagement.Internal.DocIdHandler</Class>
-    <Data/>
-    <Filter/>
-  </Receiver>
-  <Receiver>
-    <Name>Document ID Generator</Name>
-    <Synchronization>Synchronous</Synchronization>
-    <Type>10004</Type>
-    <SequenceNumber>1002</SequenceNumber>
-    <Assembly>Microsoft.Office.DocumentManagement, Version=14.0.0.0, Culture=neutral, PublicKeyToken=71e9bce111e9429c</Assembly>
-    <Class>Microsoft.Office.DocumentManagement.Internal.DocIdHandler</Class>
-    <Data/>
-    <Filter/>
-  </Receiver>
-  <Receiver>
-    <Name>Document ID Generator</Name>
-    <Synchronization>Synchronous</Synchronization>
-    <Type>10006</Type>
-    <SequenceNumber>1003</SequenceNumber>
-    <Assembly>Microsoft.Office.DocumentManagement, Version=14.0.0.0, Culture=neutral, PublicKeyToken=71e9bce111e9429c</Assembly>
-    <Class>Microsoft.Office.DocumentManagement.Internal.DocIdHandler</Class>
-    <Data/>
-    <Filter/>
-  </Receiver>
-</spe:Receivers>
-</file>
-
-<file path=customXml/item2.xml><?xml version="1.0" encoding="utf-8"?>
-<p:properties xmlns:p="http://schemas.microsoft.com/office/2006/metadata/properties" xmlns:xsi="http://www.w3.org/2001/XMLSchema-instance" xmlns:pc="http://schemas.microsoft.com/office/infopath/2007/PartnerControls">
-  <documentManagement>
-    <_dlc_DocId xmlns="727178e8-9586-4f49-8e7b-77af9c2fb085">CVD5QAC74SYH-2-13943</_dlc_DocId>
-    <_dlc_DocIdUrl xmlns="727178e8-9586-4f49-8e7b-77af9c2fb085">
-      <Url>https://share.gft.com/sites/Corporate-Marketing/_layouts/DocIdRedir.aspx?ID=CVD5QAC74SYH-2-13943</Url>
-      <Description>CVD5QAC74SYH-2-13943</Description>
-    </_dlc_DocIdUrl>
-    <Functional_x0020_Area xmlns="e44e039f-c551-4112-981c-456f1b630ef1">Functional Area 1</Functional_x0020_Area>
-    <Reference_x0020_Title xmlns="e44e039f-c551-4112-981c-456f1b630ef1" xsi:nil="true"/>
-    <Area xmlns="e44e039f-c551-4112-981c-456f1b630ef1">Area 1</Area>
-    <Project_x0020_size_x0020__x0028_resources_x0029_ xmlns="e44e039f-c551-4112-981c-456f1b630ef1" xsi:nil="true"/>
-    <Comments xmlns="e44e039f-c551-4112-981c-456f1b630ef1" xsi:nil="true"/>
-    <Business_x0020_Sector xmlns="e44e039f-c551-4112-981c-456f1b630ef1">Banking</Business_x0020_Sector>
-    <Client_x0020_Category xmlns="e44e039f-c551-4112-981c-456f1b630ef1">Central</Client_x0020_Category>
-    <Methods_x0020_and_x0020_standards xmlns="e44e039f-c551-4112-981c-456f1b630ef1" xsi:nil="true"/>
-    <Responsible xmlns="e44e039f-c551-4112-981c-456f1b630ef1">Marek Strejczek</Responsible>
-    <Client_x0020_Name xmlns="e44e039f-c551-4112-981c-456f1b630ef1" xsi:nil="true"/>
-    <Client_x0020_approval xmlns="e44e039f-c551-4112-981c-456f1b630ef1">No</Client_x0020_approval>
-    <Plattform_x0020__x0026__x0020_tools xmlns="e44e039f-c551-4112-981c-456f1b630ef1" xsi:nil="true"/>
-    <Project_x0020_ID xmlns="e44e039f-c551-4112-981c-456f1b630ef1" xsi:nil="true"/>
-    <Description0 xmlns="e44e039f-c551-4112-981c-456f1b630ef1" xsi:nil="true"/>
-    <Author_x0020__x002f__x0020_Contact xmlns="e44e039f-c551-4112-981c-456f1b630ef1">
-      <UserInfo>
-        <DisplayName/>
-        <AccountId xsi:nil="true"/>
-        <AccountType/>
-      </UserInfo>
-    </Author_x0020__x002f__x0020_Contact>
-    <Client_x0020_Country xmlns="e44e039f-c551-4112-981c-456f1b630ef1">Germany</Client_x0020_Country>
-    <Year xmlns="e44e039f-c551-4112-981c-456f1b630ef1" xsi:nil="true"/>
-  </documentManagement>
-</p:properties>
-</file>
-
-<file path=customXml/item3.xml><?xml version="1.0" encoding="utf-8"?>
 <ct:contentTypeSchema xmlns:ct="http://schemas.microsoft.com/office/2006/metadata/contentType" xmlns:ma="http://schemas.microsoft.com/office/2006/metadata/properties/metaAttributes" ct:_="" ma:_="" ma:contentTypeName="Document" ma:contentTypeID="0x010100793B9935CA02AD4F90F0A0FD564FDD82" ma:contentTypeVersion="17" ma:contentTypeDescription="Create a new document." ma:contentTypeScope="" ma:versionID="6168266ad0b2c1ccdc9d2ae0268a5eb6">
   <xsd:schema xmlns:xsd="http://www.w3.org/2001/XMLSchema" xmlns:xs="http://www.w3.org/2001/XMLSchema" xmlns:p="http://schemas.microsoft.com/office/2006/metadata/properties" xmlns:ns2="e44e039f-c551-4112-981c-456f1b630ef1" xmlns:ns3="727178e8-9586-4f49-8e7b-77af9c2fb085" targetNamespace="http://schemas.microsoft.com/office/2006/metadata/properties" ma:root="true" ma:fieldsID="b9b29daf9bb73cd90369de1b0e977594" ns2:_="" ns3:_="">
     <xsd:import namespace="e44e039f-c551-4112-981c-456f1b630ef1"/>
@@ -18166,6 +17988,87 @@
 </ct:contentTypeSchema>
 </file>
 
+<file path=customXml/item2.xml><?xml version="1.0" encoding="utf-8"?>
+<p:properties xmlns:p="http://schemas.microsoft.com/office/2006/metadata/properties" xmlns:xsi="http://www.w3.org/2001/XMLSchema-instance" xmlns:pc="http://schemas.microsoft.com/office/infopath/2007/PartnerControls">
+  <documentManagement>
+    <_dlc_DocId xmlns="727178e8-9586-4f49-8e7b-77af9c2fb085">CVD5QAC74SYH-2-13943</_dlc_DocId>
+    <_dlc_DocIdUrl xmlns="727178e8-9586-4f49-8e7b-77af9c2fb085">
+      <Url>https://share.gft.com/sites/Corporate-Marketing/_layouts/DocIdRedir.aspx?ID=CVD5QAC74SYH-2-13943</Url>
+      <Description>CVD5QAC74SYH-2-13943</Description>
+    </_dlc_DocIdUrl>
+    <Functional_x0020_Area xmlns="e44e039f-c551-4112-981c-456f1b630ef1">Functional Area 1</Functional_x0020_Area>
+    <Reference_x0020_Title xmlns="e44e039f-c551-4112-981c-456f1b630ef1" xsi:nil="true"/>
+    <Area xmlns="e44e039f-c551-4112-981c-456f1b630ef1">Area 1</Area>
+    <Project_x0020_size_x0020__x0028_resources_x0029_ xmlns="e44e039f-c551-4112-981c-456f1b630ef1" xsi:nil="true"/>
+    <Comments xmlns="e44e039f-c551-4112-981c-456f1b630ef1" xsi:nil="true"/>
+    <Business_x0020_Sector xmlns="e44e039f-c551-4112-981c-456f1b630ef1">Banking</Business_x0020_Sector>
+    <Client_x0020_Category xmlns="e44e039f-c551-4112-981c-456f1b630ef1">Central</Client_x0020_Category>
+    <Methods_x0020_and_x0020_standards xmlns="e44e039f-c551-4112-981c-456f1b630ef1" xsi:nil="true"/>
+    <Responsible xmlns="e44e039f-c551-4112-981c-456f1b630ef1">Marek Strejczek</Responsible>
+    <Client_x0020_Name xmlns="e44e039f-c551-4112-981c-456f1b630ef1" xsi:nil="true"/>
+    <Client_x0020_approval xmlns="e44e039f-c551-4112-981c-456f1b630ef1">No</Client_x0020_approval>
+    <Plattform_x0020__x0026__x0020_tools xmlns="e44e039f-c551-4112-981c-456f1b630ef1" xsi:nil="true"/>
+    <Project_x0020_ID xmlns="e44e039f-c551-4112-981c-456f1b630ef1" xsi:nil="true"/>
+    <Description0 xmlns="e44e039f-c551-4112-981c-456f1b630ef1" xsi:nil="true"/>
+    <Author_x0020__x002f__x0020_Contact xmlns="e44e039f-c551-4112-981c-456f1b630ef1">
+      <UserInfo>
+        <DisplayName/>
+        <AccountId xsi:nil="true"/>
+        <AccountType/>
+      </UserInfo>
+    </Author_x0020__x002f__x0020_Contact>
+    <Client_x0020_Country xmlns="e44e039f-c551-4112-981c-456f1b630ef1">Germany</Client_x0020_Country>
+    <Year xmlns="e44e039f-c551-4112-981c-456f1b630ef1" xsi:nil="true"/>
+  </documentManagement>
+</p:properties>
+</file>
+
+<file path=customXml/item3.xml><?xml version="1.0" encoding="utf-8"?>
+<?mso-contentType ?>
+<spe:Receivers xmlns:spe="http://schemas.microsoft.com/sharepoint/events">
+  <Receiver>
+    <Name>Document ID Generator</Name>
+    <Synchronization>Synchronous</Synchronization>
+    <Type>10001</Type>
+    <SequenceNumber>1000</SequenceNumber>
+    <Assembly>Microsoft.Office.DocumentManagement, Version=14.0.0.0, Culture=neutral, PublicKeyToken=71e9bce111e9429c</Assembly>
+    <Class>Microsoft.Office.DocumentManagement.Internal.DocIdHandler</Class>
+    <Data/>
+    <Filter/>
+  </Receiver>
+  <Receiver>
+    <Name>Document ID Generator</Name>
+    <Synchronization>Synchronous</Synchronization>
+    <Type>10002</Type>
+    <SequenceNumber>1001</SequenceNumber>
+    <Assembly>Microsoft.Office.DocumentManagement, Version=14.0.0.0, Culture=neutral, PublicKeyToken=71e9bce111e9429c</Assembly>
+    <Class>Microsoft.Office.DocumentManagement.Internal.DocIdHandler</Class>
+    <Data/>
+    <Filter/>
+  </Receiver>
+  <Receiver>
+    <Name>Document ID Generator</Name>
+    <Synchronization>Synchronous</Synchronization>
+    <Type>10004</Type>
+    <SequenceNumber>1002</SequenceNumber>
+    <Assembly>Microsoft.Office.DocumentManagement, Version=14.0.0.0, Culture=neutral, PublicKeyToken=71e9bce111e9429c</Assembly>
+    <Class>Microsoft.Office.DocumentManagement.Internal.DocIdHandler</Class>
+    <Data/>
+    <Filter/>
+  </Receiver>
+  <Receiver>
+    <Name>Document ID Generator</Name>
+    <Synchronization>Synchronous</Synchronization>
+    <Type>10006</Type>
+    <SequenceNumber>1003</SequenceNumber>
+    <Assembly>Microsoft.Office.DocumentManagement, Version=14.0.0.0, Culture=neutral, PublicKeyToken=71e9bce111e9429c</Assembly>
+    <Class>Microsoft.Office.DocumentManagement.Internal.DocIdHandler</Class>
+    <Data/>
+    <Filter/>
+  </Receiver>
+</spe:Receivers>
+</file>
+
 <file path=customXml/item4.xml><?xml version="1.0" encoding="utf-8"?>
 <?mso-contentType ?>
 <FormTemplates xmlns="http://schemas.microsoft.com/sharepoint/v3/contenttype/forms">
@@ -18176,9 +18079,20 @@
 </file>
 
 <file path=customXml/itemProps1.xml><?xml version="1.0" encoding="utf-8"?>
-<ds:datastoreItem xmlns:ds="http://schemas.openxmlformats.org/officeDocument/2006/customXml" ds:itemID="{A6F3EA8F-EBA0-438A-80BD-6A96E2E10054}">
+<ds:datastoreItem xmlns:ds="http://schemas.openxmlformats.org/officeDocument/2006/customXml" ds:itemID="{54CA1130-EAC1-4116-82E4-DF5A51FE3AEA}">
   <ds:schemaRefs>
-    <ds:schemaRef ds:uri="http://schemas.microsoft.com/sharepoint/events"/>
+    <ds:schemaRef ds:uri="http://schemas.microsoft.com/office/2006/metadata/contentType"/>
+    <ds:schemaRef ds:uri="http://schemas.microsoft.com/office/2006/metadata/properties/metaAttributes"/>
+    <ds:schemaRef ds:uri="http://www.w3.org/2001/XMLSchema"/>
+    <ds:schemaRef ds:uri="http://schemas.microsoft.com/office/2006/metadata/properties"/>
+    <ds:schemaRef ds:uri="e44e039f-c551-4112-981c-456f1b630ef1"/>
+    <ds:schemaRef ds:uri="727178e8-9586-4f49-8e7b-77af9c2fb085"/>
+    <ds:schemaRef ds:uri="http://schemas.microsoft.com/office/2006/documentManagement/types"/>
+    <ds:schemaRef ds:uri="http://schemas.microsoft.com/office/infopath/2007/PartnerControls"/>
+    <ds:schemaRef ds:uri="http://schemas.openxmlformats.org/package/2006/metadata/core-properties"/>
+    <ds:schemaRef ds:uri="http://purl.org/dc/elements/1.1/"/>
+    <ds:schemaRef ds:uri="http://purl.org/dc/terms/"/>
+    <ds:schemaRef ds:uri="http://schemas.microsoft.com/internal/obd"/>
   </ds:schemaRefs>
 </ds:datastoreItem>
 </file>
@@ -18201,20 +18115,9 @@
 </file>
 
 <file path=customXml/itemProps3.xml><?xml version="1.0" encoding="utf-8"?>
-<ds:datastoreItem xmlns:ds="http://schemas.openxmlformats.org/officeDocument/2006/customXml" ds:itemID="{54CA1130-EAC1-4116-82E4-DF5A51FE3AEA}">
+<ds:datastoreItem xmlns:ds="http://schemas.openxmlformats.org/officeDocument/2006/customXml" ds:itemID="{A6F3EA8F-EBA0-438A-80BD-6A96E2E10054}">
   <ds:schemaRefs>
-    <ds:schemaRef ds:uri="http://schemas.microsoft.com/office/2006/metadata/contentType"/>
-    <ds:schemaRef ds:uri="http://schemas.microsoft.com/office/2006/metadata/properties/metaAttributes"/>
-    <ds:schemaRef ds:uri="http://www.w3.org/2001/XMLSchema"/>
-    <ds:schemaRef ds:uri="http://schemas.microsoft.com/office/2006/metadata/properties"/>
-    <ds:schemaRef ds:uri="e44e039f-c551-4112-981c-456f1b630ef1"/>
-    <ds:schemaRef ds:uri="727178e8-9586-4f49-8e7b-77af9c2fb085"/>
-    <ds:schemaRef ds:uri="http://schemas.microsoft.com/office/2006/documentManagement/types"/>
-    <ds:schemaRef ds:uri="http://schemas.microsoft.com/office/infopath/2007/PartnerControls"/>
-    <ds:schemaRef ds:uri="http://schemas.openxmlformats.org/package/2006/metadata/core-properties"/>
-    <ds:schemaRef ds:uri="http://purl.org/dc/elements/1.1/"/>
-    <ds:schemaRef ds:uri="http://purl.org/dc/terms/"/>
-    <ds:schemaRef ds:uri="http://schemas.microsoft.com/internal/obd"/>
+    <ds:schemaRef ds:uri="http://schemas.microsoft.com/sharepoint/events"/>
   </ds:schemaRefs>
 </ds:datastoreItem>
 </file>
